--- a/documentation/wwmp.pptx
+++ b/documentation/wwmp.pptx
@@ -123,6 +123,11 @@
       </a:defRPr>
     </a:lvl9pPr>
   </p:defaultTextStyle>
+  <p:extLst>
+    <p:ext uri="{EFAFB233-063F-42B5-8137-9DF3F51BA10A}">
+      <p15:sldGuideLst xmlns:p15="http://schemas.microsoft.com/office/powerpoint/2012/main"/>
+    </p:ext>
+  </p:extLst>
 </p:presentation>
 </file>
 
@@ -208,7 +213,7 @@
           <a:p>
             <a:fld id="{60D937F9-561B-44D0-9AF2-5F16B33FEB6D}" type="datetimeFigureOut">
               <a:rPr lang="de-DE" smtClean="0"/>
-              <a:t>13.11.2019</a:t>
+              <a:t>14.11.2019</a:t>
             </a:fld>
             <a:endParaRPr lang="de-DE"/>
           </a:p>
@@ -607,7 +612,7 @@
           <a:p>
             <a:fld id="{3B9A3AE3-57FE-428D-8266-94688F93CFE4}" type="datetime1">
               <a:rPr lang="de-DE" smtClean="0"/>
-              <a:t>13.11.2019</a:t>
+              <a:t>14.11.2019</a:t>
             </a:fld>
             <a:endParaRPr lang="de-DE"/>
           </a:p>
@@ -777,7 +782,7 @@
           <a:p>
             <a:fld id="{6C31C2C4-7A56-462C-84BA-969744655166}" type="datetime1">
               <a:rPr lang="de-DE" smtClean="0"/>
-              <a:t>13.11.2019</a:t>
+              <a:t>14.11.2019</a:t>
             </a:fld>
             <a:endParaRPr lang="de-DE"/>
           </a:p>
@@ -957,7 +962,7 @@
           <a:p>
             <a:fld id="{0360580C-4F5E-4B49-9272-89958F810EDF}" type="datetime1">
               <a:rPr lang="de-DE" smtClean="0"/>
-              <a:t>13.11.2019</a:t>
+              <a:t>14.11.2019</a:t>
             </a:fld>
             <a:endParaRPr lang="de-DE"/>
           </a:p>
@@ -1127,7 +1132,7 @@
           <a:p>
             <a:fld id="{EA428BC3-6769-4E49-A755-91D90E8940AE}" type="datetime1">
               <a:rPr lang="de-DE" smtClean="0"/>
-              <a:t>13.11.2019</a:t>
+              <a:t>14.11.2019</a:t>
             </a:fld>
             <a:endParaRPr lang="de-DE"/>
           </a:p>
@@ -1373,7 +1378,7 @@
           <a:p>
             <a:fld id="{9B8F9CDB-2F59-41E7-A9FB-E2EA88CBC35B}" type="datetime1">
               <a:rPr lang="de-DE" smtClean="0"/>
-              <a:t>13.11.2019</a:t>
+              <a:t>14.11.2019</a:t>
             </a:fld>
             <a:endParaRPr lang="de-DE"/>
           </a:p>
@@ -1605,7 +1610,7 @@
           <a:p>
             <a:fld id="{E4E6BF59-0717-43CF-97D9-ED2E018F2500}" type="datetime1">
               <a:rPr lang="de-DE" smtClean="0"/>
-              <a:t>13.11.2019</a:t>
+              <a:t>14.11.2019</a:t>
             </a:fld>
             <a:endParaRPr lang="de-DE"/>
           </a:p>
@@ -1972,7 +1977,7 @@
           <a:p>
             <a:fld id="{05E60D12-505A-45AD-8674-C9373E24576A}" type="datetime1">
               <a:rPr lang="de-DE" smtClean="0"/>
-              <a:t>13.11.2019</a:t>
+              <a:t>14.11.2019</a:t>
             </a:fld>
             <a:endParaRPr lang="de-DE"/>
           </a:p>
@@ -2090,7 +2095,7 @@
           <a:p>
             <a:fld id="{0EE617D4-C464-4C55-9537-5E0842B638DB}" type="datetime1">
               <a:rPr lang="de-DE" smtClean="0"/>
-              <a:t>13.11.2019</a:t>
+              <a:t>14.11.2019</a:t>
             </a:fld>
             <a:endParaRPr lang="de-DE"/>
           </a:p>
@@ -2185,7 +2190,7 @@
           <a:p>
             <a:fld id="{DE3276E5-65CB-4E7C-B048-11C9875E5D78}" type="datetime1">
               <a:rPr lang="de-DE" smtClean="0"/>
-              <a:t>13.11.2019</a:t>
+              <a:t>14.11.2019</a:t>
             </a:fld>
             <a:endParaRPr lang="de-DE"/>
           </a:p>
@@ -2462,7 +2467,7 @@
           <a:p>
             <a:fld id="{6FAC84D1-C2A3-49D9-91BD-34BF6A2E6D3A}" type="datetime1">
               <a:rPr lang="de-DE" smtClean="0"/>
-              <a:t>13.11.2019</a:t>
+              <a:t>14.11.2019</a:t>
             </a:fld>
             <a:endParaRPr lang="de-DE"/>
           </a:p>
@@ -2715,7 +2720,7 @@
           <a:p>
             <a:fld id="{C7C3D48D-46F0-4A96-8F92-410573AE7794}" type="datetime1">
               <a:rPr lang="de-DE" smtClean="0"/>
-              <a:t>13.11.2019</a:t>
+              <a:t>14.11.2019</a:t>
             </a:fld>
             <a:endParaRPr lang="de-DE"/>
           </a:p>
@@ -2928,7 +2933,7 @@
           <a:p>
             <a:fld id="{6055A6E6-0C08-4B3B-9BA3-DF8EF3D0D0E5}" type="datetime1">
               <a:rPr lang="de-DE" smtClean="0"/>
-              <a:t>13.11.2019</a:t>
+              <a:t>14.11.2019</a:t>
             </a:fld>
             <a:endParaRPr lang="de-DE"/>
           </a:p>
@@ -3921,7 +3926,11 @@
           <a:p>
             <a:r>
               <a:rPr lang="de-DE" dirty="0" smtClean="0"/>
-              <a:t>Was Funktioniert was nicht?</a:t>
+              <a:t>Was </a:t>
+            </a:r>
+            <a:r>
+              <a:rPr lang="de-DE" dirty="0" smtClean="0"/>
+              <a:t>Funktioniert?</a:t>
             </a:r>
             <a:endParaRPr lang="de-DE" dirty="0"/>
           </a:p>
@@ -3942,7 +3951,7 @@
           <a:bodyPr/>
           <a:lstStyle/>
           <a:p>
-            <a:endParaRPr lang="de-DE"/>
+            <a:endParaRPr lang="de-DE" dirty="0"/>
           </a:p>
         </p:txBody>
       </p:sp>
@@ -4511,25 +4520,6 @@
       </p:sp>
       <p:sp>
         <p:nvSpPr>
-          <p:cNvPr id="3" name="Inhaltsplatzhalter 2"/>
-          <p:cNvSpPr>
-            <a:spLocks noGrp="1"/>
-          </p:cNvSpPr>
-          <p:nvPr>
-            <p:ph idx="1"/>
-          </p:nvPr>
-        </p:nvSpPr>
-        <p:spPr/>
-        <p:txBody>
-          <a:bodyPr/>
-          <a:lstStyle/>
-          <a:p>
-            <a:endParaRPr lang="de-DE"/>
-          </a:p>
-        </p:txBody>
-      </p:sp>
-      <p:sp>
-        <p:nvSpPr>
           <p:cNvPr id="6" name="Foliennummernplatzhalter 5"/>
           <p:cNvSpPr>
             <a:spLocks noGrp="1"/>
@@ -4551,6 +4541,650 @@
           </a:p>
         </p:txBody>
       </p:sp>
+      <p:graphicFrame>
+        <p:nvGraphicFramePr>
+          <p:cNvPr id="7" name="Inhaltsplatzhalter 6"/>
+          <p:cNvGraphicFramePr>
+            <a:graphicFrameLocks noGrp="1"/>
+          </p:cNvGraphicFramePr>
+          <p:nvPr>
+            <p:ph idx="1"/>
+            <p:extLst>
+              <p:ext uri="{D42A27DB-BD31-4B8C-83A1-F6EECF244321}">
+                <p14:modId xmlns:p14="http://schemas.microsoft.com/office/powerpoint/2010/main" val="841874013"/>
+              </p:ext>
+            </p:extLst>
+          </p:nvPr>
+        </p:nvGraphicFramePr>
+        <p:xfrm>
+          <a:off x="838200" y="1825625"/>
+          <a:ext cx="10515600" cy="4450080"/>
+        </p:xfrm>
+        <a:graphic>
+          <a:graphicData uri="http://schemas.openxmlformats.org/drawingml/2006/table">
+            <a:tbl>
+              <a:tblPr firstRow="1" bandRow="1">
+                <a:tableStyleId>{5C22544A-7EE6-4342-B048-85BDC9FD1C3A}</a:tableStyleId>
+              </a:tblPr>
+              <a:tblGrid>
+                <a:gridCol w="3505200">
+                  <a:extLst>
+                    <a:ext uri="{9D8B030D-6E8A-4147-A177-3AD203B41FA5}">
+                      <a16:colId xmlns:a16="http://schemas.microsoft.com/office/drawing/2014/main" val="3303255463"/>
+                    </a:ext>
+                  </a:extLst>
+                </a:gridCol>
+                <a:gridCol w="5229808">
+                  <a:extLst>
+                    <a:ext uri="{9D8B030D-6E8A-4147-A177-3AD203B41FA5}">
+                      <a16:colId xmlns:a16="http://schemas.microsoft.com/office/drawing/2014/main" val="1722603926"/>
+                    </a:ext>
+                  </a:extLst>
+                </a:gridCol>
+                <a:gridCol w="1780592">
+                  <a:extLst>
+                    <a:ext uri="{9D8B030D-6E8A-4147-A177-3AD203B41FA5}">
+                      <a16:colId xmlns:a16="http://schemas.microsoft.com/office/drawing/2014/main" val="3952762829"/>
+                    </a:ext>
+                  </a:extLst>
+                </a:gridCol>
+              </a:tblGrid>
+              <a:tr h="370840">
+                <a:tc>
+                  <a:txBody>
+                    <a:bodyPr/>
+                    <a:lstStyle/>
+                    <a:p>
+                      <a:r>
+                        <a:rPr lang="de-DE" dirty="0" smtClean="0"/>
+                        <a:t>Task</a:t>
+                      </a:r>
+                      <a:endParaRPr lang="de-DE" dirty="0"/>
+                    </a:p>
+                  </a:txBody>
+                  <a:tcPr/>
+                </a:tc>
+                <a:tc>
+                  <a:txBody>
+                    <a:bodyPr/>
+                    <a:lstStyle/>
+                    <a:p>
+                      <a:r>
+                        <a:rPr lang="en-US" noProof="0" dirty="0" smtClean="0"/>
+                        <a:t>Assigned</a:t>
+                      </a:r>
+                      <a:r>
+                        <a:rPr lang="de-DE" dirty="0" smtClean="0"/>
+                        <a:t> </a:t>
+                      </a:r>
+                      <a:r>
+                        <a:rPr lang="en-US" noProof="0" dirty="0" smtClean="0"/>
+                        <a:t>to</a:t>
+                      </a:r>
+                      <a:endParaRPr lang="en-US" noProof="0" dirty="0"/>
+                    </a:p>
+                  </a:txBody>
+                  <a:tcPr/>
+                </a:tc>
+                <a:tc>
+                  <a:txBody>
+                    <a:bodyPr/>
+                    <a:lstStyle/>
+                    <a:p>
+                      <a:r>
+                        <a:rPr lang="en-US" noProof="0" dirty="0" smtClean="0"/>
+                        <a:t>Time</a:t>
+                      </a:r>
+                      <a:endParaRPr lang="en-US" noProof="0" dirty="0"/>
+                    </a:p>
+                  </a:txBody>
+                  <a:tcPr/>
+                </a:tc>
+                <a:extLst>
+                  <a:ext uri="{0D108BD9-81ED-4DB2-BD59-A6C34878D82A}">
+                    <a16:rowId xmlns:a16="http://schemas.microsoft.com/office/drawing/2014/main" val="3556406476"/>
+                  </a:ext>
+                </a:extLst>
+              </a:tr>
+              <a:tr h="370840">
+                <a:tc>
+                  <a:txBody>
+                    <a:bodyPr/>
+                    <a:lstStyle/>
+                    <a:p>
+                      <a:r>
+                        <a:rPr lang="de-DE" dirty="0" smtClean="0"/>
+                        <a:t>Orientierung,</a:t>
+                      </a:r>
+                      <a:r>
+                        <a:rPr lang="de-DE" baseline="0" dirty="0" smtClean="0"/>
+                        <a:t> Planung </a:t>
+                      </a:r>
+                      <a:endParaRPr lang="de-DE" dirty="0"/>
+                    </a:p>
+                  </a:txBody>
+                  <a:tcPr/>
+                </a:tc>
+                <a:tc>
+                  <a:txBody>
+                    <a:bodyPr/>
+                    <a:lstStyle/>
+                    <a:p>
+                      <a:r>
+                        <a:rPr lang="de-DE" dirty="0" smtClean="0"/>
+                        <a:t>alle</a:t>
+                      </a:r>
+                      <a:endParaRPr lang="de-DE" dirty="0"/>
+                    </a:p>
+                  </a:txBody>
+                  <a:tcPr/>
+                </a:tc>
+                <a:tc>
+                  <a:txBody>
+                    <a:bodyPr/>
+                    <a:lstStyle/>
+                    <a:p>
+                      <a:r>
+                        <a:rPr lang="de-DE" dirty="0" smtClean="0"/>
+                        <a:t>1</a:t>
+                      </a:r>
+                      <a:endParaRPr lang="de-DE" dirty="0"/>
+                    </a:p>
+                  </a:txBody>
+                  <a:tcPr/>
+                </a:tc>
+                <a:extLst>
+                  <a:ext uri="{0D108BD9-81ED-4DB2-BD59-A6C34878D82A}">
+                    <a16:rowId xmlns:a16="http://schemas.microsoft.com/office/drawing/2014/main" val="2948939732"/>
+                  </a:ext>
+                </a:extLst>
+              </a:tr>
+              <a:tr h="370840">
+                <a:tc>
+                  <a:txBody>
+                    <a:bodyPr/>
+                    <a:lstStyle/>
+                    <a:p>
+                      <a:r>
+                        <a:rPr lang="de-DE" dirty="0" smtClean="0"/>
+                        <a:t>Details der Umsetzung</a:t>
+                      </a:r>
+                      <a:r>
+                        <a:rPr lang="de-DE" baseline="0" dirty="0" smtClean="0"/>
+                        <a:t> entscheiden</a:t>
+                      </a:r>
+                      <a:endParaRPr lang="de-DE" dirty="0"/>
+                    </a:p>
+                  </a:txBody>
+                  <a:tcPr/>
+                </a:tc>
+                <a:tc>
+                  <a:txBody>
+                    <a:bodyPr/>
+                    <a:lstStyle/>
+                    <a:p>
+                      <a:r>
+                        <a:rPr lang="de-DE" dirty="0" smtClean="0"/>
+                        <a:t>alle</a:t>
+                      </a:r>
+                      <a:endParaRPr lang="de-DE" dirty="0"/>
+                    </a:p>
+                  </a:txBody>
+                  <a:tcPr/>
+                </a:tc>
+                <a:tc>
+                  <a:txBody>
+                    <a:bodyPr/>
+                    <a:lstStyle/>
+                    <a:p>
+                      <a:r>
+                        <a:rPr lang="de-DE" dirty="0" smtClean="0"/>
+                        <a:t>1</a:t>
+                      </a:r>
+                      <a:endParaRPr lang="de-DE" dirty="0"/>
+                    </a:p>
+                  </a:txBody>
+                  <a:tcPr/>
+                </a:tc>
+                <a:extLst>
+                  <a:ext uri="{0D108BD9-81ED-4DB2-BD59-A6C34878D82A}">
+                    <a16:rowId xmlns:a16="http://schemas.microsoft.com/office/drawing/2014/main" val="1300919031"/>
+                  </a:ext>
+                </a:extLst>
+              </a:tr>
+              <a:tr h="370840">
+                <a:tc>
+                  <a:txBody>
+                    <a:bodyPr/>
+                    <a:lstStyle/>
+                    <a:p>
+                      <a:r>
+                        <a:rPr lang="de-DE" dirty="0" smtClean="0"/>
+                        <a:t>Besprechung MVC Prinzip</a:t>
+                      </a:r>
+                      <a:endParaRPr lang="de-DE" dirty="0"/>
+                    </a:p>
+                  </a:txBody>
+                  <a:tcPr/>
+                </a:tc>
+                <a:tc>
+                  <a:txBody>
+                    <a:bodyPr/>
+                    <a:lstStyle/>
+                    <a:p>
+                      <a:r>
+                        <a:rPr lang="de-DE" dirty="0" smtClean="0"/>
+                        <a:t>alle</a:t>
+                      </a:r>
+                      <a:endParaRPr lang="de-DE" dirty="0"/>
+                    </a:p>
+                  </a:txBody>
+                  <a:tcPr/>
+                </a:tc>
+                <a:tc>
+                  <a:txBody>
+                    <a:bodyPr/>
+                    <a:lstStyle/>
+                    <a:p>
+                      <a:r>
+                        <a:rPr lang="de-DE" dirty="0" smtClean="0"/>
+                        <a:t>3</a:t>
+                      </a:r>
+                      <a:endParaRPr lang="de-DE" dirty="0"/>
+                    </a:p>
+                  </a:txBody>
+                  <a:tcPr/>
+                </a:tc>
+                <a:extLst>
+                  <a:ext uri="{0D108BD9-81ED-4DB2-BD59-A6C34878D82A}">
+                    <a16:rowId xmlns:a16="http://schemas.microsoft.com/office/drawing/2014/main" val="2065399326"/>
+                  </a:ext>
+                </a:extLst>
+              </a:tr>
+              <a:tr h="370840">
+                <a:tc>
+                  <a:txBody>
+                    <a:bodyPr/>
+                    <a:lstStyle/>
+                    <a:p>
+                      <a:r>
+                        <a:rPr lang="de-DE" dirty="0" err="1" smtClean="0"/>
+                        <a:t>Klasssendiagramme</a:t>
+                      </a:r>
+                      <a:endParaRPr lang="de-DE" dirty="0"/>
+                    </a:p>
+                  </a:txBody>
+                  <a:tcPr/>
+                </a:tc>
+                <a:tc>
+                  <a:txBody>
+                    <a:bodyPr/>
+                    <a:lstStyle/>
+                    <a:p>
+                      <a:r>
+                        <a:rPr lang="de-DE" dirty="0" smtClean="0"/>
+                        <a:t>alle</a:t>
+                      </a:r>
+                      <a:endParaRPr lang="de-DE" dirty="0"/>
+                    </a:p>
+                  </a:txBody>
+                  <a:tcPr/>
+                </a:tc>
+                <a:tc>
+                  <a:txBody>
+                    <a:bodyPr/>
+                    <a:lstStyle/>
+                    <a:p>
+                      <a:r>
+                        <a:rPr lang="de-DE" dirty="0" smtClean="0"/>
+                        <a:t>2</a:t>
+                      </a:r>
+                      <a:endParaRPr lang="de-DE" dirty="0"/>
+                    </a:p>
+                  </a:txBody>
+                  <a:tcPr/>
+                </a:tc>
+                <a:extLst>
+                  <a:ext uri="{0D108BD9-81ED-4DB2-BD59-A6C34878D82A}">
+                    <a16:rowId xmlns:a16="http://schemas.microsoft.com/office/drawing/2014/main" val="509115648"/>
+                  </a:ext>
+                </a:extLst>
+              </a:tr>
+              <a:tr h="370840">
+                <a:tc>
+                  <a:txBody>
+                    <a:bodyPr/>
+                    <a:lstStyle/>
+                    <a:p>
+                      <a:r>
+                        <a:rPr lang="de-DE" dirty="0" smtClean="0"/>
+                        <a:t>Implementierung</a:t>
+                      </a:r>
+                      <a:r>
+                        <a:rPr lang="de-DE" baseline="0" dirty="0" smtClean="0"/>
+                        <a:t> Model</a:t>
+                      </a:r>
+                      <a:endParaRPr lang="de-DE" dirty="0"/>
+                    </a:p>
+                  </a:txBody>
+                  <a:tcPr/>
+                </a:tc>
+                <a:tc>
+                  <a:txBody>
+                    <a:bodyPr/>
+                    <a:lstStyle/>
+                    <a:p>
+                      <a:r>
+                        <a:rPr lang="de-DE" dirty="0" smtClean="0"/>
+                        <a:t>Christoph</a:t>
+                      </a:r>
+                      <a:endParaRPr lang="de-DE" dirty="0"/>
+                    </a:p>
+                  </a:txBody>
+                  <a:tcPr/>
+                </a:tc>
+                <a:tc>
+                  <a:txBody>
+                    <a:bodyPr/>
+                    <a:lstStyle/>
+                    <a:p>
+                      <a:r>
+                        <a:rPr lang="de-DE" dirty="0" smtClean="0"/>
+                        <a:t>6</a:t>
+                      </a:r>
+                      <a:endParaRPr lang="de-DE" dirty="0"/>
+                    </a:p>
+                  </a:txBody>
+                  <a:tcPr/>
+                </a:tc>
+                <a:extLst>
+                  <a:ext uri="{0D108BD9-81ED-4DB2-BD59-A6C34878D82A}">
+                    <a16:rowId xmlns:a16="http://schemas.microsoft.com/office/drawing/2014/main" val="2057914185"/>
+                  </a:ext>
+                </a:extLst>
+              </a:tr>
+              <a:tr h="370840">
+                <a:tc>
+                  <a:txBody>
+                    <a:bodyPr/>
+                    <a:lstStyle/>
+                    <a:p>
+                      <a:r>
+                        <a:rPr lang="de-DE" dirty="0" smtClean="0"/>
+                        <a:t>Implementierung</a:t>
+                      </a:r>
+                      <a:r>
+                        <a:rPr lang="de-DE" baseline="0" dirty="0" smtClean="0"/>
+                        <a:t> Controller</a:t>
+                      </a:r>
+                      <a:endParaRPr lang="de-DE" dirty="0"/>
+                    </a:p>
+                  </a:txBody>
+                  <a:tcPr/>
+                </a:tc>
+                <a:tc>
+                  <a:txBody>
+                    <a:bodyPr/>
+                    <a:lstStyle/>
+                    <a:p>
+                      <a:r>
+                        <a:rPr lang="de-DE" dirty="0" smtClean="0"/>
+                        <a:t>Mark</a:t>
+                      </a:r>
+                      <a:endParaRPr lang="de-DE" dirty="0"/>
+                    </a:p>
+                  </a:txBody>
+                  <a:tcPr/>
+                </a:tc>
+                <a:tc>
+                  <a:txBody>
+                    <a:bodyPr/>
+                    <a:lstStyle/>
+                    <a:p>
+                      <a:r>
+                        <a:rPr lang="de-DE" dirty="0" smtClean="0"/>
+                        <a:t>6</a:t>
+                      </a:r>
+                      <a:endParaRPr lang="de-DE" dirty="0"/>
+                    </a:p>
+                  </a:txBody>
+                  <a:tcPr/>
+                </a:tc>
+                <a:extLst>
+                  <a:ext uri="{0D108BD9-81ED-4DB2-BD59-A6C34878D82A}">
+                    <a16:rowId xmlns:a16="http://schemas.microsoft.com/office/drawing/2014/main" val="565686947"/>
+                  </a:ext>
+                </a:extLst>
+              </a:tr>
+              <a:tr h="370840">
+                <a:tc>
+                  <a:txBody>
+                    <a:bodyPr/>
+                    <a:lstStyle/>
+                    <a:p>
+                      <a:r>
+                        <a:rPr lang="de-DE" dirty="0" smtClean="0"/>
+                        <a:t>Implementierung</a:t>
+                      </a:r>
+                      <a:r>
+                        <a:rPr lang="de-DE" baseline="0" dirty="0" smtClean="0"/>
+                        <a:t> View</a:t>
+                      </a:r>
+                      <a:endParaRPr lang="de-DE" dirty="0"/>
+                    </a:p>
+                  </a:txBody>
+                  <a:tcPr/>
+                </a:tc>
+                <a:tc>
+                  <a:txBody>
+                    <a:bodyPr/>
+                    <a:lstStyle/>
+                    <a:p>
+                      <a:r>
+                        <a:rPr lang="de-DE" dirty="0" smtClean="0"/>
+                        <a:t>Jan</a:t>
+                      </a:r>
+                      <a:endParaRPr lang="de-DE" dirty="0"/>
+                    </a:p>
+                  </a:txBody>
+                  <a:tcPr/>
+                </a:tc>
+                <a:tc>
+                  <a:txBody>
+                    <a:bodyPr/>
+                    <a:lstStyle/>
+                    <a:p>
+                      <a:r>
+                        <a:rPr lang="de-DE" dirty="0" smtClean="0"/>
+                        <a:t>6</a:t>
+                      </a:r>
+                      <a:endParaRPr lang="de-DE" dirty="0"/>
+                    </a:p>
+                  </a:txBody>
+                  <a:tcPr/>
+                </a:tc>
+                <a:extLst>
+                  <a:ext uri="{0D108BD9-81ED-4DB2-BD59-A6C34878D82A}">
+                    <a16:rowId xmlns:a16="http://schemas.microsoft.com/office/drawing/2014/main" val="3437108720"/>
+                  </a:ext>
+                </a:extLst>
+              </a:tr>
+              <a:tr h="370840">
+                <a:tc>
+                  <a:txBody>
+                    <a:bodyPr/>
+                    <a:lstStyle/>
+                    <a:p>
+                      <a:r>
+                        <a:rPr lang="de-DE" dirty="0" smtClean="0"/>
+                        <a:t>Zusammenfügen</a:t>
+                      </a:r>
+                      <a:endParaRPr lang="de-DE" dirty="0"/>
+                    </a:p>
+                  </a:txBody>
+                  <a:tcPr/>
+                </a:tc>
+                <a:tc>
+                  <a:txBody>
+                    <a:bodyPr/>
+                    <a:lstStyle/>
+                    <a:p>
+                      <a:r>
+                        <a:rPr lang="de-DE" dirty="0" smtClean="0"/>
+                        <a:t>alle</a:t>
+                      </a:r>
+                      <a:endParaRPr lang="de-DE" dirty="0"/>
+                    </a:p>
+                  </a:txBody>
+                  <a:tcPr/>
+                </a:tc>
+                <a:tc>
+                  <a:txBody>
+                    <a:bodyPr/>
+                    <a:lstStyle/>
+                    <a:p>
+                      <a:r>
+                        <a:rPr lang="de-DE" dirty="0" smtClean="0"/>
+                        <a:t>2</a:t>
+                      </a:r>
+                      <a:endParaRPr lang="de-DE" dirty="0"/>
+                    </a:p>
+                  </a:txBody>
+                  <a:tcPr/>
+                </a:tc>
+                <a:extLst>
+                  <a:ext uri="{0D108BD9-81ED-4DB2-BD59-A6C34878D82A}">
+                    <a16:rowId xmlns:a16="http://schemas.microsoft.com/office/drawing/2014/main" val="3700382887"/>
+                  </a:ext>
+                </a:extLst>
+              </a:tr>
+              <a:tr h="370840">
+                <a:tc>
+                  <a:txBody>
+                    <a:bodyPr/>
+                    <a:lstStyle/>
+                    <a:p>
+                      <a:r>
+                        <a:rPr lang="de-DE" dirty="0" err="1" smtClean="0"/>
+                        <a:t>Refactoring</a:t>
+                      </a:r>
+                      <a:endParaRPr lang="de-DE" dirty="0"/>
+                    </a:p>
+                  </a:txBody>
+                  <a:tcPr/>
+                </a:tc>
+                <a:tc>
+                  <a:txBody>
+                    <a:bodyPr/>
+                    <a:lstStyle/>
+                    <a:p>
+                      <a:r>
+                        <a:rPr lang="de-DE" dirty="0" smtClean="0"/>
+                        <a:t>alle</a:t>
+                      </a:r>
+                      <a:endParaRPr lang="de-DE" dirty="0"/>
+                    </a:p>
+                  </a:txBody>
+                  <a:tcPr/>
+                </a:tc>
+                <a:tc>
+                  <a:txBody>
+                    <a:bodyPr/>
+                    <a:lstStyle/>
+                    <a:p>
+                      <a:r>
+                        <a:rPr lang="de-DE" dirty="0" smtClean="0"/>
+                        <a:t>1</a:t>
+                      </a:r>
+                      <a:endParaRPr lang="de-DE" dirty="0"/>
+                    </a:p>
+                  </a:txBody>
+                  <a:tcPr/>
+                </a:tc>
+                <a:extLst>
+                  <a:ext uri="{0D108BD9-81ED-4DB2-BD59-A6C34878D82A}">
+                    <a16:rowId xmlns:a16="http://schemas.microsoft.com/office/drawing/2014/main" val="1876160771"/>
+                  </a:ext>
+                </a:extLst>
+              </a:tr>
+              <a:tr h="370840">
+                <a:tc>
+                  <a:txBody>
+                    <a:bodyPr/>
+                    <a:lstStyle/>
+                    <a:p>
+                      <a:endParaRPr lang="de-DE"/>
+                    </a:p>
+                  </a:txBody>
+                  <a:tcPr/>
+                </a:tc>
+                <a:tc>
+                  <a:txBody>
+                    <a:bodyPr/>
+                    <a:lstStyle/>
+                    <a:p>
+                      <a:endParaRPr lang="de-DE"/>
+                    </a:p>
+                  </a:txBody>
+                  <a:tcPr/>
+                </a:tc>
+                <a:tc>
+                  <a:txBody>
+                    <a:bodyPr/>
+                    <a:lstStyle/>
+                    <a:p>
+                      <a:endParaRPr lang="de-DE"/>
+                    </a:p>
+                  </a:txBody>
+                  <a:tcPr/>
+                </a:tc>
+                <a:extLst>
+                  <a:ext uri="{0D108BD9-81ED-4DB2-BD59-A6C34878D82A}">
+                    <a16:rowId xmlns:a16="http://schemas.microsoft.com/office/drawing/2014/main" val="1186719962"/>
+                  </a:ext>
+                </a:extLst>
+              </a:tr>
+              <a:tr h="370840">
+                <a:tc>
+                  <a:txBody>
+                    <a:bodyPr/>
+                    <a:lstStyle/>
+                    <a:p>
+                      <a:endParaRPr lang="de-DE"/>
+                    </a:p>
+                  </a:txBody>
+                  <a:tcPr/>
+                </a:tc>
+                <a:tc>
+                  <a:txBody>
+                    <a:bodyPr/>
+                    <a:lstStyle/>
+                    <a:p>
+                      <a:endParaRPr lang="de-DE"/>
+                    </a:p>
+                  </a:txBody>
+                  <a:tcPr/>
+                </a:tc>
+                <a:tc>
+                  <a:txBody>
+                    <a:bodyPr/>
+                    <a:lstStyle/>
+                    <a:p>
+                      <a:endParaRPr lang="de-DE" dirty="0"/>
+                    </a:p>
+                  </a:txBody>
+                  <a:tcPr/>
+                </a:tc>
+                <a:extLst>
+                  <a:ext uri="{0D108BD9-81ED-4DB2-BD59-A6C34878D82A}">
+                    <a16:rowId xmlns:a16="http://schemas.microsoft.com/office/drawing/2014/main" val="2791382351"/>
+                  </a:ext>
+                </a:extLst>
+              </a:tr>
+            </a:tbl>
+          </a:graphicData>
+        </a:graphic>
+      </p:graphicFrame>
     </p:spTree>
     <p:extLst>
       <p:ext uri="{BB962C8B-B14F-4D97-AF65-F5344CB8AC3E}">
@@ -4721,6 +5355,33 @@
           <a:bodyPr/>
           <a:lstStyle/>
           <a:p>
+            <a:r>
+              <a:rPr lang="de-DE" dirty="0" smtClean="0"/>
+              <a:t>Für MVC Pattern entschieden.</a:t>
+            </a:r>
+          </a:p>
+          <a:p>
+            <a:r>
+              <a:rPr lang="de-DE" dirty="0" smtClean="0"/>
+              <a:t>Model hält Spielstand</a:t>
+            </a:r>
+          </a:p>
+          <a:p>
+            <a:r>
+              <a:rPr lang="de-DE" dirty="0" smtClean="0"/>
+              <a:t>Controller </a:t>
+            </a:r>
+            <a:r>
+              <a:rPr lang="de-DE" dirty="0" err="1" smtClean="0"/>
+              <a:t>kk</a:t>
+            </a:r>
+            <a:endParaRPr lang="de-DE" dirty="0" smtClean="0"/>
+          </a:p>
+          <a:p>
+            <a:r>
+              <a:rPr lang="de-DE" dirty="0" smtClean="0"/>
+              <a:t>GUI soll skalierbar sein</a:t>
+            </a:r>
             <a:endParaRPr lang="de-DE" dirty="0"/>
           </a:p>
         </p:txBody>
@@ -4915,7 +5576,7 @@
           <a:bodyPr/>
           <a:lstStyle/>
           <a:p>
-            <a:endParaRPr lang="de-DE"/>
+            <a:endParaRPr lang="de-DE" dirty="0"/>
           </a:p>
         </p:txBody>
       </p:sp>
@@ -4989,7 +5650,11 @@
           <a:p>
             <a:r>
               <a:rPr lang="de-DE" dirty="0" smtClean="0"/>
-              <a:t>Was Funktioniert was nicht?</a:t>
+              <a:t>Was </a:t>
+            </a:r>
+            <a:r>
+              <a:rPr lang="de-DE" dirty="0" smtClean="0"/>
+              <a:t>Funktioniert?</a:t>
             </a:r>
             <a:endParaRPr lang="de-DE" dirty="0"/>
           </a:p>

--- a/documentation/wwmp.pptx
+++ b/documentation/wwmp.pptx
@@ -5,7 +5,7 @@
     <p:sldMasterId id="2147483648" r:id="rId1"/>
   </p:sldMasterIdLst>
   <p:notesMasterIdLst>
-    <p:notesMasterId r:id="rId19"/>
+    <p:notesMasterId r:id="rId23"/>
   </p:notesMasterIdLst>
   <p:sldIdLst>
     <p:sldId id="256" r:id="rId2"/>
@@ -21,10 +21,14 @@
     <p:sldId id="265" r:id="rId12"/>
     <p:sldId id="268" r:id="rId13"/>
     <p:sldId id="269" r:id="rId14"/>
-    <p:sldId id="264" r:id="rId15"/>
-    <p:sldId id="270" r:id="rId16"/>
-    <p:sldId id="271" r:id="rId17"/>
-    <p:sldId id="272" r:id="rId18"/>
+    <p:sldId id="277" r:id="rId15"/>
+    <p:sldId id="264" r:id="rId16"/>
+    <p:sldId id="274" r:id="rId17"/>
+    <p:sldId id="275" r:id="rId18"/>
+    <p:sldId id="276" r:id="rId19"/>
+    <p:sldId id="270" r:id="rId20"/>
+    <p:sldId id="271" r:id="rId21"/>
+    <p:sldId id="272" r:id="rId22"/>
   </p:sldIdLst>
   <p:sldSz cx="12192000" cy="6858000"/>
   <p:notesSz cx="6858000" cy="9144000"/>
@@ -213,7 +217,7 @@
           <a:p>
             <a:fld id="{60D937F9-561B-44D0-9AF2-5F16B33FEB6D}" type="datetimeFigureOut">
               <a:rPr lang="de-DE" smtClean="0"/>
-              <a:t>14.11.2019</a:t>
+              <a:t>19.11.2019</a:t>
             </a:fld>
             <a:endParaRPr lang="de-DE"/>
           </a:p>
@@ -277,38 +281,37 @@
           <a:p>
             <a:pPr lvl="0"/>
             <a:r>
-              <a:rPr lang="de-DE" smtClean="0"/>
+              <a:rPr lang="de-DE"/>
               <a:t>Formatvorlagen des Textmasters bearbeiten</a:t>
             </a:r>
           </a:p>
           <a:p>
             <a:pPr lvl="1"/>
             <a:r>
-              <a:rPr lang="de-DE" smtClean="0"/>
+              <a:rPr lang="de-DE"/>
               <a:t>Zweite Ebene</a:t>
             </a:r>
           </a:p>
           <a:p>
             <a:pPr lvl="2"/>
             <a:r>
-              <a:rPr lang="de-DE" smtClean="0"/>
+              <a:rPr lang="de-DE"/>
               <a:t>Dritte Ebene</a:t>
             </a:r>
           </a:p>
           <a:p>
             <a:pPr lvl="3"/>
             <a:r>
-              <a:rPr lang="de-DE" smtClean="0"/>
+              <a:rPr lang="de-DE"/>
               <a:t>Vierte Ebene</a:t>
             </a:r>
           </a:p>
           <a:p>
             <a:pPr lvl="4"/>
             <a:r>
-              <a:rPr lang="de-DE" smtClean="0"/>
+              <a:rPr lang="de-DE"/>
               <a:t>Fünfte Ebene</a:t>
             </a:r>
-            <a:endParaRPr lang="de-DE"/>
           </a:p>
         </p:txBody>
       </p:sp>
@@ -523,10 +526,9 @@
           </a:lstStyle>
           <a:p>
             <a:r>
-              <a:rPr lang="de-DE" smtClean="0"/>
+              <a:rPr lang="de-DE"/>
               <a:t>Titelmasterformat durch Klicken bearbeiten</a:t>
             </a:r>
-            <a:endParaRPr lang="de-DE"/>
           </a:p>
         </p:txBody>
       </p:sp>
@@ -588,10 +590,9 @@
           </a:lstStyle>
           <a:p>
             <a:r>
-              <a:rPr lang="de-DE" smtClean="0"/>
+              <a:rPr lang="de-DE"/>
               <a:t>Formatvorlage des Untertitelmasters durch Klicken bearbeiten</a:t>
             </a:r>
-            <a:endParaRPr lang="de-DE"/>
           </a:p>
         </p:txBody>
       </p:sp>
@@ -612,7 +613,7 @@
           <a:p>
             <a:fld id="{3B9A3AE3-57FE-428D-8266-94688F93CFE4}" type="datetime1">
               <a:rPr lang="de-DE" smtClean="0"/>
-              <a:t>14.11.2019</a:t>
+              <a:t>19.11.2019</a:t>
             </a:fld>
             <a:endParaRPr lang="de-DE"/>
           </a:p>
@@ -706,10 +707,9 @@
           <a:lstStyle/>
           <a:p>
             <a:r>
-              <a:rPr lang="de-DE" smtClean="0"/>
+              <a:rPr lang="de-DE"/>
               <a:t>Titelmasterformat durch Klicken bearbeiten</a:t>
             </a:r>
-            <a:endParaRPr lang="de-DE"/>
           </a:p>
         </p:txBody>
       </p:sp>
@@ -730,38 +730,37 @@
           <a:p>
             <a:pPr lvl="0"/>
             <a:r>
-              <a:rPr lang="de-DE" smtClean="0"/>
+              <a:rPr lang="de-DE"/>
               <a:t>Formatvorlagen des Textmasters bearbeiten</a:t>
             </a:r>
           </a:p>
           <a:p>
             <a:pPr lvl="1"/>
             <a:r>
-              <a:rPr lang="de-DE" smtClean="0"/>
+              <a:rPr lang="de-DE"/>
               <a:t>Zweite Ebene</a:t>
             </a:r>
           </a:p>
           <a:p>
             <a:pPr lvl="2"/>
             <a:r>
-              <a:rPr lang="de-DE" smtClean="0"/>
+              <a:rPr lang="de-DE"/>
               <a:t>Dritte Ebene</a:t>
             </a:r>
           </a:p>
           <a:p>
             <a:pPr lvl="3"/>
             <a:r>
-              <a:rPr lang="de-DE" smtClean="0"/>
+              <a:rPr lang="de-DE"/>
               <a:t>Vierte Ebene</a:t>
             </a:r>
           </a:p>
           <a:p>
             <a:pPr lvl="4"/>
             <a:r>
-              <a:rPr lang="de-DE" smtClean="0"/>
+              <a:rPr lang="de-DE"/>
               <a:t>Fünfte Ebene</a:t>
             </a:r>
-            <a:endParaRPr lang="de-DE"/>
           </a:p>
         </p:txBody>
       </p:sp>
@@ -782,7 +781,7 @@
           <a:p>
             <a:fld id="{6C31C2C4-7A56-462C-84BA-969744655166}" type="datetime1">
               <a:rPr lang="de-DE" smtClean="0"/>
-              <a:t>14.11.2019</a:t>
+              <a:t>19.11.2019</a:t>
             </a:fld>
             <a:endParaRPr lang="de-DE"/>
           </a:p>
@@ -881,10 +880,9 @@
           <a:lstStyle/>
           <a:p>
             <a:r>
-              <a:rPr lang="de-DE" smtClean="0"/>
+              <a:rPr lang="de-DE"/>
               <a:t>Titelmasterformat durch Klicken bearbeiten</a:t>
             </a:r>
-            <a:endParaRPr lang="de-DE"/>
           </a:p>
         </p:txBody>
       </p:sp>
@@ -910,38 +908,37 @@
           <a:p>
             <a:pPr lvl="0"/>
             <a:r>
-              <a:rPr lang="de-DE" smtClean="0"/>
+              <a:rPr lang="de-DE"/>
               <a:t>Formatvorlagen des Textmasters bearbeiten</a:t>
             </a:r>
           </a:p>
           <a:p>
             <a:pPr lvl="1"/>
             <a:r>
-              <a:rPr lang="de-DE" smtClean="0"/>
+              <a:rPr lang="de-DE"/>
               <a:t>Zweite Ebene</a:t>
             </a:r>
           </a:p>
           <a:p>
             <a:pPr lvl="2"/>
             <a:r>
-              <a:rPr lang="de-DE" smtClean="0"/>
+              <a:rPr lang="de-DE"/>
               <a:t>Dritte Ebene</a:t>
             </a:r>
           </a:p>
           <a:p>
             <a:pPr lvl="3"/>
             <a:r>
-              <a:rPr lang="de-DE" smtClean="0"/>
+              <a:rPr lang="de-DE"/>
               <a:t>Vierte Ebene</a:t>
             </a:r>
           </a:p>
           <a:p>
             <a:pPr lvl="4"/>
             <a:r>
-              <a:rPr lang="de-DE" smtClean="0"/>
+              <a:rPr lang="de-DE"/>
               <a:t>Fünfte Ebene</a:t>
             </a:r>
-            <a:endParaRPr lang="de-DE"/>
           </a:p>
         </p:txBody>
       </p:sp>
@@ -962,7 +959,7 @@
           <a:p>
             <a:fld id="{0360580C-4F5E-4B49-9272-89958F810EDF}" type="datetime1">
               <a:rPr lang="de-DE" smtClean="0"/>
-              <a:t>14.11.2019</a:t>
+              <a:t>19.11.2019</a:t>
             </a:fld>
             <a:endParaRPr lang="de-DE"/>
           </a:p>
@@ -1056,10 +1053,9 @@
           <a:lstStyle/>
           <a:p>
             <a:r>
-              <a:rPr lang="de-DE" smtClean="0"/>
+              <a:rPr lang="de-DE"/>
               <a:t>Titelmasterformat durch Klicken bearbeiten</a:t>
             </a:r>
-            <a:endParaRPr lang="de-DE"/>
           </a:p>
         </p:txBody>
       </p:sp>
@@ -1080,38 +1076,37 @@
           <a:p>
             <a:pPr lvl="0"/>
             <a:r>
-              <a:rPr lang="de-DE" smtClean="0"/>
+              <a:rPr lang="de-DE"/>
               <a:t>Formatvorlagen des Textmasters bearbeiten</a:t>
             </a:r>
           </a:p>
           <a:p>
             <a:pPr lvl="1"/>
             <a:r>
-              <a:rPr lang="de-DE" smtClean="0"/>
+              <a:rPr lang="de-DE"/>
               <a:t>Zweite Ebene</a:t>
             </a:r>
           </a:p>
           <a:p>
             <a:pPr lvl="2"/>
             <a:r>
-              <a:rPr lang="de-DE" smtClean="0"/>
+              <a:rPr lang="de-DE"/>
               <a:t>Dritte Ebene</a:t>
             </a:r>
           </a:p>
           <a:p>
             <a:pPr lvl="3"/>
             <a:r>
-              <a:rPr lang="de-DE" smtClean="0"/>
+              <a:rPr lang="de-DE"/>
               <a:t>Vierte Ebene</a:t>
             </a:r>
           </a:p>
           <a:p>
             <a:pPr lvl="4"/>
             <a:r>
-              <a:rPr lang="de-DE" smtClean="0"/>
+              <a:rPr lang="de-DE"/>
               <a:t>Fünfte Ebene</a:t>
             </a:r>
-            <a:endParaRPr lang="de-DE"/>
           </a:p>
         </p:txBody>
       </p:sp>
@@ -1132,7 +1127,7 @@
           <a:p>
             <a:fld id="{EA428BC3-6769-4E49-A755-91D90E8940AE}" type="datetime1">
               <a:rPr lang="de-DE" smtClean="0"/>
-              <a:t>14.11.2019</a:t>
+              <a:t>19.11.2019</a:t>
             </a:fld>
             <a:endParaRPr lang="de-DE"/>
           </a:p>
@@ -1235,10 +1230,9 @@
           </a:lstStyle>
           <a:p>
             <a:r>
-              <a:rPr lang="de-DE" smtClean="0"/>
+              <a:rPr lang="de-DE"/>
               <a:t>Titelmasterformat durch Klicken bearbeiten</a:t>
             </a:r>
-            <a:endParaRPr lang="de-DE"/>
           </a:p>
         </p:txBody>
       </p:sp>
@@ -1355,7 +1349,7 @@
           <a:p>
             <a:pPr lvl="0"/>
             <a:r>
-              <a:rPr lang="de-DE" smtClean="0"/>
+              <a:rPr lang="de-DE"/>
               <a:t>Formatvorlagen des Textmasters bearbeiten</a:t>
             </a:r>
           </a:p>
@@ -1378,7 +1372,7 @@
           <a:p>
             <a:fld id="{9B8F9CDB-2F59-41E7-A9FB-E2EA88CBC35B}" type="datetime1">
               <a:rPr lang="de-DE" smtClean="0"/>
-              <a:t>14.11.2019</a:t>
+              <a:t>19.11.2019</a:t>
             </a:fld>
             <a:endParaRPr lang="de-DE"/>
           </a:p>
@@ -1472,10 +1466,9 @@
           <a:lstStyle/>
           <a:p>
             <a:r>
-              <a:rPr lang="de-DE" smtClean="0"/>
+              <a:rPr lang="de-DE"/>
               <a:t>Titelmasterformat durch Klicken bearbeiten</a:t>
             </a:r>
-            <a:endParaRPr lang="de-DE"/>
           </a:p>
         </p:txBody>
       </p:sp>
@@ -1501,38 +1494,37 @@
           <a:p>
             <a:pPr lvl="0"/>
             <a:r>
-              <a:rPr lang="de-DE" smtClean="0"/>
+              <a:rPr lang="de-DE"/>
               <a:t>Formatvorlagen des Textmasters bearbeiten</a:t>
             </a:r>
           </a:p>
           <a:p>
             <a:pPr lvl="1"/>
             <a:r>
-              <a:rPr lang="de-DE" smtClean="0"/>
+              <a:rPr lang="de-DE"/>
               <a:t>Zweite Ebene</a:t>
             </a:r>
           </a:p>
           <a:p>
             <a:pPr lvl="2"/>
             <a:r>
-              <a:rPr lang="de-DE" smtClean="0"/>
+              <a:rPr lang="de-DE"/>
               <a:t>Dritte Ebene</a:t>
             </a:r>
           </a:p>
           <a:p>
             <a:pPr lvl="3"/>
             <a:r>
-              <a:rPr lang="de-DE" smtClean="0"/>
+              <a:rPr lang="de-DE"/>
               <a:t>Vierte Ebene</a:t>
             </a:r>
           </a:p>
           <a:p>
             <a:pPr lvl="4"/>
             <a:r>
-              <a:rPr lang="de-DE" smtClean="0"/>
+              <a:rPr lang="de-DE"/>
               <a:t>Fünfte Ebene</a:t>
             </a:r>
-            <a:endParaRPr lang="de-DE"/>
           </a:p>
         </p:txBody>
       </p:sp>
@@ -1558,38 +1550,37 @@
           <a:p>
             <a:pPr lvl="0"/>
             <a:r>
-              <a:rPr lang="de-DE" smtClean="0"/>
+              <a:rPr lang="de-DE"/>
               <a:t>Formatvorlagen des Textmasters bearbeiten</a:t>
             </a:r>
           </a:p>
           <a:p>
             <a:pPr lvl="1"/>
             <a:r>
-              <a:rPr lang="de-DE" smtClean="0"/>
+              <a:rPr lang="de-DE"/>
               <a:t>Zweite Ebene</a:t>
             </a:r>
           </a:p>
           <a:p>
             <a:pPr lvl="2"/>
             <a:r>
-              <a:rPr lang="de-DE" smtClean="0"/>
+              <a:rPr lang="de-DE"/>
               <a:t>Dritte Ebene</a:t>
             </a:r>
           </a:p>
           <a:p>
             <a:pPr lvl="3"/>
             <a:r>
-              <a:rPr lang="de-DE" smtClean="0"/>
+              <a:rPr lang="de-DE"/>
               <a:t>Vierte Ebene</a:t>
             </a:r>
           </a:p>
           <a:p>
             <a:pPr lvl="4"/>
             <a:r>
-              <a:rPr lang="de-DE" smtClean="0"/>
+              <a:rPr lang="de-DE"/>
               <a:t>Fünfte Ebene</a:t>
             </a:r>
-            <a:endParaRPr lang="de-DE"/>
           </a:p>
         </p:txBody>
       </p:sp>
@@ -1610,7 +1601,7 @@
           <a:p>
             <a:fld id="{E4E6BF59-0717-43CF-97D9-ED2E018F2500}" type="datetime1">
               <a:rPr lang="de-DE" smtClean="0"/>
-              <a:t>14.11.2019</a:t>
+              <a:t>19.11.2019</a:t>
             </a:fld>
             <a:endParaRPr lang="de-DE"/>
           </a:p>
@@ -1709,10 +1700,9 @@
           <a:lstStyle/>
           <a:p>
             <a:r>
-              <a:rPr lang="de-DE" smtClean="0"/>
+              <a:rPr lang="de-DE"/>
               <a:t>Titelmasterformat durch Klicken bearbeiten</a:t>
             </a:r>
-            <a:endParaRPr lang="de-DE"/>
           </a:p>
         </p:txBody>
       </p:sp>
@@ -1775,7 +1765,7 @@
           <a:p>
             <a:pPr lvl="0"/>
             <a:r>
-              <a:rPr lang="de-DE" smtClean="0"/>
+              <a:rPr lang="de-DE"/>
               <a:t>Formatvorlagen des Textmasters bearbeiten</a:t>
             </a:r>
           </a:p>
@@ -1803,38 +1793,37 @@
           <a:p>
             <a:pPr lvl="0"/>
             <a:r>
-              <a:rPr lang="de-DE" smtClean="0"/>
+              <a:rPr lang="de-DE"/>
               <a:t>Formatvorlagen des Textmasters bearbeiten</a:t>
             </a:r>
           </a:p>
           <a:p>
             <a:pPr lvl="1"/>
             <a:r>
-              <a:rPr lang="de-DE" smtClean="0"/>
+              <a:rPr lang="de-DE"/>
               <a:t>Zweite Ebene</a:t>
             </a:r>
           </a:p>
           <a:p>
             <a:pPr lvl="2"/>
             <a:r>
-              <a:rPr lang="de-DE" smtClean="0"/>
+              <a:rPr lang="de-DE"/>
               <a:t>Dritte Ebene</a:t>
             </a:r>
           </a:p>
           <a:p>
             <a:pPr lvl="3"/>
             <a:r>
-              <a:rPr lang="de-DE" smtClean="0"/>
+              <a:rPr lang="de-DE"/>
               <a:t>Vierte Ebene</a:t>
             </a:r>
           </a:p>
           <a:p>
             <a:pPr lvl="4"/>
             <a:r>
-              <a:rPr lang="de-DE" smtClean="0"/>
+              <a:rPr lang="de-DE"/>
               <a:t>Fünfte Ebene</a:t>
             </a:r>
-            <a:endParaRPr lang="de-DE"/>
           </a:p>
         </p:txBody>
       </p:sp>
@@ -1897,7 +1886,7 @@
           <a:p>
             <a:pPr lvl="0"/>
             <a:r>
-              <a:rPr lang="de-DE" smtClean="0"/>
+              <a:rPr lang="de-DE"/>
               <a:t>Formatvorlagen des Textmasters bearbeiten</a:t>
             </a:r>
           </a:p>
@@ -1925,38 +1914,37 @@
           <a:p>
             <a:pPr lvl="0"/>
             <a:r>
-              <a:rPr lang="de-DE" smtClean="0"/>
+              <a:rPr lang="de-DE"/>
               <a:t>Formatvorlagen des Textmasters bearbeiten</a:t>
             </a:r>
           </a:p>
           <a:p>
             <a:pPr lvl="1"/>
             <a:r>
-              <a:rPr lang="de-DE" smtClean="0"/>
+              <a:rPr lang="de-DE"/>
               <a:t>Zweite Ebene</a:t>
             </a:r>
           </a:p>
           <a:p>
             <a:pPr lvl="2"/>
             <a:r>
-              <a:rPr lang="de-DE" smtClean="0"/>
+              <a:rPr lang="de-DE"/>
               <a:t>Dritte Ebene</a:t>
             </a:r>
           </a:p>
           <a:p>
             <a:pPr lvl="3"/>
             <a:r>
-              <a:rPr lang="de-DE" smtClean="0"/>
+              <a:rPr lang="de-DE"/>
               <a:t>Vierte Ebene</a:t>
             </a:r>
           </a:p>
           <a:p>
             <a:pPr lvl="4"/>
             <a:r>
-              <a:rPr lang="de-DE" smtClean="0"/>
+              <a:rPr lang="de-DE"/>
               <a:t>Fünfte Ebene</a:t>
             </a:r>
-            <a:endParaRPr lang="de-DE"/>
           </a:p>
         </p:txBody>
       </p:sp>
@@ -1977,7 +1965,7 @@
           <a:p>
             <a:fld id="{05E60D12-505A-45AD-8674-C9373E24576A}" type="datetime1">
               <a:rPr lang="de-DE" smtClean="0"/>
-              <a:t>14.11.2019</a:t>
+              <a:t>19.11.2019</a:t>
             </a:fld>
             <a:endParaRPr lang="de-DE"/>
           </a:p>
@@ -2071,10 +2059,9 @@
           <a:lstStyle/>
           <a:p>
             <a:r>
-              <a:rPr lang="de-DE" smtClean="0"/>
+              <a:rPr lang="de-DE"/>
               <a:t>Titelmasterformat durch Klicken bearbeiten</a:t>
             </a:r>
-            <a:endParaRPr lang="de-DE"/>
           </a:p>
         </p:txBody>
       </p:sp>
@@ -2095,7 +2082,7 @@
           <a:p>
             <a:fld id="{0EE617D4-C464-4C55-9537-5E0842B638DB}" type="datetime1">
               <a:rPr lang="de-DE" smtClean="0"/>
-              <a:t>14.11.2019</a:t>
+              <a:t>19.11.2019</a:t>
             </a:fld>
             <a:endParaRPr lang="de-DE"/>
           </a:p>
@@ -2190,7 +2177,7 @@
           <a:p>
             <a:fld id="{DE3276E5-65CB-4E7C-B048-11C9875E5D78}" type="datetime1">
               <a:rPr lang="de-DE" smtClean="0"/>
-              <a:t>14.11.2019</a:t>
+              <a:t>19.11.2019</a:t>
             </a:fld>
             <a:endParaRPr lang="de-DE"/>
           </a:p>
@@ -2293,10 +2280,9 @@
           </a:lstStyle>
           <a:p>
             <a:r>
-              <a:rPr lang="de-DE" smtClean="0"/>
+              <a:rPr lang="de-DE"/>
               <a:t>Titelmasterformat durch Klicken bearbeiten</a:t>
             </a:r>
-            <a:endParaRPr lang="de-DE"/>
           </a:p>
         </p:txBody>
       </p:sp>
@@ -2350,38 +2336,37 @@
           <a:p>
             <a:pPr lvl="0"/>
             <a:r>
-              <a:rPr lang="de-DE" smtClean="0"/>
+              <a:rPr lang="de-DE"/>
               <a:t>Formatvorlagen des Textmasters bearbeiten</a:t>
             </a:r>
           </a:p>
           <a:p>
             <a:pPr lvl="1"/>
             <a:r>
-              <a:rPr lang="de-DE" smtClean="0"/>
+              <a:rPr lang="de-DE"/>
               <a:t>Zweite Ebene</a:t>
             </a:r>
           </a:p>
           <a:p>
             <a:pPr lvl="2"/>
             <a:r>
-              <a:rPr lang="de-DE" smtClean="0"/>
+              <a:rPr lang="de-DE"/>
               <a:t>Dritte Ebene</a:t>
             </a:r>
           </a:p>
           <a:p>
             <a:pPr lvl="3"/>
             <a:r>
-              <a:rPr lang="de-DE" smtClean="0"/>
+              <a:rPr lang="de-DE"/>
               <a:t>Vierte Ebene</a:t>
             </a:r>
           </a:p>
           <a:p>
             <a:pPr lvl="4"/>
             <a:r>
-              <a:rPr lang="de-DE" smtClean="0"/>
+              <a:rPr lang="de-DE"/>
               <a:t>Fünfte Ebene</a:t>
             </a:r>
-            <a:endParaRPr lang="de-DE"/>
           </a:p>
         </p:txBody>
       </p:sp>
@@ -2444,7 +2429,7 @@
           <a:p>
             <a:pPr lvl="0"/>
             <a:r>
-              <a:rPr lang="de-DE" smtClean="0"/>
+              <a:rPr lang="de-DE"/>
               <a:t>Formatvorlagen des Textmasters bearbeiten</a:t>
             </a:r>
           </a:p>
@@ -2467,7 +2452,7 @@
           <a:p>
             <a:fld id="{6FAC84D1-C2A3-49D9-91BD-34BF6A2E6D3A}" type="datetime1">
               <a:rPr lang="de-DE" smtClean="0"/>
-              <a:t>14.11.2019</a:t>
+              <a:t>19.11.2019</a:t>
             </a:fld>
             <a:endParaRPr lang="de-DE"/>
           </a:p>
@@ -2570,10 +2555,9 @@
           </a:lstStyle>
           <a:p>
             <a:r>
-              <a:rPr lang="de-DE" smtClean="0"/>
+              <a:rPr lang="de-DE"/>
               <a:t>Titelmasterformat durch Klicken bearbeiten</a:t>
             </a:r>
-            <a:endParaRPr lang="de-DE"/>
           </a:p>
         </p:txBody>
       </p:sp>
@@ -2697,7 +2681,7 @@
           <a:p>
             <a:pPr lvl="0"/>
             <a:r>
-              <a:rPr lang="de-DE" smtClean="0"/>
+              <a:rPr lang="de-DE"/>
               <a:t>Formatvorlagen des Textmasters bearbeiten</a:t>
             </a:r>
           </a:p>
@@ -2720,7 +2704,7 @@
           <a:p>
             <a:fld id="{C7C3D48D-46F0-4A96-8F92-410573AE7794}" type="datetime1">
               <a:rPr lang="de-DE" smtClean="0"/>
-              <a:t>14.11.2019</a:t>
+              <a:t>19.11.2019</a:t>
             </a:fld>
             <a:endParaRPr lang="de-DE"/>
           </a:p>
@@ -2829,10 +2813,9 @@
           <a:lstStyle/>
           <a:p>
             <a:r>
-              <a:rPr lang="de-DE" smtClean="0"/>
+              <a:rPr lang="de-DE"/>
               <a:t>Titelmasterformat durch Klicken bearbeiten</a:t>
             </a:r>
-            <a:endParaRPr lang="de-DE"/>
           </a:p>
         </p:txBody>
       </p:sp>
@@ -2863,38 +2846,37 @@
           <a:p>
             <a:pPr lvl="0"/>
             <a:r>
-              <a:rPr lang="de-DE" smtClean="0"/>
+              <a:rPr lang="de-DE"/>
               <a:t>Formatvorlagen des Textmasters bearbeiten</a:t>
             </a:r>
           </a:p>
           <a:p>
             <a:pPr lvl="1"/>
             <a:r>
-              <a:rPr lang="de-DE" smtClean="0"/>
+              <a:rPr lang="de-DE"/>
               <a:t>Zweite Ebene</a:t>
             </a:r>
           </a:p>
           <a:p>
             <a:pPr lvl="2"/>
             <a:r>
-              <a:rPr lang="de-DE" smtClean="0"/>
+              <a:rPr lang="de-DE"/>
               <a:t>Dritte Ebene</a:t>
             </a:r>
           </a:p>
           <a:p>
             <a:pPr lvl="3"/>
             <a:r>
-              <a:rPr lang="de-DE" smtClean="0"/>
+              <a:rPr lang="de-DE"/>
               <a:t>Vierte Ebene</a:t>
             </a:r>
           </a:p>
           <a:p>
             <a:pPr lvl="4"/>
             <a:r>
-              <a:rPr lang="de-DE" smtClean="0"/>
+              <a:rPr lang="de-DE"/>
               <a:t>Fünfte Ebene</a:t>
             </a:r>
-            <a:endParaRPr lang="de-DE"/>
           </a:p>
         </p:txBody>
       </p:sp>
@@ -2933,7 +2915,7 @@
           <a:p>
             <a:fld id="{6055A6E6-0C08-4B3B-9BA3-DF8EF3D0D0E5}" type="datetime1">
               <a:rPr lang="de-DE" smtClean="0"/>
-              <a:t>14.11.2019</a:t>
+              <a:t>19.11.2019</a:t>
             </a:fld>
             <a:endParaRPr lang="de-DE"/>
           </a:p>
@@ -3355,10 +3337,9 @@
           <a:lstStyle/>
           <a:p>
             <a:r>
-              <a:rPr lang="de-DE" dirty="0" smtClean="0"/>
+              <a:rPr lang="de-DE" dirty="0"/>
               <a:t>WWM</a:t>
             </a:r>
-            <a:endParaRPr lang="de-DE" dirty="0"/>
           </a:p>
         </p:txBody>
       </p:sp>
@@ -3404,6 +3385,42 @@
           </a:p>
         </p:txBody>
       </p:sp>
+      <p:pic>
+        <p:nvPicPr>
+          <p:cNvPr id="6" name="Grafik 5">
+            <a:extLst>
+              <a:ext uri="{FF2B5EF4-FFF2-40B4-BE49-F238E27FC236}">
+                <a16:creationId xmlns:a16="http://schemas.microsoft.com/office/drawing/2014/main" id="{0EB6E1FF-A29A-4298-968C-797FFF27D496}"/>
+              </a:ext>
+            </a:extLst>
+          </p:cNvPr>
+          <p:cNvPicPr>
+            <a:picLocks noChangeAspect="1"/>
+          </p:cNvPicPr>
+          <p:nvPr/>
+        </p:nvPicPr>
+        <p:blipFill>
+          <a:blip r:embed="rId2">
+            <a:extLst>
+              <a:ext uri="{28A0092B-C50C-407E-A947-70E740481C1C}">
+                <a14:useLocalDpi xmlns:a14="http://schemas.microsoft.com/office/drawing/2010/main" val="0"/>
+              </a:ext>
+            </a:extLst>
+          </a:blip>
+          <a:stretch>
+            <a:fillRect/>
+          </a:stretch>
+        </p:blipFill>
+        <p:spPr>
+          <a:xfrm>
+            <a:off x="2928495" y="261495"/>
+            <a:ext cx="6335009" cy="6335009"/>
+          </a:xfrm>
+          <a:prstGeom prst="rect">
+            <a:avLst/>
+          </a:prstGeom>
+        </p:spPr>
+      </p:pic>
     </p:spTree>
     <p:extLst>
       <p:ext uri="{BB962C8B-B14F-4D97-AF65-F5344CB8AC3E}">
@@ -3450,10 +3467,9 @@
           <a:lstStyle/>
           <a:p>
             <a:r>
-              <a:rPr lang="de-DE" dirty="0" smtClean="0"/>
+              <a:rPr lang="de-DE" dirty="0"/>
               <a:t>Ausblick</a:t>
             </a:r>
-            <a:endParaRPr lang="de-DE" dirty="0"/>
           </a:p>
         </p:txBody>
       </p:sp>
@@ -3545,10 +3561,9 @@
           <a:lstStyle/>
           <a:p>
             <a:r>
-              <a:rPr lang="de-DE" dirty="0" smtClean="0"/>
+              <a:rPr lang="de-DE" dirty="0"/>
               <a:t>Controller</a:t>
             </a:r>
-            <a:endParaRPr lang="de-DE" dirty="0"/>
           </a:p>
         </p:txBody>
       </p:sp>
@@ -3640,10 +3655,9 @@
           <a:lstStyle/>
           <a:p>
             <a:r>
-              <a:rPr lang="de-DE" dirty="0" smtClean="0"/>
+              <a:rPr lang="de-DE" dirty="0"/>
               <a:t>Was Funktioniert was nicht?</a:t>
             </a:r>
-            <a:endParaRPr lang="de-DE" dirty="0"/>
           </a:p>
         </p:txBody>
       </p:sp>
@@ -3735,10 +3749,9 @@
           <a:lstStyle/>
           <a:p>
             <a:r>
-              <a:rPr lang="de-DE" dirty="0" smtClean="0"/>
+              <a:rPr lang="de-DE" dirty="0"/>
               <a:t>Ausblick</a:t>
             </a:r>
-            <a:endParaRPr lang="de-DE" dirty="0"/>
           </a:p>
         </p:txBody>
       </p:sp>
@@ -3830,29 +3843,9 @@
           <a:lstStyle/>
           <a:p>
             <a:r>
-              <a:rPr lang="de-DE" dirty="0" smtClean="0"/>
+              <a:rPr lang="de-DE" dirty="0"/>
               <a:t>View</a:t>
             </a:r>
-            <a:endParaRPr lang="de-DE" dirty="0"/>
-          </a:p>
-        </p:txBody>
-      </p:sp>
-      <p:sp>
-        <p:nvSpPr>
-          <p:cNvPr id="3" name="Inhaltsplatzhalter 2"/>
-          <p:cNvSpPr>
-            <a:spLocks noGrp="1"/>
-          </p:cNvSpPr>
-          <p:nvPr>
-            <p:ph idx="1"/>
-          </p:nvPr>
-        </p:nvSpPr>
-        <p:spPr/>
-        <p:txBody>
-          <a:bodyPr/>
-          <a:lstStyle/>
-          <a:p>
-            <a:endParaRPr lang="de-DE"/>
           </a:p>
         </p:txBody>
       </p:sp>
@@ -3879,10 +3872,45 @@
           </a:p>
         </p:txBody>
       </p:sp>
+      <p:pic>
+        <p:nvPicPr>
+          <p:cNvPr id="7" name="Inhaltsplatzhalter 6">
+            <a:extLst>
+              <a:ext uri="{FF2B5EF4-FFF2-40B4-BE49-F238E27FC236}">
+                <a16:creationId xmlns:a16="http://schemas.microsoft.com/office/drawing/2014/main" id="{8F07DE71-8738-4F99-8A71-A6AE7F46EFF7}"/>
+              </a:ext>
+            </a:extLst>
+          </p:cNvPr>
+          <p:cNvPicPr>
+            <a:picLocks noGrp="1" noChangeAspect="1"/>
+          </p:cNvPicPr>
+          <p:nvPr>
+            <p:ph idx="1"/>
+          </p:nvPr>
+        </p:nvPicPr>
+        <p:blipFill>
+          <a:blip r:embed="rId2">
+            <a:extLst>
+              <a:ext uri="{28A0092B-C50C-407E-A947-70E740481C1C}">
+                <a14:useLocalDpi xmlns:a14="http://schemas.microsoft.com/office/drawing/2010/main" val="0"/>
+              </a:ext>
+            </a:extLst>
+          </a:blip>
+          <a:stretch>
+            <a:fillRect/>
+          </a:stretch>
+        </p:blipFill>
+        <p:spPr>
+          <a:xfrm>
+            <a:off x="3201131" y="1825625"/>
+            <a:ext cx="5789737" cy="4351338"/>
+          </a:xfrm>
+        </p:spPr>
+      </p:pic>
     </p:spTree>
     <p:extLst>
       <p:ext uri="{BB962C8B-B14F-4D97-AF65-F5344CB8AC3E}">
-        <p14:creationId xmlns:p14="http://schemas.microsoft.com/office/powerpoint/2010/main" val="3067687759"/>
+        <p14:creationId xmlns:p14="http://schemas.microsoft.com/office/powerpoint/2010/main" val="3717256861"/>
       </p:ext>
     </p:extLst>
   </p:cSld>
@@ -3925,33 +3953,9 @@
           <a:lstStyle/>
           <a:p>
             <a:r>
-              <a:rPr lang="de-DE" dirty="0" smtClean="0"/>
-              <a:t>Was </a:t>
-            </a:r>
-            <a:r>
-              <a:rPr lang="de-DE" dirty="0" smtClean="0"/>
-              <a:t>Funktioniert?</a:t>
-            </a:r>
-            <a:endParaRPr lang="de-DE" dirty="0"/>
-          </a:p>
-        </p:txBody>
-      </p:sp>
-      <p:sp>
-        <p:nvSpPr>
-          <p:cNvPr id="3" name="Inhaltsplatzhalter 2"/>
-          <p:cNvSpPr>
-            <a:spLocks noGrp="1"/>
-          </p:cNvSpPr>
-          <p:nvPr>
-            <p:ph idx="1"/>
-          </p:nvPr>
-        </p:nvSpPr>
-        <p:spPr/>
-        <p:txBody>
-          <a:bodyPr/>
-          <a:lstStyle/>
-          <a:p>
-            <a:endParaRPr lang="de-DE" dirty="0"/>
+              <a:rPr lang="de-DE" dirty="0"/>
+              <a:t>View</a:t>
+            </a:r>
           </a:p>
         </p:txBody>
       </p:sp>
@@ -3978,10 +3982,45 @@
           </a:p>
         </p:txBody>
       </p:sp>
+      <p:pic>
+        <p:nvPicPr>
+          <p:cNvPr id="10" name="Inhaltsplatzhalter 9">
+            <a:extLst>
+              <a:ext uri="{FF2B5EF4-FFF2-40B4-BE49-F238E27FC236}">
+                <a16:creationId xmlns:a16="http://schemas.microsoft.com/office/drawing/2014/main" id="{96018443-97D9-4AF2-A43F-61313D1D9889}"/>
+              </a:ext>
+            </a:extLst>
+          </p:cNvPr>
+          <p:cNvPicPr>
+            <a:picLocks noGrp="1" noChangeAspect="1"/>
+          </p:cNvPicPr>
+          <p:nvPr>
+            <p:ph idx="1"/>
+          </p:nvPr>
+        </p:nvPicPr>
+        <p:blipFill>
+          <a:blip r:embed="rId2">
+            <a:extLst>
+              <a:ext uri="{28A0092B-C50C-407E-A947-70E740481C1C}">
+                <a14:useLocalDpi xmlns:a14="http://schemas.microsoft.com/office/drawing/2010/main" val="0"/>
+              </a:ext>
+            </a:extLst>
+          </a:blip>
+          <a:stretch>
+            <a:fillRect/>
+          </a:stretch>
+        </p:blipFill>
+        <p:spPr>
+          <a:xfrm>
+            <a:off x="3192695" y="1825625"/>
+            <a:ext cx="5806610" cy="4351338"/>
+          </a:xfrm>
+        </p:spPr>
+      </p:pic>
     </p:spTree>
     <p:extLst>
       <p:ext uri="{BB962C8B-B14F-4D97-AF65-F5344CB8AC3E}">
-        <p14:creationId xmlns:p14="http://schemas.microsoft.com/office/powerpoint/2010/main" val="1388197831"/>
+        <p14:creationId xmlns:p14="http://schemas.microsoft.com/office/powerpoint/2010/main" val="3067687759"/>
       </p:ext>
     </p:extLst>
   </p:cSld>
@@ -4024,29 +4063,9 @@
           <a:lstStyle/>
           <a:p>
             <a:r>
-              <a:rPr lang="de-DE" dirty="0" smtClean="0"/>
-              <a:t>Ausblick</a:t>
-            </a:r>
-            <a:endParaRPr lang="de-DE" dirty="0"/>
-          </a:p>
-        </p:txBody>
-      </p:sp>
-      <p:sp>
-        <p:nvSpPr>
-          <p:cNvPr id="3" name="Inhaltsplatzhalter 2"/>
-          <p:cNvSpPr>
-            <a:spLocks noGrp="1"/>
-          </p:cNvSpPr>
-          <p:nvPr>
-            <p:ph idx="1"/>
-          </p:nvPr>
-        </p:nvSpPr>
-        <p:spPr/>
-        <p:txBody>
-          <a:bodyPr/>
-          <a:lstStyle/>
-          <a:p>
-            <a:endParaRPr lang="de-DE"/>
+              <a:rPr lang="de-DE" dirty="0"/>
+              <a:t>View</a:t>
+            </a:r>
           </a:p>
         </p:txBody>
       </p:sp>
@@ -4073,10 +4092,45 @@
           </a:p>
         </p:txBody>
       </p:sp>
+      <p:pic>
+        <p:nvPicPr>
+          <p:cNvPr id="20" name="Inhaltsplatzhalter 19">
+            <a:extLst>
+              <a:ext uri="{FF2B5EF4-FFF2-40B4-BE49-F238E27FC236}">
+                <a16:creationId xmlns:a16="http://schemas.microsoft.com/office/drawing/2014/main" id="{B29F2282-5A96-4FA3-B8E2-5F6DE3EC7FEF}"/>
+              </a:ext>
+            </a:extLst>
+          </p:cNvPr>
+          <p:cNvPicPr>
+            <a:picLocks noGrp="1" noChangeAspect="1"/>
+          </p:cNvPicPr>
+          <p:nvPr>
+            <p:ph idx="1"/>
+          </p:nvPr>
+        </p:nvPicPr>
+        <p:blipFill>
+          <a:blip r:embed="rId2">
+            <a:extLst>
+              <a:ext uri="{28A0092B-C50C-407E-A947-70E740481C1C}">
+                <a14:useLocalDpi xmlns:a14="http://schemas.microsoft.com/office/drawing/2010/main" val="0"/>
+              </a:ext>
+            </a:extLst>
+          </a:blip>
+          <a:stretch>
+            <a:fillRect/>
+          </a:stretch>
+        </p:blipFill>
+        <p:spPr>
+          <a:xfrm>
+            <a:off x="3192695" y="1825625"/>
+            <a:ext cx="5806610" cy="4351338"/>
+          </a:xfrm>
+        </p:spPr>
+      </p:pic>
     </p:spTree>
     <p:extLst>
       <p:ext uri="{BB962C8B-B14F-4D97-AF65-F5344CB8AC3E}">
-        <p14:creationId xmlns:p14="http://schemas.microsoft.com/office/powerpoint/2010/main" val="2027448438"/>
+        <p14:creationId xmlns:p14="http://schemas.microsoft.com/office/powerpoint/2010/main" val="1699182696"/>
       </p:ext>
     </p:extLst>
   </p:cSld>
@@ -4119,29 +4173,9 @@
           <a:lstStyle/>
           <a:p>
             <a:r>
-              <a:rPr lang="de-DE" dirty="0" smtClean="0"/>
-              <a:t>Fazit</a:t>
-            </a:r>
-            <a:endParaRPr lang="de-DE" dirty="0"/>
-          </a:p>
-        </p:txBody>
-      </p:sp>
-      <p:sp>
-        <p:nvSpPr>
-          <p:cNvPr id="3" name="Inhaltsplatzhalter 2"/>
-          <p:cNvSpPr>
-            <a:spLocks noGrp="1"/>
-          </p:cNvSpPr>
-          <p:nvPr>
-            <p:ph idx="1"/>
-          </p:nvPr>
-        </p:nvSpPr>
-        <p:spPr/>
-        <p:txBody>
-          <a:bodyPr/>
-          <a:lstStyle/>
-          <a:p>
-            <a:endParaRPr lang="de-DE"/>
+              <a:rPr lang="de-DE" dirty="0"/>
+              <a:t>Button Darstellung</a:t>
+            </a:r>
           </a:p>
         </p:txBody>
       </p:sp>
@@ -4168,10 +4202,255 @@
           </a:p>
         </p:txBody>
       </p:sp>
+      <p:pic>
+        <p:nvPicPr>
+          <p:cNvPr id="9" name="Inhaltsplatzhalter 8">
+            <a:extLst>
+              <a:ext uri="{FF2B5EF4-FFF2-40B4-BE49-F238E27FC236}">
+                <a16:creationId xmlns:a16="http://schemas.microsoft.com/office/drawing/2014/main" id="{F0FBF428-F1CF-4E45-8648-4008C91C5376}"/>
+              </a:ext>
+            </a:extLst>
+          </p:cNvPr>
+          <p:cNvPicPr>
+            <a:picLocks noGrp="1" noChangeAspect="1"/>
+          </p:cNvPicPr>
+          <p:nvPr>
+            <p:ph idx="1"/>
+          </p:nvPr>
+        </p:nvPicPr>
+        <p:blipFill>
+          <a:blip r:embed="rId2">
+            <a:extLst>
+              <a:ext uri="{28A0092B-C50C-407E-A947-70E740481C1C}">
+                <a14:useLocalDpi xmlns:a14="http://schemas.microsoft.com/office/drawing/2010/main" val="0"/>
+              </a:ext>
+            </a:extLst>
+          </a:blip>
+          <a:stretch>
+            <a:fillRect/>
+          </a:stretch>
+        </p:blipFill>
+        <p:spPr>
+          <a:xfrm>
+            <a:off x="1076274" y="1825625"/>
+            <a:ext cx="10039451" cy="4351338"/>
+          </a:xfrm>
+        </p:spPr>
+      </p:pic>
     </p:spTree>
     <p:extLst>
       <p:ext uri="{BB962C8B-B14F-4D97-AF65-F5344CB8AC3E}">
-        <p14:creationId xmlns:p14="http://schemas.microsoft.com/office/powerpoint/2010/main" val="810013215"/>
+        <p14:creationId xmlns:p14="http://schemas.microsoft.com/office/powerpoint/2010/main" val="1360122823"/>
+      </p:ext>
+    </p:extLst>
+  </p:cSld>
+  <p:clrMapOvr>
+    <a:masterClrMapping/>
+  </p:clrMapOvr>
+</p:sld>
+</file>
+
+<file path=ppt/slides/slide18.xml><?xml version="1.0" encoding="utf-8"?>
+<p:sld xmlns:a="http://schemas.openxmlformats.org/drawingml/2006/main" xmlns:r="http://schemas.openxmlformats.org/officeDocument/2006/relationships" xmlns:p="http://schemas.openxmlformats.org/presentationml/2006/main">
+  <p:cSld>
+    <p:spTree>
+      <p:nvGrpSpPr>
+        <p:cNvPr id="1" name=""/>
+        <p:cNvGrpSpPr/>
+        <p:nvPr/>
+      </p:nvGrpSpPr>
+      <p:grpSpPr>
+        <a:xfrm>
+          <a:off x="0" y="0"/>
+          <a:ext cx="0" cy="0"/>
+          <a:chOff x="0" y="0"/>
+          <a:chExt cx="0" cy="0"/>
+        </a:xfrm>
+      </p:grpSpPr>
+      <p:sp>
+        <p:nvSpPr>
+          <p:cNvPr id="2" name="Titel 1"/>
+          <p:cNvSpPr>
+            <a:spLocks noGrp="1"/>
+          </p:cNvSpPr>
+          <p:nvPr>
+            <p:ph type="title"/>
+          </p:nvPr>
+        </p:nvSpPr>
+        <p:spPr/>
+        <p:txBody>
+          <a:bodyPr/>
+          <a:lstStyle/>
+          <a:p>
+            <a:r>
+              <a:rPr lang="de-DE" dirty="0"/>
+              <a:t>Button Darstellung</a:t>
+            </a:r>
+          </a:p>
+        </p:txBody>
+      </p:sp>
+      <p:sp>
+        <p:nvSpPr>
+          <p:cNvPr id="6" name="Foliennummernplatzhalter 5"/>
+          <p:cNvSpPr>
+            <a:spLocks noGrp="1"/>
+          </p:cNvSpPr>
+          <p:nvPr>
+            <p:ph type="sldNum" sz="quarter" idx="12"/>
+          </p:nvPr>
+        </p:nvSpPr>
+        <p:spPr/>
+        <p:txBody>
+          <a:bodyPr/>
+          <a:lstStyle/>
+          <a:p>
+            <a:fld id="{57D8F98F-9146-4D48-BD84-43508DAD44DB}" type="slidenum">
+              <a:rPr lang="de-DE" smtClean="0"/>
+              <a:t>18</a:t>
+            </a:fld>
+            <a:endParaRPr lang="de-DE"/>
+          </a:p>
+        </p:txBody>
+      </p:sp>
+      <p:pic>
+        <p:nvPicPr>
+          <p:cNvPr id="7" name="Inhaltsplatzhalter 6">
+            <a:extLst>
+              <a:ext uri="{FF2B5EF4-FFF2-40B4-BE49-F238E27FC236}">
+                <a16:creationId xmlns:a16="http://schemas.microsoft.com/office/drawing/2014/main" id="{461DAFE3-3C3B-4EB6-BB45-75D45CD9EA1A}"/>
+              </a:ext>
+            </a:extLst>
+          </p:cNvPr>
+          <p:cNvPicPr>
+            <a:picLocks noGrp="1" noChangeAspect="1"/>
+          </p:cNvPicPr>
+          <p:nvPr>
+            <p:ph idx="1"/>
+          </p:nvPr>
+        </p:nvPicPr>
+        <p:blipFill>
+          <a:blip r:embed="rId2">
+            <a:extLst>
+              <a:ext uri="{28A0092B-C50C-407E-A947-70E740481C1C}">
+                <a14:useLocalDpi xmlns:a14="http://schemas.microsoft.com/office/drawing/2010/main" val="0"/>
+              </a:ext>
+            </a:extLst>
+          </a:blip>
+          <a:stretch>
+            <a:fillRect/>
+          </a:stretch>
+        </p:blipFill>
+        <p:spPr>
+          <a:xfrm>
+            <a:off x="3685343" y="1825625"/>
+            <a:ext cx="4821314" cy="4351338"/>
+          </a:xfrm>
+        </p:spPr>
+      </p:pic>
+    </p:spTree>
+    <p:extLst>
+      <p:ext uri="{BB962C8B-B14F-4D97-AF65-F5344CB8AC3E}">
+        <p14:creationId xmlns:p14="http://schemas.microsoft.com/office/powerpoint/2010/main" val="2981509911"/>
+      </p:ext>
+    </p:extLst>
+  </p:cSld>
+  <p:clrMapOvr>
+    <a:masterClrMapping/>
+  </p:clrMapOvr>
+</p:sld>
+</file>
+
+<file path=ppt/slides/slide19.xml><?xml version="1.0" encoding="utf-8"?>
+<p:sld xmlns:a="http://schemas.openxmlformats.org/drawingml/2006/main" xmlns:r="http://schemas.openxmlformats.org/officeDocument/2006/relationships" xmlns:p="http://schemas.openxmlformats.org/presentationml/2006/main">
+  <p:cSld>
+    <p:spTree>
+      <p:nvGrpSpPr>
+        <p:cNvPr id="1" name=""/>
+        <p:cNvGrpSpPr/>
+        <p:nvPr/>
+      </p:nvGrpSpPr>
+      <p:grpSpPr>
+        <a:xfrm>
+          <a:off x="0" y="0"/>
+          <a:ext cx="0" cy="0"/>
+          <a:chOff x="0" y="0"/>
+          <a:chExt cx="0" cy="0"/>
+        </a:xfrm>
+      </p:grpSpPr>
+      <p:sp>
+        <p:nvSpPr>
+          <p:cNvPr id="2" name="Titel 1"/>
+          <p:cNvSpPr>
+            <a:spLocks noGrp="1"/>
+          </p:cNvSpPr>
+          <p:nvPr>
+            <p:ph type="title"/>
+          </p:nvPr>
+        </p:nvSpPr>
+        <p:spPr/>
+        <p:txBody>
+          <a:bodyPr/>
+          <a:lstStyle/>
+          <a:p>
+            <a:r>
+              <a:rPr lang="de-DE" dirty="0"/>
+              <a:t>Was Funktioniert?</a:t>
+            </a:r>
+          </a:p>
+        </p:txBody>
+      </p:sp>
+      <p:sp>
+        <p:nvSpPr>
+          <p:cNvPr id="6" name="Foliennummernplatzhalter 5"/>
+          <p:cNvSpPr>
+            <a:spLocks noGrp="1"/>
+          </p:cNvSpPr>
+          <p:nvPr>
+            <p:ph type="sldNum" sz="quarter" idx="12"/>
+          </p:nvPr>
+        </p:nvSpPr>
+        <p:spPr/>
+        <p:txBody>
+          <a:bodyPr/>
+          <a:lstStyle/>
+          <a:p>
+            <a:fld id="{57D8F98F-9146-4D48-BD84-43508DAD44DB}" type="slidenum">
+              <a:rPr lang="de-DE" smtClean="0"/>
+              <a:t>19</a:t>
+            </a:fld>
+            <a:endParaRPr lang="de-DE"/>
+          </a:p>
+        </p:txBody>
+      </p:sp>
+      <p:sp>
+        <p:nvSpPr>
+          <p:cNvPr id="8" name="Inhaltsplatzhalter 7">
+            <a:extLst>
+              <a:ext uri="{FF2B5EF4-FFF2-40B4-BE49-F238E27FC236}">
+                <a16:creationId xmlns:a16="http://schemas.microsoft.com/office/drawing/2014/main" id="{F041C424-7738-49F5-887D-C36C6CF91708}"/>
+              </a:ext>
+            </a:extLst>
+          </p:cNvPr>
+          <p:cNvSpPr>
+            <a:spLocks noGrp="1"/>
+          </p:cNvSpPr>
+          <p:nvPr>
+            <p:ph idx="1"/>
+          </p:nvPr>
+        </p:nvSpPr>
+        <p:spPr/>
+        <p:txBody>
+          <a:bodyPr/>
+          <a:lstStyle/>
+          <a:p>
+            <a:endParaRPr lang="de-DE"/>
+          </a:p>
+        </p:txBody>
+      </p:sp>
+    </p:spTree>
+    <p:extLst>
+      <p:ext uri="{BB962C8B-B14F-4D97-AF65-F5344CB8AC3E}">
+        <p14:creationId xmlns:p14="http://schemas.microsoft.com/office/powerpoint/2010/main" val="1388197831"/>
       </p:ext>
     </p:extLst>
   </p:cSld>
@@ -4214,10 +4493,9 @@
           <a:lstStyle/>
           <a:p>
             <a:r>
-              <a:rPr lang="de-DE" dirty="0" smtClean="0"/>
+              <a:rPr lang="de-DE" dirty="0"/>
               <a:t>Inhalt</a:t>
             </a:r>
-            <a:endParaRPr lang="de-DE" dirty="0"/>
           </a:p>
         </p:txBody>
       </p:sp>
@@ -4239,61 +4517,61 @@
           <a:lstStyle/>
           <a:p>
             <a:r>
-              <a:rPr lang="de-DE" dirty="0" smtClean="0"/>
+              <a:rPr lang="de-DE" dirty="0"/>
               <a:t>Auftrag/Problemstellung</a:t>
             </a:r>
           </a:p>
           <a:p>
             <a:r>
-              <a:rPr lang="de-DE" dirty="0" smtClean="0"/>
+              <a:rPr lang="de-DE" dirty="0"/>
               <a:t>Lösungsidee</a:t>
             </a:r>
           </a:p>
           <a:p>
             <a:r>
-              <a:rPr lang="de-DE" dirty="0" smtClean="0"/>
+              <a:rPr lang="de-DE" dirty="0"/>
               <a:t>Zeitplan</a:t>
             </a:r>
           </a:p>
           <a:p>
             <a:r>
-              <a:rPr lang="de-DE" dirty="0" smtClean="0"/>
+              <a:rPr lang="de-DE" dirty="0"/>
               <a:t>MVC</a:t>
             </a:r>
           </a:p>
           <a:p>
             <a:r>
-              <a:rPr lang="de-DE" dirty="0" smtClean="0"/>
+              <a:rPr lang="de-DE" dirty="0"/>
               <a:t>Ist-Zustand</a:t>
             </a:r>
           </a:p>
           <a:p>
             <a:r>
-              <a:rPr lang="de-DE" dirty="0" smtClean="0"/>
+              <a:rPr lang="de-DE" dirty="0"/>
               <a:t>Demonstration</a:t>
             </a:r>
           </a:p>
           <a:p>
             <a:r>
-              <a:rPr lang="de-DE" dirty="0" smtClean="0"/>
+              <a:rPr lang="de-DE" dirty="0"/>
               <a:t>Model</a:t>
             </a:r>
           </a:p>
           <a:p>
             <a:r>
-              <a:rPr lang="de-DE" dirty="0" smtClean="0"/>
+              <a:rPr lang="de-DE" dirty="0"/>
               <a:t>Controller</a:t>
             </a:r>
           </a:p>
           <a:p>
             <a:r>
-              <a:rPr lang="de-DE" dirty="0" smtClean="0"/>
+              <a:rPr lang="de-DE" dirty="0"/>
               <a:t>View</a:t>
             </a:r>
           </a:p>
           <a:p>
             <a:r>
-              <a:rPr lang="de-DE" dirty="0" smtClean="0"/>
+              <a:rPr lang="de-DE" dirty="0"/>
               <a:t>Fazit</a:t>
             </a:r>
           </a:p>
@@ -4326,6 +4604,194 @@
     <p:extLst>
       <p:ext uri="{BB962C8B-B14F-4D97-AF65-F5344CB8AC3E}">
         <p14:creationId xmlns:p14="http://schemas.microsoft.com/office/powerpoint/2010/main" val="2672888852"/>
+      </p:ext>
+    </p:extLst>
+  </p:cSld>
+  <p:clrMapOvr>
+    <a:masterClrMapping/>
+  </p:clrMapOvr>
+</p:sld>
+</file>
+
+<file path=ppt/slides/slide20.xml><?xml version="1.0" encoding="utf-8"?>
+<p:sld xmlns:a="http://schemas.openxmlformats.org/drawingml/2006/main" xmlns:r="http://schemas.openxmlformats.org/officeDocument/2006/relationships" xmlns:p="http://schemas.openxmlformats.org/presentationml/2006/main">
+  <p:cSld>
+    <p:spTree>
+      <p:nvGrpSpPr>
+        <p:cNvPr id="1" name=""/>
+        <p:cNvGrpSpPr/>
+        <p:nvPr/>
+      </p:nvGrpSpPr>
+      <p:grpSpPr>
+        <a:xfrm>
+          <a:off x="0" y="0"/>
+          <a:ext cx="0" cy="0"/>
+          <a:chOff x="0" y="0"/>
+          <a:chExt cx="0" cy="0"/>
+        </a:xfrm>
+      </p:grpSpPr>
+      <p:sp>
+        <p:nvSpPr>
+          <p:cNvPr id="2" name="Titel 1"/>
+          <p:cNvSpPr>
+            <a:spLocks noGrp="1"/>
+          </p:cNvSpPr>
+          <p:nvPr>
+            <p:ph type="title"/>
+          </p:nvPr>
+        </p:nvSpPr>
+        <p:spPr/>
+        <p:txBody>
+          <a:bodyPr/>
+          <a:lstStyle/>
+          <a:p>
+            <a:r>
+              <a:rPr lang="de-DE" dirty="0"/>
+              <a:t>Ausblick</a:t>
+            </a:r>
+          </a:p>
+        </p:txBody>
+      </p:sp>
+      <p:sp>
+        <p:nvSpPr>
+          <p:cNvPr id="3" name="Inhaltsplatzhalter 2"/>
+          <p:cNvSpPr>
+            <a:spLocks noGrp="1"/>
+          </p:cNvSpPr>
+          <p:nvPr>
+            <p:ph idx="1"/>
+          </p:nvPr>
+        </p:nvSpPr>
+        <p:spPr/>
+        <p:txBody>
+          <a:bodyPr/>
+          <a:lstStyle/>
+          <a:p>
+            <a:endParaRPr lang="de-DE"/>
+          </a:p>
+        </p:txBody>
+      </p:sp>
+      <p:sp>
+        <p:nvSpPr>
+          <p:cNvPr id="6" name="Foliennummernplatzhalter 5"/>
+          <p:cNvSpPr>
+            <a:spLocks noGrp="1"/>
+          </p:cNvSpPr>
+          <p:nvPr>
+            <p:ph type="sldNum" sz="quarter" idx="12"/>
+          </p:nvPr>
+        </p:nvSpPr>
+        <p:spPr/>
+        <p:txBody>
+          <a:bodyPr/>
+          <a:lstStyle/>
+          <a:p>
+            <a:fld id="{57D8F98F-9146-4D48-BD84-43508DAD44DB}" type="slidenum">
+              <a:rPr lang="de-DE" smtClean="0"/>
+              <a:t>20</a:t>
+            </a:fld>
+            <a:endParaRPr lang="de-DE"/>
+          </a:p>
+        </p:txBody>
+      </p:sp>
+    </p:spTree>
+    <p:extLst>
+      <p:ext uri="{BB962C8B-B14F-4D97-AF65-F5344CB8AC3E}">
+        <p14:creationId xmlns:p14="http://schemas.microsoft.com/office/powerpoint/2010/main" val="2027448438"/>
+      </p:ext>
+    </p:extLst>
+  </p:cSld>
+  <p:clrMapOvr>
+    <a:masterClrMapping/>
+  </p:clrMapOvr>
+</p:sld>
+</file>
+
+<file path=ppt/slides/slide21.xml><?xml version="1.0" encoding="utf-8"?>
+<p:sld xmlns:a="http://schemas.openxmlformats.org/drawingml/2006/main" xmlns:r="http://schemas.openxmlformats.org/officeDocument/2006/relationships" xmlns:p="http://schemas.openxmlformats.org/presentationml/2006/main">
+  <p:cSld>
+    <p:spTree>
+      <p:nvGrpSpPr>
+        <p:cNvPr id="1" name=""/>
+        <p:cNvGrpSpPr/>
+        <p:nvPr/>
+      </p:nvGrpSpPr>
+      <p:grpSpPr>
+        <a:xfrm>
+          <a:off x="0" y="0"/>
+          <a:ext cx="0" cy="0"/>
+          <a:chOff x="0" y="0"/>
+          <a:chExt cx="0" cy="0"/>
+        </a:xfrm>
+      </p:grpSpPr>
+      <p:sp>
+        <p:nvSpPr>
+          <p:cNvPr id="2" name="Titel 1"/>
+          <p:cNvSpPr>
+            <a:spLocks noGrp="1"/>
+          </p:cNvSpPr>
+          <p:nvPr>
+            <p:ph type="title"/>
+          </p:nvPr>
+        </p:nvSpPr>
+        <p:spPr/>
+        <p:txBody>
+          <a:bodyPr/>
+          <a:lstStyle/>
+          <a:p>
+            <a:r>
+              <a:rPr lang="de-DE" dirty="0"/>
+              <a:t>Fazit</a:t>
+            </a:r>
+          </a:p>
+        </p:txBody>
+      </p:sp>
+      <p:sp>
+        <p:nvSpPr>
+          <p:cNvPr id="3" name="Inhaltsplatzhalter 2"/>
+          <p:cNvSpPr>
+            <a:spLocks noGrp="1"/>
+          </p:cNvSpPr>
+          <p:nvPr>
+            <p:ph idx="1"/>
+          </p:nvPr>
+        </p:nvSpPr>
+        <p:spPr/>
+        <p:txBody>
+          <a:bodyPr/>
+          <a:lstStyle/>
+          <a:p>
+            <a:endParaRPr lang="de-DE"/>
+          </a:p>
+        </p:txBody>
+      </p:sp>
+      <p:sp>
+        <p:nvSpPr>
+          <p:cNvPr id="6" name="Foliennummernplatzhalter 5"/>
+          <p:cNvSpPr>
+            <a:spLocks noGrp="1"/>
+          </p:cNvSpPr>
+          <p:nvPr>
+            <p:ph type="sldNum" sz="quarter" idx="12"/>
+          </p:nvPr>
+        </p:nvSpPr>
+        <p:spPr/>
+        <p:txBody>
+          <a:bodyPr/>
+          <a:lstStyle/>
+          <a:p>
+            <a:fld id="{57D8F98F-9146-4D48-BD84-43508DAD44DB}" type="slidenum">
+              <a:rPr lang="de-DE" smtClean="0"/>
+              <a:t>21</a:t>
+            </a:fld>
+            <a:endParaRPr lang="de-DE"/>
+          </a:p>
+        </p:txBody>
+      </p:sp>
+    </p:spTree>
+    <p:extLst>
+      <p:ext uri="{BB962C8B-B14F-4D97-AF65-F5344CB8AC3E}">
+        <p14:creationId xmlns:p14="http://schemas.microsoft.com/office/powerpoint/2010/main" val="810013215"/>
       </p:ext>
     </p:extLst>
   </p:cSld>
@@ -4368,72 +4834,71 @@
           <a:lstStyle/>
           <a:p>
             <a:r>
-              <a:rPr lang="de-DE" dirty="0" smtClean="0"/>
+              <a:rPr lang="de-DE" dirty="0"/>
               <a:t>Auftrag/Problemstellung</a:t>
             </a:r>
+          </a:p>
+        </p:txBody>
+      </p:sp>
+      <p:sp>
+        <p:nvSpPr>
+          <p:cNvPr id="3" name="Inhaltsplatzhalter 2"/>
+          <p:cNvSpPr>
+            <a:spLocks noGrp="1"/>
+          </p:cNvSpPr>
+          <p:nvPr>
+            <p:ph idx="1"/>
+          </p:nvPr>
+        </p:nvSpPr>
+        <p:spPr/>
+        <p:txBody>
+          <a:bodyPr/>
+          <a:lstStyle/>
+          <a:p>
+            <a:r>
+              <a:rPr lang="de-DE" dirty="0"/>
+              <a:t>Programmieren des Spiels „Wer wird Millionär“</a:t>
+            </a:r>
+          </a:p>
+          <a:p>
+            <a:r>
+              <a:rPr lang="de-DE" dirty="0" err="1"/>
+              <a:t>Qt-Entwicklunsumgebung</a:t>
+            </a:r>
             <a:endParaRPr lang="de-DE" dirty="0"/>
           </a:p>
-        </p:txBody>
-      </p:sp>
-      <p:sp>
-        <p:nvSpPr>
-          <p:cNvPr id="3" name="Inhaltsplatzhalter 2"/>
-          <p:cNvSpPr>
-            <a:spLocks noGrp="1"/>
-          </p:cNvSpPr>
-          <p:nvPr>
-            <p:ph idx="1"/>
-          </p:nvPr>
-        </p:nvSpPr>
-        <p:spPr/>
-        <p:txBody>
-          <a:bodyPr/>
-          <a:lstStyle/>
-          <a:p>
-            <a:r>
-              <a:rPr lang="de-DE" dirty="0" smtClean="0"/>
-              <a:t>Programmieren des Spiels „Wer wird Millionär“</a:t>
-            </a:r>
-          </a:p>
-          <a:p>
-            <a:r>
-              <a:rPr lang="de-DE" dirty="0" err="1" smtClean="0"/>
-              <a:t>Qt-Entwicklunsumgebung</a:t>
+          <a:p>
+            <a:r>
+              <a:rPr lang="de-DE" dirty="0" err="1"/>
+              <a:t>Qt-Gui</a:t>
             </a:r>
             <a:endParaRPr lang="de-DE" dirty="0"/>
           </a:p>
           <a:p>
             <a:r>
-              <a:rPr lang="de-DE" dirty="0" err="1" smtClean="0"/>
-              <a:t>Qt-Gui</a:t>
-            </a:r>
-            <a:endParaRPr lang="de-DE" dirty="0" smtClean="0"/>
-          </a:p>
-          <a:p>
-            <a:r>
-              <a:rPr lang="de-DE" dirty="0" smtClean="0"/>
+              <a:rPr lang="de-DE" dirty="0"/>
               <a:t>C++</a:t>
             </a:r>
           </a:p>
           <a:p>
             <a:r>
-              <a:rPr lang="de-DE" dirty="0" smtClean="0"/>
+              <a:rPr lang="de-DE" dirty="0"/>
               <a:t>Original Spielregeln</a:t>
             </a:r>
           </a:p>
           <a:p>
             <a:r>
-              <a:rPr lang="de-DE" dirty="0" smtClean="0"/>
+              <a:rPr lang="de-DE" dirty="0"/>
               <a:t>Grafiken und Bilder wie im Original</a:t>
             </a:r>
           </a:p>
           <a:p>
             <a:r>
-              <a:rPr lang="de-DE" dirty="0" smtClean="0"/>
+              <a:rPr lang="de-DE" dirty="0"/>
               <a:t>Fragenkatalog </a:t>
             </a:r>
             <a:r>
-              <a:rPr lang="de-DE" dirty="0" smtClean="0">
+              <a:rPr lang="de-DE" dirty="0">
                 <a:sym typeface="Wingdings" panose="05000000000000000000" pitchFamily="2" charset="2"/>
               </a:rPr>
               <a:t> Datenbank</a:t>
@@ -4511,10 +4976,9 @@
           <a:lstStyle/>
           <a:p>
             <a:r>
-              <a:rPr lang="de-DE" dirty="0" smtClean="0"/>
+              <a:rPr lang="de-DE" dirty="0"/>
               <a:t>Zeitplan</a:t>
             </a:r>
-            <a:endParaRPr lang="de-DE" dirty="0"/>
           </a:p>
         </p:txBody>
       </p:sp>
@@ -4596,10 +5060,9 @@
                     <a:lstStyle/>
                     <a:p>
                       <a:r>
-                        <a:rPr lang="de-DE" dirty="0" smtClean="0"/>
+                        <a:rPr lang="de-DE" dirty="0"/>
                         <a:t>Task</a:t>
                       </a:r>
-                      <a:endParaRPr lang="de-DE" dirty="0"/>
                     </a:p>
                   </a:txBody>
                   <a:tcPr/>
@@ -4610,18 +5073,17 @@
                     <a:lstStyle/>
                     <a:p>
                       <a:r>
-                        <a:rPr lang="en-US" noProof="0" dirty="0" smtClean="0"/>
+                        <a:rPr lang="en-US" noProof="0" dirty="0"/>
                         <a:t>Assigned</a:t>
                       </a:r>
                       <a:r>
-                        <a:rPr lang="de-DE" dirty="0" smtClean="0"/>
+                        <a:rPr lang="de-DE" dirty="0"/>
                         <a:t> </a:t>
                       </a:r>
                       <a:r>
-                        <a:rPr lang="en-US" noProof="0" dirty="0" smtClean="0"/>
+                        <a:rPr lang="en-US" noProof="0" dirty="0"/>
                         <a:t>to</a:t>
                       </a:r>
-                      <a:endParaRPr lang="en-US" noProof="0" dirty="0"/>
                     </a:p>
                   </a:txBody>
                   <a:tcPr/>
@@ -4632,10 +5094,9 @@
                     <a:lstStyle/>
                     <a:p>
                       <a:r>
-                        <a:rPr lang="en-US" noProof="0" dirty="0" smtClean="0"/>
+                        <a:rPr lang="en-US" noProof="0" dirty="0"/>
                         <a:t>Time</a:t>
                       </a:r>
-                      <a:endParaRPr lang="en-US" noProof="0" dirty="0"/>
                     </a:p>
                   </a:txBody>
                   <a:tcPr/>
@@ -4653,11 +5114,11 @@
                     <a:lstStyle/>
                     <a:p>
                       <a:r>
-                        <a:rPr lang="de-DE" dirty="0" smtClean="0"/>
+                        <a:rPr lang="de-DE" dirty="0"/>
                         <a:t>Orientierung,</a:t>
                       </a:r>
                       <a:r>
-                        <a:rPr lang="de-DE" baseline="0" dirty="0" smtClean="0"/>
+                        <a:rPr lang="de-DE" baseline="0" dirty="0"/>
                         <a:t> Planung </a:t>
                       </a:r>
                       <a:endParaRPr lang="de-DE" dirty="0"/>
@@ -4671,10 +5132,9 @@
                     <a:lstStyle/>
                     <a:p>
                       <a:r>
-                        <a:rPr lang="de-DE" dirty="0" smtClean="0"/>
+                        <a:rPr lang="de-DE" dirty="0"/>
                         <a:t>alle</a:t>
                       </a:r>
-                      <a:endParaRPr lang="de-DE" dirty="0"/>
                     </a:p>
                   </a:txBody>
                   <a:tcPr/>
@@ -4685,10 +5145,9 @@
                     <a:lstStyle/>
                     <a:p>
                       <a:r>
-                        <a:rPr lang="de-DE" dirty="0" smtClean="0"/>
+                        <a:rPr lang="de-DE" dirty="0"/>
                         <a:t>1</a:t>
                       </a:r>
-                      <a:endParaRPr lang="de-DE" dirty="0"/>
                     </a:p>
                   </a:txBody>
                   <a:tcPr/>
@@ -4706,11 +5165,11 @@
                     <a:lstStyle/>
                     <a:p>
                       <a:r>
-                        <a:rPr lang="de-DE" dirty="0" smtClean="0"/>
+                        <a:rPr lang="de-DE" dirty="0"/>
                         <a:t>Details der Umsetzung</a:t>
                       </a:r>
                       <a:r>
-                        <a:rPr lang="de-DE" baseline="0" dirty="0" smtClean="0"/>
+                        <a:rPr lang="de-DE" baseline="0" dirty="0"/>
                         <a:t> entscheiden</a:t>
                       </a:r>
                       <a:endParaRPr lang="de-DE" dirty="0"/>
@@ -4724,10 +5183,9 @@
                     <a:lstStyle/>
                     <a:p>
                       <a:r>
-                        <a:rPr lang="de-DE" dirty="0" smtClean="0"/>
+                        <a:rPr lang="de-DE" dirty="0"/>
                         <a:t>alle</a:t>
                       </a:r>
-                      <a:endParaRPr lang="de-DE" dirty="0"/>
                     </a:p>
                   </a:txBody>
                   <a:tcPr/>
@@ -4738,10 +5196,9 @@
                     <a:lstStyle/>
                     <a:p>
                       <a:r>
-                        <a:rPr lang="de-DE" dirty="0" smtClean="0"/>
+                        <a:rPr lang="de-DE" dirty="0"/>
                         <a:t>1</a:t>
                       </a:r>
-                      <a:endParaRPr lang="de-DE" dirty="0"/>
                     </a:p>
                   </a:txBody>
                   <a:tcPr/>
@@ -4759,10 +5216,9 @@
                     <a:lstStyle/>
                     <a:p>
                       <a:r>
-                        <a:rPr lang="de-DE" dirty="0" smtClean="0"/>
+                        <a:rPr lang="de-DE" dirty="0"/>
                         <a:t>Besprechung MVC Prinzip</a:t>
                       </a:r>
-                      <a:endParaRPr lang="de-DE" dirty="0"/>
                     </a:p>
                   </a:txBody>
                   <a:tcPr/>
@@ -4773,10 +5229,9 @@
                     <a:lstStyle/>
                     <a:p>
                       <a:r>
-                        <a:rPr lang="de-DE" dirty="0" smtClean="0"/>
+                        <a:rPr lang="de-DE" dirty="0"/>
                         <a:t>alle</a:t>
                       </a:r>
-                      <a:endParaRPr lang="de-DE" dirty="0"/>
                     </a:p>
                   </a:txBody>
                   <a:tcPr/>
@@ -4787,10 +5242,9 @@
                     <a:lstStyle/>
                     <a:p>
                       <a:r>
-                        <a:rPr lang="de-DE" dirty="0" smtClean="0"/>
+                        <a:rPr lang="de-DE" dirty="0"/>
                         <a:t>3</a:t>
                       </a:r>
-                      <a:endParaRPr lang="de-DE" dirty="0"/>
                     </a:p>
                   </a:txBody>
                   <a:tcPr/>
@@ -4808,7 +5262,7 @@
                     <a:lstStyle/>
                     <a:p>
                       <a:r>
-                        <a:rPr lang="de-DE" dirty="0" err="1" smtClean="0"/>
+                        <a:rPr lang="de-DE" dirty="0" err="1"/>
                         <a:t>Klasssendiagramme</a:t>
                       </a:r>
                       <a:endParaRPr lang="de-DE" dirty="0"/>
@@ -4822,10 +5276,9 @@
                     <a:lstStyle/>
                     <a:p>
                       <a:r>
-                        <a:rPr lang="de-DE" dirty="0" smtClean="0"/>
+                        <a:rPr lang="de-DE" dirty="0"/>
                         <a:t>alle</a:t>
                       </a:r>
-                      <a:endParaRPr lang="de-DE" dirty="0"/>
                     </a:p>
                   </a:txBody>
                   <a:tcPr/>
@@ -4836,10 +5289,9 @@
                     <a:lstStyle/>
                     <a:p>
                       <a:r>
-                        <a:rPr lang="de-DE" dirty="0" smtClean="0"/>
+                        <a:rPr lang="de-DE" dirty="0"/>
                         <a:t>2</a:t>
                       </a:r>
-                      <a:endParaRPr lang="de-DE" dirty="0"/>
                     </a:p>
                   </a:txBody>
                   <a:tcPr/>
@@ -4857,11 +5309,11 @@
                     <a:lstStyle/>
                     <a:p>
                       <a:r>
-                        <a:rPr lang="de-DE" dirty="0" smtClean="0"/>
+                        <a:rPr lang="de-DE" dirty="0"/>
                         <a:t>Implementierung</a:t>
                       </a:r>
                       <a:r>
-                        <a:rPr lang="de-DE" baseline="0" dirty="0" smtClean="0"/>
+                        <a:rPr lang="de-DE" baseline="0" dirty="0"/>
                         <a:t> Model</a:t>
                       </a:r>
                       <a:endParaRPr lang="de-DE" dirty="0"/>
@@ -4875,10 +5327,9 @@
                     <a:lstStyle/>
                     <a:p>
                       <a:r>
-                        <a:rPr lang="de-DE" dirty="0" smtClean="0"/>
+                        <a:rPr lang="de-DE" dirty="0"/>
                         <a:t>Christoph</a:t>
                       </a:r>
-                      <a:endParaRPr lang="de-DE" dirty="0"/>
                     </a:p>
                   </a:txBody>
                   <a:tcPr/>
@@ -4889,10 +5340,9 @@
                     <a:lstStyle/>
                     <a:p>
                       <a:r>
-                        <a:rPr lang="de-DE" dirty="0" smtClean="0"/>
+                        <a:rPr lang="de-DE" dirty="0"/>
                         <a:t>6</a:t>
                       </a:r>
-                      <a:endParaRPr lang="de-DE" dirty="0"/>
                     </a:p>
                   </a:txBody>
                   <a:tcPr/>
@@ -4910,11 +5360,11 @@
                     <a:lstStyle/>
                     <a:p>
                       <a:r>
-                        <a:rPr lang="de-DE" dirty="0" smtClean="0"/>
+                        <a:rPr lang="de-DE" dirty="0"/>
                         <a:t>Implementierung</a:t>
                       </a:r>
                       <a:r>
-                        <a:rPr lang="de-DE" baseline="0" dirty="0" smtClean="0"/>
+                        <a:rPr lang="de-DE" baseline="0" dirty="0"/>
                         <a:t> Controller</a:t>
                       </a:r>
                       <a:endParaRPr lang="de-DE" dirty="0"/>
@@ -4928,10 +5378,9 @@
                     <a:lstStyle/>
                     <a:p>
                       <a:r>
-                        <a:rPr lang="de-DE" dirty="0" smtClean="0"/>
+                        <a:rPr lang="de-DE" dirty="0"/>
                         <a:t>Mark</a:t>
                       </a:r>
-                      <a:endParaRPr lang="de-DE" dirty="0"/>
                     </a:p>
                   </a:txBody>
                   <a:tcPr/>
@@ -4942,10 +5391,9 @@
                     <a:lstStyle/>
                     <a:p>
                       <a:r>
-                        <a:rPr lang="de-DE" dirty="0" smtClean="0"/>
+                        <a:rPr lang="de-DE" dirty="0"/>
                         <a:t>6</a:t>
                       </a:r>
-                      <a:endParaRPr lang="de-DE" dirty="0"/>
                     </a:p>
                   </a:txBody>
                   <a:tcPr/>
@@ -4963,11 +5411,11 @@
                     <a:lstStyle/>
                     <a:p>
                       <a:r>
-                        <a:rPr lang="de-DE" dirty="0" smtClean="0"/>
+                        <a:rPr lang="de-DE" dirty="0"/>
                         <a:t>Implementierung</a:t>
                       </a:r>
                       <a:r>
-                        <a:rPr lang="de-DE" baseline="0" dirty="0" smtClean="0"/>
+                        <a:rPr lang="de-DE" baseline="0" dirty="0"/>
                         <a:t> View</a:t>
                       </a:r>
                       <a:endParaRPr lang="de-DE" dirty="0"/>
@@ -4981,10 +5429,9 @@
                     <a:lstStyle/>
                     <a:p>
                       <a:r>
-                        <a:rPr lang="de-DE" dirty="0" smtClean="0"/>
+                        <a:rPr lang="de-DE" dirty="0"/>
                         <a:t>Jan</a:t>
                       </a:r>
-                      <a:endParaRPr lang="de-DE" dirty="0"/>
                     </a:p>
                   </a:txBody>
                   <a:tcPr/>
@@ -4995,10 +5442,9 @@
                     <a:lstStyle/>
                     <a:p>
                       <a:r>
-                        <a:rPr lang="de-DE" dirty="0" smtClean="0"/>
+                        <a:rPr lang="de-DE" dirty="0"/>
                         <a:t>6</a:t>
                       </a:r>
-                      <a:endParaRPr lang="de-DE" dirty="0"/>
                     </a:p>
                   </a:txBody>
                   <a:tcPr/>
@@ -5016,10 +5462,9 @@
                     <a:lstStyle/>
                     <a:p>
                       <a:r>
-                        <a:rPr lang="de-DE" dirty="0" smtClean="0"/>
+                        <a:rPr lang="de-DE" dirty="0"/>
                         <a:t>Zusammenfügen</a:t>
                       </a:r>
-                      <a:endParaRPr lang="de-DE" dirty="0"/>
                     </a:p>
                   </a:txBody>
                   <a:tcPr/>
@@ -5030,10 +5475,9 @@
                     <a:lstStyle/>
                     <a:p>
                       <a:r>
-                        <a:rPr lang="de-DE" dirty="0" smtClean="0"/>
+                        <a:rPr lang="de-DE" dirty="0"/>
                         <a:t>alle</a:t>
                       </a:r>
-                      <a:endParaRPr lang="de-DE" dirty="0"/>
                     </a:p>
                   </a:txBody>
                   <a:tcPr/>
@@ -5044,10 +5488,9 @@
                     <a:lstStyle/>
                     <a:p>
                       <a:r>
-                        <a:rPr lang="de-DE" dirty="0" smtClean="0"/>
+                        <a:rPr lang="de-DE" dirty="0"/>
                         <a:t>2</a:t>
                       </a:r>
-                      <a:endParaRPr lang="de-DE" dirty="0"/>
                     </a:p>
                   </a:txBody>
                   <a:tcPr/>
@@ -5065,7 +5508,7 @@
                     <a:lstStyle/>
                     <a:p>
                       <a:r>
-                        <a:rPr lang="de-DE" dirty="0" err="1" smtClean="0"/>
+                        <a:rPr lang="de-DE" dirty="0" err="1"/>
                         <a:t>Refactoring</a:t>
                       </a:r>
                       <a:endParaRPr lang="de-DE" dirty="0"/>
@@ -5079,10 +5522,9 @@
                     <a:lstStyle/>
                     <a:p>
                       <a:r>
-                        <a:rPr lang="de-DE" dirty="0" smtClean="0"/>
+                        <a:rPr lang="de-DE" dirty="0"/>
                         <a:t>alle</a:t>
                       </a:r>
-                      <a:endParaRPr lang="de-DE" dirty="0"/>
                     </a:p>
                   </a:txBody>
                   <a:tcPr/>
@@ -5093,10 +5535,9 @@
                     <a:lstStyle/>
                     <a:p>
                       <a:r>
-                        <a:rPr lang="de-DE" dirty="0" smtClean="0"/>
+                        <a:rPr lang="de-DE" dirty="0"/>
                         <a:t>1</a:t>
                       </a:r>
-                      <a:endParaRPr lang="de-DE" dirty="0"/>
                     </a:p>
                   </a:txBody>
                   <a:tcPr/>
@@ -5231,10 +5672,9 @@
           <a:lstStyle/>
           <a:p>
             <a:r>
-              <a:rPr lang="de-DE" dirty="0" smtClean="0"/>
+              <a:rPr lang="de-DE" dirty="0"/>
               <a:t>MVC (Techn. Plan)</a:t>
             </a:r>
-            <a:endParaRPr lang="de-DE" dirty="0"/>
           </a:p>
         </p:txBody>
       </p:sp>
@@ -5326,63 +5766,61 @@
           <a:lstStyle/>
           <a:p>
             <a:r>
-              <a:rPr lang="de-DE" dirty="0" smtClean="0"/>
+              <a:rPr lang="de-DE" dirty="0"/>
               <a:t>Lösungsansatz</a:t>
             </a:r>
             <a:br>
-              <a:rPr lang="de-DE" dirty="0" smtClean="0"/>
+              <a:rPr lang="de-DE" dirty="0"/>
             </a:br>
             <a:r>
-              <a:rPr lang="de-DE" dirty="0" smtClean="0"/>
+              <a:rPr lang="de-DE" dirty="0"/>
               <a:t>Ist Zustand</a:t>
             </a:r>
+          </a:p>
+        </p:txBody>
+      </p:sp>
+      <p:sp>
+        <p:nvSpPr>
+          <p:cNvPr id="3" name="Inhaltsplatzhalter 2"/>
+          <p:cNvSpPr>
+            <a:spLocks noGrp="1"/>
+          </p:cNvSpPr>
+          <p:nvPr>
+            <p:ph idx="1"/>
+          </p:nvPr>
+        </p:nvSpPr>
+        <p:spPr/>
+        <p:txBody>
+          <a:bodyPr/>
+          <a:lstStyle/>
+          <a:p>
+            <a:r>
+              <a:rPr lang="de-DE" dirty="0"/>
+              <a:t>Für MVC Pattern entschieden.</a:t>
+            </a:r>
+          </a:p>
+          <a:p>
+            <a:r>
+              <a:rPr lang="de-DE" dirty="0"/>
+              <a:t>Model hält Spielstand</a:t>
+            </a:r>
+          </a:p>
+          <a:p>
+            <a:r>
+              <a:rPr lang="de-DE" dirty="0"/>
+              <a:t>Controller </a:t>
+            </a:r>
+            <a:r>
+              <a:rPr lang="de-DE" dirty="0" err="1"/>
+              <a:t>kk</a:t>
+            </a:r>
             <a:endParaRPr lang="de-DE" dirty="0"/>
           </a:p>
-        </p:txBody>
-      </p:sp>
-      <p:sp>
-        <p:nvSpPr>
-          <p:cNvPr id="3" name="Inhaltsplatzhalter 2"/>
-          <p:cNvSpPr>
-            <a:spLocks noGrp="1"/>
-          </p:cNvSpPr>
-          <p:nvPr>
-            <p:ph idx="1"/>
-          </p:nvPr>
-        </p:nvSpPr>
-        <p:spPr/>
-        <p:txBody>
-          <a:bodyPr/>
-          <a:lstStyle/>
-          <a:p>
-            <a:r>
-              <a:rPr lang="de-DE" dirty="0" smtClean="0"/>
-              <a:t>Für MVC Pattern entschieden.</a:t>
-            </a:r>
-          </a:p>
-          <a:p>
-            <a:r>
-              <a:rPr lang="de-DE" dirty="0" smtClean="0"/>
-              <a:t>Model hält Spielstand</a:t>
-            </a:r>
-          </a:p>
-          <a:p>
-            <a:r>
-              <a:rPr lang="de-DE" dirty="0" smtClean="0"/>
-              <a:t>Controller </a:t>
-            </a:r>
-            <a:r>
-              <a:rPr lang="de-DE" dirty="0" err="1" smtClean="0"/>
-              <a:t>kk</a:t>
-            </a:r>
-            <a:endParaRPr lang="de-DE" dirty="0" smtClean="0"/>
-          </a:p>
-          <a:p>
-            <a:r>
-              <a:rPr lang="de-DE" dirty="0" smtClean="0"/>
+          <a:p>
+            <a:r>
+              <a:rPr lang="de-DE" dirty="0"/>
               <a:t>GUI soll skalierbar sein</a:t>
             </a:r>
-            <a:endParaRPr lang="de-DE" dirty="0"/>
           </a:p>
         </p:txBody>
       </p:sp>
@@ -5456,13 +5894,8 @@
           <a:p>
             <a:r>
               <a:rPr lang="de-DE" dirty="0"/>
-              <a:t>D</a:t>
-            </a:r>
-            <a:r>
-              <a:rPr lang="de-DE" dirty="0" smtClean="0"/>
-              <a:t>emonstration</a:t>
-            </a:r>
-            <a:endParaRPr lang="de-DE" dirty="0"/>
+              <a:t>Demonstration</a:t>
+            </a:r>
           </a:p>
         </p:txBody>
       </p:sp>
@@ -5554,10 +5987,9 @@
           <a:lstStyle/>
           <a:p>
             <a:r>
-              <a:rPr lang="de-DE" dirty="0" smtClean="0"/>
+              <a:rPr lang="de-DE" dirty="0"/>
               <a:t>Model</a:t>
             </a:r>
-            <a:endParaRPr lang="de-DE" dirty="0"/>
           </a:p>
         </p:txBody>
       </p:sp>
@@ -5649,14 +6081,9 @@
           <a:lstStyle/>
           <a:p>
             <a:r>
-              <a:rPr lang="de-DE" dirty="0" smtClean="0"/>
-              <a:t>Was </a:t>
-            </a:r>
-            <a:r>
-              <a:rPr lang="de-DE" dirty="0" smtClean="0"/>
-              <a:t>Funktioniert?</a:t>
-            </a:r>
-            <a:endParaRPr lang="de-DE" dirty="0"/>
+              <a:rPr lang="de-DE" dirty="0"/>
+              <a:t>Was Funktioniert?</a:t>
+            </a:r>
           </a:p>
         </p:txBody>
       </p:sp>

--- a/documentation/wwmp.pptx
+++ b/documentation/wwmp.pptx
@@ -5,7 +5,7 @@
     <p:sldMasterId id="2147483648" r:id="rId1"/>
   </p:sldMasterIdLst>
   <p:notesMasterIdLst>
-    <p:notesMasterId r:id="rId23"/>
+    <p:notesMasterId r:id="rId25"/>
   </p:notesMasterIdLst>
   <p:sldIdLst>
     <p:sldId id="256" r:id="rId2"/>
@@ -16,19 +16,21 @@
     <p:sldId id="261" r:id="rId7"/>
     <p:sldId id="262" r:id="rId8"/>
     <p:sldId id="263" r:id="rId9"/>
-    <p:sldId id="266" r:id="rId10"/>
-    <p:sldId id="267" r:id="rId11"/>
-    <p:sldId id="265" r:id="rId12"/>
-    <p:sldId id="268" r:id="rId13"/>
-    <p:sldId id="269" r:id="rId14"/>
-    <p:sldId id="277" r:id="rId15"/>
-    <p:sldId id="264" r:id="rId16"/>
-    <p:sldId id="274" r:id="rId17"/>
-    <p:sldId id="275" r:id="rId18"/>
-    <p:sldId id="276" r:id="rId19"/>
-    <p:sldId id="270" r:id="rId20"/>
-    <p:sldId id="271" r:id="rId21"/>
-    <p:sldId id="272" r:id="rId22"/>
+    <p:sldId id="279" r:id="rId10"/>
+    <p:sldId id="278" r:id="rId11"/>
+    <p:sldId id="266" r:id="rId12"/>
+    <p:sldId id="267" r:id="rId13"/>
+    <p:sldId id="265" r:id="rId14"/>
+    <p:sldId id="268" r:id="rId15"/>
+    <p:sldId id="269" r:id="rId16"/>
+    <p:sldId id="277" r:id="rId17"/>
+    <p:sldId id="264" r:id="rId18"/>
+    <p:sldId id="274" r:id="rId19"/>
+    <p:sldId id="275" r:id="rId20"/>
+    <p:sldId id="276" r:id="rId21"/>
+    <p:sldId id="270" r:id="rId22"/>
+    <p:sldId id="271" r:id="rId23"/>
+    <p:sldId id="272" r:id="rId24"/>
   </p:sldIdLst>
   <p:sldSz cx="12192000" cy="6858000"/>
   <p:notesSz cx="6858000" cy="9144000"/>
@@ -217,7 +219,7 @@
           <a:p>
             <a:fld id="{60D937F9-561B-44D0-9AF2-5F16B33FEB6D}" type="datetimeFigureOut">
               <a:rPr lang="de-DE" smtClean="0"/>
-              <a:t>19.11.2019</a:t>
+              <a:t>20.11.2019</a:t>
             </a:fld>
             <a:endParaRPr lang="de-DE"/>
           </a:p>
@@ -613,7 +615,7 @@
           <a:p>
             <a:fld id="{3B9A3AE3-57FE-428D-8266-94688F93CFE4}" type="datetime1">
               <a:rPr lang="de-DE" smtClean="0"/>
-              <a:t>19.11.2019</a:t>
+              <a:t>20.11.2019</a:t>
             </a:fld>
             <a:endParaRPr lang="de-DE"/>
           </a:p>
@@ -781,7 +783,7 @@
           <a:p>
             <a:fld id="{6C31C2C4-7A56-462C-84BA-969744655166}" type="datetime1">
               <a:rPr lang="de-DE" smtClean="0"/>
-              <a:t>19.11.2019</a:t>
+              <a:t>20.11.2019</a:t>
             </a:fld>
             <a:endParaRPr lang="de-DE"/>
           </a:p>
@@ -959,7 +961,7 @@
           <a:p>
             <a:fld id="{0360580C-4F5E-4B49-9272-89958F810EDF}" type="datetime1">
               <a:rPr lang="de-DE" smtClean="0"/>
-              <a:t>19.11.2019</a:t>
+              <a:t>20.11.2019</a:t>
             </a:fld>
             <a:endParaRPr lang="de-DE"/>
           </a:p>
@@ -1127,7 +1129,7 @@
           <a:p>
             <a:fld id="{EA428BC3-6769-4E49-A755-91D90E8940AE}" type="datetime1">
               <a:rPr lang="de-DE" smtClean="0"/>
-              <a:t>19.11.2019</a:t>
+              <a:t>20.11.2019</a:t>
             </a:fld>
             <a:endParaRPr lang="de-DE"/>
           </a:p>
@@ -1372,7 +1374,7 @@
           <a:p>
             <a:fld id="{9B8F9CDB-2F59-41E7-A9FB-E2EA88CBC35B}" type="datetime1">
               <a:rPr lang="de-DE" smtClean="0"/>
-              <a:t>19.11.2019</a:t>
+              <a:t>20.11.2019</a:t>
             </a:fld>
             <a:endParaRPr lang="de-DE"/>
           </a:p>
@@ -1601,7 +1603,7 @@
           <a:p>
             <a:fld id="{E4E6BF59-0717-43CF-97D9-ED2E018F2500}" type="datetime1">
               <a:rPr lang="de-DE" smtClean="0"/>
-              <a:t>19.11.2019</a:t>
+              <a:t>20.11.2019</a:t>
             </a:fld>
             <a:endParaRPr lang="de-DE"/>
           </a:p>
@@ -1965,7 +1967,7 @@
           <a:p>
             <a:fld id="{05E60D12-505A-45AD-8674-C9373E24576A}" type="datetime1">
               <a:rPr lang="de-DE" smtClean="0"/>
-              <a:t>19.11.2019</a:t>
+              <a:t>20.11.2019</a:t>
             </a:fld>
             <a:endParaRPr lang="de-DE"/>
           </a:p>
@@ -2082,7 +2084,7 @@
           <a:p>
             <a:fld id="{0EE617D4-C464-4C55-9537-5E0842B638DB}" type="datetime1">
               <a:rPr lang="de-DE" smtClean="0"/>
-              <a:t>19.11.2019</a:t>
+              <a:t>20.11.2019</a:t>
             </a:fld>
             <a:endParaRPr lang="de-DE"/>
           </a:p>
@@ -2177,7 +2179,7 @@
           <a:p>
             <a:fld id="{DE3276E5-65CB-4E7C-B048-11C9875E5D78}" type="datetime1">
               <a:rPr lang="de-DE" smtClean="0"/>
-              <a:t>19.11.2019</a:t>
+              <a:t>20.11.2019</a:t>
             </a:fld>
             <a:endParaRPr lang="de-DE"/>
           </a:p>
@@ -2452,7 +2454,7 @@
           <a:p>
             <a:fld id="{6FAC84D1-C2A3-49D9-91BD-34BF6A2E6D3A}" type="datetime1">
               <a:rPr lang="de-DE" smtClean="0"/>
-              <a:t>19.11.2019</a:t>
+              <a:t>20.11.2019</a:t>
             </a:fld>
             <a:endParaRPr lang="de-DE"/>
           </a:p>
@@ -2704,7 +2706,7 @@
           <a:p>
             <a:fld id="{C7C3D48D-46F0-4A96-8F92-410573AE7794}" type="datetime1">
               <a:rPr lang="de-DE" smtClean="0"/>
-              <a:t>19.11.2019</a:t>
+              <a:t>20.11.2019</a:t>
             </a:fld>
             <a:endParaRPr lang="de-DE"/>
           </a:p>
@@ -2915,7 +2917,7 @@
           <a:p>
             <a:fld id="{6055A6E6-0C08-4B3B-9BA3-DF8EF3D0D0E5}" type="datetime1">
               <a:rPr lang="de-DE" smtClean="0"/>
-              <a:t>19.11.2019</a:t>
+              <a:t>20.11.2019</a:t>
             </a:fld>
             <a:endParaRPr lang="de-DE"/>
           </a:p>
@@ -3431,6 +3433,13 @@
   <p:clrMapOvr>
     <a:masterClrMapping/>
   </p:clrMapOvr>
+  <p:timing>
+    <p:tnLst>
+      <p:par>
+        <p:cTn id="1" dur="indefinite" restart="never" nodeType="tmRoot"/>
+      </p:par>
+    </p:tnLst>
+  </p:timing>
 </p:sld>
 </file>
 
@@ -3467,28 +3476,10 @@
           <a:lstStyle/>
           <a:p>
             <a:r>
-              <a:rPr lang="de-DE" dirty="0"/>
-              <a:t>Ausblick</a:t>
-            </a:r>
-          </a:p>
-        </p:txBody>
-      </p:sp>
-      <p:sp>
-        <p:nvSpPr>
-          <p:cNvPr id="3" name="Inhaltsplatzhalter 2"/>
-          <p:cNvSpPr>
-            <a:spLocks noGrp="1"/>
-          </p:cNvSpPr>
-          <p:nvPr>
-            <p:ph idx="1"/>
-          </p:nvPr>
-        </p:nvSpPr>
-        <p:spPr/>
-        <p:txBody>
-          <a:bodyPr/>
-          <a:lstStyle/>
-          <a:p>
-            <a:endParaRPr lang="de-DE"/>
+              <a:rPr lang="de-DE" dirty="0" smtClean="0"/>
+              <a:t>Game</a:t>
+            </a:r>
+            <a:endParaRPr lang="de-DE" dirty="0"/>
           </a:p>
         </p:txBody>
       </p:sp>
@@ -3515,16 +3506,42 @@
           </a:p>
         </p:txBody>
       </p:sp>
+      <p:sp>
+        <p:nvSpPr>
+          <p:cNvPr id="5" name="Inhaltsplatzhalter 4"/>
+          <p:cNvSpPr>
+            <a:spLocks noGrp="1"/>
+          </p:cNvSpPr>
+          <p:nvPr>
+            <p:ph idx="1"/>
+          </p:nvPr>
+        </p:nvSpPr>
+        <p:spPr/>
+        <p:txBody>
+          <a:bodyPr/>
+          <a:lstStyle/>
+          <a:p>
+            <a:endParaRPr lang="de-DE"/>
+          </a:p>
+        </p:txBody>
+      </p:sp>
     </p:spTree>
     <p:extLst>
       <p:ext uri="{BB962C8B-B14F-4D97-AF65-F5344CB8AC3E}">
-        <p14:creationId xmlns:p14="http://schemas.microsoft.com/office/powerpoint/2010/main" val="2260884382"/>
+        <p14:creationId xmlns:p14="http://schemas.microsoft.com/office/powerpoint/2010/main" val="3577370653"/>
       </p:ext>
     </p:extLst>
   </p:cSld>
   <p:clrMapOvr>
     <a:masterClrMapping/>
   </p:clrMapOvr>
+  <p:timing>
+    <p:tnLst>
+      <p:par>
+        <p:cTn id="1" dur="indefinite" restart="never" nodeType="tmRoot"/>
+      </p:par>
+    </p:tnLst>
+  </p:timing>
 </p:sld>
 </file>
 
@@ -3561,28 +3578,10 @@
           <a:lstStyle/>
           <a:p>
             <a:r>
-              <a:rPr lang="de-DE" dirty="0"/>
-              <a:t>Controller</a:t>
-            </a:r>
-          </a:p>
-        </p:txBody>
-      </p:sp>
-      <p:sp>
-        <p:nvSpPr>
-          <p:cNvPr id="3" name="Inhaltsplatzhalter 2"/>
-          <p:cNvSpPr>
-            <a:spLocks noGrp="1"/>
-          </p:cNvSpPr>
-          <p:nvPr>
-            <p:ph idx="1"/>
-          </p:nvPr>
-        </p:nvSpPr>
-        <p:spPr/>
-        <p:txBody>
-          <a:bodyPr/>
-          <a:lstStyle/>
-          <a:p>
-            <a:endParaRPr lang="de-DE"/>
+              <a:rPr lang="de-DE" dirty="0" err="1" smtClean="0"/>
+              <a:t>Question</a:t>
+            </a:r>
+            <a:endParaRPr lang="de-DE" dirty="0"/>
           </a:p>
         </p:txBody>
       </p:sp>
@@ -3609,16 +3608,42 @@
           </a:p>
         </p:txBody>
       </p:sp>
+      <p:sp>
+        <p:nvSpPr>
+          <p:cNvPr id="5" name="Inhaltsplatzhalter 4"/>
+          <p:cNvSpPr>
+            <a:spLocks noGrp="1"/>
+          </p:cNvSpPr>
+          <p:nvPr>
+            <p:ph idx="1"/>
+          </p:nvPr>
+        </p:nvSpPr>
+        <p:spPr/>
+        <p:txBody>
+          <a:bodyPr/>
+          <a:lstStyle/>
+          <a:p>
+            <a:endParaRPr lang="de-DE"/>
+          </a:p>
+        </p:txBody>
+      </p:sp>
     </p:spTree>
     <p:extLst>
       <p:ext uri="{BB962C8B-B14F-4D97-AF65-F5344CB8AC3E}">
-        <p14:creationId xmlns:p14="http://schemas.microsoft.com/office/powerpoint/2010/main" val="1871654324"/>
+        <p14:creationId xmlns:p14="http://schemas.microsoft.com/office/powerpoint/2010/main" val="3979477493"/>
       </p:ext>
     </p:extLst>
   </p:cSld>
   <p:clrMapOvr>
     <a:masterClrMapping/>
   </p:clrMapOvr>
+  <p:timing>
+    <p:tnLst>
+      <p:par>
+        <p:cTn id="1" dur="indefinite" restart="never" nodeType="tmRoot"/>
+      </p:par>
+    </p:tnLst>
+  </p:timing>
 </p:sld>
 </file>
 
@@ -3656,7 +3681,7 @@
           <a:p>
             <a:r>
               <a:rPr lang="de-DE" dirty="0"/>
-              <a:t>Was Funktioniert was nicht?</a:t>
+              <a:t>Ausblick</a:t>
             </a:r>
           </a:p>
         </p:txBody>
@@ -3706,13 +3731,20 @@
     </p:spTree>
     <p:extLst>
       <p:ext uri="{BB962C8B-B14F-4D97-AF65-F5344CB8AC3E}">
-        <p14:creationId xmlns:p14="http://schemas.microsoft.com/office/powerpoint/2010/main" val="1756615391"/>
+        <p14:creationId xmlns:p14="http://schemas.microsoft.com/office/powerpoint/2010/main" val="2260884382"/>
       </p:ext>
     </p:extLst>
   </p:cSld>
   <p:clrMapOvr>
     <a:masterClrMapping/>
   </p:clrMapOvr>
+  <p:timing>
+    <p:tnLst>
+      <p:par>
+        <p:cTn id="1" dur="indefinite" restart="never" nodeType="tmRoot"/>
+      </p:par>
+    </p:tnLst>
+  </p:timing>
 </p:sld>
 </file>
 
@@ -3750,7 +3782,7 @@
           <a:p>
             <a:r>
               <a:rPr lang="de-DE" dirty="0"/>
-              <a:t>Ausblick</a:t>
+              <a:t>Controller</a:t>
             </a:r>
           </a:p>
         </p:txBody>
@@ -3800,7 +3832,7 @@
     </p:spTree>
     <p:extLst>
       <p:ext uri="{BB962C8B-B14F-4D97-AF65-F5344CB8AC3E}">
-        <p14:creationId xmlns:p14="http://schemas.microsoft.com/office/powerpoint/2010/main" val="4042423252"/>
+        <p14:creationId xmlns:p14="http://schemas.microsoft.com/office/powerpoint/2010/main" val="1871654324"/>
       </p:ext>
     </p:extLst>
   </p:cSld>
@@ -3844,8 +3876,27 @@
           <a:p>
             <a:r>
               <a:rPr lang="de-DE" dirty="0"/>
-              <a:t>View</a:t>
-            </a:r>
+              <a:t>Was Funktioniert was nicht?</a:t>
+            </a:r>
+          </a:p>
+        </p:txBody>
+      </p:sp>
+      <p:sp>
+        <p:nvSpPr>
+          <p:cNvPr id="3" name="Inhaltsplatzhalter 2"/>
+          <p:cNvSpPr>
+            <a:spLocks noGrp="1"/>
+          </p:cNvSpPr>
+          <p:nvPr>
+            <p:ph idx="1"/>
+          </p:nvPr>
+        </p:nvSpPr>
+        <p:spPr/>
+        <p:txBody>
+          <a:bodyPr/>
+          <a:lstStyle/>
+          <a:p>
+            <a:endParaRPr lang="de-DE"/>
           </a:p>
         </p:txBody>
       </p:sp>
@@ -3872,45 +3923,10 @@
           </a:p>
         </p:txBody>
       </p:sp>
-      <p:pic>
-        <p:nvPicPr>
-          <p:cNvPr id="7" name="Inhaltsplatzhalter 6">
-            <a:extLst>
-              <a:ext uri="{FF2B5EF4-FFF2-40B4-BE49-F238E27FC236}">
-                <a16:creationId xmlns:a16="http://schemas.microsoft.com/office/drawing/2014/main" id="{8F07DE71-8738-4F99-8A71-A6AE7F46EFF7}"/>
-              </a:ext>
-            </a:extLst>
-          </p:cNvPr>
-          <p:cNvPicPr>
-            <a:picLocks noGrp="1" noChangeAspect="1"/>
-          </p:cNvPicPr>
-          <p:nvPr>
-            <p:ph idx="1"/>
-          </p:nvPr>
-        </p:nvPicPr>
-        <p:blipFill>
-          <a:blip r:embed="rId2">
-            <a:extLst>
-              <a:ext uri="{28A0092B-C50C-407E-A947-70E740481C1C}">
-                <a14:useLocalDpi xmlns:a14="http://schemas.microsoft.com/office/drawing/2010/main" val="0"/>
-              </a:ext>
-            </a:extLst>
-          </a:blip>
-          <a:stretch>
-            <a:fillRect/>
-          </a:stretch>
-        </p:blipFill>
-        <p:spPr>
-          <a:xfrm>
-            <a:off x="3201131" y="1825625"/>
-            <a:ext cx="5789737" cy="4351338"/>
-          </a:xfrm>
-        </p:spPr>
-      </p:pic>
     </p:spTree>
     <p:extLst>
       <p:ext uri="{BB962C8B-B14F-4D97-AF65-F5344CB8AC3E}">
-        <p14:creationId xmlns:p14="http://schemas.microsoft.com/office/powerpoint/2010/main" val="3717256861"/>
+        <p14:creationId xmlns:p14="http://schemas.microsoft.com/office/powerpoint/2010/main" val="1756615391"/>
       </p:ext>
     </p:extLst>
   </p:cSld>
@@ -3954,8 +3970,27 @@
           <a:p>
             <a:r>
               <a:rPr lang="de-DE" dirty="0"/>
-              <a:t>View</a:t>
-            </a:r>
+              <a:t>Ausblick</a:t>
+            </a:r>
+          </a:p>
+        </p:txBody>
+      </p:sp>
+      <p:sp>
+        <p:nvSpPr>
+          <p:cNvPr id="3" name="Inhaltsplatzhalter 2"/>
+          <p:cNvSpPr>
+            <a:spLocks noGrp="1"/>
+          </p:cNvSpPr>
+          <p:nvPr>
+            <p:ph idx="1"/>
+          </p:nvPr>
+        </p:nvSpPr>
+        <p:spPr/>
+        <p:txBody>
+          <a:bodyPr/>
+          <a:lstStyle/>
+          <a:p>
+            <a:endParaRPr lang="de-DE"/>
           </a:p>
         </p:txBody>
       </p:sp>
@@ -3977,6 +4012,191 @@
             <a:fld id="{57D8F98F-9146-4D48-BD84-43508DAD44DB}" type="slidenum">
               <a:rPr lang="de-DE" smtClean="0"/>
               <a:t>15</a:t>
+            </a:fld>
+            <a:endParaRPr lang="de-DE"/>
+          </a:p>
+        </p:txBody>
+      </p:sp>
+    </p:spTree>
+    <p:extLst>
+      <p:ext uri="{BB962C8B-B14F-4D97-AF65-F5344CB8AC3E}">
+        <p14:creationId xmlns:p14="http://schemas.microsoft.com/office/powerpoint/2010/main" val="4042423252"/>
+      </p:ext>
+    </p:extLst>
+  </p:cSld>
+  <p:clrMapOvr>
+    <a:masterClrMapping/>
+  </p:clrMapOvr>
+</p:sld>
+</file>
+
+<file path=ppt/slides/slide16.xml><?xml version="1.0" encoding="utf-8"?>
+<p:sld xmlns:a="http://schemas.openxmlformats.org/drawingml/2006/main" xmlns:r="http://schemas.openxmlformats.org/officeDocument/2006/relationships" xmlns:p="http://schemas.openxmlformats.org/presentationml/2006/main">
+  <p:cSld>
+    <p:spTree>
+      <p:nvGrpSpPr>
+        <p:cNvPr id="1" name=""/>
+        <p:cNvGrpSpPr/>
+        <p:nvPr/>
+      </p:nvGrpSpPr>
+      <p:grpSpPr>
+        <a:xfrm>
+          <a:off x="0" y="0"/>
+          <a:ext cx="0" cy="0"/>
+          <a:chOff x="0" y="0"/>
+          <a:chExt cx="0" cy="0"/>
+        </a:xfrm>
+      </p:grpSpPr>
+      <p:sp>
+        <p:nvSpPr>
+          <p:cNvPr id="2" name="Titel 1"/>
+          <p:cNvSpPr>
+            <a:spLocks noGrp="1"/>
+          </p:cNvSpPr>
+          <p:nvPr>
+            <p:ph type="title"/>
+          </p:nvPr>
+        </p:nvSpPr>
+        <p:spPr/>
+        <p:txBody>
+          <a:bodyPr/>
+          <a:lstStyle/>
+          <a:p>
+            <a:r>
+              <a:rPr lang="de-DE" dirty="0"/>
+              <a:t>View</a:t>
+            </a:r>
+          </a:p>
+        </p:txBody>
+      </p:sp>
+      <p:sp>
+        <p:nvSpPr>
+          <p:cNvPr id="6" name="Foliennummernplatzhalter 5"/>
+          <p:cNvSpPr>
+            <a:spLocks noGrp="1"/>
+          </p:cNvSpPr>
+          <p:nvPr>
+            <p:ph type="sldNum" sz="quarter" idx="12"/>
+          </p:nvPr>
+        </p:nvSpPr>
+        <p:spPr/>
+        <p:txBody>
+          <a:bodyPr/>
+          <a:lstStyle/>
+          <a:p>
+            <a:fld id="{57D8F98F-9146-4D48-BD84-43508DAD44DB}" type="slidenum">
+              <a:rPr lang="de-DE" smtClean="0"/>
+              <a:t>16</a:t>
+            </a:fld>
+            <a:endParaRPr lang="de-DE"/>
+          </a:p>
+        </p:txBody>
+      </p:sp>
+      <p:pic>
+        <p:nvPicPr>
+          <p:cNvPr id="7" name="Inhaltsplatzhalter 6">
+            <a:extLst>
+              <a:ext uri="{FF2B5EF4-FFF2-40B4-BE49-F238E27FC236}">
+                <a16:creationId xmlns:a16="http://schemas.microsoft.com/office/drawing/2014/main" id="{8F07DE71-8738-4F99-8A71-A6AE7F46EFF7}"/>
+              </a:ext>
+            </a:extLst>
+          </p:cNvPr>
+          <p:cNvPicPr>
+            <a:picLocks noGrp="1" noChangeAspect="1"/>
+          </p:cNvPicPr>
+          <p:nvPr>
+            <p:ph idx="1"/>
+          </p:nvPr>
+        </p:nvPicPr>
+        <p:blipFill>
+          <a:blip r:embed="rId2">
+            <a:extLst>
+              <a:ext uri="{28A0092B-C50C-407E-A947-70E740481C1C}">
+                <a14:useLocalDpi xmlns:a14="http://schemas.microsoft.com/office/drawing/2010/main" val="0"/>
+              </a:ext>
+            </a:extLst>
+          </a:blip>
+          <a:stretch>
+            <a:fillRect/>
+          </a:stretch>
+        </p:blipFill>
+        <p:spPr>
+          <a:xfrm>
+            <a:off x="3172409" y="1826263"/>
+            <a:ext cx="5818460" cy="4372925"/>
+          </a:xfrm>
+        </p:spPr>
+      </p:pic>
+    </p:spTree>
+    <p:extLst>
+      <p:ext uri="{BB962C8B-B14F-4D97-AF65-F5344CB8AC3E}">
+        <p14:creationId xmlns:p14="http://schemas.microsoft.com/office/powerpoint/2010/main" val="3717256861"/>
+      </p:ext>
+    </p:extLst>
+  </p:cSld>
+  <p:clrMapOvr>
+    <a:masterClrMapping/>
+  </p:clrMapOvr>
+</p:sld>
+</file>
+
+<file path=ppt/slides/slide17.xml><?xml version="1.0" encoding="utf-8"?>
+<p:sld xmlns:a="http://schemas.openxmlformats.org/drawingml/2006/main" xmlns:r="http://schemas.openxmlformats.org/officeDocument/2006/relationships" xmlns:p="http://schemas.openxmlformats.org/presentationml/2006/main">
+  <p:cSld>
+    <p:spTree>
+      <p:nvGrpSpPr>
+        <p:cNvPr id="1" name=""/>
+        <p:cNvGrpSpPr/>
+        <p:nvPr/>
+      </p:nvGrpSpPr>
+      <p:grpSpPr>
+        <a:xfrm>
+          <a:off x="0" y="0"/>
+          <a:ext cx="0" cy="0"/>
+          <a:chOff x="0" y="0"/>
+          <a:chExt cx="0" cy="0"/>
+        </a:xfrm>
+      </p:grpSpPr>
+      <p:sp>
+        <p:nvSpPr>
+          <p:cNvPr id="2" name="Titel 1"/>
+          <p:cNvSpPr>
+            <a:spLocks noGrp="1"/>
+          </p:cNvSpPr>
+          <p:nvPr>
+            <p:ph type="title"/>
+          </p:nvPr>
+        </p:nvSpPr>
+        <p:spPr/>
+        <p:txBody>
+          <a:bodyPr/>
+          <a:lstStyle/>
+          <a:p>
+            <a:r>
+              <a:rPr lang="de-DE" dirty="0"/>
+              <a:t>View</a:t>
+            </a:r>
+          </a:p>
+        </p:txBody>
+      </p:sp>
+      <p:sp>
+        <p:nvSpPr>
+          <p:cNvPr id="6" name="Foliennummernplatzhalter 5"/>
+          <p:cNvSpPr>
+            <a:spLocks noGrp="1"/>
+          </p:cNvSpPr>
+          <p:nvPr>
+            <p:ph type="sldNum" sz="quarter" idx="12"/>
+          </p:nvPr>
+        </p:nvSpPr>
+        <p:spPr/>
+        <p:txBody>
+          <a:bodyPr/>
+          <a:lstStyle/>
+          <a:p>
+            <a:fld id="{57D8F98F-9146-4D48-BD84-43508DAD44DB}" type="slidenum">
+              <a:rPr lang="de-DE" smtClean="0"/>
+              <a:t>17</a:t>
             </a:fld>
             <a:endParaRPr lang="de-DE"/>
           </a:p>
@@ -4030,7 +4250,7 @@
 </p:sld>
 </file>
 
-<file path=ppt/slides/slide16.xml><?xml version="1.0" encoding="utf-8"?>
+<file path=ppt/slides/slide18.xml><?xml version="1.0" encoding="utf-8"?>
 <p:sld xmlns:a="http://schemas.openxmlformats.org/drawingml/2006/main" xmlns:r="http://schemas.openxmlformats.org/officeDocument/2006/relationships" xmlns:p="http://schemas.openxmlformats.org/presentationml/2006/main">
   <p:cSld>
     <p:spTree>
@@ -4086,7 +4306,7 @@
           <a:p>
             <a:fld id="{57D8F98F-9146-4D48-BD84-43508DAD44DB}" type="slidenum">
               <a:rPr lang="de-DE" smtClean="0"/>
-              <a:t>16</a:t>
+              <a:t>18</a:t>
             </a:fld>
             <a:endParaRPr lang="de-DE"/>
           </a:p>
@@ -4140,7 +4360,7 @@
 </p:sld>
 </file>
 
-<file path=ppt/slides/slide17.xml><?xml version="1.0" encoding="utf-8"?>
+<file path=ppt/slides/slide19.xml><?xml version="1.0" encoding="utf-8"?>
 <p:sld xmlns:a="http://schemas.openxmlformats.org/drawingml/2006/main" xmlns:r="http://schemas.openxmlformats.org/officeDocument/2006/relationships" xmlns:p="http://schemas.openxmlformats.org/presentationml/2006/main">
   <p:cSld>
     <p:spTree>
@@ -4196,7 +4416,7 @@
           <a:p>
             <a:fld id="{57D8F98F-9146-4D48-BD84-43508DAD44DB}" type="slidenum">
               <a:rPr lang="de-DE" smtClean="0"/>
-              <a:t>17</a:t>
+              <a:t>19</a:t>
             </a:fld>
             <a:endParaRPr lang="de-DE"/>
           </a:p>
@@ -4232,7 +4452,7 @@
         </p:blipFill>
         <p:spPr>
           <a:xfrm>
-            <a:off x="1076274" y="1825625"/>
+            <a:off x="1076274" y="1690688"/>
             <a:ext cx="10039451" cy="4351338"/>
           </a:xfrm>
         </p:spPr>
@@ -4250,7 +4470,7 @@
 </p:sld>
 </file>
 
-<file path=ppt/slides/slide18.xml><?xml version="1.0" encoding="utf-8"?>
+<file path=ppt/slides/slide2.xml><?xml version="1.0" encoding="utf-8"?>
 <p:sld xmlns:a="http://schemas.openxmlformats.org/drawingml/2006/main" xmlns:r="http://schemas.openxmlformats.org/officeDocument/2006/relationships" xmlns:p="http://schemas.openxmlformats.org/presentationml/2006/main">
   <p:cSld>
     <p:spTree>
@@ -4284,7 +4504,85 @@
           <a:p>
             <a:r>
               <a:rPr lang="de-DE" dirty="0"/>
-              <a:t>Button Darstellung</a:t>
+              <a:t>Inhalt</a:t>
+            </a:r>
+          </a:p>
+        </p:txBody>
+      </p:sp>
+      <p:sp>
+        <p:nvSpPr>
+          <p:cNvPr id="3" name="Inhaltsplatzhalter 2"/>
+          <p:cNvSpPr>
+            <a:spLocks noGrp="1"/>
+          </p:cNvSpPr>
+          <p:nvPr>
+            <p:ph idx="1"/>
+          </p:nvPr>
+        </p:nvSpPr>
+        <p:spPr/>
+        <p:txBody>
+          <a:bodyPr>
+            <a:normAutofit fontScale="92500" lnSpcReduction="20000"/>
+          </a:bodyPr>
+          <a:lstStyle/>
+          <a:p>
+            <a:r>
+              <a:rPr lang="de-DE" dirty="0"/>
+              <a:t>Auftrag/Problemstellung</a:t>
+            </a:r>
+          </a:p>
+          <a:p>
+            <a:r>
+              <a:rPr lang="de-DE" dirty="0"/>
+              <a:t>Lösungsidee</a:t>
+            </a:r>
+          </a:p>
+          <a:p>
+            <a:r>
+              <a:rPr lang="de-DE" dirty="0"/>
+              <a:t>Zeitplan</a:t>
+            </a:r>
+          </a:p>
+          <a:p>
+            <a:r>
+              <a:rPr lang="de-DE" dirty="0"/>
+              <a:t>MVC</a:t>
+            </a:r>
+          </a:p>
+          <a:p>
+            <a:r>
+              <a:rPr lang="de-DE" dirty="0"/>
+              <a:t>Ist-Zustand</a:t>
+            </a:r>
+          </a:p>
+          <a:p>
+            <a:r>
+              <a:rPr lang="de-DE" dirty="0"/>
+              <a:t>Demonstration</a:t>
+            </a:r>
+          </a:p>
+          <a:p>
+            <a:r>
+              <a:rPr lang="de-DE" dirty="0"/>
+              <a:t>Model</a:t>
+            </a:r>
+          </a:p>
+          <a:p>
+            <a:r>
+              <a:rPr lang="de-DE" dirty="0"/>
+              <a:t>Controller</a:t>
+            </a:r>
+          </a:p>
+          <a:p>
+            <a:r>
+              <a:rPr lang="de-DE" dirty="0"/>
+              <a:t>View</a:t>
+            </a:r>
+          </a:p>
+          <a:p>
+            <a:r>
+              <a:rPr lang="de-DE" dirty="0"/>
+              <a:t>Fazit</a:t>
             </a:r>
           </a:p>
         </p:txBody>
@@ -4306,7 +4604,89 @@
           <a:p>
             <a:fld id="{57D8F98F-9146-4D48-BD84-43508DAD44DB}" type="slidenum">
               <a:rPr lang="de-DE" smtClean="0"/>
-              <a:t>18</a:t>
+              <a:t>2</a:t>
+            </a:fld>
+            <a:endParaRPr lang="de-DE" dirty="0"/>
+          </a:p>
+        </p:txBody>
+      </p:sp>
+    </p:spTree>
+    <p:extLst>
+      <p:ext uri="{BB962C8B-B14F-4D97-AF65-F5344CB8AC3E}">
+        <p14:creationId xmlns:p14="http://schemas.microsoft.com/office/powerpoint/2010/main" val="2672888852"/>
+      </p:ext>
+    </p:extLst>
+  </p:cSld>
+  <p:clrMapOvr>
+    <a:masterClrMapping/>
+  </p:clrMapOvr>
+  <p:timing>
+    <p:tnLst>
+      <p:par>
+        <p:cTn id="1" dur="indefinite" restart="never" nodeType="tmRoot"/>
+      </p:par>
+    </p:tnLst>
+  </p:timing>
+</p:sld>
+</file>
+
+<file path=ppt/slides/slide20.xml><?xml version="1.0" encoding="utf-8"?>
+<p:sld xmlns:a="http://schemas.openxmlformats.org/drawingml/2006/main" xmlns:r="http://schemas.openxmlformats.org/officeDocument/2006/relationships" xmlns:p="http://schemas.openxmlformats.org/presentationml/2006/main">
+  <p:cSld>
+    <p:spTree>
+      <p:nvGrpSpPr>
+        <p:cNvPr id="1" name=""/>
+        <p:cNvGrpSpPr/>
+        <p:nvPr/>
+      </p:nvGrpSpPr>
+      <p:grpSpPr>
+        <a:xfrm>
+          <a:off x="0" y="0"/>
+          <a:ext cx="0" cy="0"/>
+          <a:chOff x="0" y="0"/>
+          <a:chExt cx="0" cy="0"/>
+        </a:xfrm>
+      </p:grpSpPr>
+      <p:sp>
+        <p:nvSpPr>
+          <p:cNvPr id="2" name="Titel 1"/>
+          <p:cNvSpPr>
+            <a:spLocks noGrp="1"/>
+          </p:cNvSpPr>
+          <p:nvPr>
+            <p:ph type="title"/>
+          </p:nvPr>
+        </p:nvSpPr>
+        <p:spPr/>
+        <p:txBody>
+          <a:bodyPr/>
+          <a:lstStyle/>
+          <a:p>
+            <a:r>
+              <a:rPr lang="de-DE" dirty="0"/>
+              <a:t>Button Darstellung</a:t>
+            </a:r>
+          </a:p>
+        </p:txBody>
+      </p:sp>
+      <p:sp>
+        <p:nvSpPr>
+          <p:cNvPr id="6" name="Foliennummernplatzhalter 5"/>
+          <p:cNvSpPr>
+            <a:spLocks noGrp="1"/>
+          </p:cNvSpPr>
+          <p:nvPr>
+            <p:ph type="sldNum" sz="quarter" idx="12"/>
+          </p:nvPr>
+        </p:nvSpPr>
+        <p:spPr/>
+        <p:txBody>
+          <a:bodyPr/>
+          <a:lstStyle/>
+          <a:p>
+            <a:fld id="{57D8F98F-9146-4D48-BD84-43508DAD44DB}" type="slidenum">
+              <a:rPr lang="de-DE" smtClean="0"/>
+              <a:t>20</a:t>
             </a:fld>
             <a:endParaRPr lang="de-DE"/>
           </a:p>
@@ -4360,353 +4740,6 @@
 </p:sld>
 </file>
 
-<file path=ppt/slides/slide19.xml><?xml version="1.0" encoding="utf-8"?>
-<p:sld xmlns:a="http://schemas.openxmlformats.org/drawingml/2006/main" xmlns:r="http://schemas.openxmlformats.org/officeDocument/2006/relationships" xmlns:p="http://schemas.openxmlformats.org/presentationml/2006/main">
-  <p:cSld>
-    <p:spTree>
-      <p:nvGrpSpPr>
-        <p:cNvPr id="1" name=""/>
-        <p:cNvGrpSpPr/>
-        <p:nvPr/>
-      </p:nvGrpSpPr>
-      <p:grpSpPr>
-        <a:xfrm>
-          <a:off x="0" y="0"/>
-          <a:ext cx="0" cy="0"/>
-          <a:chOff x="0" y="0"/>
-          <a:chExt cx="0" cy="0"/>
-        </a:xfrm>
-      </p:grpSpPr>
-      <p:sp>
-        <p:nvSpPr>
-          <p:cNvPr id="2" name="Titel 1"/>
-          <p:cNvSpPr>
-            <a:spLocks noGrp="1"/>
-          </p:cNvSpPr>
-          <p:nvPr>
-            <p:ph type="title"/>
-          </p:nvPr>
-        </p:nvSpPr>
-        <p:spPr/>
-        <p:txBody>
-          <a:bodyPr/>
-          <a:lstStyle/>
-          <a:p>
-            <a:r>
-              <a:rPr lang="de-DE" dirty="0"/>
-              <a:t>Was Funktioniert?</a:t>
-            </a:r>
-          </a:p>
-        </p:txBody>
-      </p:sp>
-      <p:sp>
-        <p:nvSpPr>
-          <p:cNvPr id="6" name="Foliennummernplatzhalter 5"/>
-          <p:cNvSpPr>
-            <a:spLocks noGrp="1"/>
-          </p:cNvSpPr>
-          <p:nvPr>
-            <p:ph type="sldNum" sz="quarter" idx="12"/>
-          </p:nvPr>
-        </p:nvSpPr>
-        <p:spPr/>
-        <p:txBody>
-          <a:bodyPr/>
-          <a:lstStyle/>
-          <a:p>
-            <a:fld id="{57D8F98F-9146-4D48-BD84-43508DAD44DB}" type="slidenum">
-              <a:rPr lang="de-DE" smtClean="0"/>
-              <a:t>19</a:t>
-            </a:fld>
-            <a:endParaRPr lang="de-DE"/>
-          </a:p>
-        </p:txBody>
-      </p:sp>
-      <p:sp>
-        <p:nvSpPr>
-          <p:cNvPr id="8" name="Inhaltsplatzhalter 7">
-            <a:extLst>
-              <a:ext uri="{FF2B5EF4-FFF2-40B4-BE49-F238E27FC236}">
-                <a16:creationId xmlns:a16="http://schemas.microsoft.com/office/drawing/2014/main" id="{F041C424-7738-49F5-887D-C36C6CF91708}"/>
-              </a:ext>
-            </a:extLst>
-          </p:cNvPr>
-          <p:cNvSpPr>
-            <a:spLocks noGrp="1"/>
-          </p:cNvSpPr>
-          <p:nvPr>
-            <p:ph idx="1"/>
-          </p:nvPr>
-        </p:nvSpPr>
-        <p:spPr/>
-        <p:txBody>
-          <a:bodyPr/>
-          <a:lstStyle/>
-          <a:p>
-            <a:endParaRPr lang="de-DE"/>
-          </a:p>
-        </p:txBody>
-      </p:sp>
-    </p:spTree>
-    <p:extLst>
-      <p:ext uri="{BB962C8B-B14F-4D97-AF65-F5344CB8AC3E}">
-        <p14:creationId xmlns:p14="http://schemas.microsoft.com/office/powerpoint/2010/main" val="1388197831"/>
-      </p:ext>
-    </p:extLst>
-  </p:cSld>
-  <p:clrMapOvr>
-    <a:masterClrMapping/>
-  </p:clrMapOvr>
-</p:sld>
-</file>
-
-<file path=ppt/slides/slide2.xml><?xml version="1.0" encoding="utf-8"?>
-<p:sld xmlns:a="http://schemas.openxmlformats.org/drawingml/2006/main" xmlns:r="http://schemas.openxmlformats.org/officeDocument/2006/relationships" xmlns:p="http://schemas.openxmlformats.org/presentationml/2006/main">
-  <p:cSld>
-    <p:spTree>
-      <p:nvGrpSpPr>
-        <p:cNvPr id="1" name=""/>
-        <p:cNvGrpSpPr/>
-        <p:nvPr/>
-      </p:nvGrpSpPr>
-      <p:grpSpPr>
-        <a:xfrm>
-          <a:off x="0" y="0"/>
-          <a:ext cx="0" cy="0"/>
-          <a:chOff x="0" y="0"/>
-          <a:chExt cx="0" cy="0"/>
-        </a:xfrm>
-      </p:grpSpPr>
-      <p:sp>
-        <p:nvSpPr>
-          <p:cNvPr id="2" name="Titel 1"/>
-          <p:cNvSpPr>
-            <a:spLocks noGrp="1"/>
-          </p:cNvSpPr>
-          <p:nvPr>
-            <p:ph type="title"/>
-          </p:nvPr>
-        </p:nvSpPr>
-        <p:spPr/>
-        <p:txBody>
-          <a:bodyPr/>
-          <a:lstStyle/>
-          <a:p>
-            <a:r>
-              <a:rPr lang="de-DE" dirty="0"/>
-              <a:t>Inhalt</a:t>
-            </a:r>
-          </a:p>
-        </p:txBody>
-      </p:sp>
-      <p:sp>
-        <p:nvSpPr>
-          <p:cNvPr id="3" name="Inhaltsplatzhalter 2"/>
-          <p:cNvSpPr>
-            <a:spLocks noGrp="1"/>
-          </p:cNvSpPr>
-          <p:nvPr>
-            <p:ph idx="1"/>
-          </p:nvPr>
-        </p:nvSpPr>
-        <p:spPr/>
-        <p:txBody>
-          <a:bodyPr>
-            <a:normAutofit fontScale="92500" lnSpcReduction="20000"/>
-          </a:bodyPr>
-          <a:lstStyle/>
-          <a:p>
-            <a:r>
-              <a:rPr lang="de-DE" dirty="0"/>
-              <a:t>Auftrag/Problemstellung</a:t>
-            </a:r>
-          </a:p>
-          <a:p>
-            <a:r>
-              <a:rPr lang="de-DE" dirty="0"/>
-              <a:t>Lösungsidee</a:t>
-            </a:r>
-          </a:p>
-          <a:p>
-            <a:r>
-              <a:rPr lang="de-DE" dirty="0"/>
-              <a:t>Zeitplan</a:t>
-            </a:r>
-          </a:p>
-          <a:p>
-            <a:r>
-              <a:rPr lang="de-DE" dirty="0"/>
-              <a:t>MVC</a:t>
-            </a:r>
-          </a:p>
-          <a:p>
-            <a:r>
-              <a:rPr lang="de-DE" dirty="0"/>
-              <a:t>Ist-Zustand</a:t>
-            </a:r>
-          </a:p>
-          <a:p>
-            <a:r>
-              <a:rPr lang="de-DE" dirty="0"/>
-              <a:t>Demonstration</a:t>
-            </a:r>
-          </a:p>
-          <a:p>
-            <a:r>
-              <a:rPr lang="de-DE" dirty="0"/>
-              <a:t>Model</a:t>
-            </a:r>
-          </a:p>
-          <a:p>
-            <a:r>
-              <a:rPr lang="de-DE" dirty="0"/>
-              <a:t>Controller</a:t>
-            </a:r>
-          </a:p>
-          <a:p>
-            <a:r>
-              <a:rPr lang="de-DE" dirty="0"/>
-              <a:t>View</a:t>
-            </a:r>
-          </a:p>
-          <a:p>
-            <a:r>
-              <a:rPr lang="de-DE" dirty="0"/>
-              <a:t>Fazit</a:t>
-            </a:r>
-          </a:p>
-        </p:txBody>
-      </p:sp>
-      <p:sp>
-        <p:nvSpPr>
-          <p:cNvPr id="6" name="Foliennummernplatzhalter 5"/>
-          <p:cNvSpPr>
-            <a:spLocks noGrp="1"/>
-          </p:cNvSpPr>
-          <p:nvPr>
-            <p:ph type="sldNum" sz="quarter" idx="12"/>
-          </p:nvPr>
-        </p:nvSpPr>
-        <p:spPr/>
-        <p:txBody>
-          <a:bodyPr/>
-          <a:lstStyle/>
-          <a:p>
-            <a:fld id="{57D8F98F-9146-4D48-BD84-43508DAD44DB}" type="slidenum">
-              <a:rPr lang="de-DE" smtClean="0"/>
-              <a:t>2</a:t>
-            </a:fld>
-            <a:endParaRPr lang="de-DE" dirty="0"/>
-          </a:p>
-        </p:txBody>
-      </p:sp>
-    </p:spTree>
-    <p:extLst>
-      <p:ext uri="{BB962C8B-B14F-4D97-AF65-F5344CB8AC3E}">
-        <p14:creationId xmlns:p14="http://schemas.microsoft.com/office/powerpoint/2010/main" val="2672888852"/>
-      </p:ext>
-    </p:extLst>
-  </p:cSld>
-  <p:clrMapOvr>
-    <a:masterClrMapping/>
-  </p:clrMapOvr>
-</p:sld>
-</file>
-
-<file path=ppt/slides/slide20.xml><?xml version="1.0" encoding="utf-8"?>
-<p:sld xmlns:a="http://schemas.openxmlformats.org/drawingml/2006/main" xmlns:r="http://schemas.openxmlformats.org/officeDocument/2006/relationships" xmlns:p="http://schemas.openxmlformats.org/presentationml/2006/main">
-  <p:cSld>
-    <p:spTree>
-      <p:nvGrpSpPr>
-        <p:cNvPr id="1" name=""/>
-        <p:cNvGrpSpPr/>
-        <p:nvPr/>
-      </p:nvGrpSpPr>
-      <p:grpSpPr>
-        <a:xfrm>
-          <a:off x="0" y="0"/>
-          <a:ext cx="0" cy="0"/>
-          <a:chOff x="0" y="0"/>
-          <a:chExt cx="0" cy="0"/>
-        </a:xfrm>
-      </p:grpSpPr>
-      <p:sp>
-        <p:nvSpPr>
-          <p:cNvPr id="2" name="Titel 1"/>
-          <p:cNvSpPr>
-            <a:spLocks noGrp="1"/>
-          </p:cNvSpPr>
-          <p:nvPr>
-            <p:ph type="title"/>
-          </p:nvPr>
-        </p:nvSpPr>
-        <p:spPr/>
-        <p:txBody>
-          <a:bodyPr/>
-          <a:lstStyle/>
-          <a:p>
-            <a:r>
-              <a:rPr lang="de-DE" dirty="0"/>
-              <a:t>Ausblick</a:t>
-            </a:r>
-          </a:p>
-        </p:txBody>
-      </p:sp>
-      <p:sp>
-        <p:nvSpPr>
-          <p:cNvPr id="3" name="Inhaltsplatzhalter 2"/>
-          <p:cNvSpPr>
-            <a:spLocks noGrp="1"/>
-          </p:cNvSpPr>
-          <p:nvPr>
-            <p:ph idx="1"/>
-          </p:nvPr>
-        </p:nvSpPr>
-        <p:spPr/>
-        <p:txBody>
-          <a:bodyPr/>
-          <a:lstStyle/>
-          <a:p>
-            <a:endParaRPr lang="de-DE"/>
-          </a:p>
-        </p:txBody>
-      </p:sp>
-      <p:sp>
-        <p:nvSpPr>
-          <p:cNvPr id="6" name="Foliennummernplatzhalter 5"/>
-          <p:cNvSpPr>
-            <a:spLocks noGrp="1"/>
-          </p:cNvSpPr>
-          <p:nvPr>
-            <p:ph type="sldNum" sz="quarter" idx="12"/>
-          </p:nvPr>
-        </p:nvSpPr>
-        <p:spPr/>
-        <p:txBody>
-          <a:bodyPr/>
-          <a:lstStyle/>
-          <a:p>
-            <a:fld id="{57D8F98F-9146-4D48-BD84-43508DAD44DB}" type="slidenum">
-              <a:rPr lang="de-DE" smtClean="0"/>
-              <a:t>20</a:t>
-            </a:fld>
-            <a:endParaRPr lang="de-DE"/>
-          </a:p>
-        </p:txBody>
-      </p:sp>
-    </p:spTree>
-    <p:extLst>
-      <p:ext uri="{BB962C8B-B14F-4D97-AF65-F5344CB8AC3E}">
-        <p14:creationId xmlns:p14="http://schemas.microsoft.com/office/powerpoint/2010/main" val="2027448438"/>
-      </p:ext>
-    </p:extLst>
-  </p:cSld>
-  <p:clrMapOvr>
-    <a:masterClrMapping/>
-  </p:clrMapOvr>
-</p:sld>
-</file>
-
 <file path=ppt/slides/slide21.xml><?xml version="1.0" encoding="utf-8"?>
 <p:sld xmlns:a="http://schemas.openxmlformats.org/drawingml/2006/main" xmlns:r="http://schemas.openxmlformats.org/officeDocument/2006/relationships" xmlns:p="http://schemas.openxmlformats.org/presentationml/2006/main">
   <p:cSld>
@@ -4741,27 +4774,8 @@
           <a:p>
             <a:r>
               <a:rPr lang="de-DE" dirty="0"/>
-              <a:t>Fazit</a:t>
-            </a:r>
-          </a:p>
-        </p:txBody>
-      </p:sp>
-      <p:sp>
-        <p:nvSpPr>
-          <p:cNvPr id="3" name="Inhaltsplatzhalter 2"/>
-          <p:cNvSpPr>
-            <a:spLocks noGrp="1"/>
-          </p:cNvSpPr>
-          <p:nvPr>
-            <p:ph idx="1"/>
-          </p:nvPr>
-        </p:nvSpPr>
-        <p:spPr/>
-        <p:txBody>
-          <a:bodyPr/>
-          <a:lstStyle/>
-          <a:p>
-            <a:endParaRPr lang="de-DE"/>
+              <a:t>Was Funktioniert?</a:t>
+            </a:r>
           </a:p>
         </p:txBody>
       </p:sp>
@@ -4783,6 +4797,219 @@
             <a:fld id="{57D8F98F-9146-4D48-BD84-43508DAD44DB}" type="slidenum">
               <a:rPr lang="de-DE" smtClean="0"/>
               <a:t>21</a:t>
+            </a:fld>
+            <a:endParaRPr lang="de-DE"/>
+          </a:p>
+        </p:txBody>
+      </p:sp>
+      <p:sp>
+        <p:nvSpPr>
+          <p:cNvPr id="8" name="Inhaltsplatzhalter 7">
+            <a:extLst>
+              <a:ext uri="{FF2B5EF4-FFF2-40B4-BE49-F238E27FC236}">
+                <a16:creationId xmlns:a16="http://schemas.microsoft.com/office/drawing/2014/main" id="{F041C424-7738-49F5-887D-C36C6CF91708}"/>
+              </a:ext>
+            </a:extLst>
+          </p:cNvPr>
+          <p:cNvSpPr>
+            <a:spLocks noGrp="1"/>
+          </p:cNvSpPr>
+          <p:nvPr>
+            <p:ph idx="1"/>
+          </p:nvPr>
+        </p:nvSpPr>
+        <p:spPr/>
+        <p:txBody>
+          <a:bodyPr/>
+          <a:lstStyle/>
+          <a:p>
+            <a:endParaRPr lang="de-DE"/>
+          </a:p>
+        </p:txBody>
+      </p:sp>
+    </p:spTree>
+    <p:extLst>
+      <p:ext uri="{BB962C8B-B14F-4D97-AF65-F5344CB8AC3E}">
+        <p14:creationId xmlns:p14="http://schemas.microsoft.com/office/powerpoint/2010/main" val="1388197831"/>
+      </p:ext>
+    </p:extLst>
+  </p:cSld>
+  <p:clrMapOvr>
+    <a:masterClrMapping/>
+  </p:clrMapOvr>
+</p:sld>
+</file>
+
+<file path=ppt/slides/slide22.xml><?xml version="1.0" encoding="utf-8"?>
+<p:sld xmlns:a="http://schemas.openxmlformats.org/drawingml/2006/main" xmlns:r="http://schemas.openxmlformats.org/officeDocument/2006/relationships" xmlns:p="http://schemas.openxmlformats.org/presentationml/2006/main">
+  <p:cSld>
+    <p:spTree>
+      <p:nvGrpSpPr>
+        <p:cNvPr id="1" name=""/>
+        <p:cNvGrpSpPr/>
+        <p:nvPr/>
+      </p:nvGrpSpPr>
+      <p:grpSpPr>
+        <a:xfrm>
+          <a:off x="0" y="0"/>
+          <a:ext cx="0" cy="0"/>
+          <a:chOff x="0" y="0"/>
+          <a:chExt cx="0" cy="0"/>
+        </a:xfrm>
+      </p:grpSpPr>
+      <p:sp>
+        <p:nvSpPr>
+          <p:cNvPr id="2" name="Titel 1"/>
+          <p:cNvSpPr>
+            <a:spLocks noGrp="1"/>
+          </p:cNvSpPr>
+          <p:nvPr>
+            <p:ph type="title"/>
+          </p:nvPr>
+        </p:nvSpPr>
+        <p:spPr/>
+        <p:txBody>
+          <a:bodyPr/>
+          <a:lstStyle/>
+          <a:p>
+            <a:r>
+              <a:rPr lang="de-DE" dirty="0"/>
+              <a:t>Ausblick</a:t>
+            </a:r>
+          </a:p>
+        </p:txBody>
+      </p:sp>
+      <p:sp>
+        <p:nvSpPr>
+          <p:cNvPr id="3" name="Inhaltsplatzhalter 2"/>
+          <p:cNvSpPr>
+            <a:spLocks noGrp="1"/>
+          </p:cNvSpPr>
+          <p:nvPr>
+            <p:ph idx="1"/>
+          </p:nvPr>
+        </p:nvSpPr>
+        <p:spPr/>
+        <p:txBody>
+          <a:bodyPr/>
+          <a:lstStyle/>
+          <a:p>
+            <a:endParaRPr lang="de-DE"/>
+          </a:p>
+        </p:txBody>
+      </p:sp>
+      <p:sp>
+        <p:nvSpPr>
+          <p:cNvPr id="6" name="Foliennummernplatzhalter 5"/>
+          <p:cNvSpPr>
+            <a:spLocks noGrp="1"/>
+          </p:cNvSpPr>
+          <p:nvPr>
+            <p:ph type="sldNum" sz="quarter" idx="12"/>
+          </p:nvPr>
+        </p:nvSpPr>
+        <p:spPr/>
+        <p:txBody>
+          <a:bodyPr/>
+          <a:lstStyle/>
+          <a:p>
+            <a:fld id="{57D8F98F-9146-4D48-BD84-43508DAD44DB}" type="slidenum">
+              <a:rPr lang="de-DE" smtClean="0"/>
+              <a:t>22</a:t>
+            </a:fld>
+            <a:endParaRPr lang="de-DE"/>
+          </a:p>
+        </p:txBody>
+      </p:sp>
+    </p:spTree>
+    <p:extLst>
+      <p:ext uri="{BB962C8B-B14F-4D97-AF65-F5344CB8AC3E}">
+        <p14:creationId xmlns:p14="http://schemas.microsoft.com/office/powerpoint/2010/main" val="2027448438"/>
+      </p:ext>
+    </p:extLst>
+  </p:cSld>
+  <p:clrMapOvr>
+    <a:masterClrMapping/>
+  </p:clrMapOvr>
+</p:sld>
+</file>
+
+<file path=ppt/slides/slide23.xml><?xml version="1.0" encoding="utf-8"?>
+<p:sld xmlns:a="http://schemas.openxmlformats.org/drawingml/2006/main" xmlns:r="http://schemas.openxmlformats.org/officeDocument/2006/relationships" xmlns:p="http://schemas.openxmlformats.org/presentationml/2006/main">
+  <p:cSld>
+    <p:spTree>
+      <p:nvGrpSpPr>
+        <p:cNvPr id="1" name=""/>
+        <p:cNvGrpSpPr/>
+        <p:nvPr/>
+      </p:nvGrpSpPr>
+      <p:grpSpPr>
+        <a:xfrm>
+          <a:off x="0" y="0"/>
+          <a:ext cx="0" cy="0"/>
+          <a:chOff x="0" y="0"/>
+          <a:chExt cx="0" cy="0"/>
+        </a:xfrm>
+      </p:grpSpPr>
+      <p:sp>
+        <p:nvSpPr>
+          <p:cNvPr id="2" name="Titel 1"/>
+          <p:cNvSpPr>
+            <a:spLocks noGrp="1"/>
+          </p:cNvSpPr>
+          <p:nvPr>
+            <p:ph type="title"/>
+          </p:nvPr>
+        </p:nvSpPr>
+        <p:spPr/>
+        <p:txBody>
+          <a:bodyPr/>
+          <a:lstStyle/>
+          <a:p>
+            <a:r>
+              <a:rPr lang="de-DE" dirty="0"/>
+              <a:t>Fazit</a:t>
+            </a:r>
+          </a:p>
+        </p:txBody>
+      </p:sp>
+      <p:sp>
+        <p:nvSpPr>
+          <p:cNvPr id="3" name="Inhaltsplatzhalter 2"/>
+          <p:cNvSpPr>
+            <a:spLocks noGrp="1"/>
+          </p:cNvSpPr>
+          <p:nvPr>
+            <p:ph idx="1"/>
+          </p:nvPr>
+        </p:nvSpPr>
+        <p:spPr/>
+        <p:txBody>
+          <a:bodyPr/>
+          <a:lstStyle/>
+          <a:p>
+            <a:endParaRPr lang="de-DE"/>
+          </a:p>
+        </p:txBody>
+      </p:sp>
+      <p:sp>
+        <p:nvSpPr>
+          <p:cNvPr id="6" name="Foliennummernplatzhalter 5"/>
+          <p:cNvSpPr>
+            <a:spLocks noGrp="1"/>
+          </p:cNvSpPr>
+          <p:nvPr>
+            <p:ph type="sldNum" sz="quarter" idx="12"/>
+          </p:nvPr>
+        </p:nvSpPr>
+        <p:spPr/>
+        <p:txBody>
+          <a:bodyPr/>
+          <a:lstStyle/>
+          <a:p>
+            <a:fld id="{57D8F98F-9146-4D48-BD84-43508DAD44DB}" type="slidenum">
+              <a:rPr lang="de-DE" smtClean="0"/>
+              <a:t>23</a:t>
             </a:fld>
             <a:endParaRPr lang="de-DE"/>
           </a:p>
@@ -4940,6 +5167,13 @@
   <p:clrMapOvr>
     <a:masterClrMapping/>
   </p:clrMapOvr>
+  <p:timing>
+    <p:tnLst>
+      <p:par>
+        <p:cTn id="1" dur="indefinite" restart="never" nodeType="tmRoot"/>
+      </p:par>
+    </p:tnLst>
+  </p:timing>
 </p:sld>
 </file>
 
@@ -5636,6 +5870,13 @@
   <p:clrMapOvr>
     <a:masterClrMapping/>
   </p:clrMapOvr>
+  <p:timing>
+    <p:tnLst>
+      <p:par>
+        <p:cTn id="1" dur="indefinite" restart="never" nodeType="tmRoot"/>
+      </p:par>
+    </p:tnLst>
+  </p:timing>
 </p:sld>
 </file>
 
@@ -5730,6 +5971,13 @@
   <p:clrMapOvr>
     <a:masterClrMapping/>
   </p:clrMapOvr>
+  <p:timing>
+    <p:tnLst>
+      <p:par>
+        <p:cTn id="1" dur="indefinite" restart="never" nodeType="tmRoot"/>
+      </p:par>
+    </p:tnLst>
+  </p:timing>
 </p:sld>
 </file>
 
@@ -5857,6 +6105,13 @@
   <p:clrMapOvr>
     <a:masterClrMapping/>
   </p:clrMapOvr>
+  <p:timing>
+    <p:tnLst>
+      <p:par>
+        <p:cTn id="1" dur="indefinite" restart="never" nodeType="tmRoot"/>
+      </p:par>
+    </p:tnLst>
+  </p:timing>
 </p:sld>
 </file>
 
@@ -5951,6 +6206,13 @@
   <p:clrMapOvr>
     <a:masterClrMapping/>
   </p:clrMapOvr>
+  <p:timing>
+    <p:tnLst>
+      <p:par>
+        <p:cTn id="1" dur="indefinite" restart="never" nodeType="tmRoot"/>
+      </p:par>
+    </p:tnLst>
+  </p:timing>
 </p:sld>
 </file>
 
@@ -5987,27 +6249,9 @@
           <a:lstStyle/>
           <a:p>
             <a:r>
-              <a:rPr lang="de-DE" dirty="0"/>
-              <a:t>Model</a:t>
-            </a:r>
-          </a:p>
-        </p:txBody>
-      </p:sp>
-      <p:sp>
-        <p:nvSpPr>
-          <p:cNvPr id="3" name="Inhaltsplatzhalter 2"/>
-          <p:cNvSpPr>
-            <a:spLocks noGrp="1"/>
-          </p:cNvSpPr>
-          <p:nvPr>
-            <p:ph idx="1"/>
-          </p:nvPr>
-        </p:nvSpPr>
-        <p:spPr/>
-        <p:txBody>
-          <a:bodyPr/>
-          <a:lstStyle/>
-          <a:p>
+              <a:rPr lang="de-DE" dirty="0" smtClean="0"/>
+              <a:t>Model(Überblick)</a:t>
+            </a:r>
             <a:endParaRPr lang="de-DE" dirty="0"/>
           </a:p>
         </p:txBody>
@@ -6031,6 +6275,25 @@
               <a:rPr lang="de-DE" smtClean="0"/>
               <a:t>8</a:t>
             </a:fld>
+            <a:endParaRPr lang="de-DE"/>
+          </a:p>
+        </p:txBody>
+      </p:sp>
+      <p:sp>
+        <p:nvSpPr>
+          <p:cNvPr id="8" name="Inhaltsplatzhalter 7"/>
+          <p:cNvSpPr>
+            <a:spLocks noGrp="1"/>
+          </p:cNvSpPr>
+          <p:nvPr>
+            <p:ph idx="1"/>
+          </p:nvPr>
+        </p:nvSpPr>
+        <p:spPr/>
+        <p:txBody>
+          <a:bodyPr/>
+          <a:lstStyle/>
+          <a:p>
             <a:endParaRPr lang="de-DE"/>
           </a:p>
         </p:txBody>
@@ -6045,6 +6308,13 @@
   <p:clrMapOvr>
     <a:masterClrMapping/>
   </p:clrMapOvr>
+  <p:timing>
+    <p:tnLst>
+      <p:par>
+        <p:cTn id="1" dur="indefinite" restart="never" nodeType="tmRoot"/>
+      </p:par>
+    </p:tnLst>
+  </p:timing>
 </p:sld>
 </file>
 
@@ -6082,27 +6352,8 @@
           <a:p>
             <a:r>
               <a:rPr lang="de-DE" dirty="0"/>
-              <a:t>Was Funktioniert?</a:t>
-            </a:r>
-          </a:p>
-        </p:txBody>
-      </p:sp>
-      <p:sp>
-        <p:nvSpPr>
-          <p:cNvPr id="3" name="Inhaltsplatzhalter 2"/>
-          <p:cNvSpPr>
-            <a:spLocks noGrp="1"/>
-          </p:cNvSpPr>
-          <p:nvPr>
-            <p:ph idx="1"/>
-          </p:nvPr>
-        </p:nvSpPr>
-        <p:spPr/>
-        <p:txBody>
-          <a:bodyPr/>
-          <a:lstStyle/>
-          <a:p>
-            <a:endParaRPr lang="de-DE"/>
+              <a:t>Model</a:t>
+            </a:r>
           </a:p>
         </p:txBody>
       </p:sp>
@@ -6129,16 +6380,42 @@
           </a:p>
         </p:txBody>
       </p:sp>
+      <p:sp>
+        <p:nvSpPr>
+          <p:cNvPr id="3" name="Inhaltsplatzhalter 2"/>
+          <p:cNvSpPr>
+            <a:spLocks noGrp="1"/>
+          </p:cNvSpPr>
+          <p:nvPr>
+            <p:ph idx="1"/>
+          </p:nvPr>
+        </p:nvSpPr>
+        <p:spPr/>
+        <p:txBody>
+          <a:bodyPr/>
+          <a:lstStyle/>
+          <a:p>
+            <a:endParaRPr lang="de-DE"/>
+          </a:p>
+        </p:txBody>
+      </p:sp>
     </p:spTree>
     <p:extLst>
       <p:ext uri="{BB962C8B-B14F-4D97-AF65-F5344CB8AC3E}">
-        <p14:creationId xmlns:p14="http://schemas.microsoft.com/office/powerpoint/2010/main" val="3979477493"/>
+        <p14:creationId xmlns:p14="http://schemas.microsoft.com/office/powerpoint/2010/main" val="344540055"/>
       </p:ext>
     </p:extLst>
   </p:cSld>
   <p:clrMapOvr>
     <a:masterClrMapping/>
   </p:clrMapOvr>
+  <p:timing>
+    <p:tnLst>
+      <p:par>
+        <p:cTn id="1" dur="indefinite" restart="never" nodeType="tmRoot"/>
+      </p:par>
+    </p:tnLst>
+  </p:timing>
 </p:sld>
 </file>
 

--- a/documentation/wwmp.pptx
+++ b/documentation/wwmp.pptx
@@ -3309,6 +3309,14 @@
 <file path=ppt/slides/slide1.xml><?xml version="1.0" encoding="utf-8"?>
 <p:sld xmlns:a="http://schemas.openxmlformats.org/drawingml/2006/main" xmlns:r="http://schemas.openxmlformats.org/officeDocument/2006/relationships" xmlns:p="http://schemas.openxmlformats.org/presentationml/2006/main">
   <p:cSld>
+    <p:bg>
+      <p:bgPr>
+        <a:solidFill>
+          <a:srgbClr val="2F3771"/>
+        </a:solidFill>
+        <a:effectLst/>
+      </p:bgPr>
+    </p:bg>
     <p:spTree>
       <p:nvGrpSpPr>
         <p:cNvPr id="1" name=""/>
@@ -3446,6 +3454,14 @@
 <file path=ppt/slides/slide10.xml><?xml version="1.0" encoding="utf-8"?>
 <p:sld xmlns:a="http://schemas.openxmlformats.org/drawingml/2006/main" xmlns:r="http://schemas.openxmlformats.org/officeDocument/2006/relationships" xmlns:p="http://schemas.openxmlformats.org/presentationml/2006/main">
   <p:cSld>
+    <p:bg>
+      <p:bgPr>
+        <a:solidFill>
+          <a:srgbClr val="2F3771"/>
+        </a:solidFill>
+        <a:effectLst/>
+      </p:bgPr>
+    </p:bg>
     <p:spTree>
       <p:nvGrpSpPr>
         <p:cNvPr id="1" name=""/>
@@ -3476,10 +3492,18 @@
           <a:lstStyle/>
           <a:p>
             <a:r>
-              <a:rPr lang="de-DE" dirty="0" smtClean="0"/>
+              <a:rPr lang="de-DE" dirty="0" smtClean="0">
+                <a:solidFill>
+                  <a:schemeClr val="bg1"/>
+                </a:solidFill>
+              </a:rPr>
               <a:t>Game</a:t>
             </a:r>
-            <a:endParaRPr lang="de-DE" dirty="0"/>
+            <a:endParaRPr lang="de-DE" dirty="0">
+              <a:solidFill>
+                <a:schemeClr val="bg1"/>
+              </a:solidFill>
+            </a:endParaRPr>
           </a:p>
         </p:txBody>
       </p:sp>
@@ -3518,10 +3542,250 @@
         </p:nvSpPr>
         <p:spPr/>
         <p:txBody>
-          <a:bodyPr/>
-          <a:lstStyle/>
-          <a:p>
-            <a:endParaRPr lang="de-DE"/>
+          <a:bodyPr>
+            <a:noAutofit/>
+          </a:bodyPr>
+          <a:lstStyle/>
+          <a:p>
+            <a:r>
+              <a:rPr lang="de-DE" sz="3600" dirty="0" smtClean="0">
+                <a:solidFill>
+                  <a:schemeClr val="bg1"/>
+                </a:solidFill>
+              </a:rPr>
+              <a:t>Attribute:</a:t>
+            </a:r>
+          </a:p>
+          <a:p>
+            <a:pPr marL="457200" lvl="1" indent="0">
+              <a:buNone/>
+            </a:pPr>
+            <a:r>
+              <a:rPr lang="de-DE" sz="3600" dirty="0">
+                <a:solidFill>
+                  <a:schemeClr val="bg1"/>
+                </a:solidFill>
+                <a:sym typeface="Wingdings" panose="05000000000000000000" pitchFamily="2" charset="2"/>
+              </a:rPr>
+              <a:t></a:t>
+            </a:r>
+            <a:r>
+              <a:rPr lang="de-DE" sz="3600" dirty="0" err="1">
+                <a:solidFill>
+                  <a:schemeClr val="bg1"/>
+                </a:solidFill>
+              </a:rPr>
+              <a:t>curQuestion</a:t>
+            </a:r>
+            <a:r>
+              <a:rPr lang="de-DE" sz="3600" dirty="0">
+                <a:solidFill>
+                  <a:schemeClr val="bg1"/>
+                </a:solidFill>
+              </a:rPr>
+              <a:t>: </a:t>
+            </a:r>
+            <a:r>
+              <a:rPr lang="de-DE" sz="3600" dirty="0" err="1">
+                <a:solidFill>
+                  <a:schemeClr val="bg1"/>
+                </a:solidFill>
+                <a:sym typeface="Wingdings" panose="05000000000000000000" pitchFamily="2" charset="2"/>
+              </a:rPr>
+              <a:t>Question</a:t>
+            </a:r>
+            <a:r>
+              <a:rPr lang="de-DE" sz="3600" dirty="0">
+                <a:solidFill>
+                  <a:schemeClr val="bg1"/>
+                </a:solidFill>
+                <a:sym typeface="Wingdings" panose="05000000000000000000" pitchFamily="2" charset="2"/>
+              </a:rPr>
+              <a:t>*</a:t>
+            </a:r>
+          </a:p>
+          <a:p>
+            <a:pPr marL="457200" lvl="1" indent="0">
+              <a:buNone/>
+            </a:pPr>
+            <a:r>
+              <a:rPr lang="de-DE" sz="3600" dirty="0">
+                <a:solidFill>
+                  <a:schemeClr val="bg1"/>
+                </a:solidFill>
+                <a:sym typeface="Wingdings" panose="05000000000000000000" pitchFamily="2" charset="2"/>
+              </a:rPr>
+              <a:t></a:t>
+            </a:r>
+            <a:r>
+              <a:rPr lang="de-DE" sz="3600" dirty="0" err="1">
+                <a:solidFill>
+                  <a:schemeClr val="bg1"/>
+                </a:solidFill>
+                <a:sym typeface="Wingdings" panose="05000000000000000000" pitchFamily="2" charset="2"/>
+              </a:rPr>
+              <a:t>roundCounter</a:t>
+            </a:r>
+            <a:r>
+              <a:rPr lang="de-DE" sz="3600" dirty="0">
+                <a:solidFill>
+                  <a:schemeClr val="bg1"/>
+                </a:solidFill>
+                <a:sym typeface="Wingdings" panose="05000000000000000000" pitchFamily="2" charset="2"/>
+              </a:rPr>
+              <a:t>: </a:t>
+            </a:r>
+            <a:r>
+              <a:rPr lang="de-DE" sz="3600" dirty="0" err="1" smtClean="0">
+                <a:solidFill>
+                  <a:schemeClr val="bg1"/>
+                </a:solidFill>
+                <a:sym typeface="Wingdings" panose="05000000000000000000" pitchFamily="2" charset="2"/>
+              </a:rPr>
+              <a:t>int</a:t>
+            </a:r>
+            <a:endParaRPr lang="de-DE" sz="3600" dirty="0">
+              <a:solidFill>
+                <a:schemeClr val="bg1"/>
+              </a:solidFill>
+              <a:sym typeface="Wingdings" panose="05000000000000000000" pitchFamily="2" charset="2"/>
+            </a:endParaRPr>
+          </a:p>
+          <a:p>
+            <a:r>
+              <a:rPr lang="de-DE" sz="3600" dirty="0" smtClean="0">
+                <a:solidFill>
+                  <a:schemeClr val="bg1"/>
+                </a:solidFill>
+                <a:sym typeface="Wingdings" panose="05000000000000000000" pitchFamily="2" charset="2"/>
+              </a:rPr>
+              <a:t>Methoden:</a:t>
+            </a:r>
+          </a:p>
+          <a:p>
+            <a:pPr marL="457200" lvl="1" indent="0">
+              <a:buNone/>
+            </a:pPr>
+            <a:r>
+              <a:rPr lang="de-DE" sz="3600" dirty="0" smtClean="0">
+                <a:solidFill>
+                  <a:schemeClr val="bg1"/>
+                </a:solidFill>
+                <a:sym typeface="Wingdings" panose="05000000000000000000" pitchFamily="2" charset="2"/>
+              </a:rPr>
+              <a:t></a:t>
+            </a:r>
+            <a:r>
+              <a:rPr lang="de-DE" sz="3600" dirty="0" err="1" smtClean="0">
+                <a:solidFill>
+                  <a:schemeClr val="bg1"/>
+                </a:solidFill>
+                <a:sym typeface="Wingdings" panose="05000000000000000000" pitchFamily="2" charset="2"/>
+              </a:rPr>
+              <a:t>getCurquestion</a:t>
+            </a:r>
+            <a:r>
+              <a:rPr lang="de-DE" sz="3600" dirty="0" smtClean="0">
+                <a:solidFill>
+                  <a:schemeClr val="bg1"/>
+                </a:solidFill>
+                <a:sym typeface="Wingdings" panose="05000000000000000000" pitchFamily="2" charset="2"/>
+              </a:rPr>
+              <a:t>(): </a:t>
+            </a:r>
+            <a:r>
+              <a:rPr lang="de-DE" sz="3600" dirty="0" err="1" smtClean="0">
+                <a:solidFill>
+                  <a:schemeClr val="bg1"/>
+                </a:solidFill>
+                <a:sym typeface="Wingdings" panose="05000000000000000000" pitchFamily="2" charset="2"/>
+              </a:rPr>
+              <a:t>Question</a:t>
+            </a:r>
+            <a:r>
+              <a:rPr lang="de-DE" sz="3600" dirty="0" smtClean="0">
+                <a:solidFill>
+                  <a:schemeClr val="bg1"/>
+                </a:solidFill>
+                <a:sym typeface="Wingdings" panose="05000000000000000000" pitchFamily="2" charset="2"/>
+              </a:rPr>
+              <a:t>*</a:t>
+            </a:r>
+            <a:endParaRPr lang="de-DE" sz="3600" dirty="0">
+              <a:solidFill>
+                <a:schemeClr val="bg1"/>
+              </a:solidFill>
+              <a:sym typeface="Wingdings" panose="05000000000000000000" pitchFamily="2" charset="2"/>
+            </a:endParaRPr>
+          </a:p>
+          <a:p>
+            <a:pPr marL="457200" lvl="1" indent="0">
+              <a:buNone/>
+            </a:pPr>
+            <a:r>
+              <a:rPr lang="de-DE" sz="3600" dirty="0" smtClean="0">
+                <a:solidFill>
+                  <a:schemeClr val="bg1"/>
+                </a:solidFill>
+                <a:sym typeface="Wingdings" panose="05000000000000000000" pitchFamily="2" charset="2"/>
+              </a:rPr>
+              <a:t></a:t>
+            </a:r>
+            <a:r>
+              <a:rPr lang="de-DE" sz="3600" dirty="0" err="1" smtClean="0">
+                <a:solidFill>
+                  <a:schemeClr val="bg1"/>
+                </a:solidFill>
+                <a:sym typeface="Wingdings" panose="05000000000000000000" pitchFamily="2" charset="2"/>
+              </a:rPr>
+              <a:t>evaluateAnswer</a:t>
+            </a:r>
+            <a:r>
+              <a:rPr lang="de-DE" sz="3600" dirty="0" smtClean="0">
+                <a:solidFill>
+                  <a:schemeClr val="bg1"/>
+                </a:solidFill>
+                <a:sym typeface="Wingdings" panose="05000000000000000000" pitchFamily="2" charset="2"/>
+              </a:rPr>
+              <a:t>()</a:t>
+            </a:r>
+          </a:p>
+          <a:p>
+            <a:pPr marL="457200" lvl="1" indent="0">
+              <a:buNone/>
+            </a:pPr>
+            <a:r>
+              <a:rPr lang="de-DE" sz="3600" dirty="0" smtClean="0">
+                <a:solidFill>
+                  <a:schemeClr val="bg1"/>
+                </a:solidFill>
+                <a:sym typeface="Wingdings" panose="05000000000000000000" pitchFamily="2" charset="2"/>
+              </a:rPr>
+              <a:t></a:t>
+            </a:r>
+            <a:r>
+              <a:rPr lang="de-DE" sz="3600" dirty="0" err="1" smtClean="0">
+                <a:solidFill>
+                  <a:schemeClr val="bg1"/>
+                </a:solidFill>
+                <a:sym typeface="Wingdings" panose="05000000000000000000" pitchFamily="2" charset="2"/>
+              </a:rPr>
+              <a:t>startNewGame</a:t>
+            </a:r>
+            <a:r>
+              <a:rPr lang="de-DE" sz="3600" dirty="0" smtClean="0">
+                <a:solidFill>
+                  <a:schemeClr val="bg1"/>
+                </a:solidFill>
+                <a:sym typeface="Wingdings" panose="05000000000000000000" pitchFamily="2" charset="2"/>
+              </a:rPr>
+              <a:t>(): Game*</a:t>
+            </a:r>
+            <a:endParaRPr lang="de-DE" sz="3600" dirty="0" smtClean="0">
+              <a:solidFill>
+                <a:schemeClr val="bg1"/>
+              </a:solidFill>
+            </a:endParaRPr>
           </a:p>
         </p:txBody>
       </p:sp>
@@ -3548,6 +3812,14 @@
 <file path=ppt/slides/slide11.xml><?xml version="1.0" encoding="utf-8"?>
 <p:sld xmlns:a="http://schemas.openxmlformats.org/drawingml/2006/main" xmlns:r="http://schemas.openxmlformats.org/officeDocument/2006/relationships" xmlns:p="http://schemas.openxmlformats.org/presentationml/2006/main">
   <p:cSld>
+    <p:bg>
+      <p:bgPr>
+        <a:solidFill>
+          <a:srgbClr val="2F3771"/>
+        </a:solidFill>
+        <a:effectLst/>
+      </p:bgPr>
+    </p:bg>
     <p:spTree>
       <p:nvGrpSpPr>
         <p:cNvPr id="1" name=""/>
@@ -3578,10 +3850,18 @@
           <a:lstStyle/>
           <a:p>
             <a:r>
-              <a:rPr lang="de-DE" dirty="0" err="1" smtClean="0"/>
+              <a:rPr lang="de-DE" dirty="0" err="1" smtClean="0">
+                <a:solidFill>
+                  <a:schemeClr val="bg1"/>
+                </a:solidFill>
+              </a:rPr>
               <a:t>Question</a:t>
             </a:r>
-            <a:endParaRPr lang="de-DE" dirty="0"/>
+            <a:endParaRPr lang="de-DE" dirty="0">
+              <a:solidFill>
+                <a:schemeClr val="bg1"/>
+              </a:solidFill>
+            </a:endParaRPr>
           </a:p>
         </p:txBody>
       </p:sp>
@@ -3620,10 +3900,273 @@
         </p:nvSpPr>
         <p:spPr/>
         <p:txBody>
-          <a:bodyPr/>
-          <a:lstStyle/>
-          <a:p>
-            <a:endParaRPr lang="de-DE"/>
+          <a:bodyPr>
+            <a:noAutofit/>
+          </a:bodyPr>
+          <a:lstStyle/>
+          <a:p>
+            <a:r>
+              <a:rPr lang="de-DE" sz="3600" dirty="0" smtClean="0">
+                <a:solidFill>
+                  <a:schemeClr val="bg1"/>
+                </a:solidFill>
+              </a:rPr>
+              <a:t>Attribute:</a:t>
+            </a:r>
+          </a:p>
+          <a:p>
+            <a:pPr marL="457200" lvl="1" indent="0">
+              <a:buNone/>
+            </a:pPr>
+            <a:r>
+              <a:rPr lang="de-DE" sz="3600" dirty="0" smtClean="0">
+                <a:solidFill>
+                  <a:schemeClr val="bg1"/>
+                </a:solidFill>
+                <a:sym typeface="Wingdings" panose="05000000000000000000" pitchFamily="2" charset="2"/>
+              </a:rPr>
+              <a:t></a:t>
+            </a:r>
+            <a:r>
+              <a:rPr lang="de-DE" sz="3600" dirty="0" err="1" smtClean="0">
+                <a:solidFill>
+                  <a:schemeClr val="bg1"/>
+                </a:solidFill>
+                <a:sym typeface="Wingdings" panose="05000000000000000000" pitchFamily="2" charset="2"/>
+              </a:rPr>
+              <a:t>question</a:t>
+            </a:r>
+            <a:r>
+              <a:rPr lang="de-DE" sz="3600" dirty="0" smtClean="0">
+                <a:solidFill>
+                  <a:schemeClr val="bg1"/>
+                </a:solidFill>
+                <a:sym typeface="Wingdings" panose="05000000000000000000" pitchFamily="2" charset="2"/>
+              </a:rPr>
+              <a:t>: </a:t>
+            </a:r>
+            <a:r>
+              <a:rPr lang="de-DE" sz="3600" dirty="0" err="1" smtClean="0">
+                <a:solidFill>
+                  <a:schemeClr val="bg1"/>
+                </a:solidFill>
+                <a:sym typeface="Wingdings" panose="05000000000000000000" pitchFamily="2" charset="2"/>
+              </a:rPr>
+              <a:t>string</a:t>
+            </a:r>
+            <a:endParaRPr lang="de-DE" sz="3600" dirty="0" smtClean="0">
+              <a:solidFill>
+                <a:schemeClr val="bg1"/>
+              </a:solidFill>
+            </a:endParaRPr>
+          </a:p>
+          <a:p>
+            <a:pPr marL="457200" lvl="1" indent="0">
+              <a:buNone/>
+            </a:pPr>
+            <a:r>
+              <a:rPr lang="de-DE" sz="3600" dirty="0" smtClean="0">
+                <a:solidFill>
+                  <a:schemeClr val="bg1"/>
+                </a:solidFill>
+                <a:sym typeface="Wingdings" panose="05000000000000000000" pitchFamily="2" charset="2"/>
+              </a:rPr>
+              <a:t></a:t>
+            </a:r>
+            <a:r>
+              <a:rPr lang="de-DE" sz="3600" dirty="0" err="1" smtClean="0">
+                <a:solidFill>
+                  <a:schemeClr val="bg1"/>
+                </a:solidFill>
+                <a:sym typeface="Wingdings" panose="05000000000000000000" pitchFamily="2" charset="2"/>
+              </a:rPr>
+              <a:t>answereA</a:t>
+            </a:r>
+            <a:r>
+              <a:rPr lang="de-DE" sz="3600" dirty="0" smtClean="0">
+                <a:solidFill>
+                  <a:schemeClr val="bg1"/>
+                </a:solidFill>
+                <a:sym typeface="Wingdings" panose="05000000000000000000" pitchFamily="2" charset="2"/>
+              </a:rPr>
+              <a:t>: </a:t>
+            </a:r>
+            <a:r>
+              <a:rPr lang="de-DE" sz="3600" dirty="0" err="1" smtClean="0">
+                <a:solidFill>
+                  <a:schemeClr val="bg1"/>
+                </a:solidFill>
+                <a:sym typeface="Wingdings" panose="05000000000000000000" pitchFamily="2" charset="2"/>
+              </a:rPr>
+              <a:t>Answere</a:t>
+            </a:r>
+            <a:r>
+              <a:rPr lang="de-DE" sz="3600" dirty="0" smtClean="0">
+                <a:solidFill>
+                  <a:schemeClr val="bg1"/>
+                </a:solidFill>
+                <a:sym typeface="Wingdings" panose="05000000000000000000" pitchFamily="2" charset="2"/>
+              </a:rPr>
+              <a:t>*</a:t>
+            </a:r>
+            <a:endParaRPr lang="de-DE" sz="3600" dirty="0" smtClean="0">
+              <a:solidFill>
+                <a:schemeClr val="bg1"/>
+              </a:solidFill>
+            </a:endParaRPr>
+          </a:p>
+          <a:p>
+            <a:r>
+              <a:rPr lang="de-DE" sz="3600" dirty="0" smtClean="0">
+                <a:solidFill>
+                  <a:schemeClr val="bg1"/>
+                </a:solidFill>
+              </a:rPr>
+              <a:t>Methoden:</a:t>
+            </a:r>
+          </a:p>
+          <a:p>
+            <a:pPr marL="457200" lvl="1" indent="0">
+              <a:buNone/>
+            </a:pPr>
+            <a:r>
+              <a:rPr lang="de-DE" sz="3600" dirty="0" smtClean="0">
+                <a:solidFill>
+                  <a:schemeClr val="bg1"/>
+                </a:solidFill>
+                <a:sym typeface="Wingdings" panose="05000000000000000000" pitchFamily="2" charset="2"/>
+              </a:rPr>
+              <a:t></a:t>
+            </a:r>
+            <a:r>
+              <a:rPr lang="de-DE" sz="3600" dirty="0" err="1" smtClean="0">
+                <a:solidFill>
+                  <a:schemeClr val="bg1"/>
+                </a:solidFill>
+                <a:sym typeface="Wingdings" panose="05000000000000000000" pitchFamily="2" charset="2"/>
+              </a:rPr>
+              <a:t>getQuestion</a:t>
+            </a:r>
+            <a:r>
+              <a:rPr lang="de-DE" sz="3600" dirty="0" smtClean="0">
+                <a:solidFill>
+                  <a:schemeClr val="bg1"/>
+                </a:solidFill>
+                <a:sym typeface="Wingdings" panose="05000000000000000000" pitchFamily="2" charset="2"/>
+              </a:rPr>
+              <a:t>()</a:t>
+            </a:r>
+          </a:p>
+          <a:p>
+            <a:pPr marL="457200" lvl="1" indent="0">
+              <a:buNone/>
+            </a:pPr>
+            <a:r>
+              <a:rPr lang="de-DE" sz="3600" dirty="0" smtClean="0">
+                <a:solidFill>
+                  <a:schemeClr val="bg1"/>
+                </a:solidFill>
+                <a:sym typeface="Wingdings" panose="05000000000000000000" pitchFamily="2" charset="2"/>
+              </a:rPr>
+              <a:t></a:t>
+            </a:r>
+            <a:r>
+              <a:rPr lang="de-DE" sz="3600" dirty="0" err="1" smtClean="0">
+                <a:solidFill>
+                  <a:schemeClr val="bg1"/>
+                </a:solidFill>
+                <a:sym typeface="Wingdings" panose="05000000000000000000" pitchFamily="2" charset="2"/>
+              </a:rPr>
+              <a:t>getAnswereA</a:t>
+            </a:r>
+            <a:r>
+              <a:rPr lang="de-DE" sz="3600" dirty="0" smtClean="0">
+                <a:solidFill>
+                  <a:schemeClr val="bg1"/>
+                </a:solidFill>
+                <a:sym typeface="Wingdings" panose="05000000000000000000" pitchFamily="2" charset="2"/>
+              </a:rPr>
+              <a:t>()</a:t>
+            </a:r>
+          </a:p>
+          <a:p>
+            <a:pPr marL="457200" lvl="1" indent="0">
+              <a:buNone/>
+            </a:pPr>
+            <a:r>
+              <a:rPr lang="de-DE" sz="3600" dirty="0" smtClean="0">
+                <a:solidFill>
+                  <a:schemeClr val="bg1"/>
+                </a:solidFill>
+                <a:sym typeface="Wingdings" panose="05000000000000000000" pitchFamily="2" charset="2"/>
+              </a:rPr>
+              <a:t></a:t>
+            </a:r>
+            <a:r>
+              <a:rPr lang="de-DE" sz="3600" dirty="0" err="1" smtClean="0">
+                <a:solidFill>
+                  <a:schemeClr val="bg1"/>
+                </a:solidFill>
+                <a:sym typeface="Wingdings" panose="05000000000000000000" pitchFamily="2" charset="2"/>
+              </a:rPr>
+              <a:t>pullNewQuestion</a:t>
+            </a:r>
+            <a:r>
+              <a:rPr lang="de-DE" sz="3600" dirty="0" smtClean="0">
+                <a:solidFill>
+                  <a:schemeClr val="bg1"/>
+                </a:solidFill>
+                <a:sym typeface="Wingdings" panose="05000000000000000000" pitchFamily="2" charset="2"/>
+              </a:rPr>
+              <a:t>(): </a:t>
+            </a:r>
+            <a:r>
+              <a:rPr lang="de-DE" sz="3600" dirty="0" err="1" smtClean="0">
+                <a:solidFill>
+                  <a:schemeClr val="bg1"/>
+                </a:solidFill>
+                <a:sym typeface="Wingdings" panose="05000000000000000000" pitchFamily="2" charset="2"/>
+              </a:rPr>
+              <a:t>Question</a:t>
+            </a:r>
+            <a:r>
+              <a:rPr lang="de-DE" sz="3600" dirty="0" smtClean="0">
+                <a:solidFill>
+                  <a:schemeClr val="bg1"/>
+                </a:solidFill>
+                <a:sym typeface="Wingdings" panose="05000000000000000000" pitchFamily="2" charset="2"/>
+              </a:rPr>
+              <a:t>*</a:t>
+            </a:r>
+          </a:p>
+          <a:p>
+            <a:pPr marL="457200" lvl="1" indent="0">
+              <a:buNone/>
+            </a:pPr>
+            <a:r>
+              <a:rPr lang="de-DE" sz="3600" dirty="0">
+                <a:solidFill>
+                  <a:schemeClr val="bg1"/>
+                </a:solidFill>
+                <a:sym typeface="Wingdings" panose="05000000000000000000" pitchFamily="2" charset="2"/>
+              </a:rPr>
+              <a:t>	</a:t>
+            </a:r>
+            <a:r>
+              <a:rPr lang="de-DE" sz="3600" dirty="0" smtClean="0">
+                <a:solidFill>
+                  <a:schemeClr val="bg1"/>
+                </a:solidFill>
+                <a:sym typeface="Wingdings" panose="05000000000000000000" pitchFamily="2" charset="2"/>
+              </a:rPr>
+              <a:t>CSV-Reader</a:t>
+            </a:r>
+            <a:endParaRPr lang="de-DE" sz="3600" dirty="0" smtClean="0">
+              <a:solidFill>
+                <a:schemeClr val="bg1"/>
+              </a:solidFill>
+              <a:sym typeface="Wingdings" panose="05000000000000000000" pitchFamily="2" charset="2"/>
+            </a:endParaRPr>
           </a:p>
         </p:txBody>
       </p:sp>
@@ -3650,6 +4193,14 @@
 <file path=ppt/slides/slide12.xml><?xml version="1.0" encoding="utf-8"?>
 <p:sld xmlns:a="http://schemas.openxmlformats.org/drawingml/2006/main" xmlns:r="http://schemas.openxmlformats.org/officeDocument/2006/relationships" xmlns:p="http://schemas.openxmlformats.org/presentationml/2006/main">
   <p:cSld>
+    <p:bg>
+      <p:bgPr>
+        <a:solidFill>
+          <a:srgbClr val="2F3771"/>
+        </a:solidFill>
+        <a:effectLst/>
+      </p:bgPr>
+    </p:bg>
     <p:spTree>
       <p:nvGrpSpPr>
         <p:cNvPr id="1" name=""/>
@@ -3680,7 +4231,11 @@
           <a:lstStyle/>
           <a:p>
             <a:r>
-              <a:rPr lang="de-DE" dirty="0"/>
+              <a:rPr lang="de-DE" dirty="0">
+                <a:solidFill>
+                  <a:schemeClr val="bg1"/>
+                </a:solidFill>
+              </a:rPr>
               <a:t>Ausblick</a:t>
             </a:r>
           </a:p>
@@ -3701,7 +4256,64 @@
           <a:bodyPr/>
           <a:lstStyle/>
           <a:p>
-            <a:endParaRPr lang="de-DE"/>
+            <a:r>
+              <a:rPr lang="de-DE" dirty="0" smtClean="0">
+                <a:solidFill>
+                  <a:schemeClr val="bg1"/>
+                </a:solidFill>
+              </a:rPr>
+              <a:t>Einfache Erweiterbarkeit</a:t>
+            </a:r>
+            <a:endParaRPr lang="de-DE" dirty="0" smtClean="0">
+              <a:solidFill>
+                <a:schemeClr val="bg1"/>
+              </a:solidFill>
+            </a:endParaRPr>
+          </a:p>
+          <a:p>
+            <a:pPr marL="0" indent="0">
+              <a:buNone/>
+            </a:pPr>
+            <a:r>
+              <a:rPr lang="de-DE" smtClean="0">
+                <a:solidFill>
+                  <a:schemeClr val="bg1"/>
+                </a:solidFill>
+              </a:rPr>
+              <a:t>	</a:t>
+            </a:r>
+            <a:r>
+              <a:rPr lang="de-DE" smtClean="0">
+                <a:solidFill>
+                  <a:schemeClr val="bg1"/>
+                </a:solidFill>
+                <a:sym typeface="Wingdings" panose="05000000000000000000" pitchFamily="2" charset="2"/>
+              </a:rPr>
+              <a:t></a:t>
+            </a:r>
+            <a:r>
+              <a:rPr lang="de-DE" smtClean="0">
+                <a:solidFill>
+                  <a:schemeClr val="bg1"/>
+                </a:solidFill>
+              </a:rPr>
+              <a:t>Datenbank </a:t>
+            </a:r>
+            <a:r>
+              <a:rPr lang="de-DE" dirty="0" smtClean="0">
+                <a:solidFill>
+                  <a:schemeClr val="bg1"/>
+                </a:solidFill>
+              </a:rPr>
+              <a:t>statt CSV-Reader</a:t>
+            </a:r>
+          </a:p>
+          <a:p>
+            <a:endParaRPr lang="de-DE" dirty="0">
+              <a:solidFill>
+                <a:schemeClr val="bg1"/>
+              </a:solidFill>
+            </a:endParaRPr>
           </a:p>
         </p:txBody>
       </p:sp>
@@ -3751,6 +4363,14 @@
 <file path=ppt/slides/slide13.xml><?xml version="1.0" encoding="utf-8"?>
 <p:sld xmlns:a="http://schemas.openxmlformats.org/drawingml/2006/main" xmlns:r="http://schemas.openxmlformats.org/officeDocument/2006/relationships" xmlns:p="http://schemas.openxmlformats.org/presentationml/2006/main">
   <p:cSld>
+    <p:bg>
+      <p:bgPr>
+        <a:solidFill>
+          <a:srgbClr val="2F3771"/>
+        </a:solidFill>
+        <a:effectLst/>
+      </p:bgPr>
+    </p:bg>
     <p:spTree>
       <p:nvGrpSpPr>
         <p:cNvPr id="1" name=""/>
@@ -4473,6 +5093,14 @@
 <file path=ppt/slides/slide2.xml><?xml version="1.0" encoding="utf-8"?>
 <p:sld xmlns:a="http://schemas.openxmlformats.org/drawingml/2006/main" xmlns:r="http://schemas.openxmlformats.org/officeDocument/2006/relationships" xmlns:p="http://schemas.openxmlformats.org/presentationml/2006/main">
   <p:cSld>
+    <p:bg>
+      <p:bgPr>
+        <a:solidFill>
+          <a:srgbClr val="2F3771"/>
+        </a:solidFill>
+        <a:effectLst/>
+      </p:bgPr>
+    </p:bg>
     <p:spTree>
       <p:nvGrpSpPr>
         <p:cNvPr id="1" name=""/>
@@ -4503,7 +5131,11 @@
           <a:lstStyle/>
           <a:p>
             <a:r>
-              <a:rPr lang="de-DE" dirty="0"/>
+              <a:rPr lang="de-DE" dirty="0">
+                <a:solidFill>
+                  <a:schemeClr val="bg1"/>
+                </a:solidFill>
+              </a:rPr>
               <a:t>Inhalt</a:t>
             </a:r>
           </a:p>
@@ -4527,61 +5159,101 @@
           <a:lstStyle/>
           <a:p>
             <a:r>
-              <a:rPr lang="de-DE" dirty="0"/>
+              <a:rPr lang="de-DE" dirty="0">
+                <a:solidFill>
+                  <a:schemeClr val="bg1"/>
+                </a:solidFill>
+              </a:rPr>
               <a:t>Auftrag/Problemstellung</a:t>
             </a:r>
           </a:p>
           <a:p>
             <a:r>
-              <a:rPr lang="de-DE" dirty="0"/>
+              <a:rPr lang="de-DE" dirty="0">
+                <a:solidFill>
+                  <a:schemeClr val="bg1"/>
+                </a:solidFill>
+              </a:rPr>
               <a:t>Lösungsidee</a:t>
             </a:r>
           </a:p>
           <a:p>
             <a:r>
-              <a:rPr lang="de-DE" dirty="0"/>
+              <a:rPr lang="de-DE" dirty="0">
+                <a:solidFill>
+                  <a:schemeClr val="bg1"/>
+                </a:solidFill>
+              </a:rPr>
               <a:t>Zeitplan</a:t>
             </a:r>
           </a:p>
           <a:p>
             <a:r>
-              <a:rPr lang="de-DE" dirty="0"/>
+              <a:rPr lang="de-DE" dirty="0">
+                <a:solidFill>
+                  <a:schemeClr val="bg1"/>
+                </a:solidFill>
+              </a:rPr>
               <a:t>MVC</a:t>
             </a:r>
           </a:p>
           <a:p>
             <a:r>
-              <a:rPr lang="de-DE" dirty="0"/>
+              <a:rPr lang="de-DE" dirty="0">
+                <a:solidFill>
+                  <a:schemeClr val="bg1"/>
+                </a:solidFill>
+              </a:rPr>
               <a:t>Ist-Zustand</a:t>
             </a:r>
           </a:p>
           <a:p>
             <a:r>
-              <a:rPr lang="de-DE" dirty="0"/>
+              <a:rPr lang="de-DE" dirty="0">
+                <a:solidFill>
+                  <a:schemeClr val="bg1"/>
+                </a:solidFill>
+              </a:rPr>
               <a:t>Demonstration</a:t>
             </a:r>
           </a:p>
           <a:p>
             <a:r>
-              <a:rPr lang="de-DE" dirty="0"/>
+              <a:rPr lang="de-DE" dirty="0">
+                <a:solidFill>
+                  <a:schemeClr val="bg1"/>
+                </a:solidFill>
+              </a:rPr>
               <a:t>Model</a:t>
             </a:r>
           </a:p>
           <a:p>
             <a:r>
-              <a:rPr lang="de-DE" dirty="0"/>
+              <a:rPr lang="de-DE" dirty="0">
+                <a:solidFill>
+                  <a:schemeClr val="bg1"/>
+                </a:solidFill>
+              </a:rPr>
               <a:t>Controller</a:t>
             </a:r>
           </a:p>
           <a:p>
             <a:r>
-              <a:rPr lang="de-DE" dirty="0"/>
+              <a:rPr lang="de-DE" dirty="0">
+                <a:solidFill>
+                  <a:schemeClr val="bg1"/>
+                </a:solidFill>
+              </a:rPr>
               <a:t>View</a:t>
             </a:r>
           </a:p>
           <a:p>
             <a:r>
-              <a:rPr lang="de-DE" dirty="0"/>
+              <a:rPr lang="de-DE" dirty="0">
+                <a:solidFill>
+                  <a:schemeClr val="bg1"/>
+                </a:solidFill>
+              </a:rPr>
               <a:t>Fazit</a:t>
             </a:r>
           </a:p>
@@ -5031,6 +5703,14 @@
 <file path=ppt/slides/slide3.xml><?xml version="1.0" encoding="utf-8"?>
 <p:sld xmlns:a="http://schemas.openxmlformats.org/drawingml/2006/main" xmlns:r="http://schemas.openxmlformats.org/officeDocument/2006/relationships" xmlns:p="http://schemas.openxmlformats.org/presentationml/2006/main">
   <p:cSld>
+    <p:bg>
+      <p:bgPr>
+        <a:solidFill>
+          <a:srgbClr val="2F3771"/>
+        </a:solidFill>
+        <a:effectLst/>
+      </p:bgPr>
+    </p:bg>
     <p:spTree>
       <p:nvGrpSpPr>
         <p:cNvPr id="1" name=""/>
@@ -5061,7 +5741,11 @@
           <a:lstStyle/>
           <a:p>
             <a:r>
-              <a:rPr lang="de-DE" dirty="0"/>
+              <a:rPr lang="de-DE" dirty="0">
+                <a:solidFill>
+                  <a:schemeClr val="bg1"/>
+                </a:solidFill>
+              </a:rPr>
               <a:t>Auftrag/Problemstellung</a:t>
             </a:r>
           </a:p>
@@ -5083,54 +5767,97 @@
           <a:lstStyle/>
           <a:p>
             <a:r>
-              <a:rPr lang="de-DE" dirty="0"/>
+              <a:rPr lang="de-DE" dirty="0">
+                <a:solidFill>
+                  <a:schemeClr val="bg1"/>
+                </a:solidFill>
+              </a:rPr>
               <a:t>Programmieren des Spiels „Wer wird Millionär“</a:t>
             </a:r>
           </a:p>
           <a:p>
             <a:r>
-              <a:rPr lang="de-DE" dirty="0" err="1"/>
+              <a:rPr lang="de-DE" dirty="0" err="1">
+                <a:solidFill>
+                  <a:schemeClr val="bg1"/>
+                </a:solidFill>
+              </a:rPr>
               <a:t>Qt-Entwicklunsumgebung</a:t>
             </a:r>
-            <a:endParaRPr lang="de-DE" dirty="0"/>
-          </a:p>
-          <a:p>
-            <a:r>
-              <a:rPr lang="de-DE" dirty="0" err="1"/>
+            <a:endParaRPr lang="de-DE" dirty="0">
+              <a:solidFill>
+                <a:schemeClr val="bg1"/>
+              </a:solidFill>
+            </a:endParaRPr>
+          </a:p>
+          <a:p>
+            <a:r>
+              <a:rPr lang="de-DE" dirty="0" err="1">
+                <a:solidFill>
+                  <a:schemeClr val="bg1"/>
+                </a:solidFill>
+              </a:rPr>
               <a:t>Qt-Gui</a:t>
             </a:r>
-            <a:endParaRPr lang="de-DE" dirty="0"/>
-          </a:p>
-          <a:p>
-            <a:r>
-              <a:rPr lang="de-DE" dirty="0"/>
+            <a:endParaRPr lang="de-DE" dirty="0">
+              <a:solidFill>
+                <a:schemeClr val="bg1"/>
+              </a:solidFill>
+            </a:endParaRPr>
+          </a:p>
+          <a:p>
+            <a:r>
+              <a:rPr lang="de-DE" dirty="0">
+                <a:solidFill>
+                  <a:schemeClr val="bg1"/>
+                </a:solidFill>
+              </a:rPr>
               <a:t>C++</a:t>
             </a:r>
           </a:p>
           <a:p>
             <a:r>
-              <a:rPr lang="de-DE" dirty="0"/>
+              <a:rPr lang="de-DE" dirty="0">
+                <a:solidFill>
+                  <a:schemeClr val="bg1"/>
+                </a:solidFill>
+              </a:rPr>
               <a:t>Original Spielregeln</a:t>
             </a:r>
           </a:p>
           <a:p>
             <a:r>
-              <a:rPr lang="de-DE" dirty="0"/>
+              <a:rPr lang="de-DE" dirty="0">
+                <a:solidFill>
+                  <a:schemeClr val="bg1"/>
+                </a:solidFill>
+              </a:rPr>
               <a:t>Grafiken und Bilder wie im Original</a:t>
             </a:r>
           </a:p>
           <a:p>
             <a:r>
-              <a:rPr lang="de-DE" dirty="0"/>
+              <a:rPr lang="de-DE" dirty="0">
+                <a:solidFill>
+                  <a:schemeClr val="bg1"/>
+                </a:solidFill>
+              </a:rPr>
               <a:t>Fragenkatalog </a:t>
             </a:r>
             <a:r>
               <a:rPr lang="de-DE" dirty="0">
+                <a:solidFill>
+                  <a:schemeClr val="bg1"/>
+                </a:solidFill>
                 <a:sym typeface="Wingdings" panose="05000000000000000000" pitchFamily="2" charset="2"/>
               </a:rPr>
               <a:t> Datenbank</a:t>
             </a:r>
-            <a:endParaRPr lang="de-DE" dirty="0"/>
+            <a:endParaRPr lang="de-DE" dirty="0">
+              <a:solidFill>
+                <a:schemeClr val="bg1"/>
+              </a:solidFill>
+            </a:endParaRPr>
           </a:p>
         </p:txBody>
       </p:sp>
@@ -5180,6 +5907,14 @@
 <file path=ppt/slides/slide4.xml><?xml version="1.0" encoding="utf-8"?>
 <p:sld xmlns:a="http://schemas.openxmlformats.org/drawingml/2006/main" xmlns:r="http://schemas.openxmlformats.org/officeDocument/2006/relationships" xmlns:p="http://schemas.openxmlformats.org/presentationml/2006/main">
   <p:cSld>
+    <p:bg>
+      <p:bgPr>
+        <a:solidFill>
+          <a:srgbClr val="2F3771"/>
+        </a:solidFill>
+        <a:effectLst/>
+      </p:bgPr>
+    </p:bg>
     <p:spTree>
       <p:nvGrpSpPr>
         <p:cNvPr id="1" name=""/>
@@ -5210,7 +5945,11 @@
           <a:lstStyle/>
           <a:p>
             <a:r>
-              <a:rPr lang="de-DE" dirty="0"/>
+              <a:rPr lang="de-DE" dirty="0">
+                <a:solidFill>
+                  <a:schemeClr val="bg1"/>
+                </a:solidFill>
+              </a:rPr>
               <a:t>Zeitplan</a:t>
             </a:r>
           </a:p>
@@ -5883,6 +6622,14 @@
 <file path=ppt/slides/slide5.xml><?xml version="1.0" encoding="utf-8"?>
 <p:sld xmlns:a="http://schemas.openxmlformats.org/drawingml/2006/main" xmlns:r="http://schemas.openxmlformats.org/officeDocument/2006/relationships" xmlns:p="http://schemas.openxmlformats.org/presentationml/2006/main">
   <p:cSld>
+    <p:bg>
+      <p:bgPr>
+        <a:solidFill>
+          <a:srgbClr val="2F3771"/>
+        </a:solidFill>
+        <a:effectLst/>
+      </p:bgPr>
+    </p:bg>
     <p:spTree>
       <p:nvGrpSpPr>
         <p:cNvPr id="1" name=""/>
@@ -5913,7 +6660,11 @@
           <a:lstStyle/>
           <a:p>
             <a:r>
-              <a:rPr lang="de-DE" dirty="0"/>
+              <a:rPr lang="de-DE" dirty="0">
+                <a:solidFill>
+                  <a:schemeClr val="bg1"/>
+                </a:solidFill>
+              </a:rPr>
               <a:t>MVC (Techn. Plan)</a:t>
             </a:r>
           </a:p>
@@ -5934,7 +6685,11 @@
           <a:bodyPr/>
           <a:lstStyle/>
           <a:p>
-            <a:endParaRPr lang="de-DE"/>
+            <a:endParaRPr lang="de-DE" dirty="0">
+              <a:solidFill>
+                <a:schemeClr val="bg1"/>
+              </a:solidFill>
+            </a:endParaRPr>
           </a:p>
         </p:txBody>
       </p:sp>
@@ -5984,6 +6739,14 @@
 <file path=ppt/slides/slide6.xml><?xml version="1.0" encoding="utf-8"?>
 <p:sld xmlns:a="http://schemas.openxmlformats.org/drawingml/2006/main" xmlns:r="http://schemas.openxmlformats.org/officeDocument/2006/relationships" xmlns:p="http://schemas.openxmlformats.org/presentationml/2006/main">
   <p:cSld>
+    <p:bg>
+      <p:bgPr>
+        <a:solidFill>
+          <a:srgbClr val="2F3771"/>
+        </a:solidFill>
+        <a:effectLst/>
+      </p:bgPr>
+    </p:bg>
     <p:spTree>
       <p:nvGrpSpPr>
         <p:cNvPr id="1" name=""/>
@@ -6014,14 +6777,26 @@
           <a:lstStyle/>
           <a:p>
             <a:r>
-              <a:rPr lang="de-DE" dirty="0"/>
+              <a:rPr lang="de-DE" dirty="0">
+                <a:solidFill>
+                  <a:schemeClr val="bg1"/>
+                </a:solidFill>
+              </a:rPr>
               <a:t>Lösungsansatz</a:t>
             </a:r>
             <a:br>
-              <a:rPr lang="de-DE" dirty="0"/>
+              <a:rPr lang="de-DE" dirty="0">
+                <a:solidFill>
+                  <a:schemeClr val="bg1"/>
+                </a:solidFill>
+              </a:rPr>
             </a:br>
             <a:r>
-              <a:rPr lang="de-DE" dirty="0"/>
+              <a:rPr lang="de-DE" dirty="0">
+                <a:solidFill>
+                  <a:schemeClr val="bg1"/>
+                </a:solidFill>
+              </a:rPr>
               <a:t>Ist Zustand</a:t>
             </a:r>
           </a:p>
@@ -6043,30 +6818,54 @@
           <a:lstStyle/>
           <a:p>
             <a:r>
-              <a:rPr lang="de-DE" dirty="0"/>
+              <a:rPr lang="de-DE" dirty="0">
+                <a:solidFill>
+                  <a:schemeClr val="bg1"/>
+                </a:solidFill>
+              </a:rPr>
               <a:t>Für MVC Pattern entschieden.</a:t>
             </a:r>
           </a:p>
           <a:p>
             <a:r>
-              <a:rPr lang="de-DE" dirty="0"/>
+              <a:rPr lang="de-DE" dirty="0">
+                <a:solidFill>
+                  <a:schemeClr val="bg1"/>
+                </a:solidFill>
+              </a:rPr>
               <a:t>Model hält Spielstand</a:t>
             </a:r>
           </a:p>
           <a:p>
             <a:r>
-              <a:rPr lang="de-DE" dirty="0"/>
+              <a:rPr lang="de-DE" dirty="0">
+                <a:solidFill>
+                  <a:schemeClr val="bg1"/>
+                </a:solidFill>
+              </a:rPr>
               <a:t>Controller </a:t>
             </a:r>
             <a:r>
-              <a:rPr lang="de-DE" dirty="0" err="1"/>
+              <a:rPr lang="de-DE" dirty="0" err="1">
+                <a:solidFill>
+                  <a:schemeClr val="bg1"/>
+                </a:solidFill>
+              </a:rPr>
               <a:t>kk</a:t>
             </a:r>
-            <a:endParaRPr lang="de-DE" dirty="0"/>
-          </a:p>
-          <a:p>
-            <a:r>
-              <a:rPr lang="de-DE" dirty="0"/>
+            <a:endParaRPr lang="de-DE" dirty="0">
+              <a:solidFill>
+                <a:schemeClr val="bg1"/>
+              </a:solidFill>
+            </a:endParaRPr>
+          </a:p>
+          <a:p>
+            <a:r>
+              <a:rPr lang="de-DE" dirty="0">
+                <a:solidFill>
+                  <a:schemeClr val="bg1"/>
+                </a:solidFill>
+              </a:rPr>
               <a:t>GUI soll skalierbar sein</a:t>
             </a:r>
           </a:p>
@@ -6118,6 +6917,14 @@
 <file path=ppt/slides/slide7.xml><?xml version="1.0" encoding="utf-8"?>
 <p:sld xmlns:a="http://schemas.openxmlformats.org/drawingml/2006/main" xmlns:r="http://schemas.openxmlformats.org/officeDocument/2006/relationships" xmlns:p="http://schemas.openxmlformats.org/presentationml/2006/main">
   <p:cSld>
+    <p:bg>
+      <p:bgPr>
+        <a:solidFill>
+          <a:srgbClr val="2F3771"/>
+        </a:solidFill>
+        <a:effectLst/>
+      </p:bgPr>
+    </p:bg>
     <p:spTree>
       <p:nvGrpSpPr>
         <p:cNvPr id="1" name=""/>
@@ -6148,7 +6955,11 @@
           <a:lstStyle/>
           <a:p>
             <a:r>
-              <a:rPr lang="de-DE" dirty="0"/>
+              <a:rPr lang="de-DE" dirty="0">
+                <a:solidFill>
+                  <a:schemeClr val="bg1"/>
+                </a:solidFill>
+              </a:rPr>
               <a:t>Demonstration</a:t>
             </a:r>
           </a:p>
@@ -6169,7 +6980,11 @@
           <a:bodyPr/>
           <a:lstStyle/>
           <a:p>
-            <a:endParaRPr lang="de-DE"/>
+            <a:endParaRPr lang="de-DE" dirty="0">
+              <a:solidFill>
+                <a:schemeClr val="bg1"/>
+              </a:solidFill>
+            </a:endParaRPr>
           </a:p>
         </p:txBody>
       </p:sp>
@@ -6219,6 +7034,14 @@
 <file path=ppt/slides/slide8.xml><?xml version="1.0" encoding="utf-8"?>
 <p:sld xmlns:a="http://schemas.openxmlformats.org/drawingml/2006/main" xmlns:r="http://schemas.openxmlformats.org/officeDocument/2006/relationships" xmlns:p="http://schemas.openxmlformats.org/presentationml/2006/main">
   <p:cSld>
+    <p:bg>
+      <p:bgPr>
+        <a:solidFill>
+          <a:srgbClr val="2F3771"/>
+        </a:solidFill>
+        <a:effectLst/>
+      </p:bgPr>
+    </p:bg>
     <p:spTree>
       <p:nvGrpSpPr>
         <p:cNvPr id="1" name=""/>
@@ -6243,16 +7066,31 @@
             <p:ph type="title"/>
           </p:nvPr>
         </p:nvSpPr>
-        <p:spPr/>
-        <p:txBody>
-          <a:bodyPr/>
-          <a:lstStyle/>
-          <a:p>
-            <a:r>
-              <a:rPr lang="de-DE" dirty="0" smtClean="0"/>
-              <a:t>Model(Überblick)</a:t>
-            </a:r>
-            <a:endParaRPr lang="de-DE" dirty="0"/>
+        <p:spPr>
+          <a:xfrm>
+            <a:off x="353008" y="579729"/>
+            <a:ext cx="1867678" cy="1325563"/>
+          </a:xfrm>
+        </p:spPr>
+        <p:txBody>
+          <a:bodyPr>
+            <a:normAutofit/>
+          </a:bodyPr>
+          <a:lstStyle/>
+          <a:p>
+            <a:r>
+              <a:rPr lang="de-DE" dirty="0" smtClean="0">
+                <a:solidFill>
+                  <a:schemeClr val="bg1"/>
+                </a:solidFill>
+              </a:rPr>
+              <a:t>Model</a:t>
+            </a:r>
+            <a:endParaRPr lang="de-DE" dirty="0">
+              <a:solidFill>
+                <a:schemeClr val="bg1"/>
+              </a:solidFill>
+            </a:endParaRPr>
           </a:p>
         </p:txBody>
       </p:sp>
@@ -6279,25 +7117,35 @@
           </a:p>
         </p:txBody>
       </p:sp>
-      <p:sp>
-        <p:nvSpPr>
-          <p:cNvPr id="8" name="Inhaltsplatzhalter 7"/>
-          <p:cNvSpPr>
-            <a:spLocks noGrp="1"/>
-          </p:cNvSpPr>
+      <p:pic>
+        <p:nvPicPr>
+          <p:cNvPr id="3" name="Inhaltsplatzhalter 2"/>
+          <p:cNvPicPr>
+            <a:picLocks noGrp="1" noChangeAspect="1"/>
+          </p:cNvPicPr>
           <p:nvPr>
             <p:ph idx="1"/>
           </p:nvPr>
-        </p:nvSpPr>
-        <p:spPr/>
-        <p:txBody>
-          <a:bodyPr/>
-          <a:lstStyle/>
-          <a:p>
-            <a:endParaRPr lang="de-DE"/>
-          </a:p>
-        </p:txBody>
-      </p:sp>
+        </p:nvPicPr>
+        <p:blipFill>
+          <a:blip r:embed="rId2">
+            <a:extLst>
+              <a:ext uri="{28A0092B-C50C-407E-A947-70E740481C1C}">
+                <a14:useLocalDpi xmlns:a14="http://schemas.microsoft.com/office/drawing/2010/main" val="0"/>
+              </a:ext>
+            </a:extLst>
+          </a:blip>
+          <a:stretch>
+            <a:fillRect/>
+          </a:stretch>
+        </p:blipFill>
+        <p:spPr>
+          <a:xfrm>
+            <a:off x="2539092" y="579730"/>
+            <a:ext cx="8549004" cy="5522994"/>
+          </a:xfrm>
+        </p:spPr>
+      </p:pic>
     </p:spTree>
     <p:extLst>
       <p:ext uri="{BB962C8B-B14F-4D97-AF65-F5344CB8AC3E}">
@@ -6321,6 +7169,14 @@
 <file path=ppt/slides/slide9.xml><?xml version="1.0" encoding="utf-8"?>
 <p:sld xmlns:a="http://schemas.openxmlformats.org/drawingml/2006/main" xmlns:r="http://schemas.openxmlformats.org/officeDocument/2006/relationships" xmlns:p="http://schemas.openxmlformats.org/presentationml/2006/main">
   <p:cSld>
+    <p:bg>
+      <p:bgPr>
+        <a:solidFill>
+          <a:srgbClr val="2F3771"/>
+        </a:solidFill>
+        <a:effectLst/>
+      </p:bgPr>
+    </p:bg>
     <p:spTree>
       <p:nvGrpSpPr>
         <p:cNvPr id="1" name=""/>
@@ -6351,7 +7207,11 @@
           <a:lstStyle/>
           <a:p>
             <a:r>
-              <a:rPr lang="de-DE" dirty="0"/>
+              <a:rPr lang="de-DE" dirty="0">
+                <a:solidFill>
+                  <a:schemeClr val="bg1"/>
+                </a:solidFill>
+              </a:rPr>
               <a:t>Model</a:t>
             </a:r>
           </a:p>
@@ -6392,10 +7252,208 @@
         </p:nvSpPr>
         <p:spPr/>
         <p:txBody>
-          <a:bodyPr/>
-          <a:lstStyle/>
-          <a:p>
-            <a:endParaRPr lang="de-DE"/>
+          <a:bodyPr>
+            <a:normAutofit/>
+          </a:bodyPr>
+          <a:lstStyle/>
+          <a:p>
+            <a:r>
+              <a:rPr lang="de-DE" sz="3600" dirty="0" smtClean="0">
+                <a:solidFill>
+                  <a:schemeClr val="bg1"/>
+                </a:solidFill>
+              </a:rPr>
+              <a:t>Attribut: </a:t>
+            </a:r>
+          </a:p>
+          <a:p>
+            <a:pPr marL="457200" lvl="1" indent="0">
+              <a:buNone/>
+            </a:pPr>
+            <a:r>
+              <a:rPr lang="de-DE" sz="3600" dirty="0" smtClean="0">
+                <a:solidFill>
+                  <a:schemeClr val="bg1"/>
+                </a:solidFill>
+                <a:sym typeface="Wingdings" panose="05000000000000000000" pitchFamily="2" charset="2"/>
+              </a:rPr>
+              <a:t></a:t>
+            </a:r>
+            <a:r>
+              <a:rPr lang="de-DE" sz="3600" dirty="0" err="1" smtClean="0">
+                <a:solidFill>
+                  <a:schemeClr val="bg1"/>
+                </a:solidFill>
+              </a:rPr>
+              <a:t>active</a:t>
+            </a:r>
+            <a:r>
+              <a:rPr lang="de-DE" sz="3600" dirty="0" err="1" smtClean="0">
+                <a:solidFill>
+                  <a:schemeClr val="bg1"/>
+                </a:solidFill>
+              </a:rPr>
+              <a:t>Game</a:t>
+            </a:r>
+            <a:r>
+              <a:rPr lang="de-DE" sz="3600" dirty="0" smtClean="0">
+                <a:solidFill>
+                  <a:schemeClr val="bg1"/>
+                </a:solidFill>
+              </a:rPr>
+              <a:t>: Game*</a:t>
+            </a:r>
+          </a:p>
+          <a:p>
+            <a:r>
+              <a:rPr lang="de-DE" sz="3600" dirty="0" smtClean="0">
+                <a:solidFill>
+                  <a:schemeClr val="bg1"/>
+                </a:solidFill>
+              </a:rPr>
+              <a:t>Methoden:</a:t>
+            </a:r>
+          </a:p>
+          <a:p>
+            <a:pPr marL="457200" lvl="1" indent="0">
+              <a:buNone/>
+            </a:pPr>
+            <a:r>
+              <a:rPr lang="de-DE" sz="3600" dirty="0" smtClean="0">
+                <a:solidFill>
+                  <a:schemeClr val="bg1"/>
+                </a:solidFill>
+                <a:sym typeface="Wingdings" panose="05000000000000000000" pitchFamily="2" charset="2"/>
+              </a:rPr>
+              <a:t></a:t>
+            </a:r>
+            <a:r>
+              <a:rPr lang="de-DE" sz="3600" dirty="0" err="1" smtClean="0">
+                <a:solidFill>
+                  <a:schemeClr val="bg1"/>
+                </a:solidFill>
+                <a:sym typeface="Wingdings" panose="05000000000000000000" pitchFamily="2" charset="2"/>
+              </a:rPr>
+              <a:t>quitGame</a:t>
+            </a:r>
+            <a:r>
+              <a:rPr lang="de-DE" sz="3600" dirty="0" smtClean="0">
+                <a:solidFill>
+                  <a:schemeClr val="bg1"/>
+                </a:solidFill>
+                <a:sym typeface="Wingdings" panose="05000000000000000000" pitchFamily="2" charset="2"/>
+              </a:rPr>
+              <a:t>()</a:t>
+            </a:r>
+          </a:p>
+          <a:p>
+            <a:pPr marL="457200" lvl="1" indent="0">
+              <a:buNone/>
+            </a:pPr>
+            <a:r>
+              <a:rPr lang="de-DE" sz="3600" dirty="0" smtClean="0">
+                <a:solidFill>
+                  <a:schemeClr val="bg1"/>
+                </a:solidFill>
+                <a:sym typeface="Wingdings" panose="05000000000000000000" pitchFamily="2" charset="2"/>
+              </a:rPr>
+              <a:t></a:t>
+            </a:r>
+            <a:r>
+              <a:rPr lang="de-DE" sz="3600" dirty="0" err="1" smtClean="0">
+                <a:solidFill>
+                  <a:schemeClr val="bg1"/>
+                </a:solidFill>
+                <a:sym typeface="Wingdings" panose="05000000000000000000" pitchFamily="2" charset="2"/>
+              </a:rPr>
+              <a:t>startNewGame</a:t>
+            </a:r>
+            <a:r>
+              <a:rPr lang="de-DE" sz="3600" dirty="0" smtClean="0">
+                <a:solidFill>
+                  <a:schemeClr val="bg1"/>
+                </a:solidFill>
+                <a:sym typeface="Wingdings" panose="05000000000000000000" pitchFamily="2" charset="2"/>
+              </a:rPr>
+              <a:t>()</a:t>
+            </a:r>
+          </a:p>
+          <a:p>
+            <a:pPr marL="457200" lvl="1" indent="0">
+              <a:buNone/>
+            </a:pPr>
+            <a:r>
+              <a:rPr lang="de-DE" sz="3600" dirty="0" smtClean="0">
+                <a:solidFill>
+                  <a:schemeClr val="bg1"/>
+                </a:solidFill>
+                <a:sym typeface="Wingdings" panose="05000000000000000000" pitchFamily="2" charset="2"/>
+              </a:rPr>
+              <a:t></a:t>
+            </a:r>
+            <a:r>
+              <a:rPr lang="de-DE" sz="3600" dirty="0" err="1" smtClean="0">
+                <a:solidFill>
+                  <a:schemeClr val="bg1"/>
+                </a:solidFill>
+                <a:sym typeface="Wingdings" panose="05000000000000000000" pitchFamily="2" charset="2"/>
+              </a:rPr>
+              <a:t>isProgrammrunning</a:t>
+            </a:r>
+            <a:r>
+              <a:rPr lang="de-DE" sz="3600" dirty="0" smtClean="0">
+                <a:solidFill>
+                  <a:schemeClr val="bg1"/>
+                </a:solidFill>
+                <a:sym typeface="Wingdings" panose="05000000000000000000" pitchFamily="2" charset="2"/>
+              </a:rPr>
+              <a:t>() </a:t>
+            </a:r>
+          </a:p>
+          <a:p>
+            <a:pPr marL="457200" lvl="1" indent="0">
+              <a:buNone/>
+            </a:pPr>
+            <a:r>
+              <a:rPr lang="de-DE" sz="3600" dirty="0" smtClean="0">
+                <a:solidFill>
+                  <a:schemeClr val="bg1"/>
+                </a:solidFill>
+                <a:sym typeface="Wingdings" panose="05000000000000000000" pitchFamily="2" charset="2"/>
+              </a:rPr>
+              <a:t></a:t>
+            </a:r>
+            <a:r>
+              <a:rPr lang="de-DE" sz="3600" dirty="0" err="1" smtClean="0">
+                <a:solidFill>
+                  <a:schemeClr val="bg1"/>
+                </a:solidFill>
+                <a:sym typeface="Wingdings" panose="05000000000000000000" pitchFamily="2" charset="2"/>
+              </a:rPr>
+              <a:t>terminateProgramm</a:t>
+            </a:r>
+            <a:r>
+              <a:rPr lang="de-DE" sz="3600" dirty="0" smtClean="0">
+                <a:solidFill>
+                  <a:schemeClr val="bg1"/>
+                </a:solidFill>
+                <a:sym typeface="Wingdings" panose="05000000000000000000" pitchFamily="2" charset="2"/>
+              </a:rPr>
+              <a:t>()</a:t>
+            </a:r>
+            <a:endParaRPr lang="de-DE" sz="3600" dirty="0" smtClean="0">
+              <a:solidFill>
+                <a:schemeClr val="bg1"/>
+              </a:solidFill>
+            </a:endParaRPr>
+          </a:p>
+          <a:p>
+            <a:pPr lvl="1"/>
+            <a:endParaRPr lang="de-DE" sz="3600" dirty="0" smtClean="0">
+              <a:solidFill>
+                <a:schemeClr val="bg1"/>
+              </a:solidFill>
+            </a:endParaRPr>
           </a:p>
         </p:txBody>
       </p:sp>

--- a/documentation/wwmp.pptx
+++ b/documentation/wwmp.pptx
@@ -1,11 +1,11 @@
 
 <file path=ppt/presentation.xml><?xml version="1.0" encoding="utf-8"?>
-<p:presentation xmlns:a="http://schemas.openxmlformats.org/drawingml/2006/main" xmlns:r="http://schemas.openxmlformats.org/officeDocument/2006/relationships" xmlns:p="http://schemas.openxmlformats.org/presentationml/2006/main" saveSubsetFonts="1">
+<p:presentation xmlns:a="http://schemas.openxmlformats.org/drawingml/2006/main" xmlns:r="http://schemas.openxmlformats.org/officeDocument/2006/relationships" xmlns:p="http://schemas.openxmlformats.org/presentationml/2006/main" firstSlideNum="0" showSpecialPlsOnTitleSld="0" saveSubsetFonts="1">
   <p:sldMasterIdLst>
     <p:sldMasterId id="2147483648" r:id="rId1"/>
   </p:sldMasterIdLst>
   <p:notesMasterIdLst>
-    <p:notesMasterId r:id="rId25"/>
+    <p:notesMasterId r:id="rId22"/>
   </p:notesMasterIdLst>
   <p:sldIdLst>
     <p:sldId id="256" r:id="rId2"/>
@@ -18,19 +18,16 @@
     <p:sldId id="263" r:id="rId9"/>
     <p:sldId id="279" r:id="rId10"/>
     <p:sldId id="278" r:id="rId11"/>
-    <p:sldId id="266" r:id="rId12"/>
-    <p:sldId id="267" r:id="rId13"/>
-    <p:sldId id="265" r:id="rId14"/>
-    <p:sldId id="268" r:id="rId15"/>
-    <p:sldId id="269" r:id="rId16"/>
-    <p:sldId id="277" r:id="rId17"/>
-    <p:sldId id="264" r:id="rId18"/>
-    <p:sldId id="274" r:id="rId19"/>
-    <p:sldId id="275" r:id="rId20"/>
-    <p:sldId id="276" r:id="rId21"/>
-    <p:sldId id="270" r:id="rId22"/>
-    <p:sldId id="271" r:id="rId23"/>
-    <p:sldId id="272" r:id="rId24"/>
+    <p:sldId id="282" r:id="rId12"/>
+    <p:sldId id="283" r:id="rId13"/>
+    <p:sldId id="284" r:id="rId14"/>
+    <p:sldId id="285" r:id="rId15"/>
+    <p:sldId id="286" r:id="rId16"/>
+    <p:sldId id="287" r:id="rId17"/>
+    <p:sldId id="288" r:id="rId18"/>
+    <p:sldId id="289" r:id="rId19"/>
+    <p:sldId id="290" r:id="rId20"/>
+    <p:sldId id="291" r:id="rId21"/>
   </p:sldIdLst>
   <p:sldSz cx="12192000" cy="6858000"/>
   <p:notesSz cx="6858000" cy="9144000"/>
@@ -613,7 +610,7 @@
           <a:bodyPr/>
           <a:lstStyle/>
           <a:p>
-            <a:fld id="{3B9A3AE3-57FE-428D-8266-94688F93CFE4}" type="datetime1">
+            <a:fld id="{0F59D99F-9965-49DE-892F-567A8CCC4DFB}" type="datetime1">
               <a:rPr lang="de-DE" smtClean="0"/>
               <a:t>20.11.2019</a:t>
             </a:fld>
@@ -653,13 +650,22 @@
         <p:spPr/>
         <p:txBody>
           <a:bodyPr/>
-          <a:lstStyle/>
+          <a:lstStyle>
+            <a:lvl1pPr>
+              <a:defRPr>
+                <a:solidFill>
+                  <a:schemeClr val="bg1"/>
+                </a:solidFill>
+              </a:defRPr>
+            </a:lvl1pPr>
+          </a:lstStyle>
           <a:p>
             <a:fld id="{57D8F98F-9146-4D48-BD84-43508DAD44DB}" type="slidenum">
               <a:rPr lang="de-DE" smtClean="0"/>
+              <a:pPr/>
               <a:t>‹Nr.›</a:t>
             </a:fld>
-            <a:endParaRPr lang="de-DE"/>
+            <a:endParaRPr lang="de-DE" dirty="0"/>
           </a:p>
         </p:txBody>
       </p:sp>
@@ -781,7 +787,7 @@
           <a:bodyPr/>
           <a:lstStyle/>
           <a:p>
-            <a:fld id="{6C31C2C4-7A56-462C-84BA-969744655166}" type="datetime1">
+            <a:fld id="{CEB9654D-4113-44F0-A1BA-13C11858714F}" type="datetime1">
               <a:rPr lang="de-DE" smtClean="0"/>
               <a:t>20.11.2019</a:t>
             </a:fld>
@@ -959,7 +965,7 @@
           <a:bodyPr/>
           <a:lstStyle/>
           <a:p>
-            <a:fld id="{0360580C-4F5E-4B49-9272-89958F810EDF}" type="datetime1">
+            <a:fld id="{65D66A63-2AC2-4264-A48E-469FBDA6C582}" type="datetime1">
               <a:rPr lang="de-DE" smtClean="0"/>
               <a:t>20.11.2019</a:t>
             </a:fld>
@@ -1127,7 +1133,7 @@
           <a:bodyPr/>
           <a:lstStyle/>
           <a:p>
-            <a:fld id="{EA428BC3-6769-4E49-A755-91D90E8940AE}" type="datetime1">
+            <a:fld id="{A7495C0F-D143-47FB-8D30-2B7991539AF7}" type="datetime1">
               <a:rPr lang="de-DE" smtClean="0"/>
               <a:t>20.11.2019</a:t>
             </a:fld>
@@ -1164,16 +1170,28 @@
             <p:ph type="sldNum" sz="quarter" idx="12"/>
           </p:nvPr>
         </p:nvSpPr>
-        <p:spPr/>
+        <p:spPr>
+          <a:xfrm>
+            <a:off x="10866120" y="6249670"/>
+            <a:ext cx="487680" cy="365125"/>
+          </a:xfrm>
+        </p:spPr>
         <p:txBody>
           <a:bodyPr/>
-          <a:lstStyle/>
-          <a:p>
-            <a:fld id="{57D8F98F-9146-4D48-BD84-43508DAD44DB}" type="slidenum">
-              <a:rPr lang="de-DE" smtClean="0"/>
-              <a:t>‹Nr.›</a:t>
-            </a:fld>
-            <a:endParaRPr lang="de-DE"/>
+          <a:lstStyle>
+            <a:lvl1pPr>
+              <a:defRPr sz="2000">
+                <a:solidFill>
+                  <a:schemeClr val="bg1"/>
+                </a:solidFill>
+              </a:defRPr>
+            </a:lvl1pPr>
+          </a:lstStyle>
+          <a:p>
+            <a:r>
+              <a:rPr lang="de-DE" dirty="0"/>
+              <a:t>10</a:t>
+            </a:r>
           </a:p>
         </p:txBody>
       </p:sp>
@@ -1372,7 +1390,7 @@
           <a:bodyPr/>
           <a:lstStyle/>
           <a:p>
-            <a:fld id="{9B8F9CDB-2F59-41E7-A9FB-E2EA88CBC35B}" type="datetime1">
+            <a:fld id="{8510BE41-F151-4550-8357-2E5492900C54}" type="datetime1">
               <a:rPr lang="de-DE" smtClean="0"/>
               <a:t>20.11.2019</a:t>
             </a:fld>
@@ -1601,7 +1619,7 @@
           <a:bodyPr/>
           <a:lstStyle/>
           <a:p>
-            <a:fld id="{E4E6BF59-0717-43CF-97D9-ED2E018F2500}" type="datetime1">
+            <a:fld id="{E3E52241-FDD1-42F9-86E1-E3F6CDFD00D2}" type="datetime1">
               <a:rPr lang="de-DE" smtClean="0"/>
               <a:t>20.11.2019</a:t>
             </a:fld>
@@ -1965,7 +1983,7 @@
           <a:bodyPr/>
           <a:lstStyle/>
           <a:p>
-            <a:fld id="{05E60D12-505A-45AD-8674-C9373E24576A}" type="datetime1">
+            <a:fld id="{3ACF63C7-1201-4863-B488-3772CE8989FA}" type="datetime1">
               <a:rPr lang="de-DE" smtClean="0"/>
               <a:t>20.11.2019</a:t>
             </a:fld>
@@ -2082,7 +2100,7 @@
           <a:bodyPr/>
           <a:lstStyle/>
           <a:p>
-            <a:fld id="{0EE617D4-C464-4C55-9537-5E0842B638DB}" type="datetime1">
+            <a:fld id="{AD8D6A06-FA14-4009-82C9-752C6AB4B928}" type="datetime1">
               <a:rPr lang="de-DE" smtClean="0"/>
               <a:t>20.11.2019</a:t>
             </a:fld>
@@ -2177,7 +2195,7 @@
           <a:bodyPr/>
           <a:lstStyle/>
           <a:p>
-            <a:fld id="{DE3276E5-65CB-4E7C-B048-11C9875E5D78}" type="datetime1">
+            <a:fld id="{326C561E-A502-40E3-BCA8-B4D6CD590DCC}" type="datetime1">
               <a:rPr lang="de-DE" smtClean="0"/>
               <a:t>20.11.2019</a:t>
             </a:fld>
@@ -2452,7 +2470,7 @@
           <a:bodyPr/>
           <a:lstStyle/>
           <a:p>
-            <a:fld id="{6FAC84D1-C2A3-49D9-91BD-34BF6A2E6D3A}" type="datetime1">
+            <a:fld id="{B913A1FD-8D5D-45D4-8E9D-A2AAD90D5C79}" type="datetime1">
               <a:rPr lang="de-DE" smtClean="0"/>
               <a:t>20.11.2019</a:t>
             </a:fld>
@@ -2704,7 +2722,7 @@
           <a:bodyPr/>
           <a:lstStyle/>
           <a:p>
-            <a:fld id="{C7C3D48D-46F0-4A96-8F92-410573AE7794}" type="datetime1">
+            <a:fld id="{DFE8374C-33FF-4623-BDD9-70B81F91259B}" type="datetime1">
               <a:rPr lang="de-DE" smtClean="0"/>
               <a:t>20.11.2019</a:t>
             </a:fld>
@@ -2848,35 +2866,35 @@
           <a:p>
             <a:pPr lvl="0"/>
             <a:r>
-              <a:rPr lang="de-DE"/>
+              <a:rPr lang="de-DE" dirty="0"/>
               <a:t>Formatvorlagen des Textmasters bearbeiten</a:t>
             </a:r>
           </a:p>
           <a:p>
             <a:pPr lvl="1"/>
             <a:r>
-              <a:rPr lang="de-DE"/>
+              <a:rPr lang="de-DE" dirty="0"/>
               <a:t>Zweite Ebene</a:t>
             </a:r>
           </a:p>
           <a:p>
             <a:pPr lvl="2"/>
             <a:r>
-              <a:rPr lang="de-DE"/>
+              <a:rPr lang="de-DE" dirty="0"/>
               <a:t>Dritte Ebene</a:t>
             </a:r>
           </a:p>
           <a:p>
             <a:pPr lvl="3"/>
             <a:r>
-              <a:rPr lang="de-DE"/>
+              <a:rPr lang="de-DE" dirty="0"/>
               <a:t>Vierte Ebene</a:t>
             </a:r>
           </a:p>
           <a:p>
             <a:pPr lvl="4"/>
             <a:r>
-              <a:rPr lang="de-DE"/>
+              <a:rPr lang="de-DE" dirty="0"/>
               <a:t>Fünfte Ebene</a:t>
             </a:r>
           </a:p>
@@ -2915,7 +2933,7 @@
             </a:lvl1pPr>
           </a:lstStyle>
           <a:p>
-            <a:fld id="{6055A6E6-0C08-4B3B-9BA3-DF8EF3D0D0E5}" type="datetime1">
+            <a:fld id="{EAE8254A-45A5-4AC2-A63B-E2B81E9CBD09}" type="datetime1">
               <a:rPr lang="de-DE" smtClean="0"/>
               <a:t>20.11.2019</a:t>
             </a:fld>
@@ -2972,8 +2990,8 @@
         </p:nvSpPr>
         <p:spPr>
           <a:xfrm>
-            <a:off x="8610600" y="6356350"/>
-            <a:ext cx="2743200" cy="365125"/>
+            <a:off x="10896600" y="6249600"/>
+            <a:ext cx="457200" cy="365125"/>
           </a:xfrm>
           <a:prstGeom prst="rect">
             <a:avLst/>
@@ -2982,22 +3000,19 @@
         <p:txBody>
           <a:bodyPr vert="horz" lIns="91440" tIns="45720" rIns="91440" bIns="45720" rtlCol="0" anchor="ctr"/>
           <a:lstStyle>
-            <a:lvl1pPr algn="r">
-              <a:defRPr sz="1200">
-                <a:solidFill>
-                  <a:schemeClr val="tx1">
-                    <a:tint val="75000"/>
-                  </a:schemeClr>
+            <a:lvl1pPr algn="ctr">
+              <a:defRPr sz="2000">
+                <a:solidFill>
+                  <a:schemeClr val="bg1"/>
                 </a:solidFill>
               </a:defRPr>
             </a:lvl1pPr>
           </a:lstStyle>
           <a:p>
-            <a:fld id="{57D8F98F-9146-4D48-BD84-43508DAD44DB}" type="slidenum">
-              <a:rPr lang="de-DE" smtClean="0"/>
-              <a:t>‹Nr.›</a:t>
-            </a:fld>
-            <a:endParaRPr lang="de-DE"/>
+            <a:r>
+              <a:rPr lang="de-DE" dirty="0"/>
+              <a:t>10</a:t>
+            </a:r>
           </a:p>
         </p:txBody>
       </p:sp>
@@ -3309,14 +3324,6 @@
 <file path=ppt/slides/slide1.xml><?xml version="1.0" encoding="utf-8"?>
 <p:sld xmlns:a="http://schemas.openxmlformats.org/drawingml/2006/main" xmlns:r="http://schemas.openxmlformats.org/officeDocument/2006/relationships" xmlns:p="http://schemas.openxmlformats.org/presentationml/2006/main">
   <p:cSld>
-    <p:bg>
-      <p:bgPr>
-        <a:solidFill>
-          <a:srgbClr val="2F3771"/>
-        </a:solidFill>
-        <a:effectLst/>
-      </p:bgPr>
-    </p:bg>
     <p:spTree>
       <p:nvGrpSpPr>
         <p:cNvPr id="1" name=""/>
@@ -3331,6 +3338,42 @@
           <a:chExt cx="0" cy="0"/>
         </a:xfrm>
       </p:grpSpPr>
+      <p:pic>
+        <p:nvPicPr>
+          <p:cNvPr id="7" name="Grafik 6" descr="Ein Bild, das Tier, Licht, Vorhang enthält.&#10;&#10;Automatisch generierte Beschreibung">
+            <a:extLst>
+              <a:ext uri="{FF2B5EF4-FFF2-40B4-BE49-F238E27FC236}">
+                <a16:creationId xmlns:a16="http://schemas.microsoft.com/office/drawing/2014/main" id="{307D54D6-B3AE-4AFF-B22C-5EA1A9BB361C}"/>
+              </a:ext>
+            </a:extLst>
+          </p:cNvPr>
+          <p:cNvPicPr>
+            <a:picLocks noChangeAspect="1"/>
+          </p:cNvPicPr>
+          <p:nvPr/>
+        </p:nvPicPr>
+        <p:blipFill>
+          <a:blip r:embed="rId2">
+            <a:extLst>
+              <a:ext uri="{28A0092B-C50C-407E-A947-70E740481C1C}">
+                <a14:useLocalDpi xmlns:a14="http://schemas.microsoft.com/office/drawing/2010/main" val="0"/>
+              </a:ext>
+            </a:extLst>
+          </a:blip>
+          <a:stretch>
+            <a:fillRect/>
+          </a:stretch>
+        </p:blipFill>
+        <p:spPr>
+          <a:xfrm rot="5400000">
+            <a:off x="-366191" y="-2926080"/>
+            <a:ext cx="12924382" cy="12192000"/>
+          </a:xfrm>
+          <a:prstGeom prst="rect">
+            <a:avLst/>
+          </a:prstGeom>
+        </p:spPr>
+      </p:pic>
       <p:sp>
         <p:nvSpPr>
           <p:cNvPr id="2" name="Titel 1"/>
@@ -3369,29 +3412,6 @@
           <a:lstStyle/>
           <a:p>
             <a:endParaRPr lang="de-DE"/>
-          </a:p>
-        </p:txBody>
-      </p:sp>
-      <p:sp>
-        <p:nvSpPr>
-          <p:cNvPr id="4" name="Foliennummernplatzhalter 3"/>
-          <p:cNvSpPr>
-            <a:spLocks noGrp="1"/>
-          </p:cNvSpPr>
-          <p:nvPr>
-            <p:ph type="sldNum" sz="quarter" idx="12"/>
-          </p:nvPr>
-        </p:nvSpPr>
-        <p:spPr/>
-        <p:txBody>
-          <a:bodyPr/>
-          <a:lstStyle/>
-          <a:p>
-            <a:fld id="{57D8F98F-9146-4D48-BD84-43508DAD44DB}" type="slidenum">
-              <a:rPr lang="de-DE" smtClean="0"/>
-              <a:t>1</a:t>
-            </a:fld>
-            <a:endParaRPr lang="de-DE" dirty="0"/>
           </a:p>
         </p:txBody>
       </p:sp>
@@ -3410,7 +3430,7 @@
           <p:nvPr/>
         </p:nvPicPr>
         <p:blipFill>
-          <a:blip r:embed="rId2">
+          <a:blip r:embed="rId3">
             <a:extLst>
               <a:ext uri="{28A0092B-C50C-407E-A947-70E740481C1C}">
                 <a14:useLocalDpi xmlns:a14="http://schemas.microsoft.com/office/drawing/2010/main" val="0"/>
@@ -3441,27 +3461,12 @@
   <p:clrMapOvr>
     <a:masterClrMapping/>
   </p:clrMapOvr>
-  <p:timing>
-    <p:tnLst>
-      <p:par>
-        <p:cTn id="1" dur="indefinite" restart="never" nodeType="tmRoot"/>
-      </p:par>
-    </p:tnLst>
-  </p:timing>
 </p:sld>
 </file>
 
 <file path=ppt/slides/slide10.xml><?xml version="1.0" encoding="utf-8"?>
 <p:sld xmlns:a="http://schemas.openxmlformats.org/drawingml/2006/main" xmlns:r="http://schemas.openxmlformats.org/officeDocument/2006/relationships" xmlns:p="http://schemas.openxmlformats.org/presentationml/2006/main">
   <p:cSld>
-    <p:bg>
-      <p:bgPr>
-        <a:solidFill>
-          <a:srgbClr val="2F3771"/>
-        </a:solidFill>
-        <a:effectLst/>
-      </p:bgPr>
-    </p:bg>
     <p:spTree>
       <p:nvGrpSpPr>
         <p:cNvPr id="1" name=""/>
@@ -3476,6 +3481,42 @@
           <a:chExt cx="0" cy="0"/>
         </a:xfrm>
       </p:grpSpPr>
+      <p:pic>
+        <p:nvPicPr>
+          <p:cNvPr id="7" name="Grafik 6" descr="Ein Bild, das Tier, Licht, Vorhang enthält.&#10;&#10;Automatisch generierte Beschreibung">
+            <a:extLst>
+              <a:ext uri="{FF2B5EF4-FFF2-40B4-BE49-F238E27FC236}">
+                <a16:creationId xmlns:a16="http://schemas.microsoft.com/office/drawing/2014/main" id="{47D5A1BE-BE67-40D5-B101-68BFC3D58051}"/>
+              </a:ext>
+            </a:extLst>
+          </p:cNvPr>
+          <p:cNvPicPr>
+            <a:picLocks noChangeAspect="1"/>
+          </p:cNvPicPr>
+          <p:nvPr/>
+        </p:nvPicPr>
+        <p:blipFill>
+          <a:blip r:embed="rId2">
+            <a:extLst>
+              <a:ext uri="{28A0092B-C50C-407E-A947-70E740481C1C}">
+                <a14:useLocalDpi xmlns:a14="http://schemas.microsoft.com/office/drawing/2010/main" val="0"/>
+              </a:ext>
+            </a:extLst>
+          </a:blip>
+          <a:stretch>
+            <a:fillRect/>
+          </a:stretch>
+        </p:blipFill>
+        <p:spPr>
+          <a:xfrm rot="5400000">
+            <a:off x="-366191" y="-2926080"/>
+            <a:ext cx="12924382" cy="12192000"/>
+          </a:xfrm>
+          <a:prstGeom prst="rect">
+            <a:avLst/>
+          </a:prstGeom>
+        </p:spPr>
+      </p:pic>
       <p:sp>
         <p:nvSpPr>
           <p:cNvPr id="2" name="Titel 1"/>
@@ -3492,18 +3533,72 @@
           <a:lstStyle/>
           <a:p>
             <a:r>
-              <a:rPr lang="de-DE" dirty="0" smtClean="0">
+              <a:rPr lang="de-DE" dirty="0">
                 <a:solidFill>
                   <a:schemeClr val="bg1"/>
                 </a:solidFill>
               </a:rPr>
               <a:t>Game</a:t>
             </a:r>
-            <a:endParaRPr lang="de-DE" dirty="0">
-              <a:solidFill>
-                <a:schemeClr val="bg1"/>
-              </a:solidFill>
-            </a:endParaRPr>
+          </a:p>
+        </p:txBody>
+      </p:sp>
+      <p:sp>
+        <p:nvSpPr>
+          <p:cNvPr id="8" name="Rechteck 7">
+            <a:extLst>
+              <a:ext uri="{FF2B5EF4-FFF2-40B4-BE49-F238E27FC236}">
+                <a16:creationId xmlns:a16="http://schemas.microsoft.com/office/drawing/2014/main" id="{39782BD2-6844-406D-B26A-BB2AEDE27F01}"/>
+              </a:ext>
+            </a:extLst>
+          </p:cNvPr>
+          <p:cNvSpPr/>
+          <p:nvPr/>
+        </p:nvSpPr>
+        <p:spPr>
+          <a:xfrm>
+            <a:off x="10778400" y="6101080"/>
+            <a:ext cx="670560" cy="2123440"/>
+          </a:xfrm>
+          <a:prstGeom prst="rect">
+            <a:avLst/>
+          </a:prstGeom>
+          <a:solidFill>
+            <a:srgbClr val="C00000"/>
+          </a:solidFill>
+          <a:ln>
+            <a:noFill/>
+          </a:ln>
+          <a:effectLst>
+            <a:outerShdw blurRad="50800" dist="38100" dir="2700000" algn="tl" rotWithShape="0">
+              <a:prstClr val="black">
+                <a:alpha val="40000"/>
+              </a:prstClr>
+            </a:outerShdw>
+          </a:effectLst>
+        </p:spPr>
+        <p:style>
+          <a:lnRef idx="2">
+            <a:schemeClr val="accent1">
+              <a:shade val="50000"/>
+            </a:schemeClr>
+          </a:lnRef>
+          <a:fillRef idx="1">
+            <a:schemeClr val="accent1"/>
+          </a:fillRef>
+          <a:effectRef idx="0">
+            <a:schemeClr val="accent1"/>
+          </a:effectRef>
+          <a:fontRef idx="minor">
+            <a:schemeClr val="lt1"/>
+          </a:fontRef>
+        </p:style>
+        <p:txBody>
+          <a:bodyPr rtlCol="0" anchor="ctr"/>
+          <a:lstStyle/>
+          <a:p>
+            <a:pPr algn="ctr"/>
+            <a:endParaRPr lang="de-DE"/>
           </a:p>
         </p:txBody>
       </p:sp>
@@ -3524,7 +3619,7 @@
           <a:p>
             <a:fld id="{57D8F98F-9146-4D48-BD84-43508DAD44DB}" type="slidenum">
               <a:rPr lang="de-DE" smtClean="0"/>
-              <a:t>10</a:t>
+              <a:t>9</a:t>
             </a:fld>
             <a:endParaRPr lang="de-DE"/>
           </a:p>
@@ -3548,7 +3643,7 @@
           <a:lstStyle/>
           <a:p>
             <a:r>
-              <a:rPr lang="de-DE" sz="3600" dirty="0" smtClean="0">
+              <a:rPr lang="de-DE" sz="3600" dirty="0">
                 <a:solidFill>
                   <a:schemeClr val="bg1"/>
                 </a:solidFill>
@@ -3636,7 +3731,7 @@
               <a:t>: </a:t>
             </a:r>
             <a:r>
-              <a:rPr lang="de-DE" sz="3600" dirty="0" err="1" smtClean="0">
+              <a:rPr lang="de-DE" sz="3600" dirty="0" err="1">
                 <a:solidFill>
                   <a:schemeClr val="bg1"/>
                 </a:solidFill>
@@ -3653,7 +3748,7 @@
           </a:p>
           <a:p>
             <a:r>
-              <a:rPr lang="de-DE" sz="3600" dirty="0" smtClean="0">
+              <a:rPr lang="de-DE" sz="3600" dirty="0">
                 <a:solidFill>
                   <a:schemeClr val="bg1"/>
                 </a:solidFill>
@@ -3667,7 +3762,7 @@
               <a:buNone/>
             </a:pPr>
             <a:r>
-              <a:rPr lang="de-DE" sz="3600" dirty="0" smtClean="0">
+              <a:rPr lang="de-DE" sz="3600" dirty="0">
                 <a:solidFill>
                   <a:schemeClr val="bg1"/>
                 </a:solidFill>
@@ -3676,7 +3771,7 @@
               <a:t></a:t>
             </a:r>
             <a:r>
-              <a:rPr lang="de-DE" sz="3600" dirty="0" err="1" smtClean="0">
+              <a:rPr lang="de-DE" sz="3600" dirty="0" err="1">
                 <a:solidFill>
                   <a:schemeClr val="bg1"/>
                 </a:solidFill>
@@ -3685,7 +3780,7 @@
               <a:t>getCurquestion</a:t>
             </a:r>
             <a:r>
-              <a:rPr lang="de-DE" sz="3600" dirty="0" smtClean="0">
+              <a:rPr lang="de-DE" sz="3600" dirty="0">
                 <a:solidFill>
                   <a:schemeClr val="bg1"/>
                 </a:solidFill>
@@ -3694,7 +3789,7 @@
               <a:t>(): </a:t>
             </a:r>
             <a:r>
-              <a:rPr lang="de-DE" sz="3600" dirty="0" err="1" smtClean="0">
+              <a:rPr lang="de-DE" sz="3600" dirty="0" err="1">
                 <a:solidFill>
                   <a:schemeClr val="bg1"/>
                 </a:solidFill>
@@ -3703,7 +3798,7 @@
               <a:t>Question</a:t>
             </a:r>
             <a:r>
-              <a:rPr lang="de-DE" sz="3600" dirty="0" smtClean="0">
+              <a:rPr lang="de-DE" sz="3600" dirty="0">
                 <a:solidFill>
                   <a:schemeClr val="bg1"/>
                 </a:solidFill>
@@ -3711,19 +3806,13 @@
               </a:rPr>
               <a:t>*</a:t>
             </a:r>
-            <a:endParaRPr lang="de-DE" sz="3600" dirty="0">
-              <a:solidFill>
-                <a:schemeClr val="bg1"/>
-              </a:solidFill>
-              <a:sym typeface="Wingdings" panose="05000000000000000000" pitchFamily="2" charset="2"/>
-            </a:endParaRPr>
           </a:p>
           <a:p>
             <a:pPr marL="457200" lvl="1" indent="0">
               <a:buNone/>
             </a:pPr>
             <a:r>
-              <a:rPr lang="de-DE" sz="3600" dirty="0" smtClean="0">
+              <a:rPr lang="de-DE" sz="3600" dirty="0">
                 <a:solidFill>
                   <a:schemeClr val="bg1"/>
                 </a:solidFill>
@@ -3732,7 +3821,7 @@
               <a:t></a:t>
             </a:r>
             <a:r>
-              <a:rPr lang="de-DE" sz="3600" dirty="0" err="1" smtClean="0">
+              <a:rPr lang="de-DE" sz="3600" dirty="0" err="1">
                 <a:solidFill>
                   <a:schemeClr val="bg1"/>
                 </a:solidFill>
@@ -3741,7 +3830,7 @@
               <a:t>evaluateAnswer</a:t>
             </a:r>
             <a:r>
-              <a:rPr lang="de-DE" sz="3600" dirty="0" smtClean="0">
+              <a:rPr lang="de-DE" sz="3600" dirty="0">
                 <a:solidFill>
                   <a:schemeClr val="bg1"/>
                 </a:solidFill>
@@ -3755,7 +3844,7 @@
               <a:buNone/>
             </a:pPr>
             <a:r>
-              <a:rPr lang="de-DE" sz="3600" dirty="0" smtClean="0">
+              <a:rPr lang="de-DE" sz="3600" dirty="0">
                 <a:solidFill>
                   <a:schemeClr val="bg1"/>
                 </a:solidFill>
@@ -3764,7 +3853,7 @@
               <a:t></a:t>
             </a:r>
             <a:r>
-              <a:rPr lang="de-DE" sz="3600" dirty="0" err="1" smtClean="0">
+              <a:rPr lang="de-DE" sz="3600" dirty="0" err="1">
                 <a:solidFill>
                   <a:schemeClr val="bg1"/>
                 </a:solidFill>
@@ -3773,7 +3862,7 @@
               <a:t>startNewGame</a:t>
             </a:r>
             <a:r>
-              <a:rPr lang="de-DE" sz="3600" dirty="0" smtClean="0">
+              <a:rPr lang="de-DE" sz="3600" dirty="0">
                 <a:solidFill>
                   <a:schemeClr val="bg1"/>
                 </a:solidFill>
@@ -3781,7 +3870,7 @@
               </a:rPr>
               <a:t>(): Game*</a:t>
             </a:r>
-            <a:endParaRPr lang="de-DE" sz="3600" dirty="0" smtClean="0">
+            <a:endParaRPr lang="de-DE" sz="3600" dirty="0">
               <a:solidFill>
                 <a:schemeClr val="bg1"/>
               </a:solidFill>
@@ -3799,27 +3888,12 @@
   <p:clrMapOvr>
     <a:masterClrMapping/>
   </p:clrMapOvr>
-  <p:timing>
-    <p:tnLst>
-      <p:par>
-        <p:cTn id="1" dur="indefinite" restart="never" nodeType="tmRoot"/>
-      </p:par>
-    </p:tnLst>
-  </p:timing>
 </p:sld>
 </file>
 
 <file path=ppt/slides/slide11.xml><?xml version="1.0" encoding="utf-8"?>
 <p:sld xmlns:a="http://schemas.openxmlformats.org/drawingml/2006/main" xmlns:r="http://schemas.openxmlformats.org/officeDocument/2006/relationships" xmlns:p="http://schemas.openxmlformats.org/presentationml/2006/main">
   <p:cSld>
-    <p:bg>
-      <p:bgPr>
-        <a:solidFill>
-          <a:srgbClr val="2F3771"/>
-        </a:solidFill>
-        <a:effectLst/>
-      </p:bgPr>
-    </p:bg>
     <p:spTree>
       <p:nvGrpSpPr>
         <p:cNvPr id="1" name=""/>
@@ -3834,6 +3908,42 @@
           <a:chExt cx="0" cy="0"/>
         </a:xfrm>
       </p:grpSpPr>
+      <p:pic>
+        <p:nvPicPr>
+          <p:cNvPr id="7" name="Grafik 6" descr="Ein Bild, das Tier, Licht, Vorhang enthält.&#10;&#10;Automatisch generierte Beschreibung">
+            <a:extLst>
+              <a:ext uri="{FF2B5EF4-FFF2-40B4-BE49-F238E27FC236}">
+                <a16:creationId xmlns:a16="http://schemas.microsoft.com/office/drawing/2014/main" id="{47D5A1BE-BE67-40D5-B101-68BFC3D58051}"/>
+              </a:ext>
+            </a:extLst>
+          </p:cNvPr>
+          <p:cNvPicPr>
+            <a:picLocks noChangeAspect="1"/>
+          </p:cNvPicPr>
+          <p:nvPr/>
+        </p:nvPicPr>
+        <p:blipFill>
+          <a:blip r:embed="rId2">
+            <a:extLst>
+              <a:ext uri="{28A0092B-C50C-407E-A947-70E740481C1C}">
+                <a14:useLocalDpi xmlns:a14="http://schemas.microsoft.com/office/drawing/2010/main" val="0"/>
+              </a:ext>
+            </a:extLst>
+          </a:blip>
+          <a:stretch>
+            <a:fillRect/>
+          </a:stretch>
+        </p:blipFill>
+        <p:spPr>
+          <a:xfrm rot="5400000">
+            <a:off x="-366191" y="-2926080"/>
+            <a:ext cx="12924382" cy="12192000"/>
+          </a:xfrm>
+          <a:prstGeom prst="rect">
+            <a:avLst/>
+          </a:prstGeom>
+        </p:spPr>
+      </p:pic>
       <p:sp>
         <p:nvSpPr>
           <p:cNvPr id="2" name="Titel 1"/>
@@ -3850,76 +3960,182 @@
           <a:lstStyle/>
           <a:p>
             <a:r>
-              <a:rPr lang="de-DE" dirty="0" err="1" smtClean="0">
+              <a:rPr lang="de-DE" dirty="0">
                 <a:solidFill>
                   <a:schemeClr val="bg1"/>
                 </a:solidFill>
               </a:rPr>
               <a:t>Question</a:t>
             </a:r>
-            <a:endParaRPr lang="de-DE" dirty="0">
+          </a:p>
+        </p:txBody>
+      </p:sp>
+      <p:sp>
+        <p:nvSpPr>
+          <p:cNvPr id="8" name="Rechteck 7">
+            <a:extLst>
+              <a:ext uri="{FF2B5EF4-FFF2-40B4-BE49-F238E27FC236}">
+                <a16:creationId xmlns:a16="http://schemas.microsoft.com/office/drawing/2014/main" id="{39782BD2-6844-406D-B26A-BB2AEDE27F01}"/>
+              </a:ext>
+            </a:extLst>
+          </p:cNvPr>
+          <p:cNvSpPr/>
+          <p:nvPr/>
+        </p:nvSpPr>
+        <p:spPr>
+          <a:xfrm>
+            <a:off x="10778400" y="6101080"/>
+            <a:ext cx="670560" cy="2123440"/>
+          </a:xfrm>
+          <a:prstGeom prst="rect">
+            <a:avLst/>
+          </a:prstGeom>
+          <a:solidFill>
+            <a:srgbClr val="C00000"/>
+          </a:solidFill>
+          <a:ln>
+            <a:noFill/>
+          </a:ln>
+          <a:effectLst>
+            <a:outerShdw blurRad="50800" dist="38100" dir="2700000" algn="tl" rotWithShape="0">
+              <a:prstClr val="black">
+                <a:alpha val="40000"/>
+              </a:prstClr>
+            </a:outerShdw>
+          </a:effectLst>
+        </p:spPr>
+        <p:style>
+          <a:lnRef idx="2">
+            <a:schemeClr val="accent1">
+              <a:shade val="50000"/>
+            </a:schemeClr>
+          </a:lnRef>
+          <a:fillRef idx="1">
+            <a:schemeClr val="accent1"/>
+          </a:fillRef>
+          <a:effectRef idx="0">
+            <a:schemeClr val="accent1"/>
+          </a:effectRef>
+          <a:fontRef idx="minor">
+            <a:schemeClr val="lt1"/>
+          </a:fontRef>
+        </p:style>
+        <p:txBody>
+          <a:bodyPr rtlCol="0" anchor="ctr"/>
+          <a:lstStyle/>
+          <a:p>
+            <a:pPr algn="ctr"/>
+            <a:endParaRPr lang="de-DE"/>
+          </a:p>
+        </p:txBody>
+      </p:sp>
+      <p:sp>
+        <p:nvSpPr>
+          <p:cNvPr id="6" name="Foliennummernplatzhalter 5"/>
+          <p:cNvSpPr>
+            <a:spLocks noGrp="1"/>
+          </p:cNvSpPr>
+          <p:nvPr>
+            <p:ph type="sldNum" sz="quarter" idx="12"/>
+          </p:nvPr>
+        </p:nvSpPr>
+        <p:spPr/>
+        <p:txBody>
+          <a:bodyPr/>
+          <a:lstStyle/>
+          <a:p>
+            <a:fld id="{57D8F98F-9146-4D48-BD84-43508DAD44DB}" type="slidenum">
+              <a:rPr lang="de-DE" smtClean="0"/>
+              <a:t>10</a:t>
+            </a:fld>
+            <a:endParaRPr lang="de-DE"/>
+          </a:p>
+        </p:txBody>
+      </p:sp>
+      <p:sp>
+        <p:nvSpPr>
+          <p:cNvPr id="4" name="Inhaltsplatzhalter 3">
+            <a:extLst>
+              <a:ext uri="{FF2B5EF4-FFF2-40B4-BE49-F238E27FC236}">
+                <a16:creationId xmlns:a16="http://schemas.microsoft.com/office/drawing/2014/main" id="{5FE1F516-DAF8-4943-B263-D1A733BE3523}"/>
+              </a:ext>
+            </a:extLst>
+          </p:cNvPr>
+          <p:cNvSpPr>
+            <a:spLocks noGrp="1"/>
+          </p:cNvSpPr>
+          <p:nvPr>
+            <p:ph idx="1"/>
+          </p:nvPr>
+        </p:nvSpPr>
+        <p:spPr/>
+        <p:txBody>
+          <a:bodyPr>
+            <a:normAutofit lnSpcReduction="10000"/>
+          </a:bodyPr>
+          <a:lstStyle/>
+          <a:p>
+            <a:r>
+              <a:rPr lang="de-DE" sz="3600" dirty="0">
+                <a:solidFill>
+                  <a:schemeClr val="bg1"/>
+                </a:solidFill>
+              </a:rPr>
+              <a:t>Attribute:</a:t>
+            </a:r>
+          </a:p>
+          <a:p>
+            <a:pPr marL="457200" lvl="1" indent="0">
+              <a:buNone/>
+            </a:pPr>
+            <a:r>
+              <a:rPr lang="de-DE" sz="3600" dirty="0">
+                <a:solidFill>
+                  <a:schemeClr val="bg1"/>
+                </a:solidFill>
+                <a:sym typeface="Wingdings" panose="05000000000000000000" pitchFamily="2" charset="2"/>
+              </a:rPr>
+              <a:t></a:t>
+            </a:r>
+            <a:r>
+              <a:rPr lang="de-DE" sz="3600" dirty="0" err="1">
+                <a:solidFill>
+                  <a:schemeClr val="bg1"/>
+                </a:solidFill>
+                <a:sym typeface="Wingdings" panose="05000000000000000000" pitchFamily="2" charset="2"/>
+              </a:rPr>
+              <a:t>question</a:t>
+            </a:r>
+            <a:r>
+              <a:rPr lang="de-DE" sz="3600" dirty="0">
+                <a:solidFill>
+                  <a:schemeClr val="bg1"/>
+                </a:solidFill>
+                <a:sym typeface="Wingdings" panose="05000000000000000000" pitchFamily="2" charset="2"/>
+              </a:rPr>
+              <a:t>: </a:t>
+            </a:r>
+            <a:r>
+              <a:rPr lang="de-DE" sz="3600" dirty="0" err="1">
+                <a:solidFill>
+                  <a:schemeClr val="bg1"/>
+                </a:solidFill>
+                <a:sym typeface="Wingdings" panose="05000000000000000000" pitchFamily="2" charset="2"/>
+              </a:rPr>
+              <a:t>string</a:t>
+            </a:r>
+            <a:endParaRPr lang="de-DE" sz="3600" dirty="0">
               <a:solidFill>
                 <a:schemeClr val="bg1"/>
               </a:solidFill>
             </a:endParaRPr>
           </a:p>
-        </p:txBody>
-      </p:sp>
-      <p:sp>
-        <p:nvSpPr>
-          <p:cNvPr id="6" name="Foliennummernplatzhalter 5"/>
-          <p:cNvSpPr>
-            <a:spLocks noGrp="1"/>
-          </p:cNvSpPr>
-          <p:nvPr>
-            <p:ph type="sldNum" sz="quarter" idx="12"/>
-          </p:nvPr>
-        </p:nvSpPr>
-        <p:spPr/>
-        <p:txBody>
-          <a:bodyPr/>
-          <a:lstStyle/>
-          <a:p>
-            <a:fld id="{57D8F98F-9146-4D48-BD84-43508DAD44DB}" type="slidenum">
-              <a:rPr lang="de-DE" smtClean="0"/>
-              <a:t>11</a:t>
-            </a:fld>
-            <a:endParaRPr lang="de-DE"/>
-          </a:p>
-        </p:txBody>
-      </p:sp>
-      <p:sp>
-        <p:nvSpPr>
-          <p:cNvPr id="5" name="Inhaltsplatzhalter 4"/>
-          <p:cNvSpPr>
-            <a:spLocks noGrp="1"/>
-          </p:cNvSpPr>
-          <p:nvPr>
-            <p:ph idx="1"/>
-          </p:nvPr>
-        </p:nvSpPr>
-        <p:spPr/>
-        <p:txBody>
-          <a:bodyPr>
-            <a:noAutofit/>
-          </a:bodyPr>
-          <a:lstStyle/>
-          <a:p>
-            <a:r>
-              <a:rPr lang="de-DE" sz="3600" dirty="0" smtClean="0">
-                <a:solidFill>
-                  <a:schemeClr val="bg1"/>
-                </a:solidFill>
-              </a:rPr>
-              <a:t>Attribute:</a:t>
-            </a:r>
-          </a:p>
           <a:p>
             <a:pPr marL="457200" lvl="1" indent="0">
               <a:buNone/>
             </a:pPr>
             <a:r>
-              <a:rPr lang="de-DE" sz="3600" dirty="0" smtClean="0">
+              <a:rPr lang="de-DE" sz="3600" dirty="0">
                 <a:solidFill>
                   <a:schemeClr val="bg1"/>
                 </a:solidFill>
@@ -3928,16 +4144,16 @@
               <a:t></a:t>
             </a:r>
             <a:r>
-              <a:rPr lang="de-DE" sz="3600" dirty="0" err="1" smtClean="0">
+              <a:rPr lang="de-DE" sz="3600" dirty="0" err="1">
                 <a:solidFill>
                   <a:schemeClr val="bg1"/>
                 </a:solidFill>
                 <a:sym typeface="Wingdings" panose="05000000000000000000" pitchFamily="2" charset="2"/>
               </a:rPr>
-              <a:t>question</a:t>
-            </a:r>
-            <a:r>
-              <a:rPr lang="de-DE" sz="3600" dirty="0" smtClean="0">
+              <a:t>answereA</a:t>
+            </a:r>
+            <a:r>
+              <a:rPr lang="de-DE" sz="3600" dirty="0">
                 <a:solidFill>
                   <a:schemeClr val="bg1"/>
                 </a:solidFill>
@@ -3946,26 +4162,45 @@
               <a:t>: </a:t>
             </a:r>
             <a:r>
-              <a:rPr lang="de-DE" sz="3600" dirty="0" err="1" smtClean="0">
+              <a:rPr lang="de-DE" sz="3600" dirty="0" err="1">
                 <a:solidFill>
                   <a:schemeClr val="bg1"/>
                 </a:solidFill>
                 <a:sym typeface="Wingdings" panose="05000000000000000000" pitchFamily="2" charset="2"/>
               </a:rPr>
-              <a:t>string</a:t>
-            </a:r>
-            <a:endParaRPr lang="de-DE" sz="3600" dirty="0" smtClean="0">
+              <a:t>Answere</a:t>
+            </a:r>
+            <a:r>
+              <a:rPr lang="de-DE" sz="3600" dirty="0">
+                <a:solidFill>
+                  <a:schemeClr val="bg1"/>
+                </a:solidFill>
+                <a:sym typeface="Wingdings" panose="05000000000000000000" pitchFamily="2" charset="2"/>
+              </a:rPr>
+              <a:t>*</a:t>
+            </a:r>
+            <a:endParaRPr lang="de-DE" sz="3600" dirty="0">
               <a:solidFill>
                 <a:schemeClr val="bg1"/>
               </a:solidFill>
             </a:endParaRPr>
           </a:p>
           <a:p>
+            <a:r>
+              <a:rPr lang="de-DE" sz="3600" dirty="0">
+                <a:solidFill>
+                  <a:schemeClr val="bg1"/>
+                </a:solidFill>
+              </a:rPr>
+              <a:t>Methoden:</a:t>
+            </a:r>
+          </a:p>
+          <a:p>
             <a:pPr marL="457200" lvl="1" indent="0">
               <a:buNone/>
             </a:pPr>
             <a:r>
-              <a:rPr lang="de-DE" sz="3600" dirty="0" smtClean="0">
+              <a:rPr lang="de-DE" sz="3600" dirty="0">
                 <a:solidFill>
                   <a:schemeClr val="bg1"/>
                 </a:solidFill>
@@ -3974,55 +4209,22 @@
               <a:t></a:t>
             </a:r>
             <a:r>
-              <a:rPr lang="de-DE" sz="3600" dirty="0" err="1" smtClean="0">
+              <a:rPr lang="de-DE" sz="3600" dirty="0" err="1">
                 <a:solidFill>
                   <a:schemeClr val="bg1"/>
                 </a:solidFill>
                 <a:sym typeface="Wingdings" panose="05000000000000000000" pitchFamily="2" charset="2"/>
               </a:rPr>
-              <a:t>answereA</a:t>
-            </a:r>
-            <a:r>
-              <a:rPr lang="de-DE" sz="3600" dirty="0" smtClean="0">
+              <a:t>getQuestion</a:t>
+            </a:r>
+            <a:r>
+              <a:rPr lang="de-DE" sz="3600" dirty="0">
                 <a:solidFill>
                   <a:schemeClr val="bg1"/>
                 </a:solidFill>
                 <a:sym typeface="Wingdings" panose="05000000000000000000" pitchFamily="2" charset="2"/>
               </a:rPr>
-              <a:t>: </a:t>
-            </a:r>
-            <a:r>
-              <a:rPr lang="de-DE" sz="3600" dirty="0" err="1" smtClean="0">
-                <a:solidFill>
-                  <a:schemeClr val="bg1"/>
-                </a:solidFill>
-                <a:sym typeface="Wingdings" panose="05000000000000000000" pitchFamily="2" charset="2"/>
-              </a:rPr>
-              <a:t>Answere</a:t>
-            </a:r>
-            <a:r>
-              <a:rPr lang="de-DE" sz="3600" dirty="0" smtClean="0">
-                <a:solidFill>
-                  <a:schemeClr val="bg1"/>
-                </a:solidFill>
-                <a:sym typeface="Wingdings" panose="05000000000000000000" pitchFamily="2" charset="2"/>
-              </a:rPr>
-              <a:t>*</a:t>
-            </a:r>
-            <a:endParaRPr lang="de-DE" sz="3600" dirty="0" smtClean="0">
-              <a:solidFill>
-                <a:schemeClr val="bg1"/>
-              </a:solidFill>
-            </a:endParaRPr>
-          </a:p>
-          <a:p>
-            <a:r>
-              <a:rPr lang="de-DE" sz="3600" dirty="0" smtClean="0">
-                <a:solidFill>
-                  <a:schemeClr val="bg1"/>
-                </a:solidFill>
-              </a:rPr>
-              <a:t>Methoden:</a:t>
+              <a:t>()</a:t>
             </a:r>
           </a:p>
           <a:p>
@@ -4030,7 +4232,7 @@
               <a:buNone/>
             </a:pPr>
             <a:r>
-              <a:rPr lang="de-DE" sz="3600" dirty="0" smtClean="0">
+              <a:rPr lang="de-DE" sz="3600" dirty="0">
                 <a:solidFill>
                   <a:schemeClr val="bg1"/>
                 </a:solidFill>
@@ -4039,16 +4241,16 @@
               <a:t></a:t>
             </a:r>
             <a:r>
-              <a:rPr lang="de-DE" sz="3600" dirty="0" err="1" smtClean="0">
+              <a:rPr lang="de-DE" sz="3600" dirty="0" err="1">
                 <a:solidFill>
                   <a:schemeClr val="bg1"/>
                 </a:solidFill>
                 <a:sym typeface="Wingdings" panose="05000000000000000000" pitchFamily="2" charset="2"/>
               </a:rPr>
-              <a:t>getQuestion</a:t>
-            </a:r>
-            <a:r>
-              <a:rPr lang="de-DE" sz="3600" dirty="0" smtClean="0">
+              <a:t>getAnswereA</a:t>
+            </a:r>
+            <a:r>
+              <a:rPr lang="de-DE" sz="3600" dirty="0">
                 <a:solidFill>
                   <a:schemeClr val="bg1"/>
                 </a:solidFill>
@@ -4062,7 +4264,7 @@
               <a:buNone/>
             </a:pPr>
             <a:r>
-              <a:rPr lang="de-DE" sz="3600" dirty="0" smtClean="0">
+              <a:rPr lang="de-DE" sz="3600" dirty="0">
                 <a:solidFill>
                   <a:schemeClr val="bg1"/>
                 </a:solidFill>
@@ -4071,22 +4273,22 @@
               <a:t></a:t>
             </a:r>
             <a:r>
-              <a:rPr lang="de-DE" sz="3600" dirty="0" err="1" smtClean="0">
+              <a:rPr lang="de-DE" sz="3600" dirty="0" err="1">
                 <a:solidFill>
                   <a:schemeClr val="bg1"/>
                 </a:solidFill>
                 <a:sym typeface="Wingdings" panose="05000000000000000000" pitchFamily="2" charset="2"/>
               </a:rPr>
-              <a:t>getAnswereA</a:t>
-            </a:r>
-            <a:r>
-              <a:rPr lang="de-DE" sz="3600" dirty="0" smtClean="0">
+              <a:t>pullNewQuestion</a:t>
+            </a:r>
+            <a:r>
+              <a:rPr lang="de-DE" sz="3600" dirty="0">
                 <a:solidFill>
                   <a:schemeClr val="bg1"/>
                 </a:solidFill>
                 <a:sym typeface="Wingdings" panose="05000000000000000000" pitchFamily="2" charset="2"/>
               </a:rPr>
-              <a:t>()</a:t>
+              <a:t>(): Question*</a:t>
             </a:r>
           </a:p>
           <a:p>
@@ -4094,113 +4296,36 @@
               <a:buNone/>
             </a:pPr>
             <a:r>
-              <a:rPr lang="de-DE" sz="3600" dirty="0" smtClean="0">
+              <a:rPr lang="de-DE" sz="3600" dirty="0">
                 <a:solidFill>
                   <a:schemeClr val="bg1"/>
                 </a:solidFill>
                 <a:sym typeface="Wingdings" panose="05000000000000000000" pitchFamily="2" charset="2"/>
               </a:rPr>
-              <a:t></a:t>
-            </a:r>
-            <a:r>
-              <a:rPr lang="de-DE" sz="3600" dirty="0" err="1" smtClean="0">
-                <a:solidFill>
-                  <a:schemeClr val="bg1"/>
-                </a:solidFill>
-                <a:sym typeface="Wingdings" panose="05000000000000000000" pitchFamily="2" charset="2"/>
-              </a:rPr>
-              <a:t>pullNewQuestion</a:t>
-            </a:r>
-            <a:r>
-              <a:rPr lang="de-DE" sz="3600" dirty="0" smtClean="0">
-                <a:solidFill>
-                  <a:schemeClr val="bg1"/>
-                </a:solidFill>
-                <a:sym typeface="Wingdings" panose="05000000000000000000" pitchFamily="2" charset="2"/>
-              </a:rPr>
-              <a:t>(): </a:t>
-            </a:r>
-            <a:r>
-              <a:rPr lang="de-DE" sz="3600" dirty="0" err="1" smtClean="0">
-                <a:solidFill>
-                  <a:schemeClr val="bg1"/>
-                </a:solidFill>
-                <a:sym typeface="Wingdings" panose="05000000000000000000" pitchFamily="2" charset="2"/>
-              </a:rPr>
-              <a:t>Question</a:t>
-            </a:r>
-            <a:r>
-              <a:rPr lang="de-DE" sz="3600" dirty="0" smtClean="0">
-                <a:solidFill>
-                  <a:schemeClr val="bg1"/>
-                </a:solidFill>
-                <a:sym typeface="Wingdings" panose="05000000000000000000" pitchFamily="2" charset="2"/>
-              </a:rPr>
-              <a:t>*</a:t>
-            </a:r>
-          </a:p>
-          <a:p>
-            <a:pPr marL="457200" lvl="1" indent="0">
-              <a:buNone/>
-            </a:pPr>
-            <a:r>
-              <a:rPr lang="de-DE" sz="3600" dirty="0">
-                <a:solidFill>
-                  <a:schemeClr val="bg1"/>
-                </a:solidFill>
-                <a:sym typeface="Wingdings" panose="05000000000000000000" pitchFamily="2" charset="2"/>
-              </a:rPr>
-              <a:t>	</a:t>
-            </a:r>
-            <a:r>
-              <a:rPr lang="de-DE" sz="3600" dirty="0" smtClean="0">
-                <a:solidFill>
-                  <a:schemeClr val="bg1"/>
-                </a:solidFill>
-                <a:sym typeface="Wingdings" panose="05000000000000000000" pitchFamily="2" charset="2"/>
-              </a:rPr>
-              <a:t>CSV-Reader</a:t>
-            </a:r>
-            <a:endParaRPr lang="de-DE" sz="3600" dirty="0" smtClean="0">
-              <a:solidFill>
-                <a:schemeClr val="bg1"/>
-              </a:solidFill>
-              <a:sym typeface="Wingdings" panose="05000000000000000000" pitchFamily="2" charset="2"/>
-            </a:endParaRPr>
+              <a:t>	CSV-Reader</a:t>
+            </a:r>
+          </a:p>
+          <a:p>
+            <a:endParaRPr lang="de-DE" dirty="0"/>
           </a:p>
         </p:txBody>
       </p:sp>
     </p:spTree>
     <p:extLst>
       <p:ext uri="{BB962C8B-B14F-4D97-AF65-F5344CB8AC3E}">
-        <p14:creationId xmlns:p14="http://schemas.microsoft.com/office/powerpoint/2010/main" val="3979477493"/>
+        <p14:creationId xmlns:p14="http://schemas.microsoft.com/office/powerpoint/2010/main" val="632129260"/>
       </p:ext>
     </p:extLst>
   </p:cSld>
   <p:clrMapOvr>
     <a:masterClrMapping/>
   </p:clrMapOvr>
-  <p:timing>
-    <p:tnLst>
-      <p:par>
-        <p:cTn id="1" dur="indefinite" restart="never" nodeType="tmRoot"/>
-      </p:par>
-    </p:tnLst>
-  </p:timing>
 </p:sld>
 </file>
 
 <file path=ppt/slides/slide12.xml><?xml version="1.0" encoding="utf-8"?>
 <p:sld xmlns:a="http://schemas.openxmlformats.org/drawingml/2006/main" xmlns:r="http://schemas.openxmlformats.org/officeDocument/2006/relationships" xmlns:p="http://schemas.openxmlformats.org/presentationml/2006/main">
   <p:cSld>
-    <p:bg>
-      <p:bgPr>
-        <a:solidFill>
-          <a:srgbClr val="2F3771"/>
-        </a:solidFill>
-        <a:effectLst/>
-      </p:bgPr>
-    </p:bg>
     <p:spTree>
       <p:nvGrpSpPr>
         <p:cNvPr id="1" name=""/>
@@ -4215,6 +4340,42 @@
           <a:chExt cx="0" cy="0"/>
         </a:xfrm>
       </p:grpSpPr>
+      <p:pic>
+        <p:nvPicPr>
+          <p:cNvPr id="7" name="Grafik 6" descr="Ein Bild, das Tier, Licht, Vorhang enthält.&#10;&#10;Automatisch generierte Beschreibung">
+            <a:extLst>
+              <a:ext uri="{FF2B5EF4-FFF2-40B4-BE49-F238E27FC236}">
+                <a16:creationId xmlns:a16="http://schemas.microsoft.com/office/drawing/2014/main" id="{47D5A1BE-BE67-40D5-B101-68BFC3D58051}"/>
+              </a:ext>
+            </a:extLst>
+          </p:cNvPr>
+          <p:cNvPicPr>
+            <a:picLocks noChangeAspect="1"/>
+          </p:cNvPicPr>
+          <p:nvPr/>
+        </p:nvPicPr>
+        <p:blipFill>
+          <a:blip r:embed="rId2">
+            <a:extLst>
+              <a:ext uri="{28A0092B-C50C-407E-A947-70E740481C1C}">
+                <a14:useLocalDpi xmlns:a14="http://schemas.microsoft.com/office/drawing/2010/main" val="0"/>
+              </a:ext>
+            </a:extLst>
+          </a:blip>
+          <a:stretch>
+            <a:fillRect/>
+          </a:stretch>
+        </p:blipFill>
+        <p:spPr>
+          <a:xfrm rot="5400000">
+            <a:off x="-366191" y="-2926080"/>
+            <a:ext cx="12924382" cy="12192000"/>
+          </a:xfrm>
+          <a:prstGeom prst="rect">
+            <a:avLst/>
+          </a:prstGeom>
+        </p:spPr>
+      </p:pic>
       <p:sp>
         <p:nvSpPr>
           <p:cNvPr id="2" name="Titel 1"/>
@@ -4236,14 +4397,102 @@
                   <a:schemeClr val="bg1"/>
                 </a:solidFill>
               </a:rPr>
-              <a:t>Ausblick</a:t>
-            </a:r>
-          </a:p>
-        </p:txBody>
-      </p:sp>
-      <p:sp>
-        <p:nvSpPr>
-          <p:cNvPr id="3" name="Inhaltsplatzhalter 2"/>
+              <a:t>CSV-Reader</a:t>
+            </a:r>
+          </a:p>
+        </p:txBody>
+      </p:sp>
+      <p:sp>
+        <p:nvSpPr>
+          <p:cNvPr id="8" name="Rechteck 7">
+            <a:extLst>
+              <a:ext uri="{FF2B5EF4-FFF2-40B4-BE49-F238E27FC236}">
+                <a16:creationId xmlns:a16="http://schemas.microsoft.com/office/drawing/2014/main" id="{39782BD2-6844-406D-B26A-BB2AEDE27F01}"/>
+              </a:ext>
+            </a:extLst>
+          </p:cNvPr>
+          <p:cNvSpPr/>
+          <p:nvPr/>
+        </p:nvSpPr>
+        <p:spPr>
+          <a:xfrm>
+            <a:off x="10778400" y="6101080"/>
+            <a:ext cx="670560" cy="2123440"/>
+          </a:xfrm>
+          <a:prstGeom prst="rect">
+            <a:avLst/>
+          </a:prstGeom>
+          <a:solidFill>
+            <a:srgbClr val="C00000"/>
+          </a:solidFill>
+          <a:ln>
+            <a:noFill/>
+          </a:ln>
+          <a:effectLst>
+            <a:outerShdw blurRad="50800" dist="38100" dir="2700000" algn="tl" rotWithShape="0">
+              <a:prstClr val="black">
+                <a:alpha val="40000"/>
+              </a:prstClr>
+            </a:outerShdw>
+          </a:effectLst>
+        </p:spPr>
+        <p:style>
+          <a:lnRef idx="2">
+            <a:schemeClr val="accent1">
+              <a:shade val="50000"/>
+            </a:schemeClr>
+          </a:lnRef>
+          <a:fillRef idx="1">
+            <a:schemeClr val="accent1"/>
+          </a:fillRef>
+          <a:effectRef idx="0">
+            <a:schemeClr val="accent1"/>
+          </a:effectRef>
+          <a:fontRef idx="minor">
+            <a:schemeClr val="lt1"/>
+          </a:fontRef>
+        </p:style>
+        <p:txBody>
+          <a:bodyPr rtlCol="0" anchor="ctr"/>
+          <a:lstStyle/>
+          <a:p>
+            <a:pPr algn="ctr"/>
+            <a:endParaRPr lang="de-DE"/>
+          </a:p>
+        </p:txBody>
+      </p:sp>
+      <p:sp>
+        <p:nvSpPr>
+          <p:cNvPr id="6" name="Foliennummernplatzhalter 5"/>
+          <p:cNvSpPr>
+            <a:spLocks noGrp="1"/>
+          </p:cNvSpPr>
+          <p:nvPr>
+            <p:ph type="sldNum" sz="quarter" idx="12"/>
+          </p:nvPr>
+        </p:nvSpPr>
+        <p:spPr/>
+        <p:txBody>
+          <a:bodyPr/>
+          <a:lstStyle/>
+          <a:p>
+            <a:fld id="{57D8F98F-9146-4D48-BD84-43508DAD44DB}" type="slidenum">
+              <a:rPr lang="de-DE" smtClean="0"/>
+              <a:t>11</a:t>
+            </a:fld>
+            <a:endParaRPr lang="de-DE"/>
+          </a:p>
+        </p:txBody>
+      </p:sp>
+      <p:sp>
+        <p:nvSpPr>
+          <p:cNvPr id="4" name="Inhaltsplatzhalter 3">
+            <a:extLst>
+              <a:ext uri="{FF2B5EF4-FFF2-40B4-BE49-F238E27FC236}">
+                <a16:creationId xmlns:a16="http://schemas.microsoft.com/office/drawing/2014/main" id="{5FE1F516-DAF8-4943-B263-D1A733BE3523}"/>
+              </a:ext>
+            </a:extLst>
+          </p:cNvPr>
           <p:cNvSpPr>
             <a:spLocks noGrp="1"/>
           </p:cNvSpPr>
@@ -4251,39 +4500,136 @@
             <p:ph idx="1"/>
           </p:nvPr>
         </p:nvSpPr>
-        <p:spPr/>
-        <p:txBody>
-          <a:bodyPr/>
-          <a:lstStyle/>
-          <a:p>
-            <a:r>
-              <a:rPr lang="de-DE" dirty="0" smtClean="0">
-                <a:solidFill>
-                  <a:schemeClr val="bg1"/>
-                </a:solidFill>
-              </a:rPr>
-              <a:t>Einfache Erweiterbarkeit</a:t>
-            </a:r>
-            <a:endParaRPr lang="de-DE" dirty="0" smtClean="0">
+        <p:spPr>
+          <a:xfrm>
+            <a:off x="838200" y="1825625"/>
+            <a:ext cx="8844280" cy="4351338"/>
+          </a:xfrm>
+        </p:spPr>
+        <p:txBody>
+          <a:bodyPr>
+            <a:normAutofit/>
+          </a:bodyPr>
+          <a:lstStyle/>
+          <a:p>
+            <a:r>
+              <a:rPr lang="de-DE" sz="3600" dirty="0">
+                <a:solidFill>
+                  <a:schemeClr val="bg1"/>
+                </a:solidFill>
+              </a:rPr>
+              <a:t>Öffnet .</a:t>
+            </a:r>
+            <a:r>
+              <a:rPr lang="de-DE" sz="3600" dirty="0" err="1">
+                <a:solidFill>
+                  <a:schemeClr val="bg1"/>
+                </a:solidFill>
+              </a:rPr>
+              <a:t>csv</a:t>
+            </a:r>
+            <a:r>
+              <a:rPr lang="de-DE" sz="3600" dirty="0">
+                <a:solidFill>
+                  <a:schemeClr val="bg1"/>
+                </a:solidFill>
+              </a:rPr>
+              <a:t>-Datei</a:t>
+            </a:r>
+          </a:p>
+          <a:p>
+            <a:r>
+              <a:rPr lang="de-DE" sz="3600" dirty="0">
+                <a:solidFill>
+                  <a:schemeClr val="bg1"/>
+                </a:solidFill>
+              </a:rPr>
+              <a:t>Liest mit </a:t>
+            </a:r>
+            <a:r>
+              <a:rPr lang="de-DE" sz="3600" dirty="0" err="1">
+                <a:solidFill>
+                  <a:schemeClr val="bg1"/>
+                </a:solidFill>
+              </a:rPr>
+              <a:t>getline</a:t>
+            </a:r>
+            <a:r>
+              <a:rPr lang="de-DE" sz="3600" dirty="0">
+                <a:solidFill>
+                  <a:schemeClr val="bg1"/>
+                </a:solidFill>
+              </a:rPr>
+              <a:t>() die .</a:t>
+            </a:r>
+            <a:r>
+              <a:rPr lang="de-DE" sz="3600" dirty="0" err="1">
+                <a:solidFill>
+                  <a:schemeClr val="bg1"/>
+                </a:solidFill>
+              </a:rPr>
+              <a:t>csv</a:t>
+            </a:r>
+            <a:r>
+              <a:rPr lang="de-DE" sz="3600" dirty="0">
+                <a:solidFill>
+                  <a:schemeClr val="bg1"/>
+                </a:solidFill>
+              </a:rPr>
+              <a:t>-Datei und trennt am Semikolon</a:t>
+            </a:r>
+          </a:p>
+          <a:p>
+            <a:r>
+              <a:rPr lang="de-DE" sz="3600" dirty="0">
+                <a:solidFill>
+                  <a:schemeClr val="bg1"/>
+                </a:solidFill>
+              </a:rPr>
+              <a:t>Frage </a:t>
+            </a:r>
+            <a:r>
+              <a:rPr lang="de-DE" sz="3600" dirty="0">
+                <a:solidFill>
+                  <a:schemeClr val="bg1"/>
+                </a:solidFill>
+                <a:sym typeface="Wingdings" panose="05000000000000000000" pitchFamily="2" charset="2"/>
+              </a:rPr>
+              <a:t></a:t>
+            </a:r>
+            <a:r>
+              <a:rPr lang="de-DE" sz="3600" dirty="0">
+                <a:solidFill>
+                  <a:schemeClr val="bg1"/>
+                </a:solidFill>
+              </a:rPr>
+              <a:t> Attribut </a:t>
+            </a:r>
+            <a:r>
+              <a:rPr lang="de-DE" sz="3600" dirty="0" err="1">
+                <a:solidFill>
+                  <a:schemeClr val="bg1"/>
+                </a:solidFill>
+              </a:rPr>
+              <a:t>question</a:t>
+            </a:r>
+            <a:endParaRPr lang="de-DE" sz="3600" dirty="0">
               <a:solidFill>
                 <a:schemeClr val="bg1"/>
               </a:solidFill>
             </a:endParaRPr>
           </a:p>
           <a:p>
-            <a:pPr marL="0" indent="0">
-              <a:buNone/>
-            </a:pPr>
-            <a:r>
-              <a:rPr lang="de-DE" smtClean="0">
-                <a:solidFill>
-                  <a:schemeClr val="bg1"/>
-                </a:solidFill>
-              </a:rPr>
-              <a:t>	</a:t>
-            </a:r>
-            <a:r>
-              <a:rPr lang="de-DE" smtClean="0">
+            <a:r>
+              <a:rPr lang="de-DE" sz="3600" dirty="0">
+                <a:solidFill>
+                  <a:schemeClr val="bg1"/>
+                </a:solidFill>
+              </a:rPr>
+              <a:t>Antworten A-D </a:t>
+            </a:r>
+            <a:r>
+              <a:rPr lang="de-DE" sz="3600" dirty="0">
                 <a:solidFill>
                   <a:schemeClr val="bg1"/>
                 </a:solidFill>
@@ -4292,85 +4638,94 @@
               <a:t></a:t>
             </a:r>
             <a:r>
-              <a:rPr lang="de-DE" smtClean="0">
-                <a:solidFill>
-                  <a:schemeClr val="bg1"/>
-                </a:solidFill>
-              </a:rPr>
-              <a:t>Datenbank </a:t>
-            </a:r>
-            <a:r>
-              <a:rPr lang="de-DE" dirty="0" smtClean="0">
-                <a:solidFill>
-                  <a:schemeClr val="bg1"/>
-                </a:solidFill>
-              </a:rPr>
-              <a:t>statt CSV-Reader</a:t>
-            </a:r>
-          </a:p>
-          <a:p>
-            <a:endParaRPr lang="de-DE" dirty="0">
-              <a:solidFill>
-                <a:schemeClr val="bg1"/>
-              </a:solidFill>
-            </a:endParaRPr>
-          </a:p>
-        </p:txBody>
-      </p:sp>
-      <p:sp>
-        <p:nvSpPr>
-          <p:cNvPr id="6" name="Foliennummernplatzhalter 5"/>
-          <p:cNvSpPr>
-            <a:spLocks noGrp="1"/>
-          </p:cNvSpPr>
-          <p:nvPr>
-            <p:ph type="sldNum" sz="quarter" idx="12"/>
-          </p:nvPr>
-        </p:nvSpPr>
-        <p:spPr/>
-        <p:txBody>
-          <a:bodyPr/>
-          <a:lstStyle/>
-          <a:p>
-            <a:fld id="{57D8F98F-9146-4D48-BD84-43508DAD44DB}" type="slidenum">
-              <a:rPr lang="de-DE" smtClean="0"/>
-              <a:t>12</a:t>
-            </a:fld>
-            <a:endParaRPr lang="de-DE"/>
+              <a:rPr lang="de-DE" sz="3600" dirty="0">
+                <a:solidFill>
+                  <a:schemeClr val="bg1"/>
+                </a:solidFill>
+              </a:rPr>
+              <a:t> </a:t>
+            </a:r>
+            <a:r>
+              <a:rPr lang="de-DE" sz="3600" dirty="0" err="1">
+                <a:solidFill>
+                  <a:schemeClr val="bg1"/>
+                </a:solidFill>
+              </a:rPr>
+              <a:t>instanz</a:t>
+            </a:r>
+            <a:r>
+              <a:rPr lang="de-DE" sz="3600" dirty="0">
+                <a:solidFill>
+                  <a:schemeClr val="bg1"/>
+                </a:solidFill>
+              </a:rPr>
+              <a:t> der Klasse Antwort</a:t>
+            </a:r>
+          </a:p>
+          <a:p>
+            <a:r>
+              <a:rPr lang="de-DE" sz="3600" dirty="0">
+                <a:solidFill>
+                  <a:schemeClr val="bg1"/>
+                </a:solidFill>
+              </a:rPr>
+              <a:t>Richtige </a:t>
+            </a:r>
+            <a:r>
+              <a:rPr lang="de-DE" sz="3600" dirty="0" err="1">
+                <a:solidFill>
+                  <a:schemeClr val="bg1"/>
+                </a:solidFill>
+              </a:rPr>
+              <a:t>Antowrt</a:t>
+            </a:r>
+            <a:r>
+              <a:rPr lang="de-DE" sz="3600" dirty="0">
+                <a:solidFill>
+                  <a:schemeClr val="bg1"/>
+                </a:solidFill>
+              </a:rPr>
+              <a:t> </a:t>
+            </a:r>
+            <a:r>
+              <a:rPr lang="de-DE" sz="3600" dirty="0">
+                <a:solidFill>
+                  <a:schemeClr val="bg1"/>
+                </a:solidFill>
+                <a:sym typeface="Wingdings" panose="05000000000000000000" pitchFamily="2" charset="2"/>
+              </a:rPr>
+              <a:t></a:t>
+            </a:r>
+            <a:r>
+              <a:rPr lang="de-DE" sz="3600" dirty="0">
+                <a:solidFill>
+                  <a:schemeClr val="bg1"/>
+                </a:solidFill>
+              </a:rPr>
+              <a:t> Pointer auf Instanz von A,B,C oder D</a:t>
+            </a:r>
+          </a:p>
+          <a:p>
+            <a:endParaRPr lang="de-DE" dirty="0"/>
           </a:p>
         </p:txBody>
       </p:sp>
     </p:spTree>
     <p:extLst>
       <p:ext uri="{BB962C8B-B14F-4D97-AF65-F5344CB8AC3E}">
-        <p14:creationId xmlns:p14="http://schemas.microsoft.com/office/powerpoint/2010/main" val="2260884382"/>
+        <p14:creationId xmlns:p14="http://schemas.microsoft.com/office/powerpoint/2010/main" val="464516989"/>
       </p:ext>
     </p:extLst>
   </p:cSld>
   <p:clrMapOvr>
     <a:masterClrMapping/>
   </p:clrMapOvr>
-  <p:timing>
-    <p:tnLst>
-      <p:par>
-        <p:cTn id="1" dur="indefinite" restart="never" nodeType="tmRoot"/>
-      </p:par>
-    </p:tnLst>
-  </p:timing>
 </p:sld>
 </file>
 
 <file path=ppt/slides/slide13.xml><?xml version="1.0" encoding="utf-8"?>
 <p:sld xmlns:a="http://schemas.openxmlformats.org/drawingml/2006/main" xmlns:r="http://schemas.openxmlformats.org/officeDocument/2006/relationships" xmlns:p="http://schemas.openxmlformats.org/presentationml/2006/main">
   <p:cSld>
-    <p:bg>
-      <p:bgPr>
-        <a:solidFill>
-          <a:srgbClr val="2F3771"/>
-        </a:solidFill>
-        <a:effectLst/>
-      </p:bgPr>
-    </p:bg>
     <p:spTree>
       <p:nvGrpSpPr>
         <p:cNvPr id="1" name=""/>
@@ -4385,6 +4740,42 @@
           <a:chExt cx="0" cy="0"/>
         </a:xfrm>
       </p:grpSpPr>
+      <p:pic>
+        <p:nvPicPr>
+          <p:cNvPr id="7" name="Grafik 6" descr="Ein Bild, das Tier, Licht, Vorhang enthält.&#10;&#10;Automatisch generierte Beschreibung">
+            <a:extLst>
+              <a:ext uri="{FF2B5EF4-FFF2-40B4-BE49-F238E27FC236}">
+                <a16:creationId xmlns:a16="http://schemas.microsoft.com/office/drawing/2014/main" id="{47D5A1BE-BE67-40D5-B101-68BFC3D58051}"/>
+              </a:ext>
+            </a:extLst>
+          </p:cNvPr>
+          <p:cNvPicPr>
+            <a:picLocks noChangeAspect="1"/>
+          </p:cNvPicPr>
+          <p:nvPr/>
+        </p:nvPicPr>
+        <p:blipFill>
+          <a:blip r:embed="rId2">
+            <a:extLst>
+              <a:ext uri="{28A0092B-C50C-407E-A947-70E740481C1C}">
+                <a14:useLocalDpi xmlns:a14="http://schemas.microsoft.com/office/drawing/2010/main" val="0"/>
+              </a:ext>
+            </a:extLst>
+          </a:blip>
+          <a:stretch>
+            <a:fillRect/>
+          </a:stretch>
+        </p:blipFill>
+        <p:spPr>
+          <a:xfrm rot="5400000">
+            <a:off x="-366191" y="-2926080"/>
+            <a:ext cx="12924382" cy="12192000"/>
+          </a:xfrm>
+          <a:prstGeom prst="rect">
+            <a:avLst/>
+          </a:prstGeom>
+        </p:spPr>
+      </p:pic>
       <p:sp>
         <p:nvSpPr>
           <p:cNvPr id="2" name="Titel 1"/>
@@ -4401,27 +4792,71 @@
           <a:lstStyle/>
           <a:p>
             <a:r>
-              <a:rPr lang="de-DE" dirty="0"/>
-              <a:t>Controller</a:t>
-            </a:r>
-          </a:p>
-        </p:txBody>
-      </p:sp>
-      <p:sp>
-        <p:nvSpPr>
-          <p:cNvPr id="3" name="Inhaltsplatzhalter 2"/>
-          <p:cNvSpPr>
-            <a:spLocks noGrp="1"/>
-          </p:cNvSpPr>
-          <p:nvPr>
-            <p:ph idx="1"/>
-          </p:nvPr>
-        </p:nvSpPr>
-        <p:spPr/>
-        <p:txBody>
-          <a:bodyPr/>
-          <a:lstStyle/>
-          <a:p>
+              <a:rPr lang="de-DE" dirty="0">
+                <a:solidFill>
+                  <a:schemeClr val="bg1"/>
+                </a:solidFill>
+              </a:rPr>
+              <a:t>Ausblick</a:t>
+            </a:r>
+          </a:p>
+        </p:txBody>
+      </p:sp>
+      <p:sp>
+        <p:nvSpPr>
+          <p:cNvPr id="8" name="Rechteck 7">
+            <a:extLst>
+              <a:ext uri="{FF2B5EF4-FFF2-40B4-BE49-F238E27FC236}">
+                <a16:creationId xmlns:a16="http://schemas.microsoft.com/office/drawing/2014/main" id="{39782BD2-6844-406D-B26A-BB2AEDE27F01}"/>
+              </a:ext>
+            </a:extLst>
+          </p:cNvPr>
+          <p:cNvSpPr/>
+          <p:nvPr/>
+        </p:nvSpPr>
+        <p:spPr>
+          <a:xfrm>
+            <a:off x="10778400" y="6101080"/>
+            <a:ext cx="670560" cy="2123440"/>
+          </a:xfrm>
+          <a:prstGeom prst="rect">
+            <a:avLst/>
+          </a:prstGeom>
+          <a:solidFill>
+            <a:srgbClr val="C00000"/>
+          </a:solidFill>
+          <a:ln>
+            <a:noFill/>
+          </a:ln>
+          <a:effectLst>
+            <a:outerShdw blurRad="50800" dist="38100" dir="2700000" algn="tl" rotWithShape="0">
+              <a:prstClr val="black">
+                <a:alpha val="40000"/>
+              </a:prstClr>
+            </a:outerShdw>
+          </a:effectLst>
+        </p:spPr>
+        <p:style>
+          <a:lnRef idx="2">
+            <a:schemeClr val="accent1">
+              <a:shade val="50000"/>
+            </a:schemeClr>
+          </a:lnRef>
+          <a:fillRef idx="1">
+            <a:schemeClr val="accent1"/>
+          </a:fillRef>
+          <a:effectRef idx="0">
+            <a:schemeClr val="accent1"/>
+          </a:effectRef>
+          <a:fontRef idx="minor">
+            <a:schemeClr val="lt1"/>
+          </a:fontRef>
+        </p:style>
+        <p:txBody>
+          <a:bodyPr rtlCol="0" anchor="ctr"/>
+          <a:lstStyle/>
+          <a:p>
+            <a:pPr algn="ctr"/>
             <a:endParaRPr lang="de-DE"/>
           </a:p>
         </p:txBody>
@@ -4443,16 +4878,121 @@
           <a:p>
             <a:fld id="{57D8F98F-9146-4D48-BD84-43508DAD44DB}" type="slidenum">
               <a:rPr lang="de-DE" smtClean="0"/>
-              <a:t>13</a:t>
+              <a:t>12</a:t>
             </a:fld>
             <a:endParaRPr lang="de-DE"/>
+          </a:p>
+        </p:txBody>
+      </p:sp>
+      <p:sp>
+        <p:nvSpPr>
+          <p:cNvPr id="4" name="Inhaltsplatzhalter 3">
+            <a:extLst>
+              <a:ext uri="{FF2B5EF4-FFF2-40B4-BE49-F238E27FC236}">
+                <a16:creationId xmlns:a16="http://schemas.microsoft.com/office/drawing/2014/main" id="{5FE1F516-DAF8-4943-B263-D1A733BE3523}"/>
+              </a:ext>
+            </a:extLst>
+          </p:cNvPr>
+          <p:cNvSpPr>
+            <a:spLocks noGrp="1"/>
+          </p:cNvSpPr>
+          <p:nvPr>
+            <p:ph idx="1"/>
+          </p:nvPr>
+        </p:nvSpPr>
+        <p:spPr>
+          <a:xfrm>
+            <a:off x="838200" y="1825625"/>
+            <a:ext cx="8844280" cy="4351338"/>
+          </a:xfrm>
+        </p:spPr>
+        <p:txBody>
+          <a:bodyPr>
+            <a:normAutofit/>
+          </a:bodyPr>
+          <a:lstStyle/>
+          <a:p>
+            <a:r>
+              <a:rPr lang="de-DE" sz="3600" dirty="0">
+                <a:solidFill>
+                  <a:schemeClr val="bg1"/>
+                </a:solidFill>
+              </a:rPr>
+              <a:t>Richtige Antwort ist kein String sondern Pointer</a:t>
+            </a:r>
+          </a:p>
+          <a:p>
+            <a:pPr marL="914400" lvl="2" indent="0">
+              <a:buNone/>
+            </a:pPr>
+            <a:r>
+              <a:rPr lang="de-DE" sz="3600" dirty="0">
+                <a:solidFill>
+                  <a:schemeClr val="bg1"/>
+                </a:solidFill>
+                <a:sym typeface="Wingdings" panose="05000000000000000000" pitchFamily="2" charset="2"/>
+              </a:rPr>
+              <a:t> Keine Fehler durch Doppelung</a:t>
+            </a:r>
+            <a:endParaRPr lang="de-DE" sz="3600" dirty="0">
+              <a:solidFill>
+                <a:schemeClr val="bg1"/>
+              </a:solidFill>
+            </a:endParaRPr>
+          </a:p>
+          <a:p>
+            <a:r>
+              <a:rPr lang="de-DE" sz="3600" dirty="0">
+                <a:solidFill>
+                  <a:schemeClr val="bg1"/>
+                </a:solidFill>
+              </a:rPr>
+              <a:t>Einfache Erweiterbarkeit</a:t>
+            </a:r>
+          </a:p>
+          <a:p>
+            <a:pPr marL="0" indent="0">
+              <a:buNone/>
+            </a:pPr>
+            <a:r>
+              <a:rPr lang="de-DE" sz="3600" dirty="0">
+                <a:solidFill>
+                  <a:schemeClr val="bg1"/>
+                </a:solidFill>
+              </a:rPr>
+              <a:t>	</a:t>
+            </a:r>
+            <a:r>
+              <a:rPr lang="de-DE" sz="3600" dirty="0">
+                <a:solidFill>
+                  <a:schemeClr val="bg1"/>
+                </a:solidFill>
+                <a:sym typeface="Wingdings" panose="05000000000000000000" pitchFamily="2" charset="2"/>
+              </a:rPr>
+              <a:t></a:t>
+            </a:r>
+            <a:r>
+              <a:rPr lang="de-DE" sz="3600" dirty="0">
+                <a:solidFill>
+                  <a:schemeClr val="bg1"/>
+                </a:solidFill>
+              </a:rPr>
+              <a:t>Datenbank statt CSV-Reader</a:t>
+            </a:r>
+          </a:p>
+          <a:p>
+            <a:endParaRPr lang="de-DE" dirty="0">
+              <a:solidFill>
+                <a:schemeClr val="bg1"/>
+              </a:solidFill>
+            </a:endParaRPr>
           </a:p>
         </p:txBody>
       </p:sp>
     </p:spTree>
     <p:extLst>
       <p:ext uri="{BB962C8B-B14F-4D97-AF65-F5344CB8AC3E}">
-        <p14:creationId xmlns:p14="http://schemas.microsoft.com/office/powerpoint/2010/main" val="1871654324"/>
+        <p14:creationId xmlns:p14="http://schemas.microsoft.com/office/powerpoint/2010/main" val="400576767"/>
       </p:ext>
     </p:extLst>
   </p:cSld>
@@ -4479,6 +5019,42 @@
           <a:chExt cx="0" cy="0"/>
         </a:xfrm>
       </p:grpSpPr>
+      <p:pic>
+        <p:nvPicPr>
+          <p:cNvPr id="7" name="Grafik 6" descr="Ein Bild, das Tier, Licht, Vorhang enthält.&#10;&#10;Automatisch generierte Beschreibung">
+            <a:extLst>
+              <a:ext uri="{FF2B5EF4-FFF2-40B4-BE49-F238E27FC236}">
+                <a16:creationId xmlns:a16="http://schemas.microsoft.com/office/drawing/2014/main" id="{47D5A1BE-BE67-40D5-B101-68BFC3D58051}"/>
+              </a:ext>
+            </a:extLst>
+          </p:cNvPr>
+          <p:cNvPicPr>
+            <a:picLocks noChangeAspect="1"/>
+          </p:cNvPicPr>
+          <p:nvPr/>
+        </p:nvPicPr>
+        <p:blipFill>
+          <a:blip r:embed="rId2">
+            <a:extLst>
+              <a:ext uri="{28A0092B-C50C-407E-A947-70E740481C1C}">
+                <a14:useLocalDpi xmlns:a14="http://schemas.microsoft.com/office/drawing/2010/main" val="0"/>
+              </a:ext>
+            </a:extLst>
+          </a:blip>
+          <a:stretch>
+            <a:fillRect/>
+          </a:stretch>
+        </p:blipFill>
+        <p:spPr>
+          <a:xfrm rot="5400000">
+            <a:off x="-366191" y="-2926080"/>
+            <a:ext cx="12924382" cy="12192000"/>
+          </a:xfrm>
+          <a:prstGeom prst="rect">
+            <a:avLst/>
+          </a:prstGeom>
+        </p:spPr>
+      </p:pic>
       <p:sp>
         <p:nvSpPr>
           <p:cNvPr id="2" name="Titel 1"/>
@@ -4494,28 +5070,69 @@
           <a:bodyPr/>
           <a:lstStyle/>
           <a:p>
-            <a:r>
-              <a:rPr lang="de-DE" dirty="0"/>
-              <a:t>Was Funktioniert was nicht?</a:t>
-            </a:r>
-          </a:p>
-        </p:txBody>
-      </p:sp>
-      <p:sp>
-        <p:nvSpPr>
-          <p:cNvPr id="3" name="Inhaltsplatzhalter 2"/>
-          <p:cNvSpPr>
-            <a:spLocks noGrp="1"/>
-          </p:cNvSpPr>
-          <p:nvPr>
-            <p:ph idx="1"/>
-          </p:nvPr>
-        </p:nvSpPr>
-        <p:spPr/>
-        <p:txBody>
-          <a:bodyPr/>
-          <a:lstStyle/>
-          <a:p>
+            <a:endParaRPr lang="de-DE" dirty="0">
+              <a:solidFill>
+                <a:schemeClr val="bg1"/>
+              </a:solidFill>
+            </a:endParaRPr>
+          </a:p>
+        </p:txBody>
+      </p:sp>
+      <p:sp>
+        <p:nvSpPr>
+          <p:cNvPr id="8" name="Rechteck 7">
+            <a:extLst>
+              <a:ext uri="{FF2B5EF4-FFF2-40B4-BE49-F238E27FC236}">
+                <a16:creationId xmlns:a16="http://schemas.microsoft.com/office/drawing/2014/main" id="{39782BD2-6844-406D-B26A-BB2AEDE27F01}"/>
+              </a:ext>
+            </a:extLst>
+          </p:cNvPr>
+          <p:cNvSpPr/>
+          <p:nvPr/>
+        </p:nvSpPr>
+        <p:spPr>
+          <a:xfrm>
+            <a:off x="10778400" y="6101080"/>
+            <a:ext cx="670560" cy="2123440"/>
+          </a:xfrm>
+          <a:prstGeom prst="rect">
+            <a:avLst/>
+          </a:prstGeom>
+          <a:solidFill>
+            <a:srgbClr val="C00000"/>
+          </a:solidFill>
+          <a:ln>
+            <a:noFill/>
+          </a:ln>
+          <a:effectLst>
+            <a:outerShdw blurRad="50800" dist="38100" dir="2700000" algn="tl" rotWithShape="0">
+              <a:prstClr val="black">
+                <a:alpha val="40000"/>
+              </a:prstClr>
+            </a:outerShdw>
+          </a:effectLst>
+        </p:spPr>
+        <p:style>
+          <a:lnRef idx="2">
+            <a:schemeClr val="accent1">
+              <a:shade val="50000"/>
+            </a:schemeClr>
+          </a:lnRef>
+          <a:fillRef idx="1">
+            <a:schemeClr val="accent1"/>
+          </a:fillRef>
+          <a:effectRef idx="0">
+            <a:schemeClr val="accent1"/>
+          </a:effectRef>
+          <a:fontRef idx="minor">
+            <a:schemeClr val="lt1"/>
+          </a:fontRef>
+        </p:style>
+        <p:txBody>
+          <a:bodyPr rtlCol="0" anchor="ctr"/>
+          <a:lstStyle/>
+          <a:p>
+            <a:pPr algn="ctr"/>
             <a:endParaRPr lang="de-DE"/>
           </a:p>
         </p:txBody>
@@ -4537,16 +5154,88 @@
           <a:p>
             <a:fld id="{57D8F98F-9146-4D48-BD84-43508DAD44DB}" type="slidenum">
               <a:rPr lang="de-DE" smtClean="0"/>
-              <a:t>14</a:t>
+              <a:t>13</a:t>
             </a:fld>
             <a:endParaRPr lang="de-DE"/>
           </a:p>
         </p:txBody>
       </p:sp>
+      <p:sp>
+        <p:nvSpPr>
+          <p:cNvPr id="4" name="Inhaltsplatzhalter 3">
+            <a:extLst>
+              <a:ext uri="{FF2B5EF4-FFF2-40B4-BE49-F238E27FC236}">
+                <a16:creationId xmlns:a16="http://schemas.microsoft.com/office/drawing/2014/main" id="{5FE1F516-DAF8-4943-B263-D1A733BE3523}"/>
+              </a:ext>
+            </a:extLst>
+          </p:cNvPr>
+          <p:cNvSpPr>
+            <a:spLocks noGrp="1"/>
+          </p:cNvSpPr>
+          <p:nvPr>
+            <p:ph idx="1"/>
+          </p:nvPr>
+        </p:nvSpPr>
+        <p:spPr>
+          <a:xfrm>
+            <a:off x="838200" y="1825625"/>
+            <a:ext cx="8844280" cy="4351338"/>
+          </a:xfrm>
+        </p:spPr>
+        <p:txBody>
+          <a:bodyPr>
+            <a:normAutofit/>
+          </a:bodyPr>
+          <a:lstStyle/>
+          <a:p>
+            <a:endParaRPr lang="de-DE" dirty="0">
+              <a:solidFill>
+                <a:schemeClr val="bg1"/>
+              </a:solidFill>
+            </a:endParaRPr>
+          </a:p>
+        </p:txBody>
+      </p:sp>
+      <p:pic>
+        <p:nvPicPr>
+          <p:cNvPr id="10" name="Inhaltsplatzhalter 6">
+            <a:extLst>
+              <a:ext uri="{FF2B5EF4-FFF2-40B4-BE49-F238E27FC236}">
+                <a16:creationId xmlns:a16="http://schemas.microsoft.com/office/drawing/2014/main" id="{C18A15EB-59F9-4166-993F-E86986A921B7}"/>
+              </a:ext>
+            </a:extLst>
+          </p:cNvPr>
+          <p:cNvPicPr>
+            <a:picLocks noChangeAspect="1"/>
+          </p:cNvPicPr>
+          <p:nvPr/>
+        </p:nvPicPr>
+        <p:blipFill>
+          <a:blip r:embed="rId3">
+            <a:extLst>
+              <a:ext uri="{28A0092B-C50C-407E-A947-70E740481C1C}">
+                <a14:useLocalDpi xmlns:a14="http://schemas.microsoft.com/office/drawing/2010/main" val="0"/>
+              </a:ext>
+            </a:extLst>
+          </a:blip>
+          <a:stretch>
+            <a:fillRect/>
+          </a:stretch>
+        </p:blipFill>
+        <p:spPr>
+          <a:xfrm>
+            <a:off x="1512957" y="0"/>
+            <a:ext cx="9166086" cy="6858000"/>
+          </a:xfrm>
+          <a:prstGeom prst="rect">
+            <a:avLst/>
+          </a:prstGeom>
+        </p:spPr>
+      </p:pic>
     </p:spTree>
     <p:extLst>
       <p:ext uri="{BB962C8B-B14F-4D97-AF65-F5344CB8AC3E}">
-        <p14:creationId xmlns:p14="http://schemas.microsoft.com/office/powerpoint/2010/main" val="1756615391"/>
+        <p14:creationId xmlns:p14="http://schemas.microsoft.com/office/powerpoint/2010/main" val="1802687124"/>
       </p:ext>
     </p:extLst>
   </p:cSld>
@@ -4573,6 +5262,42 @@
           <a:chExt cx="0" cy="0"/>
         </a:xfrm>
       </p:grpSpPr>
+      <p:pic>
+        <p:nvPicPr>
+          <p:cNvPr id="7" name="Grafik 6" descr="Ein Bild, das Tier, Licht, Vorhang enthält.&#10;&#10;Automatisch generierte Beschreibung">
+            <a:extLst>
+              <a:ext uri="{FF2B5EF4-FFF2-40B4-BE49-F238E27FC236}">
+                <a16:creationId xmlns:a16="http://schemas.microsoft.com/office/drawing/2014/main" id="{47D5A1BE-BE67-40D5-B101-68BFC3D58051}"/>
+              </a:ext>
+            </a:extLst>
+          </p:cNvPr>
+          <p:cNvPicPr>
+            <a:picLocks noChangeAspect="1"/>
+          </p:cNvPicPr>
+          <p:nvPr/>
+        </p:nvPicPr>
+        <p:blipFill>
+          <a:blip r:embed="rId2">
+            <a:extLst>
+              <a:ext uri="{28A0092B-C50C-407E-A947-70E740481C1C}">
+                <a14:useLocalDpi xmlns:a14="http://schemas.microsoft.com/office/drawing/2010/main" val="0"/>
+              </a:ext>
+            </a:extLst>
+          </a:blip>
+          <a:stretch>
+            <a:fillRect/>
+          </a:stretch>
+        </p:blipFill>
+        <p:spPr>
+          <a:xfrm rot="5400000">
+            <a:off x="-366191" y="-2926080"/>
+            <a:ext cx="12924382" cy="12192000"/>
+          </a:xfrm>
+          <a:prstGeom prst="rect">
+            <a:avLst/>
+          </a:prstGeom>
+        </p:spPr>
+      </p:pic>
       <p:sp>
         <p:nvSpPr>
           <p:cNvPr id="2" name="Titel 1"/>
@@ -4588,28 +5313,69 @@
           <a:bodyPr/>
           <a:lstStyle/>
           <a:p>
-            <a:r>
-              <a:rPr lang="de-DE" dirty="0"/>
-              <a:t>Ausblick</a:t>
-            </a:r>
-          </a:p>
-        </p:txBody>
-      </p:sp>
-      <p:sp>
-        <p:nvSpPr>
-          <p:cNvPr id="3" name="Inhaltsplatzhalter 2"/>
-          <p:cNvSpPr>
-            <a:spLocks noGrp="1"/>
-          </p:cNvSpPr>
-          <p:nvPr>
-            <p:ph idx="1"/>
-          </p:nvPr>
-        </p:nvSpPr>
-        <p:spPr/>
-        <p:txBody>
-          <a:bodyPr/>
-          <a:lstStyle/>
-          <a:p>
+            <a:endParaRPr lang="de-DE" dirty="0">
+              <a:solidFill>
+                <a:schemeClr val="bg1"/>
+              </a:solidFill>
+            </a:endParaRPr>
+          </a:p>
+        </p:txBody>
+      </p:sp>
+      <p:sp>
+        <p:nvSpPr>
+          <p:cNvPr id="8" name="Rechteck 7">
+            <a:extLst>
+              <a:ext uri="{FF2B5EF4-FFF2-40B4-BE49-F238E27FC236}">
+                <a16:creationId xmlns:a16="http://schemas.microsoft.com/office/drawing/2014/main" id="{39782BD2-6844-406D-B26A-BB2AEDE27F01}"/>
+              </a:ext>
+            </a:extLst>
+          </p:cNvPr>
+          <p:cNvSpPr/>
+          <p:nvPr/>
+        </p:nvSpPr>
+        <p:spPr>
+          <a:xfrm>
+            <a:off x="10778400" y="6101080"/>
+            <a:ext cx="670560" cy="2123440"/>
+          </a:xfrm>
+          <a:prstGeom prst="rect">
+            <a:avLst/>
+          </a:prstGeom>
+          <a:solidFill>
+            <a:srgbClr val="C00000"/>
+          </a:solidFill>
+          <a:ln>
+            <a:noFill/>
+          </a:ln>
+          <a:effectLst>
+            <a:outerShdw blurRad="50800" dist="38100" dir="2700000" algn="tl" rotWithShape="0">
+              <a:prstClr val="black">
+                <a:alpha val="40000"/>
+              </a:prstClr>
+            </a:outerShdw>
+          </a:effectLst>
+        </p:spPr>
+        <p:style>
+          <a:lnRef idx="2">
+            <a:schemeClr val="accent1">
+              <a:shade val="50000"/>
+            </a:schemeClr>
+          </a:lnRef>
+          <a:fillRef idx="1">
+            <a:schemeClr val="accent1"/>
+          </a:fillRef>
+          <a:effectRef idx="0">
+            <a:schemeClr val="accent1"/>
+          </a:effectRef>
+          <a:fontRef idx="minor">
+            <a:schemeClr val="lt1"/>
+          </a:fontRef>
+        </p:style>
+        <p:txBody>
+          <a:bodyPr rtlCol="0" anchor="ctr"/>
+          <a:lstStyle/>
+          <a:p>
+            <a:pPr algn="ctr"/>
             <a:endParaRPr lang="de-DE"/>
           </a:p>
         </p:txBody>
@@ -4631,16 +5397,88 @@
           <a:p>
             <a:fld id="{57D8F98F-9146-4D48-BD84-43508DAD44DB}" type="slidenum">
               <a:rPr lang="de-DE" smtClean="0"/>
-              <a:t>15</a:t>
+              <a:t>14</a:t>
             </a:fld>
             <a:endParaRPr lang="de-DE"/>
           </a:p>
         </p:txBody>
       </p:sp>
+      <p:sp>
+        <p:nvSpPr>
+          <p:cNvPr id="4" name="Inhaltsplatzhalter 3">
+            <a:extLst>
+              <a:ext uri="{FF2B5EF4-FFF2-40B4-BE49-F238E27FC236}">
+                <a16:creationId xmlns:a16="http://schemas.microsoft.com/office/drawing/2014/main" id="{5FE1F516-DAF8-4943-B263-D1A733BE3523}"/>
+              </a:ext>
+            </a:extLst>
+          </p:cNvPr>
+          <p:cNvSpPr>
+            <a:spLocks noGrp="1"/>
+          </p:cNvSpPr>
+          <p:nvPr>
+            <p:ph idx="1"/>
+          </p:nvPr>
+        </p:nvSpPr>
+        <p:spPr>
+          <a:xfrm>
+            <a:off x="838200" y="1825625"/>
+            <a:ext cx="8844280" cy="4351338"/>
+          </a:xfrm>
+        </p:spPr>
+        <p:txBody>
+          <a:bodyPr>
+            <a:normAutofit/>
+          </a:bodyPr>
+          <a:lstStyle/>
+          <a:p>
+            <a:endParaRPr lang="de-DE" dirty="0">
+              <a:solidFill>
+                <a:schemeClr val="bg1"/>
+              </a:solidFill>
+            </a:endParaRPr>
+          </a:p>
+        </p:txBody>
+      </p:sp>
+      <p:pic>
+        <p:nvPicPr>
+          <p:cNvPr id="9" name="Inhaltsplatzhalter 9">
+            <a:extLst>
+              <a:ext uri="{FF2B5EF4-FFF2-40B4-BE49-F238E27FC236}">
+                <a16:creationId xmlns:a16="http://schemas.microsoft.com/office/drawing/2014/main" id="{71F7245E-DFB1-4545-8C8C-9B385713ACB0}"/>
+              </a:ext>
+            </a:extLst>
+          </p:cNvPr>
+          <p:cNvPicPr>
+            <a:picLocks noChangeAspect="1"/>
+          </p:cNvPicPr>
+          <p:nvPr/>
+        </p:nvPicPr>
+        <p:blipFill>
+          <a:blip r:embed="rId3">
+            <a:extLst>
+              <a:ext uri="{28A0092B-C50C-407E-A947-70E740481C1C}">
+                <a14:useLocalDpi xmlns:a14="http://schemas.microsoft.com/office/drawing/2010/main" val="0"/>
+              </a:ext>
+            </a:extLst>
+          </a:blip>
+          <a:stretch>
+            <a:fillRect/>
+          </a:stretch>
+        </p:blipFill>
+        <p:spPr>
+          <a:xfrm>
+            <a:off x="1517374" y="0"/>
+            <a:ext cx="9157251" cy="6862230"/>
+          </a:xfrm>
+          <a:prstGeom prst="rect">
+            <a:avLst/>
+          </a:prstGeom>
+        </p:spPr>
+      </p:pic>
     </p:spTree>
     <p:extLst>
       <p:ext uri="{BB962C8B-B14F-4D97-AF65-F5344CB8AC3E}">
-        <p14:creationId xmlns:p14="http://schemas.microsoft.com/office/powerpoint/2010/main" val="4042423252"/>
+        <p14:creationId xmlns:p14="http://schemas.microsoft.com/office/powerpoint/2010/main" val="2282028923"/>
       </p:ext>
     </p:extLst>
   </p:cSld>
@@ -4667,66 +5505,19 @@
           <a:chExt cx="0" cy="0"/>
         </a:xfrm>
       </p:grpSpPr>
-      <p:sp>
-        <p:nvSpPr>
-          <p:cNvPr id="2" name="Titel 1"/>
-          <p:cNvSpPr>
-            <a:spLocks noGrp="1"/>
-          </p:cNvSpPr>
-          <p:nvPr>
-            <p:ph type="title"/>
-          </p:nvPr>
-        </p:nvSpPr>
-        <p:spPr/>
-        <p:txBody>
-          <a:bodyPr/>
-          <a:lstStyle/>
-          <a:p>
-            <a:r>
-              <a:rPr lang="de-DE" dirty="0"/>
-              <a:t>View</a:t>
-            </a:r>
-          </a:p>
-        </p:txBody>
-      </p:sp>
-      <p:sp>
-        <p:nvSpPr>
-          <p:cNvPr id="6" name="Foliennummernplatzhalter 5"/>
-          <p:cNvSpPr>
-            <a:spLocks noGrp="1"/>
-          </p:cNvSpPr>
-          <p:nvPr>
-            <p:ph type="sldNum" sz="quarter" idx="12"/>
-          </p:nvPr>
-        </p:nvSpPr>
-        <p:spPr/>
-        <p:txBody>
-          <a:bodyPr/>
-          <a:lstStyle/>
-          <a:p>
-            <a:fld id="{57D8F98F-9146-4D48-BD84-43508DAD44DB}" type="slidenum">
-              <a:rPr lang="de-DE" smtClean="0"/>
-              <a:t>16</a:t>
-            </a:fld>
-            <a:endParaRPr lang="de-DE"/>
-          </a:p>
-        </p:txBody>
-      </p:sp>
       <p:pic>
         <p:nvPicPr>
-          <p:cNvPr id="7" name="Inhaltsplatzhalter 6">
+          <p:cNvPr id="7" name="Grafik 6" descr="Ein Bild, das Tier, Licht, Vorhang enthält.&#10;&#10;Automatisch generierte Beschreibung">
             <a:extLst>
               <a:ext uri="{FF2B5EF4-FFF2-40B4-BE49-F238E27FC236}">
-                <a16:creationId xmlns:a16="http://schemas.microsoft.com/office/drawing/2014/main" id="{8F07DE71-8738-4F99-8A71-A6AE7F46EFF7}"/>
+                <a16:creationId xmlns:a16="http://schemas.microsoft.com/office/drawing/2014/main" id="{47D5A1BE-BE67-40D5-B101-68BFC3D58051}"/>
               </a:ext>
             </a:extLst>
           </p:cNvPr>
           <p:cNvPicPr>
-            <a:picLocks noGrp="1" noChangeAspect="1"/>
+            <a:picLocks noChangeAspect="1"/>
           </p:cNvPicPr>
-          <p:nvPr>
-            <p:ph idx="1"/>
-          </p:nvPr>
+          <p:nvPr/>
         </p:nvPicPr>
         <p:blipFill>
           <a:blip r:embed="rId2">
@@ -4741,16 +5532,196 @@
           </a:stretch>
         </p:blipFill>
         <p:spPr>
+          <a:xfrm rot="5400000">
+            <a:off x="-366191" y="-2926080"/>
+            <a:ext cx="12924382" cy="12192000"/>
+          </a:xfrm>
+          <a:prstGeom prst="rect">
+            <a:avLst/>
+          </a:prstGeom>
+        </p:spPr>
+      </p:pic>
+      <p:sp>
+        <p:nvSpPr>
+          <p:cNvPr id="2" name="Titel 1"/>
+          <p:cNvSpPr>
+            <a:spLocks noGrp="1"/>
+          </p:cNvSpPr>
+          <p:nvPr>
+            <p:ph type="title"/>
+          </p:nvPr>
+        </p:nvSpPr>
+        <p:spPr/>
+        <p:txBody>
+          <a:bodyPr/>
+          <a:lstStyle/>
+          <a:p>
+            <a:endParaRPr lang="de-DE" dirty="0">
+              <a:solidFill>
+                <a:schemeClr val="bg1"/>
+              </a:solidFill>
+            </a:endParaRPr>
+          </a:p>
+        </p:txBody>
+      </p:sp>
+      <p:sp>
+        <p:nvSpPr>
+          <p:cNvPr id="8" name="Rechteck 7">
+            <a:extLst>
+              <a:ext uri="{FF2B5EF4-FFF2-40B4-BE49-F238E27FC236}">
+                <a16:creationId xmlns:a16="http://schemas.microsoft.com/office/drawing/2014/main" id="{39782BD2-6844-406D-B26A-BB2AEDE27F01}"/>
+              </a:ext>
+            </a:extLst>
+          </p:cNvPr>
+          <p:cNvSpPr/>
+          <p:nvPr/>
+        </p:nvSpPr>
+        <p:spPr>
           <a:xfrm>
-            <a:off x="3172409" y="1826263"/>
-            <a:ext cx="5818460" cy="4372925"/>
+            <a:off x="10778400" y="6101080"/>
+            <a:ext cx="670560" cy="2123440"/>
           </a:xfrm>
+          <a:prstGeom prst="rect">
+            <a:avLst/>
+          </a:prstGeom>
+          <a:solidFill>
+            <a:srgbClr val="C00000"/>
+          </a:solidFill>
+          <a:ln>
+            <a:noFill/>
+          </a:ln>
+          <a:effectLst>
+            <a:outerShdw blurRad="50800" dist="38100" dir="2700000" algn="tl" rotWithShape="0">
+              <a:prstClr val="black">
+                <a:alpha val="40000"/>
+              </a:prstClr>
+            </a:outerShdw>
+          </a:effectLst>
+        </p:spPr>
+        <p:style>
+          <a:lnRef idx="2">
+            <a:schemeClr val="accent1">
+              <a:shade val="50000"/>
+            </a:schemeClr>
+          </a:lnRef>
+          <a:fillRef idx="1">
+            <a:schemeClr val="accent1"/>
+          </a:fillRef>
+          <a:effectRef idx="0">
+            <a:schemeClr val="accent1"/>
+          </a:effectRef>
+          <a:fontRef idx="minor">
+            <a:schemeClr val="lt1"/>
+          </a:fontRef>
+        </p:style>
+        <p:txBody>
+          <a:bodyPr rtlCol="0" anchor="ctr"/>
+          <a:lstStyle/>
+          <a:p>
+            <a:pPr algn="ctr"/>
+            <a:endParaRPr lang="de-DE"/>
+          </a:p>
+        </p:txBody>
+      </p:sp>
+      <p:sp>
+        <p:nvSpPr>
+          <p:cNvPr id="6" name="Foliennummernplatzhalter 5"/>
+          <p:cNvSpPr>
+            <a:spLocks noGrp="1"/>
+          </p:cNvSpPr>
+          <p:nvPr>
+            <p:ph type="sldNum" sz="quarter" idx="12"/>
+          </p:nvPr>
+        </p:nvSpPr>
+        <p:spPr/>
+        <p:txBody>
+          <a:bodyPr/>
+          <a:lstStyle/>
+          <a:p>
+            <a:fld id="{57D8F98F-9146-4D48-BD84-43508DAD44DB}" type="slidenum">
+              <a:rPr lang="de-DE" smtClean="0"/>
+              <a:t>15</a:t>
+            </a:fld>
+            <a:endParaRPr lang="de-DE"/>
+          </a:p>
+        </p:txBody>
+      </p:sp>
+      <p:sp>
+        <p:nvSpPr>
+          <p:cNvPr id="4" name="Inhaltsplatzhalter 3">
+            <a:extLst>
+              <a:ext uri="{FF2B5EF4-FFF2-40B4-BE49-F238E27FC236}">
+                <a16:creationId xmlns:a16="http://schemas.microsoft.com/office/drawing/2014/main" id="{5FE1F516-DAF8-4943-B263-D1A733BE3523}"/>
+              </a:ext>
+            </a:extLst>
+          </p:cNvPr>
+          <p:cNvSpPr>
+            <a:spLocks noGrp="1"/>
+          </p:cNvSpPr>
+          <p:nvPr>
+            <p:ph idx="1"/>
+          </p:nvPr>
+        </p:nvSpPr>
+        <p:spPr>
+          <a:xfrm>
+            <a:off x="838200" y="1825625"/>
+            <a:ext cx="8844280" cy="4351338"/>
+          </a:xfrm>
+        </p:spPr>
+        <p:txBody>
+          <a:bodyPr>
+            <a:normAutofit/>
+          </a:bodyPr>
+          <a:lstStyle/>
+          <a:p>
+            <a:endParaRPr lang="de-DE" dirty="0">
+              <a:solidFill>
+                <a:schemeClr val="bg1"/>
+              </a:solidFill>
+            </a:endParaRPr>
+          </a:p>
+        </p:txBody>
+      </p:sp>
+      <p:pic>
+        <p:nvPicPr>
+          <p:cNvPr id="10" name="Inhaltsplatzhalter 19">
+            <a:extLst>
+              <a:ext uri="{FF2B5EF4-FFF2-40B4-BE49-F238E27FC236}">
+                <a16:creationId xmlns:a16="http://schemas.microsoft.com/office/drawing/2014/main" id="{9D9E14FC-DA19-4BC7-B850-0922CEC8341F}"/>
+              </a:ext>
+            </a:extLst>
+          </p:cNvPr>
+          <p:cNvPicPr>
+            <a:picLocks noChangeAspect="1"/>
+          </p:cNvPicPr>
+          <p:nvPr/>
+        </p:nvPicPr>
+        <p:blipFill>
+          <a:blip r:embed="rId3">
+            <a:extLst>
+              <a:ext uri="{28A0092B-C50C-407E-A947-70E740481C1C}">
+                <a14:useLocalDpi xmlns:a14="http://schemas.microsoft.com/office/drawing/2010/main" val="0"/>
+              </a:ext>
+            </a:extLst>
+          </a:blip>
+          <a:stretch>
+            <a:fillRect/>
+          </a:stretch>
+        </p:blipFill>
+        <p:spPr>
+          <a:xfrm>
+            <a:off x="1521791" y="-40640"/>
+            <a:ext cx="9148417" cy="6898640"/>
+          </a:xfrm>
+          <a:prstGeom prst="rect">
+            <a:avLst/>
+          </a:prstGeom>
         </p:spPr>
       </p:pic>
     </p:spTree>
     <p:extLst>
       <p:ext uri="{BB962C8B-B14F-4D97-AF65-F5344CB8AC3E}">
-        <p14:creationId xmlns:p14="http://schemas.microsoft.com/office/powerpoint/2010/main" val="3717256861"/>
+        <p14:creationId xmlns:p14="http://schemas.microsoft.com/office/powerpoint/2010/main" val="2524037241"/>
       </p:ext>
     </p:extLst>
   </p:cSld>
@@ -4777,66 +5748,19 @@
           <a:chExt cx="0" cy="0"/>
         </a:xfrm>
       </p:grpSpPr>
-      <p:sp>
-        <p:nvSpPr>
-          <p:cNvPr id="2" name="Titel 1"/>
-          <p:cNvSpPr>
-            <a:spLocks noGrp="1"/>
-          </p:cNvSpPr>
-          <p:nvPr>
-            <p:ph type="title"/>
-          </p:nvPr>
-        </p:nvSpPr>
-        <p:spPr/>
-        <p:txBody>
-          <a:bodyPr/>
-          <a:lstStyle/>
-          <a:p>
-            <a:r>
-              <a:rPr lang="de-DE" dirty="0"/>
-              <a:t>View</a:t>
-            </a:r>
-          </a:p>
-        </p:txBody>
-      </p:sp>
-      <p:sp>
-        <p:nvSpPr>
-          <p:cNvPr id="6" name="Foliennummernplatzhalter 5"/>
-          <p:cNvSpPr>
-            <a:spLocks noGrp="1"/>
-          </p:cNvSpPr>
-          <p:nvPr>
-            <p:ph type="sldNum" sz="quarter" idx="12"/>
-          </p:nvPr>
-        </p:nvSpPr>
-        <p:spPr/>
-        <p:txBody>
-          <a:bodyPr/>
-          <a:lstStyle/>
-          <a:p>
-            <a:fld id="{57D8F98F-9146-4D48-BD84-43508DAD44DB}" type="slidenum">
-              <a:rPr lang="de-DE" smtClean="0"/>
-              <a:t>17</a:t>
-            </a:fld>
-            <a:endParaRPr lang="de-DE"/>
-          </a:p>
-        </p:txBody>
-      </p:sp>
       <p:pic>
         <p:nvPicPr>
-          <p:cNvPr id="10" name="Inhaltsplatzhalter 9">
+          <p:cNvPr id="7" name="Grafik 6" descr="Ein Bild, das Tier, Licht, Vorhang enthält.&#10;&#10;Automatisch generierte Beschreibung">
             <a:extLst>
               <a:ext uri="{FF2B5EF4-FFF2-40B4-BE49-F238E27FC236}">
-                <a16:creationId xmlns:a16="http://schemas.microsoft.com/office/drawing/2014/main" id="{96018443-97D9-4AF2-A43F-61313D1D9889}"/>
+                <a16:creationId xmlns:a16="http://schemas.microsoft.com/office/drawing/2014/main" id="{47D5A1BE-BE67-40D5-B101-68BFC3D58051}"/>
               </a:ext>
             </a:extLst>
           </p:cNvPr>
           <p:cNvPicPr>
-            <a:picLocks noGrp="1" noChangeAspect="1"/>
+            <a:picLocks noChangeAspect="1"/>
           </p:cNvPicPr>
-          <p:nvPr>
-            <p:ph idx="1"/>
-          </p:nvPr>
+          <p:nvPr/>
         </p:nvPicPr>
         <p:blipFill>
           <a:blip r:embed="rId2">
@@ -4851,16 +5775,199 @@
           </a:stretch>
         </p:blipFill>
         <p:spPr>
+          <a:xfrm rot="5400000">
+            <a:off x="-366191" y="-2926080"/>
+            <a:ext cx="12924382" cy="12192000"/>
+          </a:xfrm>
+          <a:prstGeom prst="rect">
+            <a:avLst/>
+          </a:prstGeom>
+        </p:spPr>
+      </p:pic>
+      <p:sp>
+        <p:nvSpPr>
+          <p:cNvPr id="2" name="Titel 1"/>
+          <p:cNvSpPr>
+            <a:spLocks noGrp="1"/>
+          </p:cNvSpPr>
+          <p:nvPr>
+            <p:ph type="title"/>
+          </p:nvPr>
+        </p:nvSpPr>
+        <p:spPr/>
+        <p:txBody>
+          <a:bodyPr/>
+          <a:lstStyle/>
+          <a:p>
+            <a:r>
+              <a:rPr lang="de-DE" dirty="0">
+                <a:solidFill>
+                  <a:schemeClr val="bg1"/>
+                </a:solidFill>
+              </a:rPr>
+              <a:t>Button Darstellung</a:t>
+            </a:r>
+          </a:p>
+        </p:txBody>
+      </p:sp>
+      <p:sp>
+        <p:nvSpPr>
+          <p:cNvPr id="8" name="Rechteck 7">
+            <a:extLst>
+              <a:ext uri="{FF2B5EF4-FFF2-40B4-BE49-F238E27FC236}">
+                <a16:creationId xmlns:a16="http://schemas.microsoft.com/office/drawing/2014/main" id="{39782BD2-6844-406D-B26A-BB2AEDE27F01}"/>
+              </a:ext>
+            </a:extLst>
+          </p:cNvPr>
+          <p:cNvSpPr/>
+          <p:nvPr/>
+        </p:nvSpPr>
+        <p:spPr>
           <a:xfrm>
-            <a:off x="3192695" y="1825625"/>
-            <a:ext cx="5806610" cy="4351338"/>
+            <a:off x="10778400" y="6101080"/>
+            <a:ext cx="670560" cy="2123440"/>
           </a:xfrm>
+          <a:prstGeom prst="rect">
+            <a:avLst/>
+          </a:prstGeom>
+          <a:solidFill>
+            <a:srgbClr val="C00000"/>
+          </a:solidFill>
+          <a:ln>
+            <a:noFill/>
+          </a:ln>
+          <a:effectLst>
+            <a:outerShdw blurRad="50800" dist="38100" dir="2700000" algn="tl" rotWithShape="0">
+              <a:prstClr val="black">
+                <a:alpha val="40000"/>
+              </a:prstClr>
+            </a:outerShdw>
+          </a:effectLst>
+        </p:spPr>
+        <p:style>
+          <a:lnRef idx="2">
+            <a:schemeClr val="accent1">
+              <a:shade val="50000"/>
+            </a:schemeClr>
+          </a:lnRef>
+          <a:fillRef idx="1">
+            <a:schemeClr val="accent1"/>
+          </a:fillRef>
+          <a:effectRef idx="0">
+            <a:schemeClr val="accent1"/>
+          </a:effectRef>
+          <a:fontRef idx="minor">
+            <a:schemeClr val="lt1"/>
+          </a:fontRef>
+        </p:style>
+        <p:txBody>
+          <a:bodyPr rtlCol="0" anchor="ctr"/>
+          <a:lstStyle/>
+          <a:p>
+            <a:pPr algn="ctr"/>
+            <a:endParaRPr lang="de-DE"/>
+          </a:p>
+        </p:txBody>
+      </p:sp>
+      <p:sp>
+        <p:nvSpPr>
+          <p:cNvPr id="6" name="Foliennummernplatzhalter 5"/>
+          <p:cNvSpPr>
+            <a:spLocks noGrp="1"/>
+          </p:cNvSpPr>
+          <p:nvPr>
+            <p:ph type="sldNum" sz="quarter" idx="12"/>
+          </p:nvPr>
+        </p:nvSpPr>
+        <p:spPr/>
+        <p:txBody>
+          <a:bodyPr/>
+          <a:lstStyle/>
+          <a:p>
+            <a:fld id="{57D8F98F-9146-4D48-BD84-43508DAD44DB}" type="slidenum">
+              <a:rPr lang="de-DE" smtClean="0"/>
+              <a:t>16</a:t>
+            </a:fld>
+            <a:endParaRPr lang="de-DE"/>
+          </a:p>
+        </p:txBody>
+      </p:sp>
+      <p:sp>
+        <p:nvSpPr>
+          <p:cNvPr id="4" name="Inhaltsplatzhalter 3">
+            <a:extLst>
+              <a:ext uri="{FF2B5EF4-FFF2-40B4-BE49-F238E27FC236}">
+                <a16:creationId xmlns:a16="http://schemas.microsoft.com/office/drawing/2014/main" id="{5FE1F516-DAF8-4943-B263-D1A733BE3523}"/>
+              </a:ext>
+            </a:extLst>
+          </p:cNvPr>
+          <p:cNvSpPr>
+            <a:spLocks noGrp="1"/>
+          </p:cNvSpPr>
+          <p:nvPr>
+            <p:ph idx="1"/>
+          </p:nvPr>
+        </p:nvSpPr>
+        <p:spPr>
+          <a:xfrm>
+            <a:off x="838200" y="1825625"/>
+            <a:ext cx="8844280" cy="4351338"/>
+          </a:xfrm>
+        </p:spPr>
+        <p:txBody>
+          <a:bodyPr>
+            <a:normAutofit/>
+          </a:bodyPr>
+          <a:lstStyle/>
+          <a:p>
+            <a:endParaRPr lang="de-DE" dirty="0">
+              <a:solidFill>
+                <a:schemeClr val="bg1"/>
+              </a:solidFill>
+            </a:endParaRPr>
+          </a:p>
+        </p:txBody>
+      </p:sp>
+      <p:pic>
+        <p:nvPicPr>
+          <p:cNvPr id="9" name="Inhaltsplatzhalter 8">
+            <a:extLst>
+              <a:ext uri="{FF2B5EF4-FFF2-40B4-BE49-F238E27FC236}">
+                <a16:creationId xmlns:a16="http://schemas.microsoft.com/office/drawing/2014/main" id="{B57FCB14-8D5C-4F2B-BE03-9F8796EE3DC0}"/>
+              </a:ext>
+            </a:extLst>
+          </p:cNvPr>
+          <p:cNvPicPr>
+            <a:picLocks noChangeAspect="1"/>
+          </p:cNvPicPr>
+          <p:nvPr/>
+        </p:nvPicPr>
+        <p:blipFill>
+          <a:blip r:embed="rId3">
+            <a:extLst>
+              <a:ext uri="{28A0092B-C50C-407E-A947-70E740481C1C}">
+                <a14:useLocalDpi xmlns:a14="http://schemas.microsoft.com/office/drawing/2010/main" val="0"/>
+              </a:ext>
+            </a:extLst>
+          </a:blip>
+          <a:stretch>
+            <a:fillRect/>
+          </a:stretch>
+        </p:blipFill>
+        <p:spPr>
+          <a:xfrm>
+            <a:off x="1076274" y="1690688"/>
+            <a:ext cx="10039451" cy="4351338"/>
+          </a:xfrm>
+          <a:prstGeom prst="rect">
+            <a:avLst/>
+          </a:prstGeom>
         </p:spPr>
       </p:pic>
     </p:spTree>
     <p:extLst>
       <p:ext uri="{BB962C8B-B14F-4D97-AF65-F5344CB8AC3E}">
-        <p14:creationId xmlns:p14="http://schemas.microsoft.com/office/powerpoint/2010/main" val="3067687759"/>
+        <p14:creationId xmlns:p14="http://schemas.microsoft.com/office/powerpoint/2010/main" val="3880874081"/>
       </p:ext>
     </p:extLst>
   </p:cSld>
@@ -4887,66 +5994,19 @@
           <a:chExt cx="0" cy="0"/>
         </a:xfrm>
       </p:grpSpPr>
-      <p:sp>
-        <p:nvSpPr>
-          <p:cNvPr id="2" name="Titel 1"/>
-          <p:cNvSpPr>
-            <a:spLocks noGrp="1"/>
-          </p:cNvSpPr>
-          <p:nvPr>
-            <p:ph type="title"/>
-          </p:nvPr>
-        </p:nvSpPr>
-        <p:spPr/>
-        <p:txBody>
-          <a:bodyPr/>
-          <a:lstStyle/>
-          <a:p>
-            <a:r>
-              <a:rPr lang="de-DE" dirty="0"/>
-              <a:t>View</a:t>
-            </a:r>
-          </a:p>
-        </p:txBody>
-      </p:sp>
-      <p:sp>
-        <p:nvSpPr>
-          <p:cNvPr id="6" name="Foliennummernplatzhalter 5"/>
-          <p:cNvSpPr>
-            <a:spLocks noGrp="1"/>
-          </p:cNvSpPr>
-          <p:nvPr>
-            <p:ph type="sldNum" sz="quarter" idx="12"/>
-          </p:nvPr>
-        </p:nvSpPr>
-        <p:spPr/>
-        <p:txBody>
-          <a:bodyPr/>
-          <a:lstStyle/>
-          <a:p>
-            <a:fld id="{57D8F98F-9146-4D48-BD84-43508DAD44DB}" type="slidenum">
-              <a:rPr lang="de-DE" smtClean="0"/>
-              <a:t>18</a:t>
-            </a:fld>
-            <a:endParaRPr lang="de-DE"/>
-          </a:p>
-        </p:txBody>
-      </p:sp>
       <p:pic>
         <p:nvPicPr>
-          <p:cNvPr id="20" name="Inhaltsplatzhalter 19">
+          <p:cNvPr id="7" name="Grafik 6" descr="Ein Bild, das Tier, Licht, Vorhang enthält.&#10;&#10;Automatisch generierte Beschreibung">
             <a:extLst>
               <a:ext uri="{FF2B5EF4-FFF2-40B4-BE49-F238E27FC236}">
-                <a16:creationId xmlns:a16="http://schemas.microsoft.com/office/drawing/2014/main" id="{B29F2282-5A96-4FA3-B8E2-5F6DE3EC7FEF}"/>
+                <a16:creationId xmlns:a16="http://schemas.microsoft.com/office/drawing/2014/main" id="{47D5A1BE-BE67-40D5-B101-68BFC3D58051}"/>
               </a:ext>
             </a:extLst>
           </p:cNvPr>
           <p:cNvPicPr>
-            <a:picLocks noGrp="1" noChangeAspect="1"/>
+            <a:picLocks noChangeAspect="1"/>
           </p:cNvPicPr>
-          <p:nvPr>
-            <p:ph idx="1"/>
-          </p:nvPr>
+          <p:nvPr/>
         </p:nvPicPr>
         <p:blipFill>
           <a:blip r:embed="rId2">
@@ -4961,16 +6021,199 @@
           </a:stretch>
         </p:blipFill>
         <p:spPr>
+          <a:xfrm rot="5400000">
+            <a:off x="-366191" y="-2926080"/>
+            <a:ext cx="12924382" cy="12192000"/>
+          </a:xfrm>
+          <a:prstGeom prst="rect">
+            <a:avLst/>
+          </a:prstGeom>
+        </p:spPr>
+      </p:pic>
+      <p:sp>
+        <p:nvSpPr>
+          <p:cNvPr id="2" name="Titel 1"/>
+          <p:cNvSpPr>
+            <a:spLocks noGrp="1"/>
+          </p:cNvSpPr>
+          <p:nvPr>
+            <p:ph type="title"/>
+          </p:nvPr>
+        </p:nvSpPr>
+        <p:spPr/>
+        <p:txBody>
+          <a:bodyPr/>
+          <a:lstStyle/>
+          <a:p>
+            <a:r>
+              <a:rPr lang="de-DE" dirty="0">
+                <a:solidFill>
+                  <a:schemeClr val="bg1"/>
+                </a:solidFill>
+              </a:rPr>
+              <a:t>Button Darstellung</a:t>
+            </a:r>
+          </a:p>
+        </p:txBody>
+      </p:sp>
+      <p:sp>
+        <p:nvSpPr>
+          <p:cNvPr id="8" name="Rechteck 7">
+            <a:extLst>
+              <a:ext uri="{FF2B5EF4-FFF2-40B4-BE49-F238E27FC236}">
+                <a16:creationId xmlns:a16="http://schemas.microsoft.com/office/drawing/2014/main" id="{39782BD2-6844-406D-B26A-BB2AEDE27F01}"/>
+              </a:ext>
+            </a:extLst>
+          </p:cNvPr>
+          <p:cNvSpPr/>
+          <p:nvPr/>
+        </p:nvSpPr>
+        <p:spPr>
           <a:xfrm>
-            <a:off x="3192695" y="1825625"/>
-            <a:ext cx="5806610" cy="4351338"/>
+            <a:off x="10778400" y="6101080"/>
+            <a:ext cx="670560" cy="2123440"/>
           </a:xfrm>
+          <a:prstGeom prst="rect">
+            <a:avLst/>
+          </a:prstGeom>
+          <a:solidFill>
+            <a:srgbClr val="C00000"/>
+          </a:solidFill>
+          <a:ln>
+            <a:noFill/>
+          </a:ln>
+          <a:effectLst>
+            <a:outerShdw blurRad="50800" dist="38100" dir="2700000" algn="tl" rotWithShape="0">
+              <a:prstClr val="black">
+                <a:alpha val="40000"/>
+              </a:prstClr>
+            </a:outerShdw>
+          </a:effectLst>
+        </p:spPr>
+        <p:style>
+          <a:lnRef idx="2">
+            <a:schemeClr val="accent1">
+              <a:shade val="50000"/>
+            </a:schemeClr>
+          </a:lnRef>
+          <a:fillRef idx="1">
+            <a:schemeClr val="accent1"/>
+          </a:fillRef>
+          <a:effectRef idx="0">
+            <a:schemeClr val="accent1"/>
+          </a:effectRef>
+          <a:fontRef idx="minor">
+            <a:schemeClr val="lt1"/>
+          </a:fontRef>
+        </p:style>
+        <p:txBody>
+          <a:bodyPr rtlCol="0" anchor="ctr"/>
+          <a:lstStyle/>
+          <a:p>
+            <a:pPr algn="ctr"/>
+            <a:endParaRPr lang="de-DE" dirty="0"/>
+          </a:p>
+        </p:txBody>
+      </p:sp>
+      <p:sp>
+        <p:nvSpPr>
+          <p:cNvPr id="6" name="Foliennummernplatzhalter 5"/>
+          <p:cNvSpPr>
+            <a:spLocks noGrp="1"/>
+          </p:cNvSpPr>
+          <p:nvPr>
+            <p:ph type="sldNum" sz="quarter" idx="12"/>
+          </p:nvPr>
+        </p:nvSpPr>
+        <p:spPr/>
+        <p:txBody>
+          <a:bodyPr/>
+          <a:lstStyle/>
+          <a:p>
+            <a:fld id="{57D8F98F-9146-4D48-BD84-43508DAD44DB}" type="slidenum">
+              <a:rPr lang="de-DE" smtClean="0"/>
+              <a:t>17</a:t>
+            </a:fld>
+            <a:endParaRPr lang="de-DE"/>
+          </a:p>
+        </p:txBody>
+      </p:sp>
+      <p:sp>
+        <p:nvSpPr>
+          <p:cNvPr id="4" name="Inhaltsplatzhalter 3">
+            <a:extLst>
+              <a:ext uri="{FF2B5EF4-FFF2-40B4-BE49-F238E27FC236}">
+                <a16:creationId xmlns:a16="http://schemas.microsoft.com/office/drawing/2014/main" id="{5FE1F516-DAF8-4943-B263-D1A733BE3523}"/>
+              </a:ext>
+            </a:extLst>
+          </p:cNvPr>
+          <p:cNvSpPr>
+            <a:spLocks noGrp="1"/>
+          </p:cNvSpPr>
+          <p:nvPr>
+            <p:ph idx="1"/>
+          </p:nvPr>
+        </p:nvSpPr>
+        <p:spPr>
+          <a:xfrm>
+            <a:off x="838200" y="1825625"/>
+            <a:ext cx="8844280" cy="4351338"/>
+          </a:xfrm>
+        </p:spPr>
+        <p:txBody>
+          <a:bodyPr>
+            <a:normAutofit/>
+          </a:bodyPr>
+          <a:lstStyle/>
+          <a:p>
+            <a:endParaRPr lang="de-DE" dirty="0">
+              <a:solidFill>
+                <a:schemeClr val="bg1"/>
+              </a:solidFill>
+            </a:endParaRPr>
+          </a:p>
+        </p:txBody>
+      </p:sp>
+      <p:pic>
+        <p:nvPicPr>
+          <p:cNvPr id="10" name="Inhaltsplatzhalter 6">
+            <a:extLst>
+              <a:ext uri="{FF2B5EF4-FFF2-40B4-BE49-F238E27FC236}">
+                <a16:creationId xmlns:a16="http://schemas.microsoft.com/office/drawing/2014/main" id="{47F8187D-6A40-43BA-91A5-0FF6E94956D3}"/>
+              </a:ext>
+            </a:extLst>
+          </p:cNvPr>
+          <p:cNvPicPr>
+            <a:picLocks noChangeAspect="1"/>
+          </p:cNvPicPr>
+          <p:nvPr/>
+        </p:nvPicPr>
+        <p:blipFill>
+          <a:blip r:embed="rId3">
+            <a:extLst>
+              <a:ext uri="{28A0092B-C50C-407E-A947-70E740481C1C}">
+                <a14:useLocalDpi xmlns:a14="http://schemas.microsoft.com/office/drawing/2010/main" val="0"/>
+              </a:ext>
+            </a:extLst>
+          </a:blip>
+          <a:stretch>
+            <a:fillRect/>
+          </a:stretch>
+        </p:blipFill>
+        <p:spPr>
+          <a:xfrm>
+            <a:off x="3685343" y="1825625"/>
+            <a:ext cx="4821314" cy="4351338"/>
+          </a:xfrm>
+          <a:prstGeom prst="rect">
+            <a:avLst/>
+          </a:prstGeom>
         </p:spPr>
       </p:pic>
     </p:spTree>
     <p:extLst>
       <p:ext uri="{BB962C8B-B14F-4D97-AF65-F5344CB8AC3E}">
-        <p14:creationId xmlns:p14="http://schemas.microsoft.com/office/powerpoint/2010/main" val="1699182696"/>
+        <p14:creationId xmlns:p14="http://schemas.microsoft.com/office/powerpoint/2010/main" val="3478410120"/>
       </p:ext>
     </p:extLst>
   </p:cSld>
@@ -4997,66 +6240,19 @@
           <a:chExt cx="0" cy="0"/>
         </a:xfrm>
       </p:grpSpPr>
-      <p:sp>
-        <p:nvSpPr>
-          <p:cNvPr id="2" name="Titel 1"/>
-          <p:cNvSpPr>
-            <a:spLocks noGrp="1"/>
-          </p:cNvSpPr>
-          <p:nvPr>
-            <p:ph type="title"/>
-          </p:nvPr>
-        </p:nvSpPr>
-        <p:spPr/>
-        <p:txBody>
-          <a:bodyPr/>
-          <a:lstStyle/>
-          <a:p>
-            <a:r>
-              <a:rPr lang="de-DE" dirty="0"/>
-              <a:t>Button Darstellung</a:t>
-            </a:r>
-          </a:p>
-        </p:txBody>
-      </p:sp>
-      <p:sp>
-        <p:nvSpPr>
-          <p:cNvPr id="6" name="Foliennummernplatzhalter 5"/>
-          <p:cNvSpPr>
-            <a:spLocks noGrp="1"/>
-          </p:cNvSpPr>
-          <p:nvPr>
-            <p:ph type="sldNum" sz="quarter" idx="12"/>
-          </p:nvPr>
-        </p:nvSpPr>
-        <p:spPr/>
-        <p:txBody>
-          <a:bodyPr/>
-          <a:lstStyle/>
-          <a:p>
-            <a:fld id="{57D8F98F-9146-4D48-BD84-43508DAD44DB}" type="slidenum">
-              <a:rPr lang="de-DE" smtClean="0"/>
-              <a:t>19</a:t>
-            </a:fld>
-            <a:endParaRPr lang="de-DE"/>
-          </a:p>
-        </p:txBody>
-      </p:sp>
       <p:pic>
         <p:nvPicPr>
-          <p:cNvPr id="9" name="Inhaltsplatzhalter 8">
+          <p:cNvPr id="7" name="Grafik 6" descr="Ein Bild, das Tier, Licht, Vorhang enthält.&#10;&#10;Automatisch generierte Beschreibung">
             <a:extLst>
               <a:ext uri="{FF2B5EF4-FFF2-40B4-BE49-F238E27FC236}">
-                <a16:creationId xmlns:a16="http://schemas.microsoft.com/office/drawing/2014/main" id="{F0FBF428-F1CF-4E45-8648-4008C91C5376}"/>
+                <a16:creationId xmlns:a16="http://schemas.microsoft.com/office/drawing/2014/main" id="{47D5A1BE-BE67-40D5-B101-68BFC3D58051}"/>
               </a:ext>
             </a:extLst>
           </p:cNvPr>
           <p:cNvPicPr>
-            <a:picLocks noGrp="1" noChangeAspect="1"/>
+            <a:picLocks noChangeAspect="1"/>
           </p:cNvPicPr>
-          <p:nvPr>
-            <p:ph idx="1"/>
-          </p:nvPr>
+          <p:nvPr/>
         </p:nvPicPr>
         <p:blipFill>
           <a:blip r:embed="rId2">
@@ -5071,16 +6267,247 @@
           </a:stretch>
         </p:blipFill>
         <p:spPr>
+          <a:xfrm rot="5400000">
+            <a:off x="-366191" y="-2926080"/>
+            <a:ext cx="12924382" cy="12192000"/>
+          </a:xfrm>
+          <a:prstGeom prst="rect">
+            <a:avLst/>
+          </a:prstGeom>
+        </p:spPr>
+      </p:pic>
+      <p:sp>
+        <p:nvSpPr>
+          <p:cNvPr id="2" name="Titel 1"/>
+          <p:cNvSpPr>
+            <a:spLocks noGrp="1"/>
+          </p:cNvSpPr>
+          <p:nvPr>
+            <p:ph type="title"/>
+          </p:nvPr>
+        </p:nvSpPr>
+        <p:spPr/>
+        <p:txBody>
+          <a:bodyPr/>
+          <a:lstStyle/>
+          <a:p>
+            <a:r>
+              <a:rPr lang="de-DE" dirty="0">
+                <a:solidFill>
+                  <a:schemeClr val="bg1"/>
+                </a:solidFill>
+              </a:rPr>
+              <a:t>Ausblick View</a:t>
+            </a:r>
+          </a:p>
+        </p:txBody>
+      </p:sp>
+      <p:sp>
+        <p:nvSpPr>
+          <p:cNvPr id="8" name="Rechteck 7">
+            <a:extLst>
+              <a:ext uri="{FF2B5EF4-FFF2-40B4-BE49-F238E27FC236}">
+                <a16:creationId xmlns:a16="http://schemas.microsoft.com/office/drawing/2014/main" id="{39782BD2-6844-406D-B26A-BB2AEDE27F01}"/>
+              </a:ext>
+            </a:extLst>
+          </p:cNvPr>
+          <p:cNvSpPr/>
+          <p:nvPr/>
+        </p:nvSpPr>
+        <p:spPr>
           <a:xfrm>
-            <a:off x="1076274" y="1690688"/>
-            <a:ext cx="10039451" cy="4351338"/>
+            <a:off x="10778400" y="6101080"/>
+            <a:ext cx="670560" cy="2123440"/>
+          </a:xfrm>
+          <a:prstGeom prst="rect">
+            <a:avLst/>
+          </a:prstGeom>
+          <a:solidFill>
+            <a:srgbClr val="C00000"/>
+          </a:solidFill>
+          <a:ln>
+            <a:noFill/>
+          </a:ln>
+          <a:effectLst>
+            <a:outerShdw blurRad="50800" dist="38100" dir="2700000" algn="tl" rotWithShape="0">
+              <a:prstClr val="black">
+                <a:alpha val="40000"/>
+              </a:prstClr>
+            </a:outerShdw>
+          </a:effectLst>
+        </p:spPr>
+        <p:style>
+          <a:lnRef idx="2">
+            <a:schemeClr val="accent1">
+              <a:shade val="50000"/>
+            </a:schemeClr>
+          </a:lnRef>
+          <a:fillRef idx="1">
+            <a:schemeClr val="accent1"/>
+          </a:fillRef>
+          <a:effectRef idx="0">
+            <a:schemeClr val="accent1"/>
+          </a:effectRef>
+          <a:fontRef idx="minor">
+            <a:schemeClr val="lt1"/>
+          </a:fontRef>
+        </p:style>
+        <p:txBody>
+          <a:bodyPr rtlCol="0" anchor="ctr"/>
+          <a:lstStyle/>
+          <a:p>
+            <a:pPr algn="ctr"/>
+            <a:endParaRPr lang="de-DE"/>
+          </a:p>
+        </p:txBody>
+      </p:sp>
+      <p:sp>
+        <p:nvSpPr>
+          <p:cNvPr id="6" name="Foliennummernplatzhalter 5"/>
+          <p:cNvSpPr>
+            <a:spLocks noGrp="1"/>
+          </p:cNvSpPr>
+          <p:nvPr>
+            <p:ph type="sldNum" sz="quarter" idx="12"/>
+          </p:nvPr>
+        </p:nvSpPr>
+        <p:spPr/>
+        <p:txBody>
+          <a:bodyPr/>
+          <a:lstStyle/>
+          <a:p>
+            <a:fld id="{57D8F98F-9146-4D48-BD84-43508DAD44DB}" type="slidenum">
+              <a:rPr lang="de-DE" smtClean="0"/>
+              <a:t>18</a:t>
+            </a:fld>
+            <a:endParaRPr lang="de-DE"/>
+          </a:p>
+        </p:txBody>
+      </p:sp>
+      <p:sp>
+        <p:nvSpPr>
+          <p:cNvPr id="4" name="Inhaltsplatzhalter 3">
+            <a:extLst>
+              <a:ext uri="{FF2B5EF4-FFF2-40B4-BE49-F238E27FC236}">
+                <a16:creationId xmlns:a16="http://schemas.microsoft.com/office/drawing/2014/main" id="{5FE1F516-DAF8-4943-B263-D1A733BE3523}"/>
+              </a:ext>
+            </a:extLst>
+          </p:cNvPr>
+          <p:cNvSpPr>
+            <a:spLocks noGrp="1"/>
+          </p:cNvSpPr>
+          <p:nvPr>
+            <p:ph idx="1"/>
+          </p:nvPr>
+        </p:nvSpPr>
+        <p:spPr>
+          <a:xfrm>
+            <a:off x="838200" y="1825625"/>
+            <a:ext cx="8844280" cy="4351338"/>
           </a:xfrm>
         </p:spPr>
-      </p:pic>
+        <p:txBody>
+          <a:bodyPr>
+            <a:normAutofit/>
+          </a:bodyPr>
+          <a:lstStyle/>
+          <a:p>
+            <a:r>
+              <a:rPr lang="de-DE" sz="3600" dirty="0">
+                <a:solidFill>
+                  <a:schemeClr val="bg1"/>
+                </a:solidFill>
+              </a:rPr>
+              <a:t>Natives Erlebnis:</a:t>
+            </a:r>
+          </a:p>
+          <a:p>
+            <a:pPr marL="0" indent="0">
+              <a:buNone/>
+            </a:pPr>
+            <a:r>
+              <a:rPr lang="de-DE" sz="3600" dirty="0">
+                <a:solidFill>
+                  <a:schemeClr val="bg1"/>
+                </a:solidFill>
+                <a:sym typeface="Wingdings" panose="05000000000000000000" pitchFamily="2" charset="2"/>
+              </a:rPr>
+              <a:t>	</a:t>
+            </a:r>
+            <a:r>
+              <a:rPr lang="de-DE" sz="3600" dirty="0">
+                <a:solidFill>
+                  <a:schemeClr val="bg1"/>
+                </a:solidFill>
+              </a:rPr>
+              <a:t>Volle Skalierbarkeit</a:t>
+            </a:r>
+          </a:p>
+          <a:p>
+            <a:pPr marL="0" indent="0">
+              <a:buNone/>
+            </a:pPr>
+            <a:r>
+              <a:rPr lang="de-DE" sz="3600" dirty="0">
+                <a:solidFill>
+                  <a:schemeClr val="bg1"/>
+                </a:solidFill>
+                <a:sym typeface="Wingdings" panose="05000000000000000000" pitchFamily="2" charset="2"/>
+              </a:rPr>
+              <a:t>	</a:t>
+            </a:r>
+            <a:r>
+              <a:rPr lang="de-DE" sz="3600" dirty="0">
+                <a:solidFill>
+                  <a:schemeClr val="bg1"/>
+                </a:solidFill>
+              </a:rPr>
+              <a:t>Button Skaliert mit Fenstergröße</a:t>
+            </a:r>
+          </a:p>
+          <a:p>
+            <a:pPr marL="0" indent="0">
+              <a:buNone/>
+            </a:pPr>
+            <a:r>
+              <a:rPr lang="de-DE" sz="3600" dirty="0">
+                <a:solidFill>
+                  <a:schemeClr val="bg1"/>
+                </a:solidFill>
+                <a:sym typeface="Wingdings" panose="05000000000000000000" pitchFamily="2" charset="2"/>
+              </a:rPr>
+              <a:t>	</a:t>
+            </a:r>
+            <a:r>
+              <a:rPr lang="de-DE" sz="3600" dirty="0" err="1">
+                <a:solidFill>
+                  <a:schemeClr val="bg1"/>
+                </a:solidFill>
+              </a:rPr>
+              <a:t>Hover</a:t>
+            </a:r>
+            <a:r>
+              <a:rPr lang="de-DE" sz="3600" dirty="0">
+                <a:solidFill>
+                  <a:schemeClr val="bg1"/>
+                </a:solidFill>
+              </a:rPr>
+              <a:t> Events </a:t>
+            </a:r>
+          </a:p>
+          <a:p>
+            <a:endParaRPr lang="de-DE" dirty="0">
+              <a:solidFill>
+                <a:schemeClr val="bg1"/>
+              </a:solidFill>
+            </a:endParaRPr>
+          </a:p>
+        </p:txBody>
+      </p:sp>
     </p:spTree>
     <p:extLst>
       <p:ext uri="{BB962C8B-B14F-4D97-AF65-F5344CB8AC3E}">
-        <p14:creationId xmlns:p14="http://schemas.microsoft.com/office/powerpoint/2010/main" val="1360122823"/>
+        <p14:creationId xmlns:p14="http://schemas.microsoft.com/office/powerpoint/2010/main" val="3822694312"/>
       </p:ext>
     </p:extLst>
   </p:cSld>
@@ -5093,14 +6520,6 @@
 <file path=ppt/slides/slide2.xml><?xml version="1.0" encoding="utf-8"?>
 <p:sld xmlns:a="http://schemas.openxmlformats.org/drawingml/2006/main" xmlns:r="http://schemas.openxmlformats.org/officeDocument/2006/relationships" xmlns:p="http://schemas.openxmlformats.org/presentationml/2006/main">
   <p:cSld>
-    <p:bg>
-      <p:bgPr>
-        <a:solidFill>
-          <a:srgbClr val="2F3771"/>
-        </a:solidFill>
-        <a:effectLst/>
-      </p:bgPr>
-    </p:bg>
     <p:spTree>
       <p:nvGrpSpPr>
         <p:cNvPr id="1" name=""/>
@@ -5115,6 +6534,101 @@
           <a:chExt cx="0" cy="0"/>
         </a:xfrm>
       </p:grpSpPr>
+      <p:pic>
+        <p:nvPicPr>
+          <p:cNvPr id="5" name="Grafik 4" descr="Ein Bild, das Tier, Licht, Vorhang enthält.&#10;&#10;Automatisch generierte Beschreibung">
+            <a:extLst>
+              <a:ext uri="{FF2B5EF4-FFF2-40B4-BE49-F238E27FC236}">
+                <a16:creationId xmlns:a16="http://schemas.microsoft.com/office/drawing/2014/main" id="{04FE3985-2094-45C1-8462-E2112B428033}"/>
+              </a:ext>
+            </a:extLst>
+          </p:cNvPr>
+          <p:cNvPicPr>
+            <a:picLocks noChangeAspect="1"/>
+          </p:cNvPicPr>
+          <p:nvPr/>
+        </p:nvPicPr>
+        <p:blipFill>
+          <a:blip r:embed="rId2">
+            <a:extLst>
+              <a:ext uri="{28A0092B-C50C-407E-A947-70E740481C1C}">
+                <a14:useLocalDpi xmlns:a14="http://schemas.microsoft.com/office/drawing/2010/main" val="0"/>
+              </a:ext>
+            </a:extLst>
+          </a:blip>
+          <a:stretch>
+            <a:fillRect/>
+          </a:stretch>
+        </p:blipFill>
+        <p:spPr>
+          <a:xfrm rot="5400000">
+            <a:off x="-366191" y="-2936240"/>
+            <a:ext cx="12924382" cy="12192000"/>
+          </a:xfrm>
+          <a:prstGeom prst="rect">
+            <a:avLst/>
+          </a:prstGeom>
+        </p:spPr>
+      </p:pic>
+      <p:sp>
+        <p:nvSpPr>
+          <p:cNvPr id="4" name="Rechteck 3">
+            <a:extLst>
+              <a:ext uri="{FF2B5EF4-FFF2-40B4-BE49-F238E27FC236}">
+                <a16:creationId xmlns:a16="http://schemas.microsoft.com/office/drawing/2014/main" id="{BAF894DB-3A55-497C-A622-93497AFED6CA}"/>
+              </a:ext>
+            </a:extLst>
+          </p:cNvPr>
+          <p:cNvSpPr/>
+          <p:nvPr/>
+        </p:nvSpPr>
+        <p:spPr>
+          <a:xfrm>
+            <a:off x="10779760" y="6101080"/>
+            <a:ext cx="670560" cy="2123440"/>
+          </a:xfrm>
+          <a:prstGeom prst="rect">
+            <a:avLst/>
+          </a:prstGeom>
+          <a:solidFill>
+            <a:srgbClr val="C00000"/>
+          </a:solidFill>
+          <a:ln>
+            <a:noFill/>
+          </a:ln>
+          <a:effectLst>
+            <a:outerShdw blurRad="50800" dist="38100" dir="2700000" algn="tl" rotWithShape="0">
+              <a:prstClr val="black">
+                <a:alpha val="40000"/>
+              </a:prstClr>
+            </a:outerShdw>
+          </a:effectLst>
+        </p:spPr>
+        <p:style>
+          <a:lnRef idx="2">
+            <a:schemeClr val="accent1">
+              <a:shade val="50000"/>
+            </a:schemeClr>
+          </a:lnRef>
+          <a:fillRef idx="1">
+            <a:schemeClr val="accent1"/>
+          </a:fillRef>
+          <a:effectRef idx="0">
+            <a:schemeClr val="accent1"/>
+          </a:effectRef>
+          <a:fontRef idx="minor">
+            <a:schemeClr val="lt1"/>
+          </a:fontRef>
+        </p:style>
+        <p:txBody>
+          <a:bodyPr rtlCol="0" anchor="ctr"/>
+          <a:lstStyle/>
+          <a:p>
+            <a:pPr algn="ctr"/>
+            <a:endParaRPr lang="de-DE"/>
+          </a:p>
+        </p:txBody>
+      </p:sp>
       <p:sp>
         <p:nvSpPr>
           <p:cNvPr id="2" name="Titel 1"/>
@@ -5154,7 +6668,7 @@
         <p:spPr/>
         <p:txBody>
           <a:bodyPr>
-            <a:normAutofit fontScale="92500" lnSpcReduction="20000"/>
+            <a:normAutofit lnSpcReduction="10000"/>
           </a:bodyPr>
           <a:lstStyle/>
           <a:p>
@@ -5174,7 +6688,7 @@
                   <a:schemeClr val="bg1"/>
                 </a:solidFill>
               </a:rPr>
-              <a:t>Lösungsidee</a:t>
+              <a:t>Zeitplan</a:t>
             </a:r>
           </a:p>
           <a:p>
@@ -5184,7 +6698,7 @@
                   <a:schemeClr val="bg1"/>
                 </a:solidFill>
               </a:rPr>
-              <a:t>Zeitplan</a:t>
+              <a:t>MVC</a:t>
             </a:r>
           </a:p>
           <a:p>
@@ -5194,17 +6708,7 @@
                   <a:schemeClr val="bg1"/>
                 </a:solidFill>
               </a:rPr>
-              <a:t>MVC</a:t>
-            </a:r>
-          </a:p>
-          <a:p>
-            <a:r>
-              <a:rPr lang="de-DE" dirty="0">
-                <a:solidFill>
-                  <a:schemeClr val="bg1"/>
-                </a:solidFill>
-              </a:rPr>
-              <a:t>Ist-Zustand</a:t>
+              <a:t>Lösungsansatz</a:t>
             </a:r>
           </a:p>
           <a:p>
@@ -5276,7 +6780,7 @@
           <a:p>
             <a:fld id="{57D8F98F-9146-4D48-BD84-43508DAD44DB}" type="slidenum">
               <a:rPr lang="de-DE" smtClean="0"/>
-              <a:t>2</a:t>
+              <a:t>1</a:t>
             </a:fld>
             <a:endParaRPr lang="de-DE" dirty="0"/>
           </a:p>
@@ -5292,13 +6796,6 @@
   <p:clrMapOvr>
     <a:masterClrMapping/>
   </p:clrMapOvr>
-  <p:timing>
-    <p:tnLst>
-      <p:par>
-        <p:cTn id="1" dur="indefinite" restart="never" nodeType="tmRoot"/>
-      </p:par>
-    </p:tnLst>
-  </p:timing>
 </p:sld>
 </file>
 
@@ -5319,66 +6816,19 @@
           <a:chExt cx="0" cy="0"/>
         </a:xfrm>
       </p:grpSpPr>
-      <p:sp>
-        <p:nvSpPr>
-          <p:cNvPr id="2" name="Titel 1"/>
-          <p:cNvSpPr>
-            <a:spLocks noGrp="1"/>
-          </p:cNvSpPr>
-          <p:nvPr>
-            <p:ph type="title"/>
-          </p:nvPr>
-        </p:nvSpPr>
-        <p:spPr/>
-        <p:txBody>
-          <a:bodyPr/>
-          <a:lstStyle/>
-          <a:p>
-            <a:r>
-              <a:rPr lang="de-DE" dirty="0"/>
-              <a:t>Button Darstellung</a:t>
-            </a:r>
-          </a:p>
-        </p:txBody>
-      </p:sp>
-      <p:sp>
-        <p:nvSpPr>
-          <p:cNvPr id="6" name="Foliennummernplatzhalter 5"/>
-          <p:cNvSpPr>
-            <a:spLocks noGrp="1"/>
-          </p:cNvSpPr>
-          <p:nvPr>
-            <p:ph type="sldNum" sz="quarter" idx="12"/>
-          </p:nvPr>
-        </p:nvSpPr>
-        <p:spPr/>
-        <p:txBody>
-          <a:bodyPr/>
-          <a:lstStyle/>
-          <a:p>
-            <a:fld id="{57D8F98F-9146-4D48-BD84-43508DAD44DB}" type="slidenum">
-              <a:rPr lang="de-DE" smtClean="0"/>
-              <a:t>20</a:t>
-            </a:fld>
-            <a:endParaRPr lang="de-DE"/>
-          </a:p>
-        </p:txBody>
-      </p:sp>
       <p:pic>
         <p:nvPicPr>
-          <p:cNvPr id="7" name="Inhaltsplatzhalter 6">
+          <p:cNvPr id="7" name="Grafik 6" descr="Ein Bild, das Tier, Licht, Vorhang enthält.&#10;&#10;Automatisch generierte Beschreibung">
             <a:extLst>
               <a:ext uri="{FF2B5EF4-FFF2-40B4-BE49-F238E27FC236}">
-                <a16:creationId xmlns:a16="http://schemas.microsoft.com/office/drawing/2014/main" id="{461DAFE3-3C3B-4EB6-BB45-75D45CD9EA1A}"/>
+                <a16:creationId xmlns:a16="http://schemas.microsoft.com/office/drawing/2014/main" id="{47D5A1BE-BE67-40D5-B101-68BFC3D58051}"/>
               </a:ext>
             </a:extLst>
           </p:cNvPr>
           <p:cNvPicPr>
-            <a:picLocks noGrp="1" noChangeAspect="1"/>
+            <a:picLocks noChangeAspect="1"/>
           </p:cNvPicPr>
-          <p:nvPr>
-            <p:ph idx="1"/>
-          </p:nvPr>
+          <p:nvPr/>
         </p:nvPicPr>
         <p:blipFill>
           <a:blip r:embed="rId2">
@@ -5393,16 +6843,163 @@
           </a:stretch>
         </p:blipFill>
         <p:spPr>
+          <a:xfrm rot="5400000">
+            <a:off x="-366191" y="-2926080"/>
+            <a:ext cx="12924382" cy="12192000"/>
+          </a:xfrm>
+          <a:prstGeom prst="rect">
+            <a:avLst/>
+          </a:prstGeom>
+        </p:spPr>
+      </p:pic>
+      <p:sp>
+        <p:nvSpPr>
+          <p:cNvPr id="2" name="Titel 1"/>
+          <p:cNvSpPr>
+            <a:spLocks noGrp="1"/>
+          </p:cNvSpPr>
+          <p:nvPr>
+            <p:ph type="title"/>
+          </p:nvPr>
+        </p:nvSpPr>
+        <p:spPr/>
+        <p:txBody>
+          <a:bodyPr/>
+          <a:lstStyle/>
+          <a:p>
+            <a:r>
+              <a:rPr lang="de-DE" dirty="0">
+                <a:solidFill>
+                  <a:schemeClr val="bg1"/>
+                </a:solidFill>
+              </a:rPr>
+              <a:t>Fazit</a:t>
+            </a:r>
+          </a:p>
+        </p:txBody>
+      </p:sp>
+      <p:sp>
+        <p:nvSpPr>
+          <p:cNvPr id="8" name="Rechteck 7">
+            <a:extLst>
+              <a:ext uri="{FF2B5EF4-FFF2-40B4-BE49-F238E27FC236}">
+                <a16:creationId xmlns:a16="http://schemas.microsoft.com/office/drawing/2014/main" id="{39782BD2-6844-406D-B26A-BB2AEDE27F01}"/>
+              </a:ext>
+            </a:extLst>
+          </p:cNvPr>
+          <p:cNvSpPr/>
+          <p:nvPr/>
+        </p:nvSpPr>
+        <p:spPr>
           <a:xfrm>
-            <a:off x="3685343" y="1825625"/>
-            <a:ext cx="4821314" cy="4351338"/>
+            <a:off x="10778400" y="6101080"/>
+            <a:ext cx="670560" cy="2123440"/>
+          </a:xfrm>
+          <a:prstGeom prst="rect">
+            <a:avLst/>
+          </a:prstGeom>
+          <a:solidFill>
+            <a:srgbClr val="C00000"/>
+          </a:solidFill>
+          <a:ln>
+            <a:noFill/>
+          </a:ln>
+          <a:effectLst>
+            <a:outerShdw blurRad="50800" dist="38100" dir="2700000" algn="tl" rotWithShape="0">
+              <a:prstClr val="black">
+                <a:alpha val="40000"/>
+              </a:prstClr>
+            </a:outerShdw>
+          </a:effectLst>
+        </p:spPr>
+        <p:style>
+          <a:lnRef idx="2">
+            <a:schemeClr val="accent1">
+              <a:shade val="50000"/>
+            </a:schemeClr>
+          </a:lnRef>
+          <a:fillRef idx="1">
+            <a:schemeClr val="accent1"/>
+          </a:fillRef>
+          <a:effectRef idx="0">
+            <a:schemeClr val="accent1"/>
+          </a:effectRef>
+          <a:fontRef idx="minor">
+            <a:schemeClr val="lt1"/>
+          </a:fontRef>
+        </p:style>
+        <p:txBody>
+          <a:bodyPr rtlCol="0" anchor="ctr"/>
+          <a:lstStyle/>
+          <a:p>
+            <a:pPr algn="ctr"/>
+            <a:endParaRPr lang="de-DE"/>
+          </a:p>
+        </p:txBody>
+      </p:sp>
+      <p:sp>
+        <p:nvSpPr>
+          <p:cNvPr id="6" name="Foliennummernplatzhalter 5"/>
+          <p:cNvSpPr>
+            <a:spLocks noGrp="1"/>
+          </p:cNvSpPr>
+          <p:nvPr>
+            <p:ph type="sldNum" sz="quarter" idx="12"/>
+          </p:nvPr>
+        </p:nvSpPr>
+        <p:spPr/>
+        <p:txBody>
+          <a:bodyPr/>
+          <a:lstStyle/>
+          <a:p>
+            <a:fld id="{57D8F98F-9146-4D48-BD84-43508DAD44DB}" type="slidenum">
+              <a:rPr lang="de-DE" smtClean="0"/>
+              <a:t>19</a:t>
+            </a:fld>
+            <a:endParaRPr lang="de-DE"/>
+          </a:p>
+        </p:txBody>
+      </p:sp>
+      <p:sp>
+        <p:nvSpPr>
+          <p:cNvPr id="4" name="Inhaltsplatzhalter 3">
+            <a:extLst>
+              <a:ext uri="{FF2B5EF4-FFF2-40B4-BE49-F238E27FC236}">
+                <a16:creationId xmlns:a16="http://schemas.microsoft.com/office/drawing/2014/main" id="{5FE1F516-DAF8-4943-B263-D1A733BE3523}"/>
+              </a:ext>
+            </a:extLst>
+          </p:cNvPr>
+          <p:cNvSpPr>
+            <a:spLocks noGrp="1"/>
+          </p:cNvSpPr>
+          <p:nvPr>
+            <p:ph idx="1"/>
+          </p:nvPr>
+        </p:nvSpPr>
+        <p:spPr>
+          <a:xfrm>
+            <a:off x="838200" y="1825625"/>
+            <a:ext cx="8844280" cy="4351338"/>
           </a:xfrm>
         </p:spPr>
-      </p:pic>
+        <p:txBody>
+          <a:bodyPr>
+            <a:normAutofit/>
+          </a:bodyPr>
+          <a:lstStyle/>
+          <a:p>
+            <a:endParaRPr lang="de-DE" dirty="0">
+              <a:solidFill>
+                <a:schemeClr val="bg1"/>
+              </a:solidFill>
+            </a:endParaRPr>
+          </a:p>
+        </p:txBody>
+      </p:sp>
     </p:spTree>
     <p:extLst>
       <p:ext uri="{BB962C8B-B14F-4D97-AF65-F5344CB8AC3E}">
-        <p14:creationId xmlns:p14="http://schemas.microsoft.com/office/powerpoint/2010/main" val="2981509911"/>
+        <p14:creationId xmlns:p14="http://schemas.microsoft.com/office/powerpoint/2010/main" val="2745025092"/>
       </p:ext>
     </p:extLst>
   </p:cSld>
@@ -5412,7 +7009,7 @@
 </p:sld>
 </file>
 
-<file path=ppt/slides/slide21.xml><?xml version="1.0" encoding="utf-8"?>
+<file path=ppt/slides/slide3.xml><?xml version="1.0" encoding="utf-8"?>
 <p:sld xmlns:a="http://schemas.openxmlformats.org/drawingml/2006/main" xmlns:r="http://schemas.openxmlformats.org/officeDocument/2006/relationships" xmlns:p="http://schemas.openxmlformats.org/presentationml/2006/main">
   <p:cSld>
     <p:spTree>
@@ -5429,60 +7026,71 @@
           <a:chExt cx="0" cy="0"/>
         </a:xfrm>
       </p:grpSpPr>
-      <p:sp>
-        <p:nvSpPr>
-          <p:cNvPr id="2" name="Titel 1"/>
-          <p:cNvSpPr>
-            <a:spLocks noGrp="1"/>
-          </p:cNvSpPr>
-          <p:nvPr>
-            <p:ph type="title"/>
-          </p:nvPr>
-        </p:nvSpPr>
-        <p:spPr/>
-        <p:txBody>
-          <a:bodyPr/>
-          <a:lstStyle/>
-          <a:p>
-            <a:r>
-              <a:rPr lang="de-DE" dirty="0"/>
-              <a:t>Was Funktioniert?</a:t>
-            </a:r>
-          </a:p>
-        </p:txBody>
-      </p:sp>
-      <p:sp>
-        <p:nvSpPr>
-          <p:cNvPr id="6" name="Foliennummernplatzhalter 5"/>
-          <p:cNvSpPr>
-            <a:spLocks noGrp="1"/>
-          </p:cNvSpPr>
-          <p:nvPr>
-            <p:ph type="sldNum" sz="quarter" idx="12"/>
-          </p:nvPr>
-        </p:nvSpPr>
-        <p:spPr/>
-        <p:txBody>
-          <a:bodyPr/>
-          <a:lstStyle/>
-          <a:p>
-            <a:fld id="{57D8F98F-9146-4D48-BD84-43508DAD44DB}" type="slidenum">
-              <a:rPr lang="de-DE" smtClean="0"/>
-              <a:t>21</a:t>
-            </a:fld>
-            <a:endParaRPr lang="de-DE"/>
-          </a:p>
-        </p:txBody>
-      </p:sp>
-      <p:sp>
-        <p:nvSpPr>
-          <p:cNvPr id="8" name="Inhaltsplatzhalter 7">
+      <p:pic>
+        <p:nvPicPr>
+          <p:cNvPr id="5" name="Grafik 4" descr="Ein Bild, das Tier, Licht, Vorhang enthält.&#10;&#10;Automatisch generierte Beschreibung">
             <a:extLst>
               <a:ext uri="{FF2B5EF4-FFF2-40B4-BE49-F238E27FC236}">
-                <a16:creationId xmlns:a16="http://schemas.microsoft.com/office/drawing/2014/main" id="{F041C424-7738-49F5-887D-C36C6CF91708}"/>
+                <a16:creationId xmlns:a16="http://schemas.microsoft.com/office/drawing/2014/main" id="{CE50F263-3126-4BB7-AD6A-C17CC4AFDB5E}"/>
               </a:ext>
             </a:extLst>
           </p:cNvPr>
+          <p:cNvPicPr>
+            <a:picLocks noChangeAspect="1"/>
+          </p:cNvPicPr>
+          <p:nvPr/>
+        </p:nvPicPr>
+        <p:blipFill>
+          <a:blip r:embed="rId2">
+            <a:extLst>
+              <a:ext uri="{28A0092B-C50C-407E-A947-70E740481C1C}">
+                <a14:useLocalDpi xmlns:a14="http://schemas.microsoft.com/office/drawing/2010/main" val="0"/>
+              </a:ext>
+            </a:extLst>
+          </a:blip>
+          <a:stretch>
+            <a:fillRect/>
+          </a:stretch>
+        </p:blipFill>
+        <p:spPr>
+          <a:xfrm rot="5400000">
+            <a:off x="-366191" y="-2926080"/>
+            <a:ext cx="12924382" cy="12192000"/>
+          </a:xfrm>
+          <a:prstGeom prst="rect">
+            <a:avLst/>
+          </a:prstGeom>
+        </p:spPr>
+      </p:pic>
+      <p:sp>
+        <p:nvSpPr>
+          <p:cNvPr id="2" name="Titel 1"/>
+          <p:cNvSpPr>
+            <a:spLocks noGrp="1"/>
+          </p:cNvSpPr>
+          <p:nvPr>
+            <p:ph type="title"/>
+          </p:nvPr>
+        </p:nvSpPr>
+        <p:spPr/>
+        <p:txBody>
+          <a:bodyPr/>
+          <a:lstStyle/>
+          <a:p>
+            <a:r>
+              <a:rPr lang="de-DE" dirty="0">
+                <a:solidFill>
+                  <a:schemeClr val="bg1"/>
+                </a:solidFill>
+              </a:rPr>
+              <a:t>Auftrag/Problemstellung</a:t>
+            </a:r>
+          </a:p>
+        </p:txBody>
+      </p:sp>
+      <p:sp>
+        <p:nvSpPr>
+          <p:cNvPr id="3" name="Inhaltsplatzhalter 2"/>
           <p:cNvSpPr>
             <a:spLocks noGrp="1"/>
           </p:cNvSpPr>
@@ -5495,6 +7103,179 @@
           <a:bodyPr/>
           <a:lstStyle/>
           <a:p>
+            <a:r>
+              <a:rPr lang="de-DE" dirty="0">
+                <a:solidFill>
+                  <a:schemeClr val="bg1"/>
+                </a:solidFill>
+              </a:rPr>
+              <a:t>Programmieren des Spiels „Wer wird Millionär“</a:t>
+            </a:r>
+          </a:p>
+          <a:p>
+            <a:r>
+              <a:rPr lang="de-DE" dirty="0" err="1">
+                <a:solidFill>
+                  <a:schemeClr val="bg1"/>
+                </a:solidFill>
+              </a:rPr>
+              <a:t>Qt-Entwicklunsumgebung</a:t>
+            </a:r>
+            <a:endParaRPr lang="de-DE" dirty="0">
+              <a:solidFill>
+                <a:schemeClr val="bg1"/>
+              </a:solidFill>
+            </a:endParaRPr>
+          </a:p>
+          <a:p>
+            <a:r>
+              <a:rPr lang="de-DE" dirty="0" err="1">
+                <a:solidFill>
+                  <a:schemeClr val="bg1"/>
+                </a:solidFill>
+              </a:rPr>
+              <a:t>Qt-Gui</a:t>
+            </a:r>
+            <a:endParaRPr lang="de-DE" dirty="0">
+              <a:solidFill>
+                <a:schemeClr val="bg1"/>
+              </a:solidFill>
+            </a:endParaRPr>
+          </a:p>
+          <a:p>
+            <a:r>
+              <a:rPr lang="de-DE" dirty="0">
+                <a:solidFill>
+                  <a:schemeClr val="bg1"/>
+                </a:solidFill>
+              </a:rPr>
+              <a:t>C++</a:t>
+            </a:r>
+          </a:p>
+          <a:p>
+            <a:r>
+              <a:rPr lang="de-DE" dirty="0">
+                <a:solidFill>
+                  <a:schemeClr val="bg1"/>
+                </a:solidFill>
+              </a:rPr>
+              <a:t>Original Spielregeln</a:t>
+            </a:r>
+          </a:p>
+          <a:p>
+            <a:r>
+              <a:rPr lang="de-DE" dirty="0">
+                <a:solidFill>
+                  <a:schemeClr val="bg1"/>
+                </a:solidFill>
+              </a:rPr>
+              <a:t>Grafiken und Bilder wie im Original</a:t>
+            </a:r>
+          </a:p>
+          <a:p>
+            <a:r>
+              <a:rPr lang="de-DE" dirty="0">
+                <a:solidFill>
+                  <a:schemeClr val="bg1"/>
+                </a:solidFill>
+              </a:rPr>
+              <a:t>Fragenkatalog </a:t>
+            </a:r>
+            <a:r>
+              <a:rPr lang="de-DE" dirty="0">
+                <a:solidFill>
+                  <a:schemeClr val="bg1"/>
+                </a:solidFill>
+                <a:sym typeface="Wingdings" panose="05000000000000000000" pitchFamily="2" charset="2"/>
+              </a:rPr>
+              <a:t> Datenbank</a:t>
+            </a:r>
+            <a:endParaRPr lang="de-DE" dirty="0">
+              <a:solidFill>
+                <a:schemeClr val="bg1"/>
+              </a:solidFill>
+            </a:endParaRPr>
+          </a:p>
+        </p:txBody>
+      </p:sp>
+      <p:sp>
+        <p:nvSpPr>
+          <p:cNvPr id="7" name="Rechteck 6">
+            <a:extLst>
+              <a:ext uri="{FF2B5EF4-FFF2-40B4-BE49-F238E27FC236}">
+                <a16:creationId xmlns:a16="http://schemas.microsoft.com/office/drawing/2014/main" id="{6DCB26C6-AEB8-4890-B14B-F92476BA36FC}"/>
+              </a:ext>
+            </a:extLst>
+          </p:cNvPr>
+          <p:cNvSpPr/>
+          <p:nvPr/>
+        </p:nvSpPr>
+        <p:spPr>
+          <a:xfrm>
+            <a:off x="10778400" y="6102000"/>
+            <a:ext cx="670560" cy="2123440"/>
+          </a:xfrm>
+          <a:prstGeom prst="rect">
+            <a:avLst/>
+          </a:prstGeom>
+          <a:solidFill>
+            <a:srgbClr val="C00000"/>
+          </a:solidFill>
+          <a:ln>
+            <a:noFill/>
+          </a:ln>
+          <a:effectLst>
+            <a:outerShdw blurRad="50800" dist="38100" dir="2700000" algn="tl" rotWithShape="0">
+              <a:prstClr val="black">
+                <a:alpha val="40000"/>
+              </a:prstClr>
+            </a:outerShdw>
+          </a:effectLst>
+        </p:spPr>
+        <p:style>
+          <a:lnRef idx="2">
+            <a:schemeClr val="accent1">
+              <a:shade val="50000"/>
+            </a:schemeClr>
+          </a:lnRef>
+          <a:fillRef idx="1">
+            <a:schemeClr val="accent1"/>
+          </a:fillRef>
+          <a:effectRef idx="0">
+            <a:schemeClr val="accent1"/>
+          </a:effectRef>
+          <a:fontRef idx="minor">
+            <a:schemeClr val="lt1"/>
+          </a:fontRef>
+        </p:style>
+        <p:txBody>
+          <a:bodyPr rtlCol="0" anchor="ctr"/>
+          <a:lstStyle/>
+          <a:p>
+            <a:pPr algn="ctr"/>
+            <a:endParaRPr lang="de-DE" dirty="0"/>
+          </a:p>
+        </p:txBody>
+      </p:sp>
+      <p:sp>
+        <p:nvSpPr>
+          <p:cNvPr id="6" name="Foliennummernplatzhalter 5"/>
+          <p:cNvSpPr>
+            <a:spLocks noGrp="1"/>
+          </p:cNvSpPr>
+          <p:nvPr>
+            <p:ph type="sldNum" sz="quarter" idx="12"/>
+          </p:nvPr>
+        </p:nvSpPr>
+        <p:spPr/>
+        <p:txBody>
+          <a:bodyPr/>
+          <a:lstStyle/>
+          <a:p>
+            <a:fld id="{57D8F98F-9146-4D48-BD84-43508DAD44DB}" type="slidenum">
+              <a:rPr lang="de-DE" smtClean="0"/>
+              <a:t>2</a:t>
+            </a:fld>
             <a:endParaRPr lang="de-DE"/>
           </a:p>
         </p:txBody>
@@ -5502,7 +7283,7 @@
     </p:spTree>
     <p:extLst>
       <p:ext uri="{BB962C8B-B14F-4D97-AF65-F5344CB8AC3E}">
-        <p14:creationId xmlns:p14="http://schemas.microsoft.com/office/powerpoint/2010/main" val="1388197831"/>
+        <p14:creationId xmlns:p14="http://schemas.microsoft.com/office/powerpoint/2010/main" val="1617313066"/>
       </p:ext>
     </p:extLst>
   </p:cSld>
@@ -5512,7 +7293,7 @@
 </p:sld>
 </file>
 
-<file path=ppt/slides/slide22.xml><?xml version="1.0" encoding="utf-8"?>
+<file path=ppt/slides/slide4.xml><?xml version="1.0" encoding="utf-8"?>
 <p:sld xmlns:a="http://schemas.openxmlformats.org/drawingml/2006/main" xmlns:r="http://schemas.openxmlformats.org/officeDocument/2006/relationships" xmlns:p="http://schemas.openxmlformats.org/presentationml/2006/main">
   <p:cSld>
     <p:spTree>
@@ -5529,6 +7310,42 @@
           <a:chExt cx="0" cy="0"/>
         </a:xfrm>
       </p:grpSpPr>
+      <p:pic>
+        <p:nvPicPr>
+          <p:cNvPr id="5" name="Grafik 4" descr="Ein Bild, das Tier, Licht, Vorhang enthält.&#10;&#10;Automatisch generierte Beschreibung">
+            <a:extLst>
+              <a:ext uri="{FF2B5EF4-FFF2-40B4-BE49-F238E27FC236}">
+                <a16:creationId xmlns:a16="http://schemas.microsoft.com/office/drawing/2014/main" id="{A5547D0F-A190-4B77-BBA7-BB0712A9E7F8}"/>
+              </a:ext>
+            </a:extLst>
+          </p:cNvPr>
+          <p:cNvPicPr>
+            <a:picLocks noChangeAspect="1"/>
+          </p:cNvPicPr>
+          <p:nvPr/>
+        </p:nvPicPr>
+        <p:blipFill>
+          <a:blip r:embed="rId2">
+            <a:extLst>
+              <a:ext uri="{28A0092B-C50C-407E-A947-70E740481C1C}">
+                <a14:useLocalDpi xmlns:a14="http://schemas.microsoft.com/office/drawing/2010/main" val="0"/>
+              </a:ext>
+            </a:extLst>
+          </a:blip>
+          <a:stretch>
+            <a:fillRect/>
+          </a:stretch>
+        </p:blipFill>
+        <p:spPr>
+          <a:xfrm rot="5400000">
+            <a:off x="-366191" y="-2926080"/>
+            <a:ext cx="12924382" cy="12192000"/>
+          </a:xfrm>
+          <a:prstGeom prst="rect">
+            <a:avLst/>
+          </a:prstGeom>
+        </p:spPr>
+      </p:pic>
       <p:sp>
         <p:nvSpPr>
           <p:cNvPr id="2" name="Titel 1"/>
@@ -5545,319 +7362,72 @@
           <a:lstStyle/>
           <a:p>
             <a:r>
-              <a:rPr lang="de-DE" dirty="0"/>
-              <a:t>Ausblick</a:t>
-            </a:r>
-          </a:p>
-        </p:txBody>
-      </p:sp>
-      <p:sp>
-        <p:nvSpPr>
-          <p:cNvPr id="3" name="Inhaltsplatzhalter 2"/>
-          <p:cNvSpPr>
-            <a:spLocks noGrp="1"/>
-          </p:cNvSpPr>
-          <p:nvPr>
-            <p:ph idx="1"/>
-          </p:nvPr>
-        </p:nvSpPr>
-        <p:spPr/>
-        <p:txBody>
-          <a:bodyPr/>
-          <a:lstStyle/>
-          <a:p>
+              <a:rPr lang="de-DE" dirty="0">
+                <a:solidFill>
+                  <a:schemeClr val="bg1"/>
+                </a:solidFill>
+              </a:rPr>
+              <a:t>Zeitplan</a:t>
+            </a:r>
+          </a:p>
+        </p:txBody>
+      </p:sp>
+      <p:sp>
+        <p:nvSpPr>
+          <p:cNvPr id="8" name="Rechteck 7">
+            <a:extLst>
+              <a:ext uri="{FF2B5EF4-FFF2-40B4-BE49-F238E27FC236}">
+                <a16:creationId xmlns:a16="http://schemas.microsoft.com/office/drawing/2014/main" id="{16DD8CAC-25BC-4936-89A3-8DE8D5AB6FA6}"/>
+              </a:ext>
+            </a:extLst>
+          </p:cNvPr>
+          <p:cNvSpPr/>
+          <p:nvPr/>
+        </p:nvSpPr>
+        <p:spPr>
+          <a:xfrm>
+            <a:off x="10778400" y="6101080"/>
+            <a:ext cx="670560" cy="2123440"/>
+          </a:xfrm>
+          <a:prstGeom prst="rect">
+            <a:avLst/>
+          </a:prstGeom>
+          <a:solidFill>
+            <a:srgbClr val="C00000"/>
+          </a:solidFill>
+          <a:ln>
+            <a:noFill/>
+          </a:ln>
+          <a:effectLst>
+            <a:outerShdw blurRad="50800" dist="38100" dir="2700000" algn="tl" rotWithShape="0">
+              <a:prstClr val="black">
+                <a:alpha val="40000"/>
+              </a:prstClr>
+            </a:outerShdw>
+          </a:effectLst>
+        </p:spPr>
+        <p:style>
+          <a:lnRef idx="2">
+            <a:schemeClr val="accent1">
+              <a:shade val="50000"/>
+            </a:schemeClr>
+          </a:lnRef>
+          <a:fillRef idx="1">
+            <a:schemeClr val="accent1"/>
+          </a:fillRef>
+          <a:effectRef idx="0">
+            <a:schemeClr val="accent1"/>
+          </a:effectRef>
+          <a:fontRef idx="minor">
+            <a:schemeClr val="lt1"/>
+          </a:fontRef>
+        </p:style>
+        <p:txBody>
+          <a:bodyPr rtlCol="0" anchor="ctr"/>
+          <a:lstStyle/>
+          <a:p>
+            <a:pPr algn="ctr"/>
             <a:endParaRPr lang="de-DE"/>
-          </a:p>
-        </p:txBody>
-      </p:sp>
-      <p:sp>
-        <p:nvSpPr>
-          <p:cNvPr id="6" name="Foliennummernplatzhalter 5"/>
-          <p:cNvSpPr>
-            <a:spLocks noGrp="1"/>
-          </p:cNvSpPr>
-          <p:nvPr>
-            <p:ph type="sldNum" sz="quarter" idx="12"/>
-          </p:nvPr>
-        </p:nvSpPr>
-        <p:spPr/>
-        <p:txBody>
-          <a:bodyPr/>
-          <a:lstStyle/>
-          <a:p>
-            <a:fld id="{57D8F98F-9146-4D48-BD84-43508DAD44DB}" type="slidenum">
-              <a:rPr lang="de-DE" smtClean="0"/>
-              <a:t>22</a:t>
-            </a:fld>
-            <a:endParaRPr lang="de-DE"/>
-          </a:p>
-        </p:txBody>
-      </p:sp>
-    </p:spTree>
-    <p:extLst>
-      <p:ext uri="{BB962C8B-B14F-4D97-AF65-F5344CB8AC3E}">
-        <p14:creationId xmlns:p14="http://schemas.microsoft.com/office/powerpoint/2010/main" val="2027448438"/>
-      </p:ext>
-    </p:extLst>
-  </p:cSld>
-  <p:clrMapOvr>
-    <a:masterClrMapping/>
-  </p:clrMapOvr>
-</p:sld>
-</file>
-
-<file path=ppt/slides/slide23.xml><?xml version="1.0" encoding="utf-8"?>
-<p:sld xmlns:a="http://schemas.openxmlformats.org/drawingml/2006/main" xmlns:r="http://schemas.openxmlformats.org/officeDocument/2006/relationships" xmlns:p="http://schemas.openxmlformats.org/presentationml/2006/main">
-  <p:cSld>
-    <p:spTree>
-      <p:nvGrpSpPr>
-        <p:cNvPr id="1" name=""/>
-        <p:cNvGrpSpPr/>
-        <p:nvPr/>
-      </p:nvGrpSpPr>
-      <p:grpSpPr>
-        <a:xfrm>
-          <a:off x="0" y="0"/>
-          <a:ext cx="0" cy="0"/>
-          <a:chOff x="0" y="0"/>
-          <a:chExt cx="0" cy="0"/>
-        </a:xfrm>
-      </p:grpSpPr>
-      <p:sp>
-        <p:nvSpPr>
-          <p:cNvPr id="2" name="Titel 1"/>
-          <p:cNvSpPr>
-            <a:spLocks noGrp="1"/>
-          </p:cNvSpPr>
-          <p:nvPr>
-            <p:ph type="title"/>
-          </p:nvPr>
-        </p:nvSpPr>
-        <p:spPr/>
-        <p:txBody>
-          <a:bodyPr/>
-          <a:lstStyle/>
-          <a:p>
-            <a:r>
-              <a:rPr lang="de-DE" dirty="0"/>
-              <a:t>Fazit</a:t>
-            </a:r>
-          </a:p>
-        </p:txBody>
-      </p:sp>
-      <p:sp>
-        <p:nvSpPr>
-          <p:cNvPr id="3" name="Inhaltsplatzhalter 2"/>
-          <p:cNvSpPr>
-            <a:spLocks noGrp="1"/>
-          </p:cNvSpPr>
-          <p:nvPr>
-            <p:ph idx="1"/>
-          </p:nvPr>
-        </p:nvSpPr>
-        <p:spPr/>
-        <p:txBody>
-          <a:bodyPr/>
-          <a:lstStyle/>
-          <a:p>
-            <a:endParaRPr lang="de-DE"/>
-          </a:p>
-        </p:txBody>
-      </p:sp>
-      <p:sp>
-        <p:nvSpPr>
-          <p:cNvPr id="6" name="Foliennummernplatzhalter 5"/>
-          <p:cNvSpPr>
-            <a:spLocks noGrp="1"/>
-          </p:cNvSpPr>
-          <p:nvPr>
-            <p:ph type="sldNum" sz="quarter" idx="12"/>
-          </p:nvPr>
-        </p:nvSpPr>
-        <p:spPr/>
-        <p:txBody>
-          <a:bodyPr/>
-          <a:lstStyle/>
-          <a:p>
-            <a:fld id="{57D8F98F-9146-4D48-BD84-43508DAD44DB}" type="slidenum">
-              <a:rPr lang="de-DE" smtClean="0"/>
-              <a:t>23</a:t>
-            </a:fld>
-            <a:endParaRPr lang="de-DE"/>
-          </a:p>
-        </p:txBody>
-      </p:sp>
-    </p:spTree>
-    <p:extLst>
-      <p:ext uri="{BB962C8B-B14F-4D97-AF65-F5344CB8AC3E}">
-        <p14:creationId xmlns:p14="http://schemas.microsoft.com/office/powerpoint/2010/main" val="810013215"/>
-      </p:ext>
-    </p:extLst>
-  </p:cSld>
-  <p:clrMapOvr>
-    <a:masterClrMapping/>
-  </p:clrMapOvr>
-</p:sld>
-</file>
-
-<file path=ppt/slides/slide3.xml><?xml version="1.0" encoding="utf-8"?>
-<p:sld xmlns:a="http://schemas.openxmlformats.org/drawingml/2006/main" xmlns:r="http://schemas.openxmlformats.org/officeDocument/2006/relationships" xmlns:p="http://schemas.openxmlformats.org/presentationml/2006/main">
-  <p:cSld>
-    <p:bg>
-      <p:bgPr>
-        <a:solidFill>
-          <a:srgbClr val="2F3771"/>
-        </a:solidFill>
-        <a:effectLst/>
-      </p:bgPr>
-    </p:bg>
-    <p:spTree>
-      <p:nvGrpSpPr>
-        <p:cNvPr id="1" name=""/>
-        <p:cNvGrpSpPr/>
-        <p:nvPr/>
-      </p:nvGrpSpPr>
-      <p:grpSpPr>
-        <a:xfrm>
-          <a:off x="0" y="0"/>
-          <a:ext cx="0" cy="0"/>
-          <a:chOff x="0" y="0"/>
-          <a:chExt cx="0" cy="0"/>
-        </a:xfrm>
-      </p:grpSpPr>
-      <p:sp>
-        <p:nvSpPr>
-          <p:cNvPr id="2" name="Titel 1"/>
-          <p:cNvSpPr>
-            <a:spLocks noGrp="1"/>
-          </p:cNvSpPr>
-          <p:nvPr>
-            <p:ph type="title"/>
-          </p:nvPr>
-        </p:nvSpPr>
-        <p:spPr/>
-        <p:txBody>
-          <a:bodyPr/>
-          <a:lstStyle/>
-          <a:p>
-            <a:r>
-              <a:rPr lang="de-DE" dirty="0">
-                <a:solidFill>
-                  <a:schemeClr val="bg1"/>
-                </a:solidFill>
-              </a:rPr>
-              <a:t>Auftrag/Problemstellung</a:t>
-            </a:r>
-          </a:p>
-        </p:txBody>
-      </p:sp>
-      <p:sp>
-        <p:nvSpPr>
-          <p:cNvPr id="3" name="Inhaltsplatzhalter 2"/>
-          <p:cNvSpPr>
-            <a:spLocks noGrp="1"/>
-          </p:cNvSpPr>
-          <p:nvPr>
-            <p:ph idx="1"/>
-          </p:nvPr>
-        </p:nvSpPr>
-        <p:spPr/>
-        <p:txBody>
-          <a:bodyPr/>
-          <a:lstStyle/>
-          <a:p>
-            <a:r>
-              <a:rPr lang="de-DE" dirty="0">
-                <a:solidFill>
-                  <a:schemeClr val="bg1"/>
-                </a:solidFill>
-              </a:rPr>
-              <a:t>Programmieren des Spiels „Wer wird Millionär“</a:t>
-            </a:r>
-          </a:p>
-          <a:p>
-            <a:r>
-              <a:rPr lang="de-DE" dirty="0" err="1">
-                <a:solidFill>
-                  <a:schemeClr val="bg1"/>
-                </a:solidFill>
-              </a:rPr>
-              <a:t>Qt-Entwicklunsumgebung</a:t>
-            </a:r>
-            <a:endParaRPr lang="de-DE" dirty="0">
-              <a:solidFill>
-                <a:schemeClr val="bg1"/>
-              </a:solidFill>
-            </a:endParaRPr>
-          </a:p>
-          <a:p>
-            <a:r>
-              <a:rPr lang="de-DE" dirty="0" err="1">
-                <a:solidFill>
-                  <a:schemeClr val="bg1"/>
-                </a:solidFill>
-              </a:rPr>
-              <a:t>Qt-Gui</a:t>
-            </a:r>
-            <a:endParaRPr lang="de-DE" dirty="0">
-              <a:solidFill>
-                <a:schemeClr val="bg1"/>
-              </a:solidFill>
-            </a:endParaRPr>
-          </a:p>
-          <a:p>
-            <a:r>
-              <a:rPr lang="de-DE" dirty="0">
-                <a:solidFill>
-                  <a:schemeClr val="bg1"/>
-                </a:solidFill>
-              </a:rPr>
-              <a:t>C++</a:t>
-            </a:r>
-          </a:p>
-          <a:p>
-            <a:r>
-              <a:rPr lang="de-DE" dirty="0">
-                <a:solidFill>
-                  <a:schemeClr val="bg1"/>
-                </a:solidFill>
-              </a:rPr>
-              <a:t>Original Spielregeln</a:t>
-            </a:r>
-          </a:p>
-          <a:p>
-            <a:r>
-              <a:rPr lang="de-DE" dirty="0">
-                <a:solidFill>
-                  <a:schemeClr val="bg1"/>
-                </a:solidFill>
-              </a:rPr>
-              <a:t>Grafiken und Bilder wie im Original</a:t>
-            </a:r>
-          </a:p>
-          <a:p>
-            <a:r>
-              <a:rPr lang="de-DE" dirty="0">
-                <a:solidFill>
-                  <a:schemeClr val="bg1"/>
-                </a:solidFill>
-              </a:rPr>
-              <a:t>Fragenkatalog </a:t>
-            </a:r>
-            <a:r>
-              <a:rPr lang="de-DE" dirty="0">
-                <a:solidFill>
-                  <a:schemeClr val="bg1"/>
-                </a:solidFill>
-                <a:sym typeface="Wingdings" panose="05000000000000000000" pitchFamily="2" charset="2"/>
-              </a:rPr>
-              <a:t> Datenbank</a:t>
-            </a:r>
-            <a:endParaRPr lang="de-DE" dirty="0">
-              <a:solidFill>
-                <a:schemeClr val="bg1"/>
-              </a:solidFill>
-            </a:endParaRPr>
           </a:p>
         </p:txBody>
       </p:sp>
@@ -5879,100 +7449,6 @@
             <a:fld id="{57D8F98F-9146-4D48-BD84-43508DAD44DB}" type="slidenum">
               <a:rPr lang="de-DE" smtClean="0"/>
               <a:t>3</a:t>
-            </a:fld>
-            <a:endParaRPr lang="de-DE"/>
-          </a:p>
-        </p:txBody>
-      </p:sp>
-    </p:spTree>
-    <p:extLst>
-      <p:ext uri="{BB962C8B-B14F-4D97-AF65-F5344CB8AC3E}">
-        <p14:creationId xmlns:p14="http://schemas.microsoft.com/office/powerpoint/2010/main" val="1617313066"/>
-      </p:ext>
-    </p:extLst>
-  </p:cSld>
-  <p:clrMapOvr>
-    <a:masterClrMapping/>
-  </p:clrMapOvr>
-  <p:timing>
-    <p:tnLst>
-      <p:par>
-        <p:cTn id="1" dur="indefinite" restart="never" nodeType="tmRoot"/>
-      </p:par>
-    </p:tnLst>
-  </p:timing>
-</p:sld>
-</file>
-
-<file path=ppt/slides/slide4.xml><?xml version="1.0" encoding="utf-8"?>
-<p:sld xmlns:a="http://schemas.openxmlformats.org/drawingml/2006/main" xmlns:r="http://schemas.openxmlformats.org/officeDocument/2006/relationships" xmlns:p="http://schemas.openxmlformats.org/presentationml/2006/main">
-  <p:cSld>
-    <p:bg>
-      <p:bgPr>
-        <a:solidFill>
-          <a:srgbClr val="2F3771"/>
-        </a:solidFill>
-        <a:effectLst/>
-      </p:bgPr>
-    </p:bg>
-    <p:spTree>
-      <p:nvGrpSpPr>
-        <p:cNvPr id="1" name=""/>
-        <p:cNvGrpSpPr/>
-        <p:nvPr/>
-      </p:nvGrpSpPr>
-      <p:grpSpPr>
-        <a:xfrm>
-          <a:off x="0" y="0"/>
-          <a:ext cx="0" cy="0"/>
-          <a:chOff x="0" y="0"/>
-          <a:chExt cx="0" cy="0"/>
-        </a:xfrm>
-      </p:grpSpPr>
-      <p:sp>
-        <p:nvSpPr>
-          <p:cNvPr id="2" name="Titel 1"/>
-          <p:cNvSpPr>
-            <a:spLocks noGrp="1"/>
-          </p:cNvSpPr>
-          <p:nvPr>
-            <p:ph type="title"/>
-          </p:nvPr>
-        </p:nvSpPr>
-        <p:spPr/>
-        <p:txBody>
-          <a:bodyPr/>
-          <a:lstStyle/>
-          <a:p>
-            <a:r>
-              <a:rPr lang="de-DE" dirty="0">
-                <a:solidFill>
-                  <a:schemeClr val="bg1"/>
-                </a:solidFill>
-              </a:rPr>
-              <a:t>Zeitplan</a:t>
-            </a:r>
-          </a:p>
-        </p:txBody>
-      </p:sp>
-      <p:sp>
-        <p:nvSpPr>
-          <p:cNvPr id="6" name="Foliennummernplatzhalter 5"/>
-          <p:cNvSpPr>
-            <a:spLocks noGrp="1"/>
-          </p:cNvSpPr>
-          <p:nvPr>
-            <p:ph type="sldNum" sz="quarter" idx="12"/>
-          </p:nvPr>
-        </p:nvSpPr>
-        <p:spPr/>
-        <p:txBody>
-          <a:bodyPr/>
-          <a:lstStyle/>
-          <a:p>
-            <a:fld id="{57D8F98F-9146-4D48-BD84-43508DAD44DB}" type="slidenum">
-              <a:rPr lang="de-DE" smtClean="0"/>
-              <a:t>4</a:t>
             </a:fld>
             <a:endParaRPr lang="de-DE"/>
           </a:p>
@@ -5988,14 +7464,14 @@
             <p:ph idx="1"/>
             <p:extLst>
               <p:ext uri="{D42A27DB-BD31-4B8C-83A1-F6EECF244321}">
-                <p14:modId xmlns:p14="http://schemas.microsoft.com/office/powerpoint/2010/main" val="841874013"/>
+                <p14:modId xmlns:p14="http://schemas.microsoft.com/office/powerpoint/2010/main" val="2617987333"/>
               </p:ext>
             </p:extLst>
           </p:nvPr>
         </p:nvGraphicFramePr>
         <p:xfrm>
           <a:off x="838200" y="1825625"/>
-          <a:ext cx="10515600" cy="4450080"/>
+          <a:ext cx="10515600" cy="3708400"/>
         </p:xfrm>
         <a:graphic>
           <a:graphicData uri="http://schemas.openxmlformats.org/drawingml/2006/table">
@@ -6521,80 +7997,6 @@
                   </a:ext>
                 </a:extLst>
               </a:tr>
-              <a:tr h="370840">
-                <a:tc>
-                  <a:txBody>
-                    <a:bodyPr/>
-                    <a:lstStyle/>
-                    <a:p>
-                      <a:endParaRPr lang="de-DE"/>
-                    </a:p>
-                  </a:txBody>
-                  <a:tcPr/>
-                </a:tc>
-                <a:tc>
-                  <a:txBody>
-                    <a:bodyPr/>
-                    <a:lstStyle/>
-                    <a:p>
-                      <a:endParaRPr lang="de-DE"/>
-                    </a:p>
-                  </a:txBody>
-                  <a:tcPr/>
-                </a:tc>
-                <a:tc>
-                  <a:txBody>
-                    <a:bodyPr/>
-                    <a:lstStyle/>
-                    <a:p>
-                      <a:endParaRPr lang="de-DE"/>
-                    </a:p>
-                  </a:txBody>
-                  <a:tcPr/>
-                </a:tc>
-                <a:extLst>
-                  <a:ext uri="{0D108BD9-81ED-4DB2-BD59-A6C34878D82A}">
-                    <a16:rowId xmlns:a16="http://schemas.microsoft.com/office/drawing/2014/main" val="1186719962"/>
-                  </a:ext>
-                </a:extLst>
-              </a:tr>
-              <a:tr h="370840">
-                <a:tc>
-                  <a:txBody>
-                    <a:bodyPr/>
-                    <a:lstStyle/>
-                    <a:p>
-                      <a:endParaRPr lang="de-DE"/>
-                    </a:p>
-                  </a:txBody>
-                  <a:tcPr/>
-                </a:tc>
-                <a:tc>
-                  <a:txBody>
-                    <a:bodyPr/>
-                    <a:lstStyle/>
-                    <a:p>
-                      <a:endParaRPr lang="de-DE"/>
-                    </a:p>
-                  </a:txBody>
-                  <a:tcPr/>
-                </a:tc>
-                <a:tc>
-                  <a:txBody>
-                    <a:bodyPr/>
-                    <a:lstStyle/>
-                    <a:p>
-                      <a:endParaRPr lang="de-DE" dirty="0"/>
-                    </a:p>
-                  </a:txBody>
-                  <a:tcPr/>
-                </a:tc>
-                <a:extLst>
-                  <a:ext uri="{0D108BD9-81ED-4DB2-BD59-A6C34878D82A}">
-                    <a16:rowId xmlns:a16="http://schemas.microsoft.com/office/drawing/2014/main" val="2791382351"/>
-                  </a:ext>
-                </a:extLst>
-              </a:tr>
             </a:tbl>
           </a:graphicData>
         </a:graphic>
@@ -6609,27 +8011,12 @@
   <p:clrMapOvr>
     <a:masterClrMapping/>
   </p:clrMapOvr>
-  <p:timing>
-    <p:tnLst>
-      <p:par>
-        <p:cTn id="1" dur="indefinite" restart="never" nodeType="tmRoot"/>
-      </p:par>
-    </p:tnLst>
-  </p:timing>
 </p:sld>
 </file>
 
 <file path=ppt/slides/slide5.xml><?xml version="1.0" encoding="utf-8"?>
 <p:sld xmlns:a="http://schemas.openxmlformats.org/drawingml/2006/main" xmlns:r="http://schemas.openxmlformats.org/officeDocument/2006/relationships" xmlns:p="http://schemas.openxmlformats.org/presentationml/2006/main">
   <p:cSld>
-    <p:bg>
-      <p:bgPr>
-        <a:solidFill>
-          <a:srgbClr val="2F3771"/>
-        </a:solidFill>
-        <a:effectLst/>
-      </p:bgPr>
-    </p:bg>
     <p:spTree>
       <p:nvGrpSpPr>
         <p:cNvPr id="1" name=""/>
@@ -6644,6 +8031,42 @@
           <a:chExt cx="0" cy="0"/>
         </a:xfrm>
       </p:grpSpPr>
+      <p:pic>
+        <p:nvPicPr>
+          <p:cNvPr id="5" name="Grafik 4" descr="Ein Bild, das Tier, Licht, Vorhang enthält.&#10;&#10;Automatisch generierte Beschreibung">
+            <a:extLst>
+              <a:ext uri="{FF2B5EF4-FFF2-40B4-BE49-F238E27FC236}">
+                <a16:creationId xmlns:a16="http://schemas.microsoft.com/office/drawing/2014/main" id="{4D840CEB-FFB1-4E73-AEE0-56EF99E23D48}"/>
+              </a:ext>
+            </a:extLst>
+          </p:cNvPr>
+          <p:cNvPicPr>
+            <a:picLocks noChangeAspect="1"/>
+          </p:cNvPicPr>
+          <p:nvPr/>
+        </p:nvPicPr>
+        <p:blipFill>
+          <a:blip r:embed="rId2">
+            <a:extLst>
+              <a:ext uri="{28A0092B-C50C-407E-A947-70E740481C1C}">
+                <a14:useLocalDpi xmlns:a14="http://schemas.microsoft.com/office/drawing/2010/main" val="0"/>
+              </a:ext>
+            </a:extLst>
+          </a:blip>
+          <a:stretch>
+            <a:fillRect/>
+          </a:stretch>
+        </p:blipFill>
+        <p:spPr>
+          <a:xfrm rot="5400000">
+            <a:off x="-366191" y="-2926080"/>
+            <a:ext cx="12924382" cy="12192000"/>
+          </a:xfrm>
+          <a:prstGeom prst="rect">
+            <a:avLst/>
+          </a:prstGeom>
+        </p:spPr>
+      </p:pic>
       <p:sp>
         <p:nvSpPr>
           <p:cNvPr id="2" name="Titel 1"/>
@@ -6695,6 +8118,65 @@
       </p:sp>
       <p:sp>
         <p:nvSpPr>
+          <p:cNvPr id="7" name="Rechteck 6">
+            <a:extLst>
+              <a:ext uri="{FF2B5EF4-FFF2-40B4-BE49-F238E27FC236}">
+                <a16:creationId xmlns:a16="http://schemas.microsoft.com/office/drawing/2014/main" id="{4A2CAD32-8EDC-4FA3-B1D4-326D82DF2F13}"/>
+              </a:ext>
+            </a:extLst>
+          </p:cNvPr>
+          <p:cNvSpPr/>
+          <p:nvPr/>
+        </p:nvSpPr>
+        <p:spPr>
+          <a:xfrm>
+            <a:off x="10778400" y="6101080"/>
+            <a:ext cx="670560" cy="2123440"/>
+          </a:xfrm>
+          <a:prstGeom prst="rect">
+            <a:avLst/>
+          </a:prstGeom>
+          <a:solidFill>
+            <a:srgbClr val="C00000"/>
+          </a:solidFill>
+          <a:ln>
+            <a:noFill/>
+          </a:ln>
+          <a:effectLst>
+            <a:outerShdw blurRad="50800" dist="38100" dir="2700000" algn="tl" rotWithShape="0">
+              <a:prstClr val="black">
+                <a:alpha val="40000"/>
+              </a:prstClr>
+            </a:outerShdw>
+          </a:effectLst>
+        </p:spPr>
+        <p:style>
+          <a:lnRef idx="2">
+            <a:schemeClr val="accent1">
+              <a:shade val="50000"/>
+            </a:schemeClr>
+          </a:lnRef>
+          <a:fillRef idx="1">
+            <a:schemeClr val="accent1"/>
+          </a:fillRef>
+          <a:effectRef idx="0">
+            <a:schemeClr val="accent1"/>
+          </a:effectRef>
+          <a:fontRef idx="minor">
+            <a:schemeClr val="lt1"/>
+          </a:fontRef>
+        </p:style>
+        <p:txBody>
+          <a:bodyPr rtlCol="0" anchor="ctr"/>
+          <a:lstStyle/>
+          <a:p>
+            <a:pPr algn="ctr"/>
+            <a:endParaRPr lang="de-DE"/>
+          </a:p>
+        </p:txBody>
+      </p:sp>
+      <p:sp>
+        <p:nvSpPr>
           <p:cNvPr id="6" name="Foliennummernplatzhalter 5"/>
           <p:cNvSpPr>
             <a:spLocks noGrp="1"/>
@@ -6710,7 +8192,7 @@
           <a:p>
             <a:fld id="{57D8F98F-9146-4D48-BD84-43508DAD44DB}" type="slidenum">
               <a:rPr lang="de-DE" smtClean="0"/>
-              <a:t>5</a:t>
+              <a:t>4</a:t>
             </a:fld>
             <a:endParaRPr lang="de-DE"/>
           </a:p>
@@ -6726,27 +8208,12 @@
   <p:clrMapOvr>
     <a:masterClrMapping/>
   </p:clrMapOvr>
-  <p:timing>
-    <p:tnLst>
-      <p:par>
-        <p:cTn id="1" dur="indefinite" restart="never" nodeType="tmRoot"/>
-      </p:par>
-    </p:tnLst>
-  </p:timing>
 </p:sld>
 </file>
 
 <file path=ppt/slides/slide6.xml><?xml version="1.0" encoding="utf-8"?>
 <p:sld xmlns:a="http://schemas.openxmlformats.org/drawingml/2006/main" xmlns:r="http://schemas.openxmlformats.org/officeDocument/2006/relationships" xmlns:p="http://schemas.openxmlformats.org/presentationml/2006/main">
   <p:cSld>
-    <p:bg>
-      <p:bgPr>
-        <a:solidFill>
-          <a:srgbClr val="2F3771"/>
-        </a:solidFill>
-        <a:effectLst/>
-      </p:bgPr>
-    </p:bg>
     <p:spTree>
       <p:nvGrpSpPr>
         <p:cNvPr id="1" name=""/>
@@ -6761,6 +8228,42 @@
           <a:chExt cx="0" cy="0"/>
         </a:xfrm>
       </p:grpSpPr>
+      <p:pic>
+        <p:nvPicPr>
+          <p:cNvPr id="5" name="Grafik 4" descr="Ein Bild, das Tier, Licht, Vorhang enthält.&#10;&#10;Automatisch generierte Beschreibung">
+            <a:extLst>
+              <a:ext uri="{FF2B5EF4-FFF2-40B4-BE49-F238E27FC236}">
+                <a16:creationId xmlns:a16="http://schemas.microsoft.com/office/drawing/2014/main" id="{CA799B19-8F53-4837-9C64-A3E6A7207367}"/>
+              </a:ext>
+            </a:extLst>
+          </p:cNvPr>
+          <p:cNvPicPr>
+            <a:picLocks noChangeAspect="1"/>
+          </p:cNvPicPr>
+          <p:nvPr/>
+        </p:nvPicPr>
+        <p:blipFill>
+          <a:blip r:embed="rId2">
+            <a:extLst>
+              <a:ext uri="{28A0092B-C50C-407E-A947-70E740481C1C}">
+                <a14:useLocalDpi xmlns:a14="http://schemas.microsoft.com/office/drawing/2010/main" val="0"/>
+              </a:ext>
+            </a:extLst>
+          </a:blip>
+          <a:stretch>
+            <a:fillRect/>
+          </a:stretch>
+        </p:blipFill>
+        <p:spPr>
+          <a:xfrm rot="5400000">
+            <a:off x="-406831" y="-2910840"/>
+            <a:ext cx="12924382" cy="12192000"/>
+          </a:xfrm>
+          <a:prstGeom prst="rect">
+            <a:avLst/>
+          </a:prstGeom>
+        </p:spPr>
+      </p:pic>
       <p:sp>
         <p:nvSpPr>
           <p:cNvPr id="2" name="Titel 1"/>
@@ -6823,7 +8326,7 @@
                   <a:schemeClr val="bg1"/>
                 </a:solidFill>
               </a:rPr>
-              <a:t>Für MVC Pattern entschieden.</a:t>
+              <a:t>Umsetzung des MVS-Patterns</a:t>
             </a:r>
           </a:p>
           <a:p>
@@ -6873,6 +8376,65 @@
       </p:sp>
       <p:sp>
         <p:nvSpPr>
+          <p:cNvPr id="7" name="Rechteck 6">
+            <a:extLst>
+              <a:ext uri="{FF2B5EF4-FFF2-40B4-BE49-F238E27FC236}">
+                <a16:creationId xmlns:a16="http://schemas.microsoft.com/office/drawing/2014/main" id="{79AF67F2-F582-4093-B501-FD8175DA3856}"/>
+              </a:ext>
+            </a:extLst>
+          </p:cNvPr>
+          <p:cNvSpPr/>
+          <p:nvPr/>
+        </p:nvSpPr>
+        <p:spPr>
+          <a:xfrm>
+            <a:off x="10778400" y="6101080"/>
+            <a:ext cx="670560" cy="2123440"/>
+          </a:xfrm>
+          <a:prstGeom prst="rect">
+            <a:avLst/>
+          </a:prstGeom>
+          <a:solidFill>
+            <a:srgbClr val="C00000"/>
+          </a:solidFill>
+          <a:ln>
+            <a:noFill/>
+          </a:ln>
+          <a:effectLst>
+            <a:outerShdw blurRad="50800" dist="38100" dir="2700000" algn="tl" rotWithShape="0">
+              <a:prstClr val="black">
+                <a:alpha val="40000"/>
+              </a:prstClr>
+            </a:outerShdw>
+          </a:effectLst>
+        </p:spPr>
+        <p:style>
+          <a:lnRef idx="2">
+            <a:schemeClr val="accent1">
+              <a:shade val="50000"/>
+            </a:schemeClr>
+          </a:lnRef>
+          <a:fillRef idx="1">
+            <a:schemeClr val="accent1"/>
+          </a:fillRef>
+          <a:effectRef idx="0">
+            <a:schemeClr val="accent1"/>
+          </a:effectRef>
+          <a:fontRef idx="minor">
+            <a:schemeClr val="lt1"/>
+          </a:fontRef>
+        </p:style>
+        <p:txBody>
+          <a:bodyPr rtlCol="0" anchor="ctr"/>
+          <a:lstStyle/>
+          <a:p>
+            <a:pPr algn="ctr"/>
+            <a:endParaRPr lang="de-DE"/>
+          </a:p>
+        </p:txBody>
+      </p:sp>
+      <p:sp>
+        <p:nvSpPr>
           <p:cNvPr id="6" name="Foliennummernplatzhalter 5"/>
           <p:cNvSpPr>
             <a:spLocks noGrp="1"/>
@@ -6888,9 +8450,72 @@
           <a:p>
             <a:fld id="{57D8F98F-9146-4D48-BD84-43508DAD44DB}" type="slidenum">
               <a:rPr lang="de-DE" smtClean="0"/>
-              <a:t>6</a:t>
+              <a:t>5</a:t>
             </a:fld>
             <a:endParaRPr lang="de-DE"/>
+          </a:p>
+        </p:txBody>
+      </p:sp>
+      <p:sp>
+        <p:nvSpPr>
+          <p:cNvPr id="8" name="Rechteck 7">
+            <a:extLst>
+              <a:ext uri="{FF2B5EF4-FFF2-40B4-BE49-F238E27FC236}">
+                <a16:creationId xmlns:a16="http://schemas.microsoft.com/office/drawing/2014/main" id="{9B34F028-2575-4B65-AB61-1746762F174E}"/>
+              </a:ext>
+            </a:extLst>
+          </p:cNvPr>
+          <p:cNvSpPr/>
+          <p:nvPr/>
+        </p:nvSpPr>
+        <p:spPr>
+          <a:xfrm rot="20441032">
+            <a:off x="1444501" y="1421946"/>
+            <a:ext cx="9221718" cy="2406015"/>
+          </a:xfrm>
+          <a:prstGeom prst="rect">
+            <a:avLst/>
+          </a:prstGeom>
+          <a:solidFill>
+            <a:srgbClr val="FF0000"/>
+          </a:solidFill>
+          <a:ln>
+            <a:noFill/>
+          </a:ln>
+        </p:spPr>
+        <p:style>
+          <a:lnRef idx="2">
+            <a:schemeClr val="accent1">
+              <a:shade val="50000"/>
+            </a:schemeClr>
+          </a:lnRef>
+          <a:fillRef idx="1">
+            <a:schemeClr val="accent1"/>
+          </a:fillRef>
+          <a:effectRef idx="0">
+            <a:schemeClr val="accent1"/>
+          </a:effectRef>
+          <a:fontRef idx="minor">
+            <a:schemeClr val="lt1"/>
+          </a:fontRef>
+        </p:style>
+        <p:txBody>
+          <a:bodyPr rtlCol="0" anchor="ctr"/>
+          <a:lstStyle/>
+          <a:p>
+            <a:pPr algn="ctr"/>
+            <a:r>
+              <a:rPr lang="de-DE" sz="4400" dirty="0"/>
+              <a:t>Keine Ahnung was hier rein soll, entweder hat jemand noch </a:t>
+            </a:r>
+            <a:r>
+              <a:rPr lang="de-DE" sz="4400" dirty="0" err="1"/>
+              <a:t>nen</a:t>
+            </a:r>
+            <a:r>
+              <a:rPr lang="de-DE" sz="4400" dirty="0"/>
+              <a:t> Plan oder die Folie kommt raus </a:t>
+            </a:r>
           </a:p>
         </p:txBody>
       </p:sp>
@@ -6904,27 +8529,12 @@
   <p:clrMapOvr>
     <a:masterClrMapping/>
   </p:clrMapOvr>
-  <p:timing>
-    <p:tnLst>
-      <p:par>
-        <p:cTn id="1" dur="indefinite" restart="never" nodeType="tmRoot"/>
-      </p:par>
-    </p:tnLst>
-  </p:timing>
 </p:sld>
 </file>
 
 <file path=ppt/slides/slide7.xml><?xml version="1.0" encoding="utf-8"?>
 <p:sld xmlns:a="http://schemas.openxmlformats.org/drawingml/2006/main" xmlns:r="http://schemas.openxmlformats.org/officeDocument/2006/relationships" xmlns:p="http://schemas.openxmlformats.org/presentationml/2006/main">
   <p:cSld>
-    <p:bg>
-      <p:bgPr>
-        <a:solidFill>
-          <a:srgbClr val="2F3771"/>
-        </a:solidFill>
-        <a:effectLst/>
-      </p:bgPr>
-    </p:bg>
     <p:spTree>
       <p:nvGrpSpPr>
         <p:cNvPr id="1" name=""/>
@@ -6939,6 +8549,42 @@
           <a:chExt cx="0" cy="0"/>
         </a:xfrm>
       </p:grpSpPr>
+      <p:pic>
+        <p:nvPicPr>
+          <p:cNvPr id="5" name="Grafik 4" descr="Ein Bild, das Tier, Licht, Vorhang enthält.&#10;&#10;Automatisch generierte Beschreibung">
+            <a:extLst>
+              <a:ext uri="{FF2B5EF4-FFF2-40B4-BE49-F238E27FC236}">
+                <a16:creationId xmlns:a16="http://schemas.microsoft.com/office/drawing/2014/main" id="{681DCCE5-5EA0-4B5D-B67E-29F7AABD4FBC}"/>
+              </a:ext>
+            </a:extLst>
+          </p:cNvPr>
+          <p:cNvPicPr>
+            <a:picLocks noChangeAspect="1"/>
+          </p:cNvPicPr>
+          <p:nvPr/>
+        </p:nvPicPr>
+        <p:blipFill>
+          <a:blip r:embed="rId2">
+            <a:extLst>
+              <a:ext uri="{28A0092B-C50C-407E-A947-70E740481C1C}">
+                <a14:useLocalDpi xmlns:a14="http://schemas.microsoft.com/office/drawing/2010/main" val="0"/>
+              </a:ext>
+            </a:extLst>
+          </a:blip>
+          <a:stretch>
+            <a:fillRect/>
+          </a:stretch>
+        </p:blipFill>
+        <p:spPr>
+          <a:xfrm rot="5400000">
+            <a:off x="-366191" y="-2926080"/>
+            <a:ext cx="12924382" cy="12192000"/>
+          </a:xfrm>
+          <a:prstGeom prst="rect">
+            <a:avLst/>
+          </a:prstGeom>
+        </p:spPr>
+      </p:pic>
       <p:sp>
         <p:nvSpPr>
           <p:cNvPr id="2" name="Titel 1"/>
@@ -6990,6 +8636,65 @@
       </p:sp>
       <p:sp>
         <p:nvSpPr>
+          <p:cNvPr id="7" name="Rechteck 6">
+            <a:extLst>
+              <a:ext uri="{FF2B5EF4-FFF2-40B4-BE49-F238E27FC236}">
+                <a16:creationId xmlns:a16="http://schemas.microsoft.com/office/drawing/2014/main" id="{3E228AF7-EA5A-493B-9FCC-D00DFBEBC71D}"/>
+              </a:ext>
+            </a:extLst>
+          </p:cNvPr>
+          <p:cNvSpPr/>
+          <p:nvPr/>
+        </p:nvSpPr>
+        <p:spPr>
+          <a:xfrm>
+            <a:off x="10778400" y="6101080"/>
+            <a:ext cx="670560" cy="2123440"/>
+          </a:xfrm>
+          <a:prstGeom prst="rect">
+            <a:avLst/>
+          </a:prstGeom>
+          <a:solidFill>
+            <a:srgbClr val="C00000"/>
+          </a:solidFill>
+          <a:ln>
+            <a:noFill/>
+          </a:ln>
+          <a:effectLst>
+            <a:outerShdw blurRad="50800" dist="38100" dir="2700000" algn="tl" rotWithShape="0">
+              <a:prstClr val="black">
+                <a:alpha val="40000"/>
+              </a:prstClr>
+            </a:outerShdw>
+          </a:effectLst>
+        </p:spPr>
+        <p:style>
+          <a:lnRef idx="2">
+            <a:schemeClr val="accent1">
+              <a:shade val="50000"/>
+            </a:schemeClr>
+          </a:lnRef>
+          <a:fillRef idx="1">
+            <a:schemeClr val="accent1"/>
+          </a:fillRef>
+          <a:effectRef idx="0">
+            <a:schemeClr val="accent1"/>
+          </a:effectRef>
+          <a:fontRef idx="minor">
+            <a:schemeClr val="lt1"/>
+          </a:fontRef>
+        </p:style>
+        <p:txBody>
+          <a:bodyPr rtlCol="0" anchor="ctr"/>
+          <a:lstStyle/>
+          <a:p>
+            <a:pPr algn="ctr"/>
+            <a:endParaRPr lang="de-DE"/>
+          </a:p>
+        </p:txBody>
+      </p:sp>
+      <p:sp>
+        <p:nvSpPr>
           <p:cNvPr id="6" name="Foliennummernplatzhalter 5"/>
           <p:cNvSpPr>
             <a:spLocks noGrp="1"/>
@@ -7005,7 +8710,7 @@
           <a:p>
             <a:fld id="{57D8F98F-9146-4D48-BD84-43508DAD44DB}" type="slidenum">
               <a:rPr lang="de-DE" smtClean="0"/>
-              <a:t>7</a:t>
+              <a:t>6</a:t>
             </a:fld>
             <a:endParaRPr lang="de-DE"/>
           </a:p>
@@ -7021,27 +8726,12 @@
   <p:clrMapOvr>
     <a:masterClrMapping/>
   </p:clrMapOvr>
-  <p:timing>
-    <p:tnLst>
-      <p:par>
-        <p:cTn id="1" dur="indefinite" restart="never" nodeType="tmRoot"/>
-      </p:par>
-    </p:tnLst>
-  </p:timing>
 </p:sld>
 </file>
 
 <file path=ppt/slides/slide8.xml><?xml version="1.0" encoding="utf-8"?>
 <p:sld xmlns:a="http://schemas.openxmlformats.org/drawingml/2006/main" xmlns:r="http://schemas.openxmlformats.org/officeDocument/2006/relationships" xmlns:p="http://schemas.openxmlformats.org/presentationml/2006/main">
   <p:cSld>
-    <p:bg>
-      <p:bgPr>
-        <a:solidFill>
-          <a:srgbClr val="2F3771"/>
-        </a:solidFill>
-        <a:effectLst/>
-      </p:bgPr>
-    </p:bg>
     <p:spTree>
       <p:nvGrpSpPr>
         <p:cNvPr id="1" name=""/>
@@ -7056,76 +8746,19 @@
           <a:chExt cx="0" cy="0"/>
         </a:xfrm>
       </p:grpSpPr>
-      <p:sp>
-        <p:nvSpPr>
-          <p:cNvPr id="2" name="Titel 1"/>
-          <p:cNvSpPr>
-            <a:spLocks noGrp="1"/>
-          </p:cNvSpPr>
-          <p:nvPr>
-            <p:ph type="title"/>
-          </p:nvPr>
-        </p:nvSpPr>
-        <p:spPr>
-          <a:xfrm>
-            <a:off x="353008" y="579729"/>
-            <a:ext cx="1867678" cy="1325563"/>
-          </a:xfrm>
-        </p:spPr>
-        <p:txBody>
-          <a:bodyPr>
-            <a:normAutofit/>
-          </a:bodyPr>
-          <a:lstStyle/>
-          <a:p>
-            <a:r>
-              <a:rPr lang="de-DE" dirty="0" smtClean="0">
-                <a:solidFill>
-                  <a:schemeClr val="bg1"/>
-                </a:solidFill>
-              </a:rPr>
-              <a:t>Model</a:t>
-            </a:r>
-            <a:endParaRPr lang="de-DE" dirty="0">
-              <a:solidFill>
-                <a:schemeClr val="bg1"/>
-              </a:solidFill>
-            </a:endParaRPr>
-          </a:p>
-        </p:txBody>
-      </p:sp>
-      <p:sp>
-        <p:nvSpPr>
-          <p:cNvPr id="6" name="Foliennummernplatzhalter 5"/>
-          <p:cNvSpPr>
-            <a:spLocks noGrp="1"/>
-          </p:cNvSpPr>
-          <p:nvPr>
-            <p:ph type="sldNum" sz="quarter" idx="12"/>
-          </p:nvPr>
-        </p:nvSpPr>
-        <p:spPr/>
-        <p:txBody>
-          <a:bodyPr/>
-          <a:lstStyle/>
-          <a:p>
-            <a:fld id="{57D8F98F-9146-4D48-BD84-43508DAD44DB}" type="slidenum">
-              <a:rPr lang="de-DE" smtClean="0"/>
-              <a:t>8</a:t>
-            </a:fld>
-            <a:endParaRPr lang="de-DE"/>
-          </a:p>
-        </p:txBody>
-      </p:sp>
       <p:pic>
         <p:nvPicPr>
-          <p:cNvPr id="3" name="Inhaltsplatzhalter 2"/>
+          <p:cNvPr id="5" name="Grafik 4" descr="Ein Bild, das Tier, Licht, Vorhang enthält.&#10;&#10;Automatisch generierte Beschreibung">
+            <a:extLst>
+              <a:ext uri="{FF2B5EF4-FFF2-40B4-BE49-F238E27FC236}">
+                <a16:creationId xmlns:a16="http://schemas.microsoft.com/office/drawing/2014/main" id="{06299C24-479F-4F3A-9E85-604C8EF6288E}"/>
+              </a:ext>
+            </a:extLst>
+          </p:cNvPr>
           <p:cNvPicPr>
-            <a:picLocks noGrp="1" noChangeAspect="1"/>
+            <a:picLocks noChangeAspect="1"/>
           </p:cNvPicPr>
-          <p:nvPr>
-            <p:ph idx="1"/>
-          </p:nvPr>
+          <p:nvPr/>
         </p:nvPicPr>
         <p:blipFill>
           <a:blip r:embed="rId2">
@@ -7140,9 +8773,156 @@
           </a:stretch>
         </p:blipFill>
         <p:spPr>
+          <a:xfrm rot="5400000">
+            <a:off x="-366191" y="-2926080"/>
+            <a:ext cx="12924382" cy="12192000"/>
+          </a:xfrm>
+          <a:prstGeom prst="rect">
+            <a:avLst/>
+          </a:prstGeom>
+        </p:spPr>
+      </p:pic>
+      <p:sp>
+        <p:nvSpPr>
+          <p:cNvPr id="2" name="Titel 1"/>
+          <p:cNvSpPr>
+            <a:spLocks noGrp="1"/>
+          </p:cNvSpPr>
+          <p:nvPr>
+            <p:ph type="title"/>
+          </p:nvPr>
+        </p:nvSpPr>
+        <p:spPr>
+          <a:xfrm>
+            <a:off x="353008" y="579729"/>
+            <a:ext cx="1867678" cy="1325563"/>
+          </a:xfrm>
+        </p:spPr>
+        <p:txBody>
+          <a:bodyPr>
+            <a:normAutofit/>
+          </a:bodyPr>
+          <a:lstStyle/>
+          <a:p>
+            <a:r>
+              <a:rPr lang="de-DE" dirty="0">
+                <a:solidFill>
+                  <a:schemeClr val="bg1"/>
+                </a:solidFill>
+              </a:rPr>
+              <a:t>Model</a:t>
+            </a:r>
+          </a:p>
+        </p:txBody>
+      </p:sp>
+      <p:sp>
+        <p:nvSpPr>
+          <p:cNvPr id="7" name="Rechteck 6">
+            <a:extLst>
+              <a:ext uri="{FF2B5EF4-FFF2-40B4-BE49-F238E27FC236}">
+                <a16:creationId xmlns:a16="http://schemas.microsoft.com/office/drawing/2014/main" id="{35E66D3B-7396-41F3-924D-E0ACFDA47E9F}"/>
+              </a:ext>
+            </a:extLst>
+          </p:cNvPr>
+          <p:cNvSpPr/>
+          <p:nvPr/>
+        </p:nvSpPr>
+        <p:spPr>
+          <a:xfrm>
+            <a:off x="10778400" y="6101080"/>
+            <a:ext cx="670560" cy="2123440"/>
+          </a:xfrm>
+          <a:prstGeom prst="rect">
+            <a:avLst/>
+          </a:prstGeom>
+          <a:solidFill>
+            <a:srgbClr val="C00000"/>
+          </a:solidFill>
+          <a:ln>
+            <a:noFill/>
+          </a:ln>
+          <a:effectLst>
+            <a:outerShdw blurRad="50800" dist="38100" dir="2700000" algn="tl" rotWithShape="0">
+              <a:prstClr val="black">
+                <a:alpha val="40000"/>
+              </a:prstClr>
+            </a:outerShdw>
+          </a:effectLst>
+        </p:spPr>
+        <p:style>
+          <a:lnRef idx="2">
+            <a:schemeClr val="accent1">
+              <a:shade val="50000"/>
+            </a:schemeClr>
+          </a:lnRef>
+          <a:fillRef idx="1">
+            <a:schemeClr val="accent1"/>
+          </a:fillRef>
+          <a:effectRef idx="0">
+            <a:schemeClr val="accent1"/>
+          </a:effectRef>
+          <a:fontRef idx="minor">
+            <a:schemeClr val="lt1"/>
+          </a:fontRef>
+        </p:style>
+        <p:txBody>
+          <a:bodyPr rtlCol="0" anchor="ctr"/>
+          <a:lstStyle/>
+          <a:p>
+            <a:pPr algn="ctr"/>
+            <a:endParaRPr lang="de-DE"/>
+          </a:p>
+        </p:txBody>
+      </p:sp>
+      <p:sp>
+        <p:nvSpPr>
+          <p:cNvPr id="6" name="Foliennummernplatzhalter 5"/>
+          <p:cNvSpPr>
+            <a:spLocks noGrp="1"/>
+          </p:cNvSpPr>
+          <p:nvPr>
+            <p:ph type="sldNum" sz="quarter" idx="12"/>
+          </p:nvPr>
+        </p:nvSpPr>
+        <p:spPr/>
+        <p:txBody>
+          <a:bodyPr/>
+          <a:lstStyle/>
+          <a:p>
+            <a:fld id="{57D8F98F-9146-4D48-BD84-43508DAD44DB}" type="slidenum">
+              <a:rPr lang="de-DE" smtClean="0"/>
+              <a:t>7</a:t>
+            </a:fld>
+            <a:endParaRPr lang="de-DE"/>
+          </a:p>
+        </p:txBody>
+      </p:sp>
+      <p:pic>
+        <p:nvPicPr>
+          <p:cNvPr id="3" name="Inhaltsplatzhalter 2"/>
+          <p:cNvPicPr>
+            <a:picLocks noGrp="1" noChangeAspect="1"/>
+          </p:cNvPicPr>
+          <p:nvPr>
+            <p:ph idx="1"/>
+          </p:nvPr>
+        </p:nvPicPr>
+        <p:blipFill>
+          <a:blip r:embed="rId3">
+            <a:extLst>
+              <a:ext uri="{28A0092B-C50C-407E-A947-70E740481C1C}">
+                <a14:useLocalDpi xmlns:a14="http://schemas.microsoft.com/office/drawing/2010/main" val="0"/>
+              </a:ext>
+            </a:extLst>
+          </a:blip>
+          <a:stretch>
+            <a:fillRect/>
+          </a:stretch>
+        </p:blipFill>
+        <p:spPr>
           <a:xfrm>
             <a:off x="2539092" y="579730"/>
-            <a:ext cx="8549004" cy="5522994"/>
+            <a:ext cx="8504828" cy="5494455"/>
           </a:xfrm>
         </p:spPr>
       </p:pic>
@@ -7156,27 +8936,12 @@
   <p:clrMapOvr>
     <a:masterClrMapping/>
   </p:clrMapOvr>
-  <p:timing>
-    <p:tnLst>
-      <p:par>
-        <p:cTn id="1" dur="indefinite" restart="never" nodeType="tmRoot"/>
-      </p:par>
-    </p:tnLst>
-  </p:timing>
 </p:sld>
 </file>
 
 <file path=ppt/slides/slide9.xml><?xml version="1.0" encoding="utf-8"?>
 <p:sld xmlns:a="http://schemas.openxmlformats.org/drawingml/2006/main" xmlns:r="http://schemas.openxmlformats.org/officeDocument/2006/relationships" xmlns:p="http://schemas.openxmlformats.org/presentationml/2006/main">
   <p:cSld>
-    <p:bg>
-      <p:bgPr>
-        <a:solidFill>
-          <a:srgbClr val="2F3771"/>
-        </a:solidFill>
-        <a:effectLst/>
-      </p:bgPr>
-    </p:bg>
     <p:spTree>
       <p:nvGrpSpPr>
         <p:cNvPr id="1" name=""/>
@@ -7191,6 +8956,42 @@
           <a:chExt cx="0" cy="0"/>
         </a:xfrm>
       </p:grpSpPr>
+      <p:pic>
+        <p:nvPicPr>
+          <p:cNvPr id="5" name="Grafik 4" descr="Ein Bild, das Tier, Licht, Vorhang enthält.&#10;&#10;Automatisch generierte Beschreibung">
+            <a:extLst>
+              <a:ext uri="{FF2B5EF4-FFF2-40B4-BE49-F238E27FC236}">
+                <a16:creationId xmlns:a16="http://schemas.microsoft.com/office/drawing/2014/main" id="{91D94200-96FA-4EAC-9335-EF93A886005E}"/>
+              </a:ext>
+            </a:extLst>
+          </p:cNvPr>
+          <p:cNvPicPr>
+            <a:picLocks noChangeAspect="1"/>
+          </p:cNvPicPr>
+          <p:nvPr/>
+        </p:nvPicPr>
+        <p:blipFill>
+          <a:blip r:embed="rId2">
+            <a:extLst>
+              <a:ext uri="{28A0092B-C50C-407E-A947-70E740481C1C}">
+                <a14:useLocalDpi xmlns:a14="http://schemas.microsoft.com/office/drawing/2010/main" val="0"/>
+              </a:ext>
+            </a:extLst>
+          </a:blip>
+          <a:stretch>
+            <a:fillRect/>
+          </a:stretch>
+        </p:blipFill>
+        <p:spPr>
+          <a:xfrm rot="5400000">
+            <a:off x="-366191" y="-2926080"/>
+            <a:ext cx="12924382" cy="12192000"/>
+          </a:xfrm>
+          <a:prstGeom prst="rect">
+            <a:avLst/>
+          </a:prstGeom>
+        </p:spPr>
+      </p:pic>
       <p:sp>
         <p:nvSpPr>
           <p:cNvPr id="2" name="Titel 1"/>
@@ -7214,6 +9015,65 @@
               </a:rPr>
               <a:t>Model</a:t>
             </a:r>
+          </a:p>
+        </p:txBody>
+      </p:sp>
+      <p:sp>
+        <p:nvSpPr>
+          <p:cNvPr id="7" name="Rechteck 6">
+            <a:extLst>
+              <a:ext uri="{FF2B5EF4-FFF2-40B4-BE49-F238E27FC236}">
+                <a16:creationId xmlns:a16="http://schemas.microsoft.com/office/drawing/2014/main" id="{F40B081E-7EDF-43D0-82D2-2412BE762E81}"/>
+              </a:ext>
+            </a:extLst>
+          </p:cNvPr>
+          <p:cNvSpPr/>
+          <p:nvPr/>
+        </p:nvSpPr>
+        <p:spPr>
+          <a:xfrm>
+            <a:off x="10778400" y="6101080"/>
+            <a:ext cx="670560" cy="2123440"/>
+          </a:xfrm>
+          <a:prstGeom prst="rect">
+            <a:avLst/>
+          </a:prstGeom>
+          <a:solidFill>
+            <a:srgbClr val="C00000"/>
+          </a:solidFill>
+          <a:ln>
+            <a:noFill/>
+          </a:ln>
+          <a:effectLst>
+            <a:outerShdw blurRad="50800" dist="38100" dir="2700000" algn="tl" rotWithShape="0">
+              <a:prstClr val="black">
+                <a:alpha val="40000"/>
+              </a:prstClr>
+            </a:outerShdw>
+          </a:effectLst>
+        </p:spPr>
+        <p:style>
+          <a:lnRef idx="2">
+            <a:schemeClr val="accent1">
+              <a:shade val="50000"/>
+            </a:schemeClr>
+          </a:lnRef>
+          <a:fillRef idx="1">
+            <a:schemeClr val="accent1"/>
+          </a:fillRef>
+          <a:effectRef idx="0">
+            <a:schemeClr val="accent1"/>
+          </a:effectRef>
+          <a:fontRef idx="minor">
+            <a:schemeClr val="lt1"/>
+          </a:fontRef>
+        </p:style>
+        <p:txBody>
+          <a:bodyPr rtlCol="0" anchor="ctr"/>
+          <a:lstStyle/>
+          <a:p>
+            <a:pPr algn="ctr"/>
+            <a:endParaRPr lang="de-DE"/>
           </a:p>
         </p:txBody>
       </p:sp>
@@ -7234,7 +9094,7 @@
           <a:p>
             <a:fld id="{57D8F98F-9146-4D48-BD84-43508DAD44DB}" type="slidenum">
               <a:rPr lang="de-DE" smtClean="0"/>
-              <a:t>9</a:t>
+              <a:t>8</a:t>
             </a:fld>
             <a:endParaRPr lang="de-DE"/>
           </a:p>
@@ -7258,7 +9118,7 @@
           <a:lstStyle/>
           <a:p>
             <a:r>
-              <a:rPr lang="de-DE" sz="3600" dirty="0" smtClean="0">
+              <a:rPr lang="de-DE" sz="3600" dirty="0">
                 <a:solidFill>
                   <a:schemeClr val="bg1"/>
                 </a:solidFill>
@@ -7271,7 +9131,7 @@
               <a:buNone/>
             </a:pPr>
             <a:r>
-              <a:rPr lang="de-DE" sz="3600" dirty="0" smtClean="0">
+              <a:rPr lang="de-DE" sz="3600" dirty="0">
                 <a:solidFill>
                   <a:schemeClr val="bg1"/>
                 </a:solidFill>
@@ -7280,23 +9140,15 @@
               <a:t></a:t>
             </a:r>
             <a:r>
-              <a:rPr lang="de-DE" sz="3600" dirty="0" err="1" smtClean="0">
-                <a:solidFill>
-                  <a:schemeClr val="bg1"/>
-                </a:solidFill>
-              </a:rPr>
-              <a:t>active</a:t>
-            </a:r>
-            <a:r>
-              <a:rPr lang="de-DE" sz="3600" dirty="0" err="1" smtClean="0">
-                <a:solidFill>
-                  <a:schemeClr val="bg1"/>
-                </a:solidFill>
-              </a:rPr>
-              <a:t>Game</a:t>
-            </a:r>
-            <a:r>
-              <a:rPr lang="de-DE" sz="3600" dirty="0" smtClean="0">
+              <a:rPr lang="de-DE" sz="3600" dirty="0" err="1">
+                <a:solidFill>
+                  <a:schemeClr val="bg1"/>
+                </a:solidFill>
+              </a:rPr>
+              <a:t>activeGame</a:t>
+            </a:r>
+            <a:r>
+              <a:rPr lang="de-DE" sz="3600" dirty="0">
                 <a:solidFill>
                   <a:schemeClr val="bg1"/>
                 </a:solidFill>
@@ -7306,7 +9158,7 @@
           </a:p>
           <a:p>
             <a:r>
-              <a:rPr lang="de-DE" sz="3600" dirty="0" smtClean="0">
+              <a:rPr lang="de-DE" sz="3600" dirty="0">
                 <a:solidFill>
                   <a:schemeClr val="bg1"/>
                 </a:solidFill>
@@ -7319,7 +9171,7 @@
               <a:buNone/>
             </a:pPr>
             <a:r>
-              <a:rPr lang="de-DE" sz="3600" dirty="0" smtClean="0">
+              <a:rPr lang="de-DE" sz="3600" dirty="0">
                 <a:solidFill>
                   <a:schemeClr val="bg1"/>
                 </a:solidFill>
@@ -7328,7 +9180,7 @@
               <a:t></a:t>
             </a:r>
             <a:r>
-              <a:rPr lang="de-DE" sz="3600" dirty="0" err="1" smtClean="0">
+              <a:rPr lang="de-DE" sz="3600" dirty="0" err="1">
                 <a:solidFill>
                   <a:schemeClr val="bg1"/>
                 </a:solidFill>
@@ -7337,7 +9189,7 @@
               <a:t>quitGame</a:t>
             </a:r>
             <a:r>
-              <a:rPr lang="de-DE" sz="3600" dirty="0" smtClean="0">
+              <a:rPr lang="de-DE" sz="3600" dirty="0">
                 <a:solidFill>
                   <a:schemeClr val="bg1"/>
                 </a:solidFill>
@@ -7351,7 +9203,7 @@
               <a:buNone/>
             </a:pPr>
             <a:r>
-              <a:rPr lang="de-DE" sz="3600" dirty="0" smtClean="0">
+              <a:rPr lang="de-DE" sz="3600" dirty="0">
                 <a:solidFill>
                   <a:schemeClr val="bg1"/>
                 </a:solidFill>
@@ -7360,7 +9212,7 @@
               <a:t></a:t>
             </a:r>
             <a:r>
-              <a:rPr lang="de-DE" sz="3600" dirty="0" err="1" smtClean="0">
+              <a:rPr lang="de-DE" sz="3600" dirty="0" err="1">
                 <a:solidFill>
                   <a:schemeClr val="bg1"/>
                 </a:solidFill>
@@ -7369,7 +9221,7 @@
               <a:t>startNewGame</a:t>
             </a:r>
             <a:r>
-              <a:rPr lang="de-DE" sz="3600" dirty="0" smtClean="0">
+              <a:rPr lang="de-DE" sz="3600" dirty="0">
                 <a:solidFill>
                   <a:schemeClr val="bg1"/>
                 </a:solidFill>
@@ -7383,7 +9235,7 @@
               <a:buNone/>
             </a:pPr>
             <a:r>
-              <a:rPr lang="de-DE" sz="3600" dirty="0" smtClean="0">
+              <a:rPr lang="de-DE" sz="3600" dirty="0">
                 <a:solidFill>
                   <a:schemeClr val="bg1"/>
                 </a:solidFill>
@@ -7392,7 +9244,7 @@
               <a:t></a:t>
             </a:r>
             <a:r>
-              <a:rPr lang="de-DE" sz="3600" dirty="0" err="1" smtClean="0">
+              <a:rPr lang="de-DE" sz="3600" dirty="0" err="1">
                 <a:solidFill>
                   <a:schemeClr val="bg1"/>
                 </a:solidFill>
@@ -7401,7 +9253,7 @@
               <a:t>isProgrammrunning</a:t>
             </a:r>
             <a:r>
-              <a:rPr lang="de-DE" sz="3600" dirty="0" smtClean="0">
+              <a:rPr lang="de-DE" sz="3600" dirty="0">
                 <a:solidFill>
                   <a:schemeClr val="bg1"/>
                 </a:solidFill>
@@ -7415,7 +9267,7 @@
               <a:buNone/>
             </a:pPr>
             <a:r>
-              <a:rPr lang="de-DE" sz="3600" dirty="0" smtClean="0">
+              <a:rPr lang="de-DE" sz="3600" dirty="0">
                 <a:solidFill>
                   <a:schemeClr val="bg1"/>
                 </a:solidFill>
@@ -7424,7 +9276,7 @@
               <a:t></a:t>
             </a:r>
             <a:r>
-              <a:rPr lang="de-DE" sz="3600" dirty="0" err="1" smtClean="0">
+              <a:rPr lang="de-DE" sz="3600" dirty="0" err="1">
                 <a:solidFill>
                   <a:schemeClr val="bg1"/>
                 </a:solidFill>
@@ -7433,7 +9285,7 @@
               <a:t>terminateProgramm</a:t>
             </a:r>
             <a:r>
-              <a:rPr lang="de-DE" sz="3600" dirty="0" smtClean="0">
+              <a:rPr lang="de-DE" sz="3600" dirty="0">
                 <a:solidFill>
                   <a:schemeClr val="bg1"/>
                 </a:solidFill>
@@ -7441,7 +9293,7 @@
               </a:rPr>
               <a:t>()</a:t>
             </a:r>
-            <a:endParaRPr lang="de-DE" sz="3600" dirty="0" smtClean="0">
+            <a:endParaRPr lang="de-DE" sz="3600" dirty="0">
               <a:solidFill>
                 <a:schemeClr val="bg1"/>
               </a:solidFill>
@@ -7449,7 +9301,7 @@
           </a:p>
           <a:p>
             <a:pPr lvl="1"/>
-            <a:endParaRPr lang="de-DE" sz="3600" dirty="0" smtClean="0">
+            <a:endParaRPr lang="de-DE" sz="3600" dirty="0">
               <a:solidFill>
                 <a:schemeClr val="bg1"/>
               </a:solidFill>
@@ -7467,13 +9319,6 @@
   <p:clrMapOvr>
     <a:masterClrMapping/>
   </p:clrMapOvr>
-  <p:timing>
-    <p:tnLst>
-      <p:par>
-        <p:cTn id="1" dur="indefinite" restart="never" nodeType="tmRoot"/>
-      </p:par>
-    </p:tnLst>
-  </p:timing>
 </p:sld>
 </file>
 

--- a/documentation/wwmp.pptx
+++ b/documentation/wwmp.pptx
@@ -5,29 +5,31 @@
     <p:sldMasterId id="2147483648" r:id="rId1"/>
   </p:sldMasterIdLst>
   <p:notesMasterIdLst>
-    <p:notesMasterId r:id="rId22"/>
+    <p:notesMasterId r:id="rId24"/>
   </p:notesMasterIdLst>
   <p:sldIdLst>
     <p:sldId id="256" r:id="rId2"/>
     <p:sldId id="273" r:id="rId3"/>
     <p:sldId id="257" r:id="rId4"/>
     <p:sldId id="259" r:id="rId5"/>
-    <p:sldId id="260" r:id="rId6"/>
-    <p:sldId id="261" r:id="rId7"/>
-    <p:sldId id="262" r:id="rId8"/>
-    <p:sldId id="263" r:id="rId9"/>
-    <p:sldId id="279" r:id="rId10"/>
-    <p:sldId id="278" r:id="rId11"/>
-    <p:sldId id="282" r:id="rId12"/>
-    <p:sldId id="283" r:id="rId13"/>
-    <p:sldId id="284" r:id="rId14"/>
-    <p:sldId id="285" r:id="rId15"/>
-    <p:sldId id="286" r:id="rId16"/>
-    <p:sldId id="287" r:id="rId17"/>
-    <p:sldId id="288" r:id="rId18"/>
-    <p:sldId id="289" r:id="rId19"/>
-    <p:sldId id="290" r:id="rId20"/>
-    <p:sldId id="291" r:id="rId21"/>
+    <p:sldId id="262" r:id="rId6"/>
+    <p:sldId id="260" r:id="rId7"/>
+    <p:sldId id="293" r:id="rId8"/>
+    <p:sldId id="292" r:id="rId9"/>
+    <p:sldId id="294" r:id="rId10"/>
+    <p:sldId id="263" r:id="rId11"/>
+    <p:sldId id="279" r:id="rId12"/>
+    <p:sldId id="278" r:id="rId13"/>
+    <p:sldId id="282" r:id="rId14"/>
+    <p:sldId id="283" r:id="rId15"/>
+    <p:sldId id="284" r:id="rId16"/>
+    <p:sldId id="285" r:id="rId17"/>
+    <p:sldId id="286" r:id="rId18"/>
+    <p:sldId id="287" r:id="rId19"/>
+    <p:sldId id="288" r:id="rId20"/>
+    <p:sldId id="289" r:id="rId21"/>
+    <p:sldId id="290" r:id="rId22"/>
+    <p:sldId id="291" r:id="rId23"/>
   </p:sldIdLst>
   <p:sldSz cx="12192000" cy="6858000"/>
   <p:notesSz cx="6858000" cy="9144000"/>
@@ -610,7 +612,7 @@
           <a:bodyPr/>
           <a:lstStyle/>
           <a:p>
-            <a:fld id="{0F59D99F-9965-49DE-892F-567A8CCC4DFB}" type="datetime1">
+            <a:fld id="{043729D4-6E33-417F-B97E-19225744C1F6}" type="datetime1">
               <a:rPr lang="de-DE" smtClean="0"/>
               <a:t>20.11.2019</a:t>
             </a:fld>
@@ -633,7 +635,10 @@
           <a:bodyPr/>
           <a:lstStyle/>
           <a:p>
-            <a:endParaRPr lang="de-DE"/>
+            <a:r>
+              <a:rPr lang="de-DE"/>
+              <a:t>Mark Broderius, Christoph Schmitz, Jan</a:t>
+            </a:r>
           </a:p>
         </p:txBody>
       </p:sp>
@@ -787,7 +792,7 @@
           <a:bodyPr/>
           <a:lstStyle/>
           <a:p>
-            <a:fld id="{CEB9654D-4113-44F0-A1BA-13C11858714F}" type="datetime1">
+            <a:fld id="{51A3B209-8B69-473F-9A03-5C474E6F857C}" type="datetime1">
               <a:rPr lang="de-DE" smtClean="0"/>
               <a:t>20.11.2019</a:t>
             </a:fld>
@@ -810,7 +815,10 @@
           <a:bodyPr/>
           <a:lstStyle/>
           <a:p>
-            <a:endParaRPr lang="de-DE"/>
+            <a:r>
+              <a:rPr lang="de-DE"/>
+              <a:t>Mark Broderius, Christoph Schmitz, Jan</a:t>
+            </a:r>
           </a:p>
         </p:txBody>
       </p:sp>
@@ -965,7 +973,7 @@
           <a:bodyPr/>
           <a:lstStyle/>
           <a:p>
-            <a:fld id="{65D66A63-2AC2-4264-A48E-469FBDA6C582}" type="datetime1">
+            <a:fld id="{0E478977-E71E-4840-B00C-270CCBF73818}" type="datetime1">
               <a:rPr lang="de-DE" smtClean="0"/>
               <a:t>20.11.2019</a:t>
             </a:fld>
@@ -988,7 +996,10 @@
           <a:bodyPr/>
           <a:lstStyle/>
           <a:p>
-            <a:endParaRPr lang="de-DE"/>
+            <a:r>
+              <a:rPr lang="de-DE"/>
+              <a:t>Mark Broderius, Christoph Schmitz, Jan</a:t>
+            </a:r>
           </a:p>
         </p:txBody>
       </p:sp>
@@ -1133,7 +1144,7 @@
           <a:bodyPr/>
           <a:lstStyle/>
           <a:p>
-            <a:fld id="{A7495C0F-D143-47FB-8D30-2B7991539AF7}" type="datetime1">
+            <a:fld id="{E4F5539D-451C-45B4-8FFE-D0B41E07589D}" type="datetime1">
               <a:rPr lang="de-DE" smtClean="0"/>
               <a:t>20.11.2019</a:t>
             </a:fld>
@@ -1156,7 +1167,10 @@
           <a:bodyPr/>
           <a:lstStyle/>
           <a:p>
-            <a:endParaRPr lang="de-DE"/>
+            <a:r>
+              <a:rPr lang="de-DE"/>
+              <a:t>Mark Broderius, Christoph Schmitz, Jan</a:t>
+            </a:r>
           </a:p>
         </p:txBody>
       </p:sp>
@@ -1390,7 +1404,7 @@
           <a:bodyPr/>
           <a:lstStyle/>
           <a:p>
-            <a:fld id="{8510BE41-F151-4550-8357-2E5492900C54}" type="datetime1">
+            <a:fld id="{DA61F831-F1F4-4277-817A-14240CD694A5}" type="datetime1">
               <a:rPr lang="de-DE" smtClean="0"/>
               <a:t>20.11.2019</a:t>
             </a:fld>
@@ -1413,7 +1427,10 @@
           <a:bodyPr/>
           <a:lstStyle/>
           <a:p>
-            <a:endParaRPr lang="de-DE"/>
+            <a:r>
+              <a:rPr lang="de-DE"/>
+              <a:t>Mark Broderius, Christoph Schmitz, Jan</a:t>
+            </a:r>
           </a:p>
         </p:txBody>
       </p:sp>
@@ -1619,7 +1636,7 @@
           <a:bodyPr/>
           <a:lstStyle/>
           <a:p>
-            <a:fld id="{E3E52241-FDD1-42F9-86E1-E3F6CDFD00D2}" type="datetime1">
+            <a:fld id="{182A3DF3-FC70-4F00-BEEB-D1C714903BB8}" type="datetime1">
               <a:rPr lang="de-DE" smtClean="0"/>
               <a:t>20.11.2019</a:t>
             </a:fld>
@@ -1642,7 +1659,10 @@
           <a:bodyPr/>
           <a:lstStyle/>
           <a:p>
-            <a:endParaRPr lang="de-DE"/>
+            <a:r>
+              <a:rPr lang="de-DE"/>
+              <a:t>Mark Broderius, Christoph Schmitz, Jan</a:t>
+            </a:r>
           </a:p>
         </p:txBody>
       </p:sp>
@@ -1983,7 +2003,7 @@
           <a:bodyPr/>
           <a:lstStyle/>
           <a:p>
-            <a:fld id="{3ACF63C7-1201-4863-B488-3772CE8989FA}" type="datetime1">
+            <a:fld id="{58982339-A9EC-41F7-BFF7-5958E9D802A4}" type="datetime1">
               <a:rPr lang="de-DE" smtClean="0"/>
               <a:t>20.11.2019</a:t>
             </a:fld>
@@ -2006,7 +2026,10 @@
           <a:bodyPr/>
           <a:lstStyle/>
           <a:p>
-            <a:endParaRPr lang="de-DE"/>
+            <a:r>
+              <a:rPr lang="de-DE"/>
+              <a:t>Mark Broderius, Christoph Schmitz, Jan</a:t>
+            </a:r>
           </a:p>
         </p:txBody>
       </p:sp>
@@ -2100,7 +2123,7 @@
           <a:bodyPr/>
           <a:lstStyle/>
           <a:p>
-            <a:fld id="{AD8D6A06-FA14-4009-82C9-752C6AB4B928}" type="datetime1">
+            <a:fld id="{88983865-BB20-4EA0-9112-5A6D9298F35B}" type="datetime1">
               <a:rPr lang="de-DE" smtClean="0"/>
               <a:t>20.11.2019</a:t>
             </a:fld>
@@ -2123,7 +2146,10 @@
           <a:bodyPr/>
           <a:lstStyle/>
           <a:p>
-            <a:endParaRPr lang="de-DE"/>
+            <a:r>
+              <a:rPr lang="de-DE"/>
+              <a:t>Mark Broderius, Christoph Schmitz, Jan</a:t>
+            </a:r>
           </a:p>
         </p:txBody>
       </p:sp>
@@ -2195,7 +2221,7 @@
           <a:bodyPr/>
           <a:lstStyle/>
           <a:p>
-            <a:fld id="{326C561E-A502-40E3-BCA8-B4D6CD590DCC}" type="datetime1">
+            <a:fld id="{D7DC4D1C-62DD-45C2-8F55-0296EA3FD7AF}" type="datetime1">
               <a:rPr lang="de-DE" smtClean="0"/>
               <a:t>20.11.2019</a:t>
             </a:fld>
@@ -2218,7 +2244,10 @@
           <a:bodyPr/>
           <a:lstStyle/>
           <a:p>
-            <a:endParaRPr lang="de-DE"/>
+            <a:r>
+              <a:rPr lang="de-DE"/>
+              <a:t>Mark Broderius, Christoph Schmitz, Jan</a:t>
+            </a:r>
           </a:p>
         </p:txBody>
       </p:sp>
@@ -2470,7 +2499,7 @@
           <a:bodyPr/>
           <a:lstStyle/>
           <a:p>
-            <a:fld id="{B913A1FD-8D5D-45D4-8E9D-A2AAD90D5C79}" type="datetime1">
+            <a:fld id="{D4261C20-DC4C-4C97-9D57-168DEAB0C3BE}" type="datetime1">
               <a:rPr lang="de-DE" smtClean="0"/>
               <a:t>20.11.2019</a:t>
             </a:fld>
@@ -2493,7 +2522,10 @@
           <a:bodyPr/>
           <a:lstStyle/>
           <a:p>
-            <a:endParaRPr lang="de-DE"/>
+            <a:r>
+              <a:rPr lang="de-DE"/>
+              <a:t>Mark Broderius, Christoph Schmitz, Jan</a:t>
+            </a:r>
           </a:p>
         </p:txBody>
       </p:sp>
@@ -2722,7 +2754,7 @@
           <a:bodyPr/>
           <a:lstStyle/>
           <a:p>
-            <a:fld id="{DFE8374C-33FF-4623-BDD9-70B81F91259B}" type="datetime1">
+            <a:fld id="{5471C87A-203A-42FD-BD91-9B6D3F7D9290}" type="datetime1">
               <a:rPr lang="de-DE" smtClean="0"/>
               <a:t>20.11.2019</a:t>
             </a:fld>
@@ -2745,7 +2777,10 @@
           <a:bodyPr/>
           <a:lstStyle/>
           <a:p>
-            <a:endParaRPr lang="de-DE"/>
+            <a:r>
+              <a:rPr lang="de-DE"/>
+              <a:t>Mark Broderius, Christoph Schmitz, Jan</a:t>
+            </a:r>
           </a:p>
         </p:txBody>
       </p:sp>
@@ -2933,7 +2968,7 @@
             </a:lvl1pPr>
           </a:lstStyle>
           <a:p>
-            <a:fld id="{EAE8254A-45A5-4AC2-A63B-E2B81E9CBD09}" type="datetime1">
+            <a:fld id="{467A2EEA-6971-4B00-ABDA-C535603A7757}" type="datetime1">
               <a:rPr lang="de-DE" smtClean="0"/>
               <a:t>20.11.2019</a:t>
             </a:fld>
@@ -2974,7 +3009,10 @@
             </a:lvl1pPr>
           </a:lstStyle>
           <a:p>
-            <a:endParaRPr lang="de-DE"/>
+            <a:r>
+              <a:rPr lang="de-DE"/>
+              <a:t>Mark Broderius, Christoph Schmitz, Jan</a:t>
+            </a:r>
           </a:p>
         </p:txBody>
       </p:sp>
@@ -3037,7 +3075,7 @@
     <p:sldLayoutId id="2147483658" r:id="rId10"/>
     <p:sldLayoutId id="2147483659" r:id="rId11"/>
   </p:sldLayoutIdLst>
-  <p:hf hdr="0" ftr="0" dt="0"/>
+  <p:hf hdr="0"/>
   <p:txStyles>
     <p:titleStyle>
       <a:lvl1pPr algn="l" defTabSz="914400" rtl="0" eaLnBrk="1" latinLnBrk="0" hangingPunct="1">
@@ -3483,10 +3521,10 @@
       </p:grpSpPr>
       <p:pic>
         <p:nvPicPr>
-          <p:cNvPr id="7" name="Grafik 6" descr="Ein Bild, das Tier, Licht, Vorhang enthält.&#10;&#10;Automatisch generierte Beschreibung">
+          <p:cNvPr id="5" name="Grafik 4" descr="Ein Bild, das Tier, Licht, Vorhang enthält.&#10;&#10;Automatisch generierte Beschreibung">
             <a:extLst>
               <a:ext uri="{FF2B5EF4-FFF2-40B4-BE49-F238E27FC236}">
-                <a16:creationId xmlns:a16="http://schemas.microsoft.com/office/drawing/2014/main" id="{47D5A1BE-BE67-40D5-B101-68BFC3D58051}"/>
+                <a16:creationId xmlns:a16="http://schemas.microsoft.com/office/drawing/2014/main" id="{06299C24-479F-4F3A-9E85-604C8EF6288E}"/>
               </a:ext>
             </a:extLst>
           </p:cNvPr>
@@ -3527,9 +3565,16 @@
             <p:ph type="title"/>
           </p:nvPr>
         </p:nvSpPr>
-        <p:spPr/>
-        <p:txBody>
-          <a:bodyPr/>
+        <p:spPr>
+          <a:xfrm>
+            <a:off x="353008" y="579729"/>
+            <a:ext cx="1867678" cy="1325563"/>
+          </a:xfrm>
+        </p:spPr>
+        <p:txBody>
+          <a:bodyPr>
+            <a:normAutofit/>
+          </a:bodyPr>
           <a:lstStyle/>
           <a:p>
             <a:r>
@@ -3538,17 +3583,17 @@
                   <a:schemeClr val="bg1"/>
                 </a:solidFill>
               </a:rPr>
-              <a:t>Game</a:t>
-            </a:r>
-          </a:p>
-        </p:txBody>
-      </p:sp>
-      <p:sp>
-        <p:nvSpPr>
-          <p:cNvPr id="8" name="Rechteck 7">
+              <a:t>Model</a:t>
+            </a:r>
+          </a:p>
+        </p:txBody>
+      </p:sp>
+      <p:sp>
+        <p:nvSpPr>
+          <p:cNvPr id="7" name="Rechteck 6">
             <a:extLst>
               <a:ext uri="{FF2B5EF4-FFF2-40B4-BE49-F238E27FC236}">
-                <a16:creationId xmlns:a16="http://schemas.microsoft.com/office/drawing/2014/main" id="{39782BD2-6844-406D-B26A-BB2AEDE27F01}"/>
+                <a16:creationId xmlns:a16="http://schemas.microsoft.com/office/drawing/2014/main" id="{35E66D3B-7396-41F3-924D-E0ACFDA47E9F}"/>
               </a:ext>
             </a:extLst>
           </p:cNvPr>
@@ -3625,263 +3670,96 @@
           </a:p>
         </p:txBody>
       </p:sp>
-      <p:sp>
-        <p:nvSpPr>
-          <p:cNvPr id="5" name="Inhaltsplatzhalter 4"/>
-          <p:cNvSpPr>
-            <a:spLocks noGrp="1"/>
-          </p:cNvSpPr>
+      <p:pic>
+        <p:nvPicPr>
+          <p:cNvPr id="3" name="Inhaltsplatzhalter 2"/>
+          <p:cNvPicPr>
+            <a:picLocks noGrp="1" noChangeAspect="1"/>
+          </p:cNvPicPr>
           <p:nvPr>
             <p:ph idx="1"/>
           </p:nvPr>
-        </p:nvSpPr>
-        <p:spPr/>
-        <p:txBody>
-          <a:bodyPr>
-            <a:noAutofit/>
-          </a:bodyPr>
-          <a:lstStyle/>
-          <a:p>
-            <a:r>
-              <a:rPr lang="de-DE" sz="3600" dirty="0">
-                <a:solidFill>
-                  <a:schemeClr val="bg1"/>
-                </a:solidFill>
-              </a:rPr>
-              <a:t>Attribute:</a:t>
-            </a:r>
-          </a:p>
-          <a:p>
-            <a:pPr marL="457200" lvl="1" indent="0">
-              <a:buNone/>
-            </a:pPr>
-            <a:r>
-              <a:rPr lang="de-DE" sz="3600" dirty="0">
-                <a:solidFill>
-                  <a:schemeClr val="bg1"/>
-                </a:solidFill>
-                <a:sym typeface="Wingdings" panose="05000000000000000000" pitchFamily="2" charset="2"/>
-              </a:rPr>
-              <a:t></a:t>
-            </a:r>
-            <a:r>
-              <a:rPr lang="de-DE" sz="3600" dirty="0" err="1">
-                <a:solidFill>
-                  <a:schemeClr val="bg1"/>
-                </a:solidFill>
-              </a:rPr>
-              <a:t>curQuestion</a:t>
-            </a:r>
-            <a:r>
-              <a:rPr lang="de-DE" sz="3600" dirty="0">
-                <a:solidFill>
-                  <a:schemeClr val="bg1"/>
-                </a:solidFill>
-              </a:rPr>
-              <a:t>: </a:t>
-            </a:r>
-            <a:r>
-              <a:rPr lang="de-DE" sz="3600" dirty="0" err="1">
-                <a:solidFill>
-                  <a:schemeClr val="bg1"/>
-                </a:solidFill>
-                <a:sym typeface="Wingdings" panose="05000000000000000000" pitchFamily="2" charset="2"/>
-              </a:rPr>
-              <a:t>Question</a:t>
-            </a:r>
-            <a:r>
-              <a:rPr lang="de-DE" sz="3600" dirty="0">
-                <a:solidFill>
-                  <a:schemeClr val="bg1"/>
-                </a:solidFill>
-                <a:sym typeface="Wingdings" panose="05000000000000000000" pitchFamily="2" charset="2"/>
-              </a:rPr>
-              <a:t>*</a:t>
-            </a:r>
-          </a:p>
-          <a:p>
-            <a:pPr marL="457200" lvl="1" indent="0">
-              <a:buNone/>
-            </a:pPr>
-            <a:r>
-              <a:rPr lang="de-DE" sz="3600" dirty="0">
-                <a:solidFill>
-                  <a:schemeClr val="bg1"/>
-                </a:solidFill>
-                <a:sym typeface="Wingdings" panose="05000000000000000000" pitchFamily="2" charset="2"/>
-              </a:rPr>
-              <a:t></a:t>
-            </a:r>
-            <a:r>
-              <a:rPr lang="de-DE" sz="3600" dirty="0" err="1">
-                <a:solidFill>
-                  <a:schemeClr val="bg1"/>
-                </a:solidFill>
-                <a:sym typeface="Wingdings" panose="05000000000000000000" pitchFamily="2" charset="2"/>
-              </a:rPr>
-              <a:t>roundCounter</a:t>
-            </a:r>
-            <a:r>
-              <a:rPr lang="de-DE" sz="3600" dirty="0">
-                <a:solidFill>
-                  <a:schemeClr val="bg1"/>
-                </a:solidFill>
-                <a:sym typeface="Wingdings" panose="05000000000000000000" pitchFamily="2" charset="2"/>
-              </a:rPr>
-              <a:t>: </a:t>
-            </a:r>
-            <a:r>
-              <a:rPr lang="de-DE" sz="3600" dirty="0" err="1">
-                <a:solidFill>
-                  <a:schemeClr val="bg1"/>
-                </a:solidFill>
-                <a:sym typeface="Wingdings" panose="05000000000000000000" pitchFamily="2" charset="2"/>
-              </a:rPr>
-              <a:t>int</a:t>
-            </a:r>
-            <a:endParaRPr lang="de-DE" sz="3600" dirty="0">
-              <a:solidFill>
-                <a:schemeClr val="bg1"/>
-              </a:solidFill>
-              <a:sym typeface="Wingdings" panose="05000000000000000000" pitchFamily="2" charset="2"/>
-            </a:endParaRPr>
-          </a:p>
-          <a:p>
-            <a:r>
-              <a:rPr lang="de-DE" sz="3600" dirty="0">
-                <a:solidFill>
-                  <a:schemeClr val="bg1"/>
-                </a:solidFill>
-                <a:sym typeface="Wingdings" panose="05000000000000000000" pitchFamily="2" charset="2"/>
-              </a:rPr>
-              <a:t>Methoden:</a:t>
-            </a:r>
-          </a:p>
-          <a:p>
-            <a:pPr marL="457200" lvl="1" indent="0">
-              <a:buNone/>
-            </a:pPr>
-            <a:r>
-              <a:rPr lang="de-DE" sz="3600" dirty="0">
-                <a:solidFill>
-                  <a:schemeClr val="bg1"/>
-                </a:solidFill>
-                <a:sym typeface="Wingdings" panose="05000000000000000000" pitchFamily="2" charset="2"/>
-              </a:rPr>
-              <a:t></a:t>
-            </a:r>
-            <a:r>
-              <a:rPr lang="de-DE" sz="3600" dirty="0" err="1">
-                <a:solidFill>
-                  <a:schemeClr val="bg1"/>
-                </a:solidFill>
-                <a:sym typeface="Wingdings" panose="05000000000000000000" pitchFamily="2" charset="2"/>
-              </a:rPr>
-              <a:t>getCurquestion</a:t>
-            </a:r>
-            <a:r>
-              <a:rPr lang="de-DE" sz="3600" dirty="0">
-                <a:solidFill>
-                  <a:schemeClr val="bg1"/>
-                </a:solidFill>
-                <a:sym typeface="Wingdings" panose="05000000000000000000" pitchFamily="2" charset="2"/>
-              </a:rPr>
-              <a:t>(): </a:t>
-            </a:r>
-            <a:r>
-              <a:rPr lang="de-DE" sz="3600" dirty="0" err="1">
-                <a:solidFill>
-                  <a:schemeClr val="bg1"/>
-                </a:solidFill>
-                <a:sym typeface="Wingdings" panose="05000000000000000000" pitchFamily="2" charset="2"/>
-              </a:rPr>
-              <a:t>Question</a:t>
-            </a:r>
-            <a:r>
-              <a:rPr lang="de-DE" sz="3600" dirty="0">
-                <a:solidFill>
-                  <a:schemeClr val="bg1"/>
-                </a:solidFill>
-                <a:sym typeface="Wingdings" panose="05000000000000000000" pitchFamily="2" charset="2"/>
-              </a:rPr>
-              <a:t>*</a:t>
-            </a:r>
-          </a:p>
-          <a:p>
-            <a:pPr marL="457200" lvl="1" indent="0">
-              <a:buNone/>
-            </a:pPr>
-            <a:r>
-              <a:rPr lang="de-DE" sz="3600" dirty="0">
-                <a:solidFill>
-                  <a:schemeClr val="bg1"/>
-                </a:solidFill>
-                <a:sym typeface="Wingdings" panose="05000000000000000000" pitchFamily="2" charset="2"/>
-              </a:rPr>
-              <a:t></a:t>
-            </a:r>
-            <a:r>
-              <a:rPr lang="de-DE" sz="3600" dirty="0" err="1">
-                <a:solidFill>
-                  <a:schemeClr val="bg1"/>
-                </a:solidFill>
-                <a:sym typeface="Wingdings" panose="05000000000000000000" pitchFamily="2" charset="2"/>
-              </a:rPr>
-              <a:t>evaluateAnswer</a:t>
-            </a:r>
-            <a:r>
-              <a:rPr lang="de-DE" sz="3600" dirty="0">
-                <a:solidFill>
-                  <a:schemeClr val="bg1"/>
-                </a:solidFill>
-                <a:sym typeface="Wingdings" panose="05000000000000000000" pitchFamily="2" charset="2"/>
-              </a:rPr>
-              <a:t>()</a:t>
-            </a:r>
-          </a:p>
-          <a:p>
-            <a:pPr marL="457200" lvl="1" indent="0">
-              <a:buNone/>
-            </a:pPr>
-            <a:r>
-              <a:rPr lang="de-DE" sz="3600" dirty="0">
-                <a:solidFill>
-                  <a:schemeClr val="bg1"/>
-                </a:solidFill>
-                <a:sym typeface="Wingdings" panose="05000000000000000000" pitchFamily="2" charset="2"/>
-              </a:rPr>
-              <a:t></a:t>
-            </a:r>
-            <a:r>
-              <a:rPr lang="de-DE" sz="3600" dirty="0" err="1">
-                <a:solidFill>
-                  <a:schemeClr val="bg1"/>
-                </a:solidFill>
-                <a:sym typeface="Wingdings" panose="05000000000000000000" pitchFamily="2" charset="2"/>
-              </a:rPr>
-              <a:t>startNewGame</a:t>
-            </a:r>
-            <a:r>
-              <a:rPr lang="de-DE" sz="3600" dirty="0">
-                <a:solidFill>
-                  <a:schemeClr val="bg1"/>
-                </a:solidFill>
-                <a:sym typeface="Wingdings" panose="05000000000000000000" pitchFamily="2" charset="2"/>
-              </a:rPr>
-              <a:t>(): Game*</a:t>
-            </a:r>
-            <a:endParaRPr lang="de-DE" sz="3600" dirty="0">
-              <a:solidFill>
-                <a:schemeClr val="bg1"/>
-              </a:solidFill>
-            </a:endParaRPr>
+        </p:nvPicPr>
+        <p:blipFill>
+          <a:blip r:embed="rId3">
+            <a:extLst>
+              <a:ext uri="{28A0092B-C50C-407E-A947-70E740481C1C}">
+                <a14:useLocalDpi xmlns:a14="http://schemas.microsoft.com/office/drawing/2010/main" val="0"/>
+              </a:ext>
+            </a:extLst>
+          </a:blip>
+          <a:stretch>
+            <a:fillRect/>
+          </a:stretch>
+        </p:blipFill>
+        <p:spPr>
+          <a:xfrm>
+            <a:off x="2539092" y="579730"/>
+            <a:ext cx="8504828" cy="5494455"/>
+          </a:xfrm>
+        </p:spPr>
+      </p:pic>
+      <p:sp>
+        <p:nvSpPr>
+          <p:cNvPr id="4" name="Datumsplatzhalter 3">
+            <a:extLst>
+              <a:ext uri="{FF2B5EF4-FFF2-40B4-BE49-F238E27FC236}">
+                <a16:creationId xmlns:a16="http://schemas.microsoft.com/office/drawing/2014/main" id="{0C444469-2F0A-4835-84EF-83103D30617F}"/>
+              </a:ext>
+            </a:extLst>
+          </p:cNvPr>
+          <p:cNvSpPr>
+            <a:spLocks noGrp="1"/>
+          </p:cNvSpPr>
+          <p:nvPr>
+            <p:ph type="dt" sz="half" idx="10"/>
+          </p:nvPr>
+        </p:nvSpPr>
+        <p:spPr/>
+        <p:txBody>
+          <a:bodyPr/>
+          <a:lstStyle/>
+          <a:p>
+            <a:fld id="{6B1762D8-BF86-4FD3-A232-328DD2C492AB}" type="datetime1">
+              <a:rPr lang="de-DE" smtClean="0"/>
+              <a:t>20.11.2019</a:t>
+            </a:fld>
+            <a:endParaRPr lang="de-DE"/>
+          </a:p>
+        </p:txBody>
+      </p:sp>
+      <p:sp>
+        <p:nvSpPr>
+          <p:cNvPr id="8" name="Fußzeilenplatzhalter 7">
+            <a:extLst>
+              <a:ext uri="{FF2B5EF4-FFF2-40B4-BE49-F238E27FC236}">
+                <a16:creationId xmlns:a16="http://schemas.microsoft.com/office/drawing/2014/main" id="{C7D5109B-42FA-4008-869D-EDDD2699964D}"/>
+              </a:ext>
+            </a:extLst>
+          </p:cNvPr>
+          <p:cNvSpPr>
+            <a:spLocks noGrp="1"/>
+          </p:cNvSpPr>
+          <p:nvPr>
+            <p:ph type="ftr" sz="quarter" idx="11"/>
+          </p:nvPr>
+        </p:nvSpPr>
+        <p:spPr/>
+        <p:txBody>
+          <a:bodyPr/>
+          <a:lstStyle/>
+          <a:p>
+            <a:r>
+              <a:rPr lang="de-DE"/>
+              <a:t>Mark Broderius, Christoph Schmitz, Jan</a:t>
+            </a:r>
           </a:p>
         </p:txBody>
       </p:sp>
     </p:spTree>
     <p:extLst>
       <p:ext uri="{BB962C8B-B14F-4D97-AF65-F5344CB8AC3E}">
-        <p14:creationId xmlns:p14="http://schemas.microsoft.com/office/powerpoint/2010/main" val="3577370653"/>
+        <p14:creationId xmlns:p14="http://schemas.microsoft.com/office/powerpoint/2010/main" val="3169300945"/>
       </p:ext>
     </p:extLst>
   </p:cSld>
@@ -3910,10 +3788,10 @@
       </p:grpSpPr>
       <p:pic>
         <p:nvPicPr>
-          <p:cNvPr id="7" name="Grafik 6" descr="Ein Bild, das Tier, Licht, Vorhang enthält.&#10;&#10;Automatisch generierte Beschreibung">
+          <p:cNvPr id="5" name="Grafik 4" descr="Ein Bild, das Tier, Licht, Vorhang enthält.&#10;&#10;Automatisch generierte Beschreibung">
             <a:extLst>
               <a:ext uri="{FF2B5EF4-FFF2-40B4-BE49-F238E27FC236}">
-                <a16:creationId xmlns:a16="http://schemas.microsoft.com/office/drawing/2014/main" id="{47D5A1BE-BE67-40D5-B101-68BFC3D58051}"/>
+                <a16:creationId xmlns:a16="http://schemas.microsoft.com/office/drawing/2014/main" id="{91D94200-96FA-4EAC-9335-EF93A886005E}"/>
               </a:ext>
             </a:extLst>
           </p:cNvPr>
@@ -3965,17 +3843,17 @@
                   <a:schemeClr val="bg1"/>
                 </a:solidFill>
               </a:rPr>
-              <a:t>Question</a:t>
-            </a:r>
-          </a:p>
-        </p:txBody>
-      </p:sp>
-      <p:sp>
-        <p:nvSpPr>
-          <p:cNvPr id="8" name="Rechteck 7">
+              <a:t>Model</a:t>
+            </a:r>
+          </a:p>
+        </p:txBody>
+      </p:sp>
+      <p:sp>
+        <p:nvSpPr>
+          <p:cNvPr id="7" name="Rechteck 6">
             <a:extLst>
               <a:ext uri="{FF2B5EF4-FFF2-40B4-BE49-F238E27FC236}">
-                <a16:creationId xmlns:a16="http://schemas.microsoft.com/office/drawing/2014/main" id="{39782BD2-6844-406D-B26A-BB2AEDE27F01}"/>
+                <a16:creationId xmlns:a16="http://schemas.microsoft.com/office/drawing/2014/main" id="{F40B081E-7EDF-43D0-82D2-2412BE762E81}"/>
               </a:ext>
             </a:extLst>
           </p:cNvPr>
@@ -4054,13 +3932,7 @@
       </p:sp>
       <p:sp>
         <p:nvSpPr>
-          <p:cNvPr id="4" name="Inhaltsplatzhalter 3">
-            <a:extLst>
-              <a:ext uri="{FF2B5EF4-FFF2-40B4-BE49-F238E27FC236}">
-                <a16:creationId xmlns:a16="http://schemas.microsoft.com/office/drawing/2014/main" id="{5FE1F516-DAF8-4943-B263-D1A733BE3523}"/>
-              </a:ext>
-            </a:extLst>
-          </p:cNvPr>
+          <p:cNvPr id="3" name="Inhaltsplatzhalter 2"/>
           <p:cNvSpPr>
             <a:spLocks noGrp="1"/>
           </p:cNvSpPr>
@@ -4071,7 +3943,7 @@
         <p:spPr/>
         <p:txBody>
           <a:bodyPr>
-            <a:normAutofit lnSpcReduction="10000"/>
+            <a:normAutofit/>
           </a:bodyPr>
           <a:lstStyle/>
           <a:p>
@@ -4081,7 +3953,7 @@
                   <a:schemeClr val="bg1"/>
                 </a:solidFill>
               </a:rPr>
-              <a:t>Attribute:</a:t>
+              <a:t>Attribut: </a:t>
             </a:r>
           </a:p>
           <a:p>
@@ -4102,9 +3974,49 @@
                 <a:solidFill>
                   <a:schemeClr val="bg1"/>
                 </a:solidFill>
+              </a:rPr>
+              <a:t>activeGame</a:t>
+            </a:r>
+            <a:r>
+              <a:rPr lang="de-DE" sz="3600" dirty="0">
+                <a:solidFill>
+                  <a:schemeClr val="bg1"/>
+                </a:solidFill>
+              </a:rPr>
+              <a:t>: Game*</a:t>
+            </a:r>
+          </a:p>
+          <a:p>
+            <a:r>
+              <a:rPr lang="de-DE" sz="3600" dirty="0">
+                <a:solidFill>
+                  <a:schemeClr val="bg1"/>
+                </a:solidFill>
+              </a:rPr>
+              <a:t>Methoden:</a:t>
+            </a:r>
+          </a:p>
+          <a:p>
+            <a:pPr marL="457200" lvl="1" indent="0">
+              <a:buNone/>
+            </a:pPr>
+            <a:r>
+              <a:rPr lang="de-DE" sz="3600" dirty="0">
+                <a:solidFill>
+                  <a:schemeClr val="bg1"/>
+                </a:solidFill>
                 <a:sym typeface="Wingdings" panose="05000000000000000000" pitchFamily="2" charset="2"/>
               </a:rPr>
-              <a:t>question</a:t>
+              <a:t></a:t>
+            </a:r>
+            <a:r>
+              <a:rPr lang="de-DE" sz="3600" dirty="0" err="1">
+                <a:solidFill>
+                  <a:schemeClr val="bg1"/>
+                </a:solidFill>
+                <a:sym typeface="Wingdings" panose="05000000000000000000" pitchFamily="2" charset="2"/>
+              </a:rPr>
+              <a:t>quitGame</a:t>
             </a:r>
             <a:r>
               <a:rPr lang="de-DE" sz="3600" dirty="0">
@@ -4113,7 +4025,21 @@
                 </a:solidFill>
                 <a:sym typeface="Wingdings" panose="05000000000000000000" pitchFamily="2" charset="2"/>
               </a:rPr>
-              <a:t>: </a:t>
+              <a:t>()</a:t>
+            </a:r>
+          </a:p>
+          <a:p>
+            <a:pPr marL="457200" lvl="1" indent="0">
+              <a:buNone/>
+            </a:pPr>
+            <a:r>
+              <a:rPr lang="de-DE" sz="3600" dirty="0">
+                <a:solidFill>
+                  <a:schemeClr val="bg1"/>
+                </a:solidFill>
+                <a:sym typeface="Wingdings" panose="05000000000000000000" pitchFamily="2" charset="2"/>
+              </a:rPr>
+              <a:t></a:t>
             </a:r>
             <a:r>
               <a:rPr lang="de-DE" sz="3600" dirty="0" err="1">
@@ -4122,7 +4048,80 @@
                 </a:solidFill>
                 <a:sym typeface="Wingdings" panose="05000000000000000000" pitchFamily="2" charset="2"/>
               </a:rPr>
-              <a:t>string</a:t>
+              <a:t>startNewGame</a:t>
+            </a:r>
+            <a:r>
+              <a:rPr lang="de-DE" sz="3600" dirty="0">
+                <a:solidFill>
+                  <a:schemeClr val="bg1"/>
+                </a:solidFill>
+                <a:sym typeface="Wingdings" panose="05000000000000000000" pitchFamily="2" charset="2"/>
+              </a:rPr>
+              <a:t>()</a:t>
+            </a:r>
+          </a:p>
+          <a:p>
+            <a:pPr marL="457200" lvl="1" indent="0">
+              <a:buNone/>
+            </a:pPr>
+            <a:r>
+              <a:rPr lang="de-DE" sz="3600" dirty="0">
+                <a:solidFill>
+                  <a:schemeClr val="bg1"/>
+                </a:solidFill>
+                <a:sym typeface="Wingdings" panose="05000000000000000000" pitchFamily="2" charset="2"/>
+              </a:rPr>
+              <a:t></a:t>
+            </a:r>
+            <a:r>
+              <a:rPr lang="de-DE" sz="3600" dirty="0" err="1">
+                <a:solidFill>
+                  <a:schemeClr val="bg1"/>
+                </a:solidFill>
+                <a:sym typeface="Wingdings" panose="05000000000000000000" pitchFamily="2" charset="2"/>
+              </a:rPr>
+              <a:t>isProgrammrunning</a:t>
+            </a:r>
+            <a:r>
+              <a:rPr lang="de-DE" sz="3600" dirty="0">
+                <a:solidFill>
+                  <a:schemeClr val="bg1"/>
+                </a:solidFill>
+                <a:sym typeface="Wingdings" panose="05000000000000000000" pitchFamily="2" charset="2"/>
+              </a:rPr>
+              <a:t>() </a:t>
+            </a:r>
+          </a:p>
+          <a:p>
+            <a:pPr marL="457200" lvl="1" indent="0">
+              <a:buNone/>
+            </a:pPr>
+            <a:r>
+              <a:rPr lang="de-DE" sz="3600" dirty="0">
+                <a:solidFill>
+                  <a:schemeClr val="bg1"/>
+                </a:solidFill>
+                <a:sym typeface="Wingdings" panose="05000000000000000000" pitchFamily="2" charset="2"/>
+              </a:rPr>
+              <a:t></a:t>
+            </a:r>
+            <a:r>
+              <a:rPr lang="de-DE" sz="3600" dirty="0" err="1">
+                <a:solidFill>
+                  <a:schemeClr val="bg1"/>
+                </a:solidFill>
+                <a:sym typeface="Wingdings" panose="05000000000000000000" pitchFamily="2" charset="2"/>
+              </a:rPr>
+              <a:t>terminateProgramm</a:t>
+            </a:r>
+            <a:r>
+              <a:rPr lang="de-DE" sz="3600" dirty="0">
+                <a:solidFill>
+                  <a:schemeClr val="bg1"/>
+                </a:solidFill>
+                <a:sym typeface="Wingdings" panose="05000000000000000000" pitchFamily="2" charset="2"/>
+              </a:rPr>
+              <a:t>()</a:t>
             </a:r>
             <a:endParaRPr lang="de-DE" sz="3600" dirty="0">
               <a:solidFill>
@@ -4131,189 +4130,76 @@
             </a:endParaRPr>
           </a:p>
           <a:p>
-            <a:pPr marL="457200" lvl="1" indent="0">
-              <a:buNone/>
-            </a:pPr>
-            <a:r>
-              <a:rPr lang="de-DE" sz="3600" dirty="0">
-                <a:solidFill>
-                  <a:schemeClr val="bg1"/>
-                </a:solidFill>
-                <a:sym typeface="Wingdings" panose="05000000000000000000" pitchFamily="2" charset="2"/>
-              </a:rPr>
-              <a:t></a:t>
-            </a:r>
-            <a:r>
-              <a:rPr lang="de-DE" sz="3600" dirty="0" err="1">
-                <a:solidFill>
-                  <a:schemeClr val="bg1"/>
-                </a:solidFill>
-                <a:sym typeface="Wingdings" panose="05000000000000000000" pitchFamily="2" charset="2"/>
-              </a:rPr>
-              <a:t>answereA</a:t>
-            </a:r>
-            <a:r>
-              <a:rPr lang="de-DE" sz="3600" dirty="0">
-                <a:solidFill>
-                  <a:schemeClr val="bg1"/>
-                </a:solidFill>
-                <a:sym typeface="Wingdings" panose="05000000000000000000" pitchFamily="2" charset="2"/>
-              </a:rPr>
-              <a:t>: </a:t>
-            </a:r>
-            <a:r>
-              <a:rPr lang="de-DE" sz="3600" dirty="0" err="1">
-                <a:solidFill>
-                  <a:schemeClr val="bg1"/>
-                </a:solidFill>
-                <a:sym typeface="Wingdings" panose="05000000000000000000" pitchFamily="2" charset="2"/>
-              </a:rPr>
-              <a:t>Answere</a:t>
-            </a:r>
-            <a:r>
-              <a:rPr lang="de-DE" sz="3600" dirty="0">
-                <a:solidFill>
-                  <a:schemeClr val="bg1"/>
-                </a:solidFill>
-                <a:sym typeface="Wingdings" panose="05000000000000000000" pitchFamily="2" charset="2"/>
-              </a:rPr>
-              <a:t>*</a:t>
-            </a:r>
+            <a:pPr lvl="1"/>
             <a:endParaRPr lang="de-DE" sz="3600" dirty="0">
               <a:solidFill>
                 <a:schemeClr val="bg1"/>
               </a:solidFill>
             </a:endParaRPr>
           </a:p>
-          <a:p>
-            <a:r>
-              <a:rPr lang="de-DE" sz="3600" dirty="0">
-                <a:solidFill>
-                  <a:schemeClr val="bg1"/>
-                </a:solidFill>
-              </a:rPr>
-              <a:t>Methoden:</a:t>
-            </a:r>
-          </a:p>
-          <a:p>
-            <a:pPr marL="457200" lvl="1" indent="0">
-              <a:buNone/>
-            </a:pPr>
-            <a:r>
-              <a:rPr lang="de-DE" sz="3600" dirty="0">
-                <a:solidFill>
-                  <a:schemeClr val="bg1"/>
-                </a:solidFill>
-                <a:sym typeface="Wingdings" panose="05000000000000000000" pitchFamily="2" charset="2"/>
-              </a:rPr>
-              <a:t></a:t>
-            </a:r>
-            <a:r>
-              <a:rPr lang="de-DE" sz="3600" dirty="0" err="1">
-                <a:solidFill>
-                  <a:schemeClr val="bg1"/>
-                </a:solidFill>
-                <a:sym typeface="Wingdings" panose="05000000000000000000" pitchFamily="2" charset="2"/>
-              </a:rPr>
-              <a:t>getQuestion</a:t>
-            </a:r>
-            <a:r>
-              <a:rPr lang="de-DE" sz="3600" dirty="0">
-                <a:solidFill>
-                  <a:schemeClr val="bg1"/>
-                </a:solidFill>
-                <a:sym typeface="Wingdings" panose="05000000000000000000" pitchFamily="2" charset="2"/>
-              </a:rPr>
-              <a:t>()</a:t>
-            </a:r>
-          </a:p>
-          <a:p>
-            <a:pPr marL="457200" lvl="1" indent="0">
-              <a:buNone/>
-            </a:pPr>
-            <a:r>
-              <a:rPr lang="de-DE" sz="3600" dirty="0">
-                <a:solidFill>
-                  <a:schemeClr val="bg1"/>
-                </a:solidFill>
-                <a:sym typeface="Wingdings" panose="05000000000000000000" pitchFamily="2" charset="2"/>
-              </a:rPr>
-              <a:t></a:t>
-            </a:r>
-            <a:r>
-              <a:rPr lang="de-DE" sz="3600" dirty="0" err="1">
-                <a:solidFill>
-                  <a:schemeClr val="bg1"/>
-                </a:solidFill>
-                <a:sym typeface="Wingdings" panose="05000000000000000000" pitchFamily="2" charset="2"/>
-              </a:rPr>
-              <a:t>getAnswereA</a:t>
-            </a:r>
-            <a:r>
-              <a:rPr lang="de-DE" sz="3600" dirty="0">
-                <a:solidFill>
-                  <a:schemeClr val="bg1"/>
-                </a:solidFill>
-                <a:sym typeface="Wingdings" panose="05000000000000000000" pitchFamily="2" charset="2"/>
-              </a:rPr>
-              <a:t>()</a:t>
-            </a:r>
-          </a:p>
-          <a:p>
-            <a:pPr marL="457200" lvl="1" indent="0">
-              <a:buNone/>
-            </a:pPr>
-            <a:r>
-              <a:rPr lang="de-DE" sz="3600" dirty="0">
-                <a:solidFill>
-                  <a:schemeClr val="bg1"/>
-                </a:solidFill>
-                <a:sym typeface="Wingdings" panose="05000000000000000000" pitchFamily="2" charset="2"/>
-              </a:rPr>
-              <a:t></a:t>
-            </a:r>
-            <a:r>
-              <a:rPr lang="de-DE" sz="3600" dirty="0" err="1">
-                <a:solidFill>
-                  <a:schemeClr val="bg1"/>
-                </a:solidFill>
-                <a:sym typeface="Wingdings" panose="05000000000000000000" pitchFamily="2" charset="2"/>
-              </a:rPr>
-              <a:t>pullNewQuestion</a:t>
-            </a:r>
-            <a:r>
-              <a:rPr lang="de-DE" sz="3600" dirty="0">
-                <a:solidFill>
-                  <a:schemeClr val="bg1"/>
-                </a:solidFill>
-                <a:sym typeface="Wingdings" panose="05000000000000000000" pitchFamily="2" charset="2"/>
-              </a:rPr>
-              <a:t>(): Question*</a:t>
-            </a:r>
-          </a:p>
-          <a:p>
-            <a:pPr marL="457200" lvl="1" indent="0">
-              <a:buNone/>
-            </a:pPr>
-            <a:r>
-              <a:rPr lang="de-DE" sz="3600" dirty="0">
-                <a:solidFill>
-                  <a:schemeClr val="bg1"/>
-                </a:solidFill>
-                <a:sym typeface="Wingdings" panose="05000000000000000000" pitchFamily="2" charset="2"/>
-              </a:rPr>
-              <a:t>	CSV-Reader</a:t>
-            </a:r>
-          </a:p>
-          <a:p>
-            <a:endParaRPr lang="de-DE" dirty="0"/>
+        </p:txBody>
+      </p:sp>
+      <p:sp>
+        <p:nvSpPr>
+          <p:cNvPr id="4" name="Datumsplatzhalter 3">
+            <a:extLst>
+              <a:ext uri="{FF2B5EF4-FFF2-40B4-BE49-F238E27FC236}">
+                <a16:creationId xmlns:a16="http://schemas.microsoft.com/office/drawing/2014/main" id="{CB24CB5B-41D5-4AB4-A643-1A5E12038A6D}"/>
+              </a:ext>
+            </a:extLst>
+          </p:cNvPr>
+          <p:cNvSpPr>
+            <a:spLocks noGrp="1"/>
+          </p:cNvSpPr>
+          <p:nvPr>
+            <p:ph type="dt" sz="half" idx="10"/>
+          </p:nvPr>
+        </p:nvSpPr>
+        <p:spPr/>
+        <p:txBody>
+          <a:bodyPr/>
+          <a:lstStyle/>
+          <a:p>
+            <a:fld id="{869FAA51-C25C-4BD9-AFCB-AA614A7133D9}" type="datetime1">
+              <a:rPr lang="de-DE" smtClean="0"/>
+              <a:t>20.11.2019</a:t>
+            </a:fld>
+            <a:endParaRPr lang="de-DE"/>
+          </a:p>
+        </p:txBody>
+      </p:sp>
+      <p:sp>
+        <p:nvSpPr>
+          <p:cNvPr id="8" name="Fußzeilenplatzhalter 7">
+            <a:extLst>
+              <a:ext uri="{FF2B5EF4-FFF2-40B4-BE49-F238E27FC236}">
+                <a16:creationId xmlns:a16="http://schemas.microsoft.com/office/drawing/2014/main" id="{5719337B-FB8C-439B-8E95-53FBC4EE571C}"/>
+              </a:ext>
+            </a:extLst>
+          </p:cNvPr>
+          <p:cNvSpPr>
+            <a:spLocks noGrp="1"/>
+          </p:cNvSpPr>
+          <p:nvPr>
+            <p:ph type="ftr" sz="quarter" idx="11"/>
+          </p:nvPr>
+        </p:nvSpPr>
+        <p:spPr/>
+        <p:txBody>
+          <a:bodyPr/>
+          <a:lstStyle/>
+          <a:p>
+            <a:r>
+              <a:rPr lang="de-DE"/>
+              <a:t>Mark Broderius, Christoph Schmitz, Jan</a:t>
+            </a:r>
           </a:p>
         </p:txBody>
       </p:sp>
     </p:spTree>
     <p:extLst>
       <p:ext uri="{BB962C8B-B14F-4D97-AF65-F5344CB8AC3E}">
-        <p14:creationId xmlns:p14="http://schemas.microsoft.com/office/powerpoint/2010/main" val="632129260"/>
+        <p14:creationId xmlns:p14="http://schemas.microsoft.com/office/powerpoint/2010/main" val="344540055"/>
       </p:ext>
     </p:extLst>
   </p:cSld>
@@ -4397,7 +4283,7 @@
                   <a:schemeClr val="bg1"/>
                 </a:solidFill>
               </a:rPr>
-              <a:t>CSV-Reader</a:t>
+              <a:t>Game</a:t>
             </a:r>
           </a:p>
         </p:txBody>
@@ -4486,13 +4372,7 @@
       </p:sp>
       <p:sp>
         <p:nvSpPr>
-          <p:cNvPr id="4" name="Inhaltsplatzhalter 3">
-            <a:extLst>
-              <a:ext uri="{FF2B5EF4-FFF2-40B4-BE49-F238E27FC236}">
-                <a16:creationId xmlns:a16="http://schemas.microsoft.com/office/drawing/2014/main" id="{5FE1F516-DAF8-4943-B263-D1A733BE3523}"/>
-              </a:ext>
-            </a:extLst>
-          </p:cNvPr>
+          <p:cNvPr id="5" name="Inhaltsplatzhalter 4"/>
           <p:cNvSpPr>
             <a:spLocks noGrp="1"/>
           </p:cNvSpPr>
@@ -4500,15 +4380,10 @@
             <p:ph idx="1"/>
           </p:nvPr>
         </p:nvSpPr>
-        <p:spPr>
-          <a:xfrm>
-            <a:off x="838200" y="1825625"/>
-            <a:ext cx="8844280" cy="4351338"/>
-          </a:xfrm>
-        </p:spPr>
+        <p:spPr/>
         <p:txBody>
           <a:bodyPr>
-            <a:normAutofit/>
+            <a:noAutofit/>
           </a:bodyPr>
           <a:lstStyle/>
           <a:p>
@@ -4518,7 +4393,21 @@
                   <a:schemeClr val="bg1"/>
                 </a:solidFill>
               </a:rPr>
-              <a:t>Öffnet .</a:t>
+              <a:t>Attribute:</a:t>
+            </a:r>
+          </a:p>
+          <a:p>
+            <a:pPr marL="457200" lvl="1" indent="0">
+              <a:buNone/>
+            </a:pPr>
+            <a:r>
+              <a:rPr lang="de-DE" sz="3600" dirty="0">
+                <a:solidFill>
+                  <a:schemeClr val="bg1"/>
+                </a:solidFill>
+                <a:sym typeface="Wingdings" panose="05000000000000000000" pitchFamily="2" charset="2"/>
+              </a:rPr>
+              <a:t></a:t>
             </a:r>
             <a:r>
               <a:rPr lang="de-DE" sz="3600" dirty="0" err="1">
@@ -4526,7 +4415,7 @@
                   <a:schemeClr val="bg1"/>
                 </a:solidFill>
               </a:rPr>
-              <a:t>csv</a:t>
+              <a:t>curQuestion</a:t>
             </a:r>
             <a:r>
               <a:rPr lang="de-DE" sz="3600" dirty="0">
@@ -4534,59 +4423,106 @@
                   <a:schemeClr val="bg1"/>
                 </a:solidFill>
               </a:rPr>
-              <a:t>-Datei</a:t>
-            </a:r>
-          </a:p>
-          <a:p>
+              <a:t>: </a:t>
+            </a:r>
+            <a:r>
+              <a:rPr lang="de-DE" sz="3600" dirty="0" err="1">
+                <a:solidFill>
+                  <a:schemeClr val="bg1"/>
+                </a:solidFill>
+                <a:sym typeface="Wingdings" panose="05000000000000000000" pitchFamily="2" charset="2"/>
+              </a:rPr>
+              <a:t>Question</a:t>
+            </a:r>
             <a:r>
               <a:rPr lang="de-DE" sz="3600" dirty="0">
                 <a:solidFill>
                   <a:schemeClr val="bg1"/>
                 </a:solidFill>
-              </a:rPr>
-              <a:t>Liest mit </a:t>
+                <a:sym typeface="Wingdings" panose="05000000000000000000" pitchFamily="2" charset="2"/>
+              </a:rPr>
+              <a:t>*</a:t>
+            </a:r>
+          </a:p>
+          <a:p>
+            <a:pPr marL="457200" lvl="1" indent="0">
+              <a:buNone/>
+            </a:pPr>
+            <a:r>
+              <a:rPr lang="de-DE" sz="3600" dirty="0">
+                <a:solidFill>
+                  <a:schemeClr val="bg1"/>
+                </a:solidFill>
+                <a:sym typeface="Wingdings" panose="05000000000000000000" pitchFamily="2" charset="2"/>
+              </a:rPr>
+              <a:t></a:t>
             </a:r>
             <a:r>
               <a:rPr lang="de-DE" sz="3600" dirty="0" err="1">
                 <a:solidFill>
                   <a:schemeClr val="bg1"/>
                 </a:solidFill>
-              </a:rPr>
-              <a:t>getline</a:t>
+                <a:sym typeface="Wingdings" panose="05000000000000000000" pitchFamily="2" charset="2"/>
+              </a:rPr>
+              <a:t>roundCounter</a:t>
             </a:r>
             <a:r>
               <a:rPr lang="de-DE" sz="3600" dirty="0">
                 <a:solidFill>
                   <a:schemeClr val="bg1"/>
                 </a:solidFill>
-              </a:rPr>
-              <a:t>() die .</a:t>
+                <a:sym typeface="Wingdings" panose="05000000000000000000" pitchFamily="2" charset="2"/>
+              </a:rPr>
+              <a:t>: </a:t>
             </a:r>
             <a:r>
               <a:rPr lang="de-DE" sz="3600" dirty="0" err="1">
                 <a:solidFill>
                   <a:schemeClr val="bg1"/>
                 </a:solidFill>
-              </a:rPr>
-              <a:t>csv</a:t>
-            </a:r>
+                <a:sym typeface="Wingdings" panose="05000000000000000000" pitchFamily="2" charset="2"/>
+              </a:rPr>
+              <a:t>int</a:t>
+            </a:r>
+            <a:endParaRPr lang="de-DE" sz="3600" dirty="0">
+              <a:solidFill>
+                <a:schemeClr val="bg1"/>
+              </a:solidFill>
+              <a:sym typeface="Wingdings" panose="05000000000000000000" pitchFamily="2" charset="2"/>
+            </a:endParaRPr>
+          </a:p>
+          <a:p>
             <a:r>
               <a:rPr lang="de-DE" sz="3600" dirty="0">
                 <a:solidFill>
                   <a:schemeClr val="bg1"/>
                 </a:solidFill>
-              </a:rPr>
-              <a:t>-Datei und trennt am Semikolon</a:t>
-            </a:r>
-          </a:p>
-          <a:p>
+                <a:sym typeface="Wingdings" panose="05000000000000000000" pitchFamily="2" charset="2"/>
+              </a:rPr>
+              <a:t>Methoden:</a:t>
+            </a:r>
+          </a:p>
+          <a:p>
+            <a:pPr marL="457200" lvl="1" indent="0">
+              <a:buNone/>
+            </a:pPr>
             <a:r>
               <a:rPr lang="de-DE" sz="3600" dirty="0">
                 <a:solidFill>
                   <a:schemeClr val="bg1"/>
                 </a:solidFill>
-              </a:rPr>
-              <a:t>Frage </a:t>
+                <a:sym typeface="Wingdings" panose="05000000000000000000" pitchFamily="2" charset="2"/>
+              </a:rPr>
+              <a:t></a:t>
+            </a:r>
+            <a:r>
+              <a:rPr lang="de-DE" sz="3600" dirty="0" err="1">
+                <a:solidFill>
+                  <a:schemeClr val="bg1"/>
+                </a:solidFill>
+                <a:sym typeface="Wingdings" panose="05000000000000000000" pitchFamily="2" charset="2"/>
+              </a:rPr>
+              <a:t>getCurquestion</a:t>
             </a:r>
             <a:r>
               <a:rPr lang="de-DE" sz="3600" dirty="0">
@@ -4595,23 +4531,89 @@
                 </a:solidFill>
                 <a:sym typeface="Wingdings" panose="05000000000000000000" pitchFamily="2" charset="2"/>
               </a:rPr>
+              <a:t>(): </a:t>
+            </a:r>
+            <a:r>
+              <a:rPr lang="de-DE" sz="3600" dirty="0" err="1">
+                <a:solidFill>
+                  <a:schemeClr val="bg1"/>
+                </a:solidFill>
+                <a:sym typeface="Wingdings" panose="05000000000000000000" pitchFamily="2" charset="2"/>
+              </a:rPr>
+              <a:t>Question</a:t>
+            </a:r>
+            <a:r>
+              <a:rPr lang="de-DE" sz="3600" dirty="0">
+                <a:solidFill>
+                  <a:schemeClr val="bg1"/>
+                </a:solidFill>
+                <a:sym typeface="Wingdings" panose="05000000000000000000" pitchFamily="2" charset="2"/>
+              </a:rPr>
+              <a:t>*</a:t>
+            </a:r>
+          </a:p>
+          <a:p>
+            <a:pPr marL="457200" lvl="1" indent="0">
+              <a:buNone/>
+            </a:pPr>
+            <a:r>
+              <a:rPr lang="de-DE" sz="3600" dirty="0">
+                <a:solidFill>
+                  <a:schemeClr val="bg1"/>
+                </a:solidFill>
+                <a:sym typeface="Wingdings" panose="05000000000000000000" pitchFamily="2" charset="2"/>
+              </a:rPr>
               <a:t></a:t>
             </a:r>
             <a:r>
+              <a:rPr lang="de-DE" sz="3600" dirty="0" err="1">
+                <a:solidFill>
+                  <a:schemeClr val="bg1"/>
+                </a:solidFill>
+                <a:sym typeface="Wingdings" panose="05000000000000000000" pitchFamily="2" charset="2"/>
+              </a:rPr>
+              <a:t>evaluateAnswer</a:t>
+            </a:r>
+            <a:r>
               <a:rPr lang="de-DE" sz="3600" dirty="0">
                 <a:solidFill>
                   <a:schemeClr val="bg1"/>
                 </a:solidFill>
-              </a:rPr>
-              <a:t> Attribut </a:t>
+                <a:sym typeface="Wingdings" panose="05000000000000000000" pitchFamily="2" charset="2"/>
+              </a:rPr>
+              <a:t>()</a:t>
+            </a:r>
+          </a:p>
+          <a:p>
+            <a:pPr marL="457200" lvl="1" indent="0">
+              <a:buNone/>
+            </a:pPr>
+            <a:r>
+              <a:rPr lang="de-DE" sz="3600" dirty="0">
+                <a:solidFill>
+                  <a:schemeClr val="bg1"/>
+                </a:solidFill>
+                <a:sym typeface="Wingdings" panose="05000000000000000000" pitchFamily="2" charset="2"/>
+              </a:rPr>
+              <a:t></a:t>
             </a:r>
             <a:r>
               <a:rPr lang="de-DE" sz="3600" dirty="0" err="1">
                 <a:solidFill>
                   <a:schemeClr val="bg1"/>
                 </a:solidFill>
-              </a:rPr>
-              <a:t>question</a:t>
+                <a:sym typeface="Wingdings" panose="05000000000000000000" pitchFamily="2" charset="2"/>
+              </a:rPr>
+              <a:t>startNewGame</a:t>
+            </a:r>
+            <a:r>
+              <a:rPr lang="de-DE" sz="3600" dirty="0">
+                <a:solidFill>
+                  <a:schemeClr val="bg1"/>
+                </a:solidFill>
+                <a:sym typeface="Wingdings" panose="05000000000000000000" pitchFamily="2" charset="2"/>
+              </a:rPr>
+              <a:t>(): Game*</a:t>
             </a:r>
             <a:endParaRPr lang="de-DE" sz="3600" dirty="0">
               <a:solidFill>
@@ -4619,101 +4621,69 @@
               </a:solidFill>
             </a:endParaRPr>
           </a:p>
-          <a:p>
-            <a:r>
-              <a:rPr lang="de-DE" sz="3600" dirty="0">
-                <a:solidFill>
-                  <a:schemeClr val="bg1"/>
-                </a:solidFill>
-              </a:rPr>
-              <a:t>Antworten A-D </a:t>
-            </a:r>
-            <a:r>
-              <a:rPr lang="de-DE" sz="3600" dirty="0">
-                <a:solidFill>
-                  <a:schemeClr val="bg1"/>
-                </a:solidFill>
-                <a:sym typeface="Wingdings" panose="05000000000000000000" pitchFamily="2" charset="2"/>
-              </a:rPr>
-              <a:t></a:t>
-            </a:r>
-            <a:r>
-              <a:rPr lang="de-DE" sz="3600" dirty="0">
-                <a:solidFill>
-                  <a:schemeClr val="bg1"/>
-                </a:solidFill>
-              </a:rPr>
-              <a:t> </a:t>
-            </a:r>
-            <a:r>
-              <a:rPr lang="de-DE" sz="3600" dirty="0" err="1">
-                <a:solidFill>
-                  <a:schemeClr val="bg1"/>
-                </a:solidFill>
-              </a:rPr>
-              <a:t>instanz</a:t>
-            </a:r>
-            <a:r>
-              <a:rPr lang="de-DE" sz="3600" dirty="0">
-                <a:solidFill>
-                  <a:schemeClr val="bg1"/>
-                </a:solidFill>
-              </a:rPr>
-              <a:t> der Klasse Antwort</a:t>
-            </a:r>
-          </a:p>
-          <a:p>
-            <a:r>
-              <a:rPr lang="de-DE" sz="3600" dirty="0">
-                <a:solidFill>
-                  <a:schemeClr val="bg1"/>
-                </a:solidFill>
-              </a:rPr>
-              <a:t>Richtige </a:t>
-            </a:r>
-            <a:r>
-              <a:rPr lang="de-DE" sz="3600" dirty="0" err="1">
-                <a:solidFill>
-                  <a:schemeClr val="bg1"/>
-                </a:solidFill>
-              </a:rPr>
-              <a:t>Antowrt</a:t>
-            </a:r>
-            <a:r>
-              <a:rPr lang="de-DE" sz="3600" dirty="0">
-                <a:solidFill>
-                  <a:schemeClr val="bg1"/>
-                </a:solidFill>
-              </a:rPr>
-              <a:t> </a:t>
-            </a:r>
-            <a:r>
-              <a:rPr lang="de-DE" sz="3600" dirty="0">
-                <a:solidFill>
-                  <a:schemeClr val="bg1"/>
-                </a:solidFill>
-                <a:sym typeface="Wingdings" panose="05000000000000000000" pitchFamily="2" charset="2"/>
-              </a:rPr>
-              <a:t></a:t>
-            </a:r>
-            <a:r>
-              <a:rPr lang="de-DE" sz="3600" dirty="0">
-                <a:solidFill>
-                  <a:schemeClr val="bg1"/>
-                </a:solidFill>
-              </a:rPr>
-              <a:t> Pointer auf Instanz von A,B,C oder D</a:t>
-            </a:r>
-          </a:p>
-          <a:p>
-            <a:endParaRPr lang="de-DE" dirty="0"/>
+        </p:txBody>
+      </p:sp>
+      <p:sp>
+        <p:nvSpPr>
+          <p:cNvPr id="3" name="Datumsplatzhalter 2">
+            <a:extLst>
+              <a:ext uri="{FF2B5EF4-FFF2-40B4-BE49-F238E27FC236}">
+                <a16:creationId xmlns:a16="http://schemas.microsoft.com/office/drawing/2014/main" id="{03BC8BC8-1534-4CE0-B402-5BCAF208CB3D}"/>
+              </a:ext>
+            </a:extLst>
+          </p:cNvPr>
+          <p:cNvSpPr>
+            <a:spLocks noGrp="1"/>
+          </p:cNvSpPr>
+          <p:nvPr>
+            <p:ph type="dt" sz="half" idx="10"/>
+          </p:nvPr>
+        </p:nvSpPr>
+        <p:spPr/>
+        <p:txBody>
+          <a:bodyPr/>
+          <a:lstStyle/>
+          <a:p>
+            <a:fld id="{9E2F7B4E-65F5-4B05-9864-4CE395DA4A01}" type="datetime1">
+              <a:rPr lang="de-DE" smtClean="0"/>
+              <a:t>20.11.2019</a:t>
+            </a:fld>
+            <a:endParaRPr lang="de-DE"/>
+          </a:p>
+        </p:txBody>
+      </p:sp>
+      <p:sp>
+        <p:nvSpPr>
+          <p:cNvPr id="4" name="Fußzeilenplatzhalter 3">
+            <a:extLst>
+              <a:ext uri="{FF2B5EF4-FFF2-40B4-BE49-F238E27FC236}">
+                <a16:creationId xmlns:a16="http://schemas.microsoft.com/office/drawing/2014/main" id="{84E5AF5E-7E58-4827-9F16-63E63AD709FE}"/>
+              </a:ext>
+            </a:extLst>
+          </p:cNvPr>
+          <p:cNvSpPr>
+            <a:spLocks noGrp="1"/>
+          </p:cNvSpPr>
+          <p:nvPr>
+            <p:ph type="ftr" sz="quarter" idx="11"/>
+          </p:nvPr>
+        </p:nvSpPr>
+        <p:spPr/>
+        <p:txBody>
+          <a:bodyPr/>
+          <a:lstStyle/>
+          <a:p>
+            <a:r>
+              <a:rPr lang="de-DE"/>
+              <a:t>Mark Broderius, Christoph Schmitz, Jan</a:t>
+            </a:r>
           </a:p>
         </p:txBody>
       </p:sp>
     </p:spTree>
     <p:extLst>
       <p:ext uri="{BB962C8B-B14F-4D97-AF65-F5344CB8AC3E}">
-        <p14:creationId xmlns:p14="http://schemas.microsoft.com/office/powerpoint/2010/main" val="464516989"/>
+        <p14:creationId xmlns:p14="http://schemas.microsoft.com/office/powerpoint/2010/main" val="3577370653"/>
       </p:ext>
     </p:extLst>
   </p:cSld>
@@ -4797,7 +4767,7 @@
                   <a:schemeClr val="bg1"/>
                 </a:solidFill>
               </a:rPr>
-              <a:t>Ausblick</a:t>
+              <a:t>Question</a:t>
             </a:r>
           </a:p>
         </p:txBody>
@@ -4900,15 +4870,10 @@
             <p:ph idx="1"/>
           </p:nvPr>
         </p:nvSpPr>
-        <p:spPr>
-          <a:xfrm>
-            <a:off x="838200" y="1825625"/>
-            <a:ext cx="8844280" cy="4351338"/>
-          </a:xfrm>
-        </p:spPr>
+        <p:spPr/>
         <p:txBody>
           <a:bodyPr>
-            <a:normAutofit/>
+            <a:normAutofit lnSpcReduction="10000"/>
           </a:bodyPr>
           <a:lstStyle/>
           <a:p>
@@ -4918,11 +4883,11 @@
                   <a:schemeClr val="bg1"/>
                 </a:solidFill>
               </a:rPr>
-              <a:t>Richtige Antwort ist kein String sondern Pointer</a:t>
-            </a:r>
-          </a:p>
-          <a:p>
-            <a:pPr marL="914400" lvl="2" indent="0">
+              <a:t>Attribute:</a:t>
+            </a:r>
+          </a:p>
+          <a:p>
+            <a:pPr marL="457200" lvl="1" indent="0">
               <a:buNone/>
             </a:pPr>
             <a:r>
@@ -4932,7 +4897,34 @@
                 </a:solidFill>
                 <a:sym typeface="Wingdings" panose="05000000000000000000" pitchFamily="2" charset="2"/>
               </a:rPr>
-              <a:t> Keine Fehler durch Doppelung</a:t>
+              <a:t></a:t>
+            </a:r>
+            <a:r>
+              <a:rPr lang="de-DE" sz="3600" dirty="0" err="1">
+                <a:solidFill>
+                  <a:schemeClr val="bg1"/>
+                </a:solidFill>
+                <a:sym typeface="Wingdings" panose="05000000000000000000" pitchFamily="2" charset="2"/>
+              </a:rPr>
+              <a:t>question</a:t>
+            </a:r>
+            <a:r>
+              <a:rPr lang="de-DE" sz="3600" dirty="0">
+                <a:solidFill>
+                  <a:schemeClr val="bg1"/>
+                </a:solidFill>
+                <a:sym typeface="Wingdings" panose="05000000000000000000" pitchFamily="2" charset="2"/>
+              </a:rPr>
+              <a:t>: </a:t>
+            </a:r>
+            <a:r>
+              <a:rPr lang="de-DE" sz="3600" dirty="0" err="1">
+                <a:solidFill>
+                  <a:schemeClr val="bg1"/>
+                </a:solidFill>
+                <a:sym typeface="Wingdings" panose="05000000000000000000" pitchFamily="2" charset="2"/>
+              </a:rPr>
+              <a:t>string</a:t>
             </a:r>
             <a:endParaRPr lang="de-DE" sz="3600" dirty="0">
               <a:solidFill>
@@ -4941,17 +4933,7 @@
             </a:endParaRPr>
           </a:p>
           <a:p>
-            <a:r>
-              <a:rPr lang="de-DE" sz="3600" dirty="0">
-                <a:solidFill>
-                  <a:schemeClr val="bg1"/>
-                </a:solidFill>
-              </a:rPr>
-              <a:t>Einfache Erweiterbarkeit</a:t>
-            </a:r>
-          </a:p>
-          <a:p>
-            <a:pPr marL="0" indent="0">
+            <a:pPr marL="457200" lvl="1" indent="0">
               <a:buNone/>
             </a:pPr>
             <a:r>
@@ -4959,8 +4941,18 @@
                 <a:solidFill>
                   <a:schemeClr val="bg1"/>
                 </a:solidFill>
-              </a:rPr>
-              <a:t>	</a:t>
+                <a:sym typeface="Wingdings" panose="05000000000000000000" pitchFamily="2" charset="2"/>
+              </a:rPr>
+              <a:t></a:t>
+            </a:r>
+            <a:r>
+              <a:rPr lang="de-DE" sz="3600" dirty="0" err="1">
+                <a:solidFill>
+                  <a:schemeClr val="bg1"/>
+                </a:solidFill>
+                <a:sym typeface="Wingdings" panose="05000000000000000000" pitchFamily="2" charset="2"/>
+              </a:rPr>
+              <a:t>answereA</a:t>
             </a:r>
             <a:r>
               <a:rPr lang="de-DE" sz="3600" dirty="0">
@@ -4969,30 +4961,218 @@
                 </a:solidFill>
                 <a:sym typeface="Wingdings" panose="05000000000000000000" pitchFamily="2" charset="2"/>
               </a:rPr>
-              <a:t></a:t>
+              <a:t>: </a:t>
+            </a:r>
+            <a:r>
+              <a:rPr lang="de-DE" sz="3600" dirty="0" err="1">
+                <a:solidFill>
+                  <a:schemeClr val="bg1"/>
+                </a:solidFill>
+                <a:sym typeface="Wingdings" panose="05000000000000000000" pitchFamily="2" charset="2"/>
+              </a:rPr>
+              <a:t>Answer</a:t>
             </a:r>
             <a:r>
               <a:rPr lang="de-DE" sz="3600" dirty="0">
                 <a:solidFill>
                   <a:schemeClr val="bg1"/>
                 </a:solidFill>
-              </a:rPr>
-              <a:t>Datenbank statt CSV-Reader</a:t>
-            </a:r>
-          </a:p>
-          <a:p>
-            <a:endParaRPr lang="de-DE" dirty="0">
+                <a:sym typeface="Wingdings" panose="05000000000000000000" pitchFamily="2" charset="2"/>
+              </a:rPr>
+              <a:t>*</a:t>
+            </a:r>
+            <a:endParaRPr lang="de-DE" sz="3600" dirty="0">
               <a:solidFill>
                 <a:schemeClr val="bg1"/>
               </a:solidFill>
             </a:endParaRPr>
           </a:p>
+          <a:p>
+            <a:r>
+              <a:rPr lang="de-DE" sz="3600" dirty="0">
+                <a:solidFill>
+                  <a:schemeClr val="bg1"/>
+                </a:solidFill>
+              </a:rPr>
+              <a:t>Methoden:</a:t>
+            </a:r>
+          </a:p>
+          <a:p>
+            <a:pPr marL="457200" lvl="1" indent="0">
+              <a:buNone/>
+            </a:pPr>
+            <a:r>
+              <a:rPr lang="de-DE" sz="3600" dirty="0">
+                <a:solidFill>
+                  <a:schemeClr val="bg1"/>
+                </a:solidFill>
+                <a:sym typeface="Wingdings" panose="05000000000000000000" pitchFamily="2" charset="2"/>
+              </a:rPr>
+              <a:t></a:t>
+            </a:r>
+            <a:r>
+              <a:rPr lang="de-DE" sz="3600" dirty="0" err="1">
+                <a:solidFill>
+                  <a:schemeClr val="bg1"/>
+                </a:solidFill>
+                <a:sym typeface="Wingdings" panose="05000000000000000000" pitchFamily="2" charset="2"/>
+              </a:rPr>
+              <a:t>getQuestion</a:t>
+            </a:r>
+            <a:r>
+              <a:rPr lang="de-DE" sz="3600" dirty="0">
+                <a:solidFill>
+                  <a:schemeClr val="bg1"/>
+                </a:solidFill>
+                <a:sym typeface="Wingdings" panose="05000000000000000000" pitchFamily="2" charset="2"/>
+              </a:rPr>
+              <a:t>()</a:t>
+            </a:r>
+          </a:p>
+          <a:p>
+            <a:pPr marL="457200" lvl="1" indent="0">
+              <a:buNone/>
+            </a:pPr>
+            <a:r>
+              <a:rPr lang="de-DE" sz="3600" dirty="0">
+                <a:solidFill>
+                  <a:schemeClr val="bg1"/>
+                </a:solidFill>
+                <a:sym typeface="Wingdings" panose="05000000000000000000" pitchFamily="2" charset="2"/>
+              </a:rPr>
+              <a:t></a:t>
+            </a:r>
+            <a:r>
+              <a:rPr lang="de-DE" sz="3600" dirty="0" err="1">
+                <a:solidFill>
+                  <a:schemeClr val="bg1"/>
+                </a:solidFill>
+                <a:sym typeface="Wingdings" panose="05000000000000000000" pitchFamily="2" charset="2"/>
+              </a:rPr>
+              <a:t>getAnswereA</a:t>
+            </a:r>
+            <a:r>
+              <a:rPr lang="de-DE" sz="3600" dirty="0">
+                <a:solidFill>
+                  <a:schemeClr val="bg1"/>
+                </a:solidFill>
+                <a:sym typeface="Wingdings" panose="05000000000000000000" pitchFamily="2" charset="2"/>
+              </a:rPr>
+              <a:t>()</a:t>
+            </a:r>
+          </a:p>
+          <a:p>
+            <a:pPr marL="457200" lvl="1" indent="0">
+              <a:buNone/>
+            </a:pPr>
+            <a:r>
+              <a:rPr lang="de-DE" sz="3600" dirty="0">
+                <a:solidFill>
+                  <a:schemeClr val="bg1"/>
+                </a:solidFill>
+                <a:sym typeface="Wingdings" panose="05000000000000000000" pitchFamily="2" charset="2"/>
+              </a:rPr>
+              <a:t></a:t>
+            </a:r>
+            <a:r>
+              <a:rPr lang="de-DE" sz="3600" dirty="0" err="1">
+                <a:solidFill>
+                  <a:schemeClr val="bg1"/>
+                </a:solidFill>
+                <a:sym typeface="Wingdings" panose="05000000000000000000" pitchFamily="2" charset="2"/>
+              </a:rPr>
+              <a:t>pullNewQuestion</a:t>
+            </a:r>
+            <a:r>
+              <a:rPr lang="de-DE" sz="3600" dirty="0">
+                <a:solidFill>
+                  <a:schemeClr val="bg1"/>
+                </a:solidFill>
+                <a:sym typeface="Wingdings" panose="05000000000000000000" pitchFamily="2" charset="2"/>
+              </a:rPr>
+              <a:t>(): Question*</a:t>
+            </a:r>
+          </a:p>
+          <a:p>
+            <a:pPr marL="457200" lvl="1" indent="0">
+              <a:buNone/>
+            </a:pPr>
+            <a:r>
+              <a:rPr lang="de-DE" sz="3600" dirty="0">
+                <a:solidFill>
+                  <a:schemeClr val="bg1"/>
+                </a:solidFill>
+                <a:sym typeface="Wingdings" panose="05000000000000000000" pitchFamily="2" charset="2"/>
+              </a:rPr>
+              <a:t>	CSV-Reader</a:t>
+            </a:r>
+          </a:p>
+          <a:p>
+            <a:endParaRPr lang="de-DE" dirty="0"/>
+          </a:p>
+        </p:txBody>
+      </p:sp>
+      <p:sp>
+        <p:nvSpPr>
+          <p:cNvPr id="3" name="Datumsplatzhalter 2">
+            <a:extLst>
+              <a:ext uri="{FF2B5EF4-FFF2-40B4-BE49-F238E27FC236}">
+                <a16:creationId xmlns:a16="http://schemas.microsoft.com/office/drawing/2014/main" id="{C69BF667-0C70-4BE1-A7E5-C6DD6B1EECAA}"/>
+              </a:ext>
+            </a:extLst>
+          </p:cNvPr>
+          <p:cNvSpPr>
+            <a:spLocks noGrp="1"/>
+          </p:cNvSpPr>
+          <p:nvPr>
+            <p:ph type="dt" sz="half" idx="10"/>
+          </p:nvPr>
+        </p:nvSpPr>
+        <p:spPr/>
+        <p:txBody>
+          <a:bodyPr/>
+          <a:lstStyle/>
+          <a:p>
+            <a:fld id="{76FDA48D-C773-4701-8F1B-2F59CDC7C327}" type="datetime1">
+              <a:rPr lang="de-DE" smtClean="0"/>
+              <a:t>20.11.2019</a:t>
+            </a:fld>
+            <a:endParaRPr lang="de-DE"/>
+          </a:p>
+        </p:txBody>
+      </p:sp>
+      <p:sp>
+        <p:nvSpPr>
+          <p:cNvPr id="5" name="Fußzeilenplatzhalter 4">
+            <a:extLst>
+              <a:ext uri="{FF2B5EF4-FFF2-40B4-BE49-F238E27FC236}">
+                <a16:creationId xmlns:a16="http://schemas.microsoft.com/office/drawing/2014/main" id="{8FF49B9C-837C-4912-9C7A-8E2AF94A5D63}"/>
+              </a:ext>
+            </a:extLst>
+          </p:cNvPr>
+          <p:cNvSpPr>
+            <a:spLocks noGrp="1"/>
+          </p:cNvSpPr>
+          <p:nvPr>
+            <p:ph type="ftr" sz="quarter" idx="11"/>
+          </p:nvPr>
+        </p:nvSpPr>
+        <p:spPr/>
+        <p:txBody>
+          <a:bodyPr/>
+          <a:lstStyle/>
+          <a:p>
+            <a:r>
+              <a:rPr lang="de-DE"/>
+              <a:t>Mark Broderius, Christoph Schmitz, Jan</a:t>
+            </a:r>
+          </a:p>
         </p:txBody>
       </p:sp>
     </p:spTree>
     <p:extLst>
       <p:ext uri="{BB962C8B-B14F-4D97-AF65-F5344CB8AC3E}">
-        <p14:creationId xmlns:p14="http://schemas.microsoft.com/office/powerpoint/2010/main" val="400576767"/>
+        <p14:creationId xmlns:p14="http://schemas.microsoft.com/office/powerpoint/2010/main" val="632129260"/>
       </p:ext>
     </p:extLst>
   </p:cSld>
@@ -5070,11 +5250,14 @@
           <a:bodyPr/>
           <a:lstStyle/>
           <a:p>
-            <a:endParaRPr lang="de-DE" dirty="0">
-              <a:solidFill>
-                <a:schemeClr val="bg1"/>
-              </a:solidFill>
-            </a:endParaRPr>
+            <a:r>
+              <a:rPr lang="de-DE" dirty="0">
+                <a:solidFill>
+                  <a:schemeClr val="bg1"/>
+                </a:solidFill>
+              </a:rPr>
+              <a:t>CSV-Reader</a:t>
+            </a:r>
           </a:p>
         </p:txBody>
       </p:sp>
@@ -5188,54 +5371,265 @@
           </a:bodyPr>
           <a:lstStyle/>
           <a:p>
-            <a:endParaRPr lang="de-DE" dirty="0">
+            <a:r>
+              <a:rPr lang="de-DE" sz="3600" dirty="0">
+                <a:solidFill>
+                  <a:schemeClr val="bg1"/>
+                </a:solidFill>
+              </a:rPr>
+              <a:t>Öffnet .</a:t>
+            </a:r>
+            <a:r>
+              <a:rPr lang="de-DE" sz="3600" dirty="0" err="1">
+                <a:solidFill>
+                  <a:schemeClr val="bg1"/>
+                </a:solidFill>
+              </a:rPr>
+              <a:t>csv</a:t>
+            </a:r>
+            <a:r>
+              <a:rPr lang="de-DE" sz="3600" dirty="0">
+                <a:solidFill>
+                  <a:schemeClr val="bg1"/>
+                </a:solidFill>
+              </a:rPr>
+              <a:t>-Datei</a:t>
+            </a:r>
+          </a:p>
+          <a:p>
+            <a:r>
+              <a:rPr lang="de-DE" sz="3600" dirty="0">
+                <a:solidFill>
+                  <a:schemeClr val="bg1"/>
+                </a:solidFill>
+              </a:rPr>
+              <a:t>Liest mit </a:t>
+            </a:r>
+            <a:r>
+              <a:rPr lang="de-DE" sz="3600" dirty="0" err="1">
+                <a:solidFill>
+                  <a:schemeClr val="bg1"/>
+                </a:solidFill>
+              </a:rPr>
+              <a:t>getline</a:t>
+            </a:r>
+            <a:r>
+              <a:rPr lang="de-DE" sz="3600" dirty="0">
+                <a:solidFill>
+                  <a:schemeClr val="bg1"/>
+                </a:solidFill>
+              </a:rPr>
+              <a:t>() die .</a:t>
+            </a:r>
+            <a:r>
+              <a:rPr lang="de-DE" sz="3600" dirty="0" err="1">
+                <a:solidFill>
+                  <a:schemeClr val="bg1"/>
+                </a:solidFill>
+              </a:rPr>
+              <a:t>csv</a:t>
+            </a:r>
+            <a:r>
+              <a:rPr lang="de-DE" sz="3600" dirty="0">
+                <a:solidFill>
+                  <a:schemeClr val="bg1"/>
+                </a:solidFill>
+              </a:rPr>
+              <a:t>-Datei und trennt am Semikolon</a:t>
+            </a:r>
+          </a:p>
+          <a:p>
+            <a:r>
+              <a:rPr lang="de-DE" sz="3600" dirty="0">
+                <a:solidFill>
+                  <a:schemeClr val="bg1"/>
+                </a:solidFill>
+              </a:rPr>
+              <a:t>Frage </a:t>
+            </a:r>
+            <a:r>
+              <a:rPr lang="de-DE" sz="3600" dirty="0">
+                <a:solidFill>
+                  <a:schemeClr val="bg1"/>
+                </a:solidFill>
+                <a:sym typeface="Wingdings" panose="05000000000000000000" pitchFamily="2" charset="2"/>
+              </a:rPr>
+              <a:t></a:t>
+            </a:r>
+            <a:r>
+              <a:rPr lang="de-DE" sz="3600" dirty="0">
+                <a:solidFill>
+                  <a:schemeClr val="bg1"/>
+                </a:solidFill>
+              </a:rPr>
+              <a:t> Attribut </a:t>
+            </a:r>
+            <a:r>
+              <a:rPr lang="de-DE" sz="3600" dirty="0" err="1">
+                <a:solidFill>
+                  <a:schemeClr val="bg1"/>
+                </a:solidFill>
+              </a:rPr>
+              <a:t>question</a:t>
+            </a:r>
+            <a:endParaRPr lang="de-DE" sz="3600" dirty="0">
               <a:solidFill>
                 <a:schemeClr val="bg1"/>
               </a:solidFill>
             </a:endParaRPr>
           </a:p>
-        </p:txBody>
-      </p:sp>
-      <p:pic>
-        <p:nvPicPr>
-          <p:cNvPr id="10" name="Inhaltsplatzhalter 6">
+          <a:p>
+            <a:r>
+              <a:rPr lang="de-DE" sz="3600" dirty="0">
+                <a:solidFill>
+                  <a:schemeClr val="bg1"/>
+                </a:solidFill>
+              </a:rPr>
+              <a:t>Antworten A-D </a:t>
+            </a:r>
+            <a:r>
+              <a:rPr lang="de-DE" sz="3600" dirty="0">
+                <a:solidFill>
+                  <a:schemeClr val="bg1"/>
+                </a:solidFill>
+                <a:sym typeface="Wingdings" panose="05000000000000000000" pitchFamily="2" charset="2"/>
+              </a:rPr>
+              <a:t></a:t>
+            </a:r>
+            <a:r>
+              <a:rPr lang="de-DE" sz="3600" dirty="0">
+                <a:solidFill>
+                  <a:schemeClr val="bg1"/>
+                </a:solidFill>
+              </a:rPr>
+              <a:t> </a:t>
+            </a:r>
+            <a:r>
+              <a:rPr lang="de-DE" sz="3600" dirty="0" err="1">
+                <a:solidFill>
+                  <a:schemeClr val="bg1"/>
+                </a:solidFill>
+              </a:rPr>
+              <a:t>instanz</a:t>
+            </a:r>
+            <a:r>
+              <a:rPr lang="de-DE" sz="3600" dirty="0">
+                <a:solidFill>
+                  <a:schemeClr val="bg1"/>
+                </a:solidFill>
+              </a:rPr>
+              <a:t> der Klasse Antwort</a:t>
+            </a:r>
+          </a:p>
+          <a:p>
+            <a:r>
+              <a:rPr lang="de-DE" sz="3600" dirty="0">
+                <a:solidFill>
+                  <a:schemeClr val="bg1"/>
+                </a:solidFill>
+              </a:rPr>
+              <a:t>Richtige </a:t>
+            </a:r>
+            <a:r>
+              <a:rPr lang="de-DE" sz="3600" dirty="0" err="1">
+                <a:solidFill>
+                  <a:schemeClr val="bg1"/>
+                </a:solidFill>
+              </a:rPr>
+              <a:t>Antowrt</a:t>
+            </a:r>
+            <a:r>
+              <a:rPr lang="de-DE" sz="3600" dirty="0">
+                <a:solidFill>
+                  <a:schemeClr val="bg1"/>
+                </a:solidFill>
+              </a:rPr>
+              <a:t> </a:t>
+            </a:r>
+            <a:r>
+              <a:rPr lang="de-DE" sz="3600" dirty="0">
+                <a:solidFill>
+                  <a:schemeClr val="bg1"/>
+                </a:solidFill>
+                <a:sym typeface="Wingdings" panose="05000000000000000000" pitchFamily="2" charset="2"/>
+              </a:rPr>
+              <a:t></a:t>
+            </a:r>
+            <a:r>
+              <a:rPr lang="de-DE" sz="3600" dirty="0">
+                <a:solidFill>
+                  <a:schemeClr val="bg1"/>
+                </a:solidFill>
+              </a:rPr>
+              <a:t> Pointer auf Instanz von A,B,C oder D</a:t>
+            </a:r>
+          </a:p>
+          <a:p>
+            <a:endParaRPr lang="de-DE" dirty="0"/>
+          </a:p>
+        </p:txBody>
+      </p:sp>
+      <p:sp>
+        <p:nvSpPr>
+          <p:cNvPr id="3" name="Datumsplatzhalter 2">
             <a:extLst>
               <a:ext uri="{FF2B5EF4-FFF2-40B4-BE49-F238E27FC236}">
-                <a16:creationId xmlns:a16="http://schemas.microsoft.com/office/drawing/2014/main" id="{C18A15EB-59F9-4166-993F-E86986A921B7}"/>
+                <a16:creationId xmlns:a16="http://schemas.microsoft.com/office/drawing/2014/main" id="{3A722B68-789E-468B-97AA-474ADA6E36F0}"/>
               </a:ext>
             </a:extLst>
           </p:cNvPr>
-          <p:cNvPicPr>
-            <a:picLocks noChangeAspect="1"/>
-          </p:cNvPicPr>
-          <p:nvPr/>
-        </p:nvPicPr>
-        <p:blipFill>
-          <a:blip r:embed="rId3">
-            <a:extLst>
-              <a:ext uri="{28A0092B-C50C-407E-A947-70E740481C1C}">
-                <a14:useLocalDpi xmlns:a14="http://schemas.microsoft.com/office/drawing/2010/main" val="0"/>
-              </a:ext>
-            </a:extLst>
-          </a:blip>
-          <a:stretch>
-            <a:fillRect/>
-          </a:stretch>
-        </p:blipFill>
-        <p:spPr>
-          <a:xfrm>
-            <a:off x="1512957" y="0"/>
-            <a:ext cx="9166086" cy="6858000"/>
-          </a:xfrm>
-          <a:prstGeom prst="rect">
-            <a:avLst/>
-          </a:prstGeom>
-        </p:spPr>
-      </p:pic>
+          <p:cNvSpPr>
+            <a:spLocks noGrp="1"/>
+          </p:cNvSpPr>
+          <p:nvPr>
+            <p:ph type="dt" sz="half" idx="10"/>
+          </p:nvPr>
+        </p:nvSpPr>
+        <p:spPr/>
+        <p:txBody>
+          <a:bodyPr/>
+          <a:lstStyle/>
+          <a:p>
+            <a:fld id="{7330F28A-C7E4-4B7C-BB78-4EF00B8C9D8E}" type="datetime1">
+              <a:rPr lang="de-DE" smtClean="0"/>
+              <a:t>20.11.2019</a:t>
+            </a:fld>
+            <a:endParaRPr lang="de-DE"/>
+          </a:p>
+        </p:txBody>
+      </p:sp>
+      <p:sp>
+        <p:nvSpPr>
+          <p:cNvPr id="5" name="Fußzeilenplatzhalter 4">
+            <a:extLst>
+              <a:ext uri="{FF2B5EF4-FFF2-40B4-BE49-F238E27FC236}">
+                <a16:creationId xmlns:a16="http://schemas.microsoft.com/office/drawing/2014/main" id="{D735D78F-8FD8-4726-BDB7-8CAFB272A50D}"/>
+              </a:ext>
+            </a:extLst>
+          </p:cNvPr>
+          <p:cNvSpPr>
+            <a:spLocks noGrp="1"/>
+          </p:cNvSpPr>
+          <p:nvPr>
+            <p:ph type="ftr" sz="quarter" idx="11"/>
+          </p:nvPr>
+        </p:nvSpPr>
+        <p:spPr/>
+        <p:txBody>
+          <a:bodyPr/>
+          <a:lstStyle/>
+          <a:p>
+            <a:r>
+              <a:rPr lang="de-DE"/>
+              <a:t>Mark Broderius, Christoph Schmitz, Jan</a:t>
+            </a:r>
+          </a:p>
+        </p:txBody>
+      </p:sp>
     </p:spTree>
     <p:extLst>
       <p:ext uri="{BB962C8B-B14F-4D97-AF65-F5344CB8AC3E}">
-        <p14:creationId xmlns:p14="http://schemas.microsoft.com/office/powerpoint/2010/main" val="1802687124"/>
+        <p14:creationId xmlns:p14="http://schemas.microsoft.com/office/powerpoint/2010/main" val="464516989"/>
       </p:ext>
     </p:extLst>
   </p:cSld>
@@ -5313,11 +5707,14 @@
           <a:bodyPr/>
           <a:lstStyle/>
           <a:p>
-            <a:endParaRPr lang="de-DE" dirty="0">
-              <a:solidFill>
-                <a:schemeClr val="bg1"/>
-              </a:solidFill>
-            </a:endParaRPr>
+            <a:r>
+              <a:rPr lang="de-DE" dirty="0">
+                <a:solidFill>
+                  <a:schemeClr val="bg1"/>
+                </a:solidFill>
+              </a:rPr>
+              <a:t>Ausblick</a:t>
+            </a:r>
           </a:p>
         </p:txBody>
       </p:sp>
@@ -5431,6 +5828,75 @@
           </a:bodyPr>
           <a:lstStyle/>
           <a:p>
+            <a:r>
+              <a:rPr lang="de-DE" sz="3600" dirty="0">
+                <a:solidFill>
+                  <a:schemeClr val="bg1"/>
+                </a:solidFill>
+              </a:rPr>
+              <a:t>Richtige Antwort ist kein String sondern Pointer</a:t>
+            </a:r>
+          </a:p>
+          <a:p>
+            <a:pPr marL="914400" lvl="2" indent="0">
+              <a:buNone/>
+            </a:pPr>
+            <a:r>
+              <a:rPr lang="de-DE" sz="3600" dirty="0">
+                <a:solidFill>
+                  <a:schemeClr val="bg1"/>
+                </a:solidFill>
+                <a:sym typeface="Wingdings" panose="05000000000000000000" pitchFamily="2" charset="2"/>
+              </a:rPr>
+              <a:t> Keine Fehler durch Doppelung</a:t>
+            </a:r>
+            <a:endParaRPr lang="de-DE" sz="3600" dirty="0">
+              <a:solidFill>
+                <a:schemeClr val="bg1"/>
+              </a:solidFill>
+            </a:endParaRPr>
+          </a:p>
+          <a:p>
+            <a:r>
+              <a:rPr lang="de-DE" sz="3600" dirty="0">
+                <a:solidFill>
+                  <a:schemeClr val="bg1"/>
+                </a:solidFill>
+              </a:rPr>
+              <a:t>Einfache Erweiterbarkeit</a:t>
+            </a:r>
+          </a:p>
+          <a:p>
+            <a:pPr marL="0" indent="0">
+              <a:buNone/>
+            </a:pPr>
+            <a:r>
+              <a:rPr lang="de-DE" sz="3600" dirty="0">
+                <a:solidFill>
+                  <a:schemeClr val="bg1"/>
+                </a:solidFill>
+              </a:rPr>
+              <a:t>	</a:t>
+            </a:r>
+            <a:r>
+              <a:rPr lang="de-DE" sz="3600" dirty="0">
+                <a:solidFill>
+                  <a:schemeClr val="bg1"/>
+                </a:solidFill>
+                <a:sym typeface="Wingdings" panose="05000000000000000000" pitchFamily="2" charset="2"/>
+              </a:rPr>
+              <a:t></a:t>
+            </a:r>
+            <a:r>
+              <a:rPr lang="de-DE" sz="3600" dirty="0">
+                <a:solidFill>
+                  <a:schemeClr val="bg1"/>
+                </a:solidFill>
+              </a:rPr>
+              <a:t>Datenbank statt CSV-Reader</a:t>
+            </a:r>
+          </a:p>
+          <a:p>
             <a:endParaRPr lang="de-DE" dirty="0">
               <a:solidFill>
                 <a:schemeClr val="bg1"/>
@@ -5439,46 +5905,67 @@
           </a:p>
         </p:txBody>
       </p:sp>
-      <p:pic>
-        <p:nvPicPr>
-          <p:cNvPr id="9" name="Inhaltsplatzhalter 9">
+      <p:sp>
+        <p:nvSpPr>
+          <p:cNvPr id="3" name="Datumsplatzhalter 2">
             <a:extLst>
               <a:ext uri="{FF2B5EF4-FFF2-40B4-BE49-F238E27FC236}">
-                <a16:creationId xmlns:a16="http://schemas.microsoft.com/office/drawing/2014/main" id="{71F7245E-DFB1-4545-8C8C-9B385713ACB0}"/>
+                <a16:creationId xmlns:a16="http://schemas.microsoft.com/office/drawing/2014/main" id="{2F0EB30A-3F4C-40DF-BF18-878C87DB7660}"/>
               </a:ext>
             </a:extLst>
           </p:cNvPr>
-          <p:cNvPicPr>
-            <a:picLocks noChangeAspect="1"/>
-          </p:cNvPicPr>
-          <p:nvPr/>
-        </p:nvPicPr>
-        <p:blipFill>
-          <a:blip r:embed="rId3">
-            <a:extLst>
-              <a:ext uri="{28A0092B-C50C-407E-A947-70E740481C1C}">
-                <a14:useLocalDpi xmlns:a14="http://schemas.microsoft.com/office/drawing/2010/main" val="0"/>
-              </a:ext>
-            </a:extLst>
-          </a:blip>
-          <a:stretch>
-            <a:fillRect/>
-          </a:stretch>
-        </p:blipFill>
-        <p:spPr>
-          <a:xfrm>
-            <a:off x="1517374" y="0"/>
-            <a:ext cx="9157251" cy="6862230"/>
-          </a:xfrm>
-          <a:prstGeom prst="rect">
-            <a:avLst/>
-          </a:prstGeom>
-        </p:spPr>
-      </p:pic>
+          <p:cNvSpPr>
+            <a:spLocks noGrp="1"/>
+          </p:cNvSpPr>
+          <p:nvPr>
+            <p:ph type="dt" sz="half" idx="10"/>
+          </p:nvPr>
+        </p:nvSpPr>
+        <p:spPr/>
+        <p:txBody>
+          <a:bodyPr/>
+          <a:lstStyle/>
+          <a:p>
+            <a:fld id="{71E38DF4-CD7A-4F24-A77E-23A85F3E15AC}" type="datetime1">
+              <a:rPr lang="de-DE" smtClean="0"/>
+              <a:t>20.11.2019</a:t>
+            </a:fld>
+            <a:endParaRPr lang="de-DE"/>
+          </a:p>
+        </p:txBody>
+      </p:sp>
+      <p:sp>
+        <p:nvSpPr>
+          <p:cNvPr id="5" name="Fußzeilenplatzhalter 4">
+            <a:extLst>
+              <a:ext uri="{FF2B5EF4-FFF2-40B4-BE49-F238E27FC236}">
+                <a16:creationId xmlns:a16="http://schemas.microsoft.com/office/drawing/2014/main" id="{3C21C7A3-96C5-4289-A79F-CC7A4CC0EB18}"/>
+              </a:ext>
+            </a:extLst>
+          </p:cNvPr>
+          <p:cNvSpPr>
+            <a:spLocks noGrp="1"/>
+          </p:cNvSpPr>
+          <p:nvPr>
+            <p:ph type="ftr" sz="quarter" idx="11"/>
+          </p:nvPr>
+        </p:nvSpPr>
+        <p:spPr/>
+        <p:txBody>
+          <a:bodyPr/>
+          <a:lstStyle/>
+          <a:p>
+            <a:r>
+              <a:rPr lang="de-DE"/>
+              <a:t>Mark Broderius, Christoph Schmitz, Jan</a:t>
+            </a:r>
+          </a:p>
+        </p:txBody>
+      </p:sp>
     </p:spTree>
     <p:extLst>
       <p:ext uri="{BB962C8B-B14F-4D97-AF65-F5344CB8AC3E}">
-        <p14:creationId xmlns:p14="http://schemas.microsoft.com/office/powerpoint/2010/main" val="2282028923"/>
+        <p14:creationId xmlns:p14="http://schemas.microsoft.com/office/powerpoint/2010/main" val="400576767"/>
       </p:ext>
     </p:extLst>
   </p:cSld>
@@ -5684,10 +6171,10 @@
       </p:sp>
       <p:pic>
         <p:nvPicPr>
-          <p:cNvPr id="10" name="Inhaltsplatzhalter 19">
+          <p:cNvPr id="10" name="Inhaltsplatzhalter 6">
             <a:extLst>
               <a:ext uri="{FF2B5EF4-FFF2-40B4-BE49-F238E27FC236}">
-                <a16:creationId xmlns:a16="http://schemas.microsoft.com/office/drawing/2014/main" id="{9D9E14FC-DA19-4BC7-B850-0922CEC8341F}"/>
+                <a16:creationId xmlns:a16="http://schemas.microsoft.com/office/drawing/2014/main" id="{C18A15EB-59F9-4166-993F-E86986A921B7}"/>
               </a:ext>
             </a:extLst>
           </p:cNvPr>
@@ -5710,18 +6197,75 @@
         </p:blipFill>
         <p:spPr>
           <a:xfrm>
-            <a:off x="1521791" y="-40640"/>
-            <a:ext cx="9148417" cy="6898640"/>
+            <a:off x="1512957" y="-501650"/>
+            <a:ext cx="9166086" cy="6858000"/>
           </a:xfrm>
           <a:prstGeom prst="rect">
             <a:avLst/>
           </a:prstGeom>
         </p:spPr>
       </p:pic>
+      <p:sp>
+        <p:nvSpPr>
+          <p:cNvPr id="3" name="Datumsplatzhalter 2">
+            <a:extLst>
+              <a:ext uri="{FF2B5EF4-FFF2-40B4-BE49-F238E27FC236}">
+                <a16:creationId xmlns:a16="http://schemas.microsoft.com/office/drawing/2014/main" id="{1915E77F-055F-4A34-A6A9-2069CBAF82AA}"/>
+              </a:ext>
+            </a:extLst>
+          </p:cNvPr>
+          <p:cNvSpPr>
+            <a:spLocks noGrp="1"/>
+          </p:cNvSpPr>
+          <p:nvPr>
+            <p:ph type="dt" sz="half" idx="10"/>
+          </p:nvPr>
+        </p:nvSpPr>
+        <p:spPr/>
+        <p:txBody>
+          <a:bodyPr/>
+          <a:lstStyle/>
+          <a:p>
+            <a:fld id="{594B9E81-DBB7-462C-89B3-5086E28AA347}" type="datetime1">
+              <a:rPr lang="de-DE" smtClean="0"/>
+              <a:t>20.11.2019</a:t>
+            </a:fld>
+            <a:endParaRPr lang="de-DE"/>
+          </a:p>
+        </p:txBody>
+      </p:sp>
+      <p:sp>
+        <p:nvSpPr>
+          <p:cNvPr id="5" name="Fußzeilenplatzhalter 4">
+            <a:extLst>
+              <a:ext uri="{FF2B5EF4-FFF2-40B4-BE49-F238E27FC236}">
+                <a16:creationId xmlns:a16="http://schemas.microsoft.com/office/drawing/2014/main" id="{BAA9AEBD-6D91-4176-9A4A-C2CE4CAFD8FD}"/>
+              </a:ext>
+            </a:extLst>
+          </p:cNvPr>
+          <p:cNvSpPr>
+            <a:spLocks noGrp="1"/>
+          </p:cNvSpPr>
+          <p:nvPr>
+            <p:ph type="ftr" sz="quarter" idx="11"/>
+          </p:nvPr>
+        </p:nvSpPr>
+        <p:spPr/>
+        <p:txBody>
+          <a:bodyPr/>
+          <a:lstStyle/>
+          <a:p>
+            <a:r>
+              <a:rPr lang="de-DE"/>
+              <a:t>Mark Broderius, Christoph Schmitz, Jan</a:t>
+            </a:r>
+          </a:p>
+        </p:txBody>
+      </p:sp>
     </p:spTree>
     <p:extLst>
       <p:ext uri="{BB962C8B-B14F-4D97-AF65-F5344CB8AC3E}">
-        <p14:creationId xmlns:p14="http://schemas.microsoft.com/office/powerpoint/2010/main" val="2524037241"/>
+        <p14:creationId xmlns:p14="http://schemas.microsoft.com/office/powerpoint/2010/main" val="1802687124"/>
       </p:ext>
     </p:extLst>
   </p:cSld>
@@ -5799,14 +6343,11 @@
           <a:bodyPr/>
           <a:lstStyle/>
           <a:p>
-            <a:r>
-              <a:rPr lang="de-DE" dirty="0">
-                <a:solidFill>
-                  <a:schemeClr val="bg1"/>
-                </a:solidFill>
-              </a:rPr>
-              <a:t>Button Darstellung</a:t>
-            </a:r>
+            <a:endParaRPr lang="de-DE" dirty="0">
+              <a:solidFill>
+                <a:schemeClr val="bg1"/>
+              </a:solidFill>
+            </a:endParaRPr>
           </a:p>
         </p:txBody>
       </p:sp>
@@ -5930,10 +6471,10 @@
       </p:sp>
       <p:pic>
         <p:nvPicPr>
-          <p:cNvPr id="9" name="Inhaltsplatzhalter 8">
+          <p:cNvPr id="9" name="Inhaltsplatzhalter 9">
             <a:extLst>
               <a:ext uri="{FF2B5EF4-FFF2-40B4-BE49-F238E27FC236}">
-                <a16:creationId xmlns:a16="http://schemas.microsoft.com/office/drawing/2014/main" id="{B57FCB14-8D5C-4F2B-BE03-9F8796EE3DC0}"/>
+                <a16:creationId xmlns:a16="http://schemas.microsoft.com/office/drawing/2014/main" id="{71F7245E-DFB1-4545-8C8C-9B385713ACB0}"/>
               </a:ext>
             </a:extLst>
           </p:cNvPr>
@@ -5956,18 +6497,75 @@
         </p:blipFill>
         <p:spPr>
           <a:xfrm>
-            <a:off x="1076274" y="1690688"/>
-            <a:ext cx="10039451" cy="4351338"/>
+            <a:off x="1517374" y="-505880"/>
+            <a:ext cx="9157251" cy="6862230"/>
           </a:xfrm>
           <a:prstGeom prst="rect">
             <a:avLst/>
           </a:prstGeom>
         </p:spPr>
       </p:pic>
+      <p:sp>
+        <p:nvSpPr>
+          <p:cNvPr id="3" name="Datumsplatzhalter 2">
+            <a:extLst>
+              <a:ext uri="{FF2B5EF4-FFF2-40B4-BE49-F238E27FC236}">
+                <a16:creationId xmlns:a16="http://schemas.microsoft.com/office/drawing/2014/main" id="{EA3FA61A-8D78-4A39-AA92-17B5698641DF}"/>
+              </a:ext>
+            </a:extLst>
+          </p:cNvPr>
+          <p:cNvSpPr>
+            <a:spLocks noGrp="1"/>
+          </p:cNvSpPr>
+          <p:nvPr>
+            <p:ph type="dt" sz="half" idx="10"/>
+          </p:nvPr>
+        </p:nvSpPr>
+        <p:spPr/>
+        <p:txBody>
+          <a:bodyPr/>
+          <a:lstStyle/>
+          <a:p>
+            <a:fld id="{3AD663A9-1A6B-49B3-994B-3DA735F11338}" type="datetime1">
+              <a:rPr lang="de-DE" smtClean="0"/>
+              <a:t>20.11.2019</a:t>
+            </a:fld>
+            <a:endParaRPr lang="de-DE"/>
+          </a:p>
+        </p:txBody>
+      </p:sp>
+      <p:sp>
+        <p:nvSpPr>
+          <p:cNvPr id="5" name="Fußzeilenplatzhalter 4">
+            <a:extLst>
+              <a:ext uri="{FF2B5EF4-FFF2-40B4-BE49-F238E27FC236}">
+                <a16:creationId xmlns:a16="http://schemas.microsoft.com/office/drawing/2014/main" id="{3D9BCA1C-A17F-4F27-B66F-3A425EBBD843}"/>
+              </a:ext>
+            </a:extLst>
+          </p:cNvPr>
+          <p:cNvSpPr>
+            <a:spLocks noGrp="1"/>
+          </p:cNvSpPr>
+          <p:nvPr>
+            <p:ph type="ftr" sz="quarter" idx="11"/>
+          </p:nvPr>
+        </p:nvSpPr>
+        <p:spPr/>
+        <p:txBody>
+          <a:bodyPr/>
+          <a:lstStyle/>
+          <a:p>
+            <a:r>
+              <a:rPr lang="de-DE"/>
+              <a:t>Mark Broderius, Christoph Schmitz, Jan</a:t>
+            </a:r>
+          </a:p>
+        </p:txBody>
+      </p:sp>
     </p:spTree>
     <p:extLst>
       <p:ext uri="{BB962C8B-B14F-4D97-AF65-F5344CB8AC3E}">
-        <p14:creationId xmlns:p14="http://schemas.microsoft.com/office/powerpoint/2010/main" val="3880874081"/>
+        <p14:creationId xmlns:p14="http://schemas.microsoft.com/office/powerpoint/2010/main" val="2282028923"/>
       </p:ext>
     </p:extLst>
   </p:cSld>
@@ -6045,14 +6643,11 @@
           <a:bodyPr/>
           <a:lstStyle/>
           <a:p>
-            <a:r>
-              <a:rPr lang="de-DE" dirty="0">
-                <a:solidFill>
-                  <a:schemeClr val="bg1"/>
-                </a:solidFill>
-              </a:rPr>
-              <a:t>Button Darstellung</a:t>
-            </a:r>
+            <a:endParaRPr lang="de-DE" dirty="0">
+              <a:solidFill>
+                <a:schemeClr val="bg1"/>
+              </a:solidFill>
+            </a:endParaRPr>
           </a:p>
         </p:txBody>
       </p:sp>
@@ -6111,7 +6706,7 @@
           <a:lstStyle/>
           <a:p>
             <a:pPr algn="ctr"/>
-            <a:endParaRPr lang="de-DE" dirty="0"/>
+            <a:endParaRPr lang="de-DE"/>
           </a:p>
         </p:txBody>
       </p:sp>
@@ -6176,10 +6771,10 @@
       </p:sp>
       <p:pic>
         <p:nvPicPr>
-          <p:cNvPr id="10" name="Inhaltsplatzhalter 6">
+          <p:cNvPr id="10" name="Inhaltsplatzhalter 19">
             <a:extLst>
               <a:ext uri="{FF2B5EF4-FFF2-40B4-BE49-F238E27FC236}">
-                <a16:creationId xmlns:a16="http://schemas.microsoft.com/office/drawing/2014/main" id="{47F8187D-6A40-43BA-91A5-0FF6E94956D3}"/>
+                <a16:creationId xmlns:a16="http://schemas.microsoft.com/office/drawing/2014/main" id="{9D9E14FC-DA19-4BC7-B850-0922CEC8341F}"/>
               </a:ext>
             </a:extLst>
           </p:cNvPr>
@@ -6202,18 +6797,75 @@
         </p:blipFill>
         <p:spPr>
           <a:xfrm>
-            <a:off x="3685343" y="1825625"/>
-            <a:ext cx="4821314" cy="4351338"/>
+            <a:off x="1521791" y="-542290"/>
+            <a:ext cx="9148417" cy="6898640"/>
           </a:xfrm>
           <a:prstGeom prst="rect">
             <a:avLst/>
           </a:prstGeom>
         </p:spPr>
       </p:pic>
+      <p:sp>
+        <p:nvSpPr>
+          <p:cNvPr id="3" name="Datumsplatzhalter 2">
+            <a:extLst>
+              <a:ext uri="{FF2B5EF4-FFF2-40B4-BE49-F238E27FC236}">
+                <a16:creationId xmlns:a16="http://schemas.microsoft.com/office/drawing/2014/main" id="{6679DA6E-0BDD-4510-BC10-2E98C3EAC0E5}"/>
+              </a:ext>
+            </a:extLst>
+          </p:cNvPr>
+          <p:cNvSpPr>
+            <a:spLocks noGrp="1"/>
+          </p:cNvSpPr>
+          <p:nvPr>
+            <p:ph type="dt" sz="half" idx="10"/>
+          </p:nvPr>
+        </p:nvSpPr>
+        <p:spPr/>
+        <p:txBody>
+          <a:bodyPr/>
+          <a:lstStyle/>
+          <a:p>
+            <a:fld id="{53F9EB7F-89EA-4D61-8B93-98EF2141B7D8}" type="datetime1">
+              <a:rPr lang="de-DE" smtClean="0"/>
+              <a:t>20.11.2019</a:t>
+            </a:fld>
+            <a:endParaRPr lang="de-DE"/>
+          </a:p>
+        </p:txBody>
+      </p:sp>
+      <p:sp>
+        <p:nvSpPr>
+          <p:cNvPr id="5" name="Fußzeilenplatzhalter 4">
+            <a:extLst>
+              <a:ext uri="{FF2B5EF4-FFF2-40B4-BE49-F238E27FC236}">
+                <a16:creationId xmlns:a16="http://schemas.microsoft.com/office/drawing/2014/main" id="{5DD06862-C136-4BD5-946A-E2996B3A0A5D}"/>
+              </a:ext>
+            </a:extLst>
+          </p:cNvPr>
+          <p:cNvSpPr>
+            <a:spLocks noGrp="1"/>
+          </p:cNvSpPr>
+          <p:nvPr>
+            <p:ph type="ftr" sz="quarter" idx="11"/>
+          </p:nvPr>
+        </p:nvSpPr>
+        <p:spPr/>
+        <p:txBody>
+          <a:bodyPr/>
+          <a:lstStyle/>
+          <a:p>
+            <a:r>
+              <a:rPr lang="de-DE"/>
+              <a:t>Mark Broderius, Christoph Schmitz, Jan</a:t>
+            </a:r>
+          </a:p>
+        </p:txBody>
+      </p:sp>
     </p:spTree>
     <p:extLst>
       <p:ext uri="{BB962C8B-B14F-4D97-AF65-F5344CB8AC3E}">
-        <p14:creationId xmlns:p14="http://schemas.microsoft.com/office/powerpoint/2010/main" val="3478410120"/>
+        <p14:creationId xmlns:p14="http://schemas.microsoft.com/office/powerpoint/2010/main" val="2524037241"/>
       </p:ext>
     </p:extLst>
   </p:cSld>
@@ -6297,7 +6949,7 @@
                   <a:schemeClr val="bg1"/>
                 </a:solidFill>
               </a:rPr>
-              <a:t>Ausblick View</a:t>
+              <a:t>Button Darstellung</a:t>
             </a:r>
           </a:p>
         </p:txBody>
@@ -6412,90 +7064,6 @@
           </a:bodyPr>
           <a:lstStyle/>
           <a:p>
-            <a:r>
-              <a:rPr lang="de-DE" sz="3600" dirty="0">
-                <a:solidFill>
-                  <a:schemeClr val="bg1"/>
-                </a:solidFill>
-              </a:rPr>
-              <a:t>Natives Erlebnis:</a:t>
-            </a:r>
-          </a:p>
-          <a:p>
-            <a:pPr marL="0" indent="0">
-              <a:buNone/>
-            </a:pPr>
-            <a:r>
-              <a:rPr lang="de-DE" sz="3600" dirty="0">
-                <a:solidFill>
-                  <a:schemeClr val="bg1"/>
-                </a:solidFill>
-                <a:sym typeface="Wingdings" panose="05000000000000000000" pitchFamily="2" charset="2"/>
-              </a:rPr>
-              <a:t>	</a:t>
-            </a:r>
-            <a:r>
-              <a:rPr lang="de-DE" sz="3600" dirty="0">
-                <a:solidFill>
-                  <a:schemeClr val="bg1"/>
-                </a:solidFill>
-              </a:rPr>
-              <a:t>Volle Skalierbarkeit</a:t>
-            </a:r>
-          </a:p>
-          <a:p>
-            <a:pPr marL="0" indent="0">
-              <a:buNone/>
-            </a:pPr>
-            <a:r>
-              <a:rPr lang="de-DE" sz="3600" dirty="0">
-                <a:solidFill>
-                  <a:schemeClr val="bg1"/>
-                </a:solidFill>
-                <a:sym typeface="Wingdings" panose="05000000000000000000" pitchFamily="2" charset="2"/>
-              </a:rPr>
-              <a:t>	</a:t>
-            </a:r>
-            <a:r>
-              <a:rPr lang="de-DE" sz="3600" dirty="0">
-                <a:solidFill>
-                  <a:schemeClr val="bg1"/>
-                </a:solidFill>
-              </a:rPr>
-              <a:t>Button Skaliert mit Fenstergröße</a:t>
-            </a:r>
-          </a:p>
-          <a:p>
-            <a:pPr marL="0" indent="0">
-              <a:buNone/>
-            </a:pPr>
-            <a:r>
-              <a:rPr lang="de-DE" sz="3600" dirty="0">
-                <a:solidFill>
-                  <a:schemeClr val="bg1"/>
-                </a:solidFill>
-                <a:sym typeface="Wingdings" panose="05000000000000000000" pitchFamily="2" charset="2"/>
-              </a:rPr>
-              <a:t>	</a:t>
-            </a:r>
-            <a:r>
-              <a:rPr lang="de-DE" sz="3600" dirty="0" err="1">
-                <a:solidFill>
-                  <a:schemeClr val="bg1"/>
-                </a:solidFill>
-              </a:rPr>
-              <a:t>Hover</a:t>
-            </a:r>
-            <a:r>
-              <a:rPr lang="de-DE" sz="3600" dirty="0">
-                <a:solidFill>
-                  <a:schemeClr val="bg1"/>
-                </a:solidFill>
-              </a:rPr>
-              <a:t> Events </a:t>
-            </a:r>
-          </a:p>
-          <a:p>
             <a:endParaRPr lang="de-DE" dirty="0">
               <a:solidFill>
                 <a:schemeClr val="bg1"/>
@@ -6504,10 +7072,103 @@
           </a:p>
         </p:txBody>
       </p:sp>
+      <p:pic>
+        <p:nvPicPr>
+          <p:cNvPr id="9" name="Inhaltsplatzhalter 8">
+            <a:extLst>
+              <a:ext uri="{FF2B5EF4-FFF2-40B4-BE49-F238E27FC236}">
+                <a16:creationId xmlns:a16="http://schemas.microsoft.com/office/drawing/2014/main" id="{B57FCB14-8D5C-4F2B-BE03-9F8796EE3DC0}"/>
+              </a:ext>
+            </a:extLst>
+          </p:cNvPr>
+          <p:cNvPicPr>
+            <a:picLocks noChangeAspect="1"/>
+          </p:cNvPicPr>
+          <p:nvPr/>
+        </p:nvPicPr>
+        <p:blipFill>
+          <a:blip r:embed="rId3">
+            <a:extLst>
+              <a:ext uri="{28A0092B-C50C-407E-A947-70E740481C1C}">
+                <a14:useLocalDpi xmlns:a14="http://schemas.microsoft.com/office/drawing/2010/main" val="0"/>
+              </a:ext>
+            </a:extLst>
+          </a:blip>
+          <a:stretch>
+            <a:fillRect/>
+          </a:stretch>
+        </p:blipFill>
+        <p:spPr>
+          <a:xfrm>
+            <a:off x="838201" y="1824037"/>
+            <a:ext cx="9805416" cy="4249902"/>
+          </a:xfrm>
+          <a:prstGeom prst="rect">
+            <a:avLst/>
+          </a:prstGeom>
+        </p:spPr>
+      </p:pic>
+      <p:sp>
+        <p:nvSpPr>
+          <p:cNvPr id="3" name="Datumsplatzhalter 2">
+            <a:extLst>
+              <a:ext uri="{FF2B5EF4-FFF2-40B4-BE49-F238E27FC236}">
+                <a16:creationId xmlns:a16="http://schemas.microsoft.com/office/drawing/2014/main" id="{C91C7652-28D8-426A-AC54-FB083FCED6CC}"/>
+              </a:ext>
+            </a:extLst>
+          </p:cNvPr>
+          <p:cNvSpPr>
+            <a:spLocks noGrp="1"/>
+          </p:cNvSpPr>
+          <p:nvPr>
+            <p:ph type="dt" sz="half" idx="10"/>
+          </p:nvPr>
+        </p:nvSpPr>
+        <p:spPr/>
+        <p:txBody>
+          <a:bodyPr/>
+          <a:lstStyle/>
+          <a:p>
+            <a:fld id="{C461C617-D591-478C-965A-BC5AC732F788}" type="datetime1">
+              <a:rPr lang="de-DE" smtClean="0"/>
+              <a:t>20.11.2019</a:t>
+            </a:fld>
+            <a:endParaRPr lang="de-DE"/>
+          </a:p>
+        </p:txBody>
+      </p:sp>
+      <p:sp>
+        <p:nvSpPr>
+          <p:cNvPr id="5" name="Fußzeilenplatzhalter 4">
+            <a:extLst>
+              <a:ext uri="{FF2B5EF4-FFF2-40B4-BE49-F238E27FC236}">
+                <a16:creationId xmlns:a16="http://schemas.microsoft.com/office/drawing/2014/main" id="{446F25EB-410D-4A62-8EA2-AF0CF84BDF7A}"/>
+              </a:ext>
+            </a:extLst>
+          </p:cNvPr>
+          <p:cNvSpPr>
+            <a:spLocks noGrp="1"/>
+          </p:cNvSpPr>
+          <p:nvPr>
+            <p:ph type="ftr" sz="quarter" idx="11"/>
+          </p:nvPr>
+        </p:nvSpPr>
+        <p:spPr/>
+        <p:txBody>
+          <a:bodyPr/>
+          <a:lstStyle/>
+          <a:p>
+            <a:r>
+              <a:rPr lang="de-DE"/>
+              <a:t>Mark Broderius, Christoph Schmitz, Jan</a:t>
+            </a:r>
+          </a:p>
+        </p:txBody>
+      </p:sp>
     </p:spTree>
     <p:extLst>
       <p:ext uri="{BB962C8B-B14F-4D97-AF65-F5344CB8AC3E}">
-        <p14:creationId xmlns:p14="http://schemas.microsoft.com/office/powerpoint/2010/main" val="3822694312"/>
+        <p14:creationId xmlns:p14="http://schemas.microsoft.com/office/powerpoint/2010/main" val="3880874081"/>
       </p:ext>
     </p:extLst>
   </p:cSld>
@@ -6786,6 +7447,63 @@
           </a:p>
         </p:txBody>
       </p:sp>
+      <p:sp>
+        <p:nvSpPr>
+          <p:cNvPr id="7" name="Datumsplatzhalter 6">
+            <a:extLst>
+              <a:ext uri="{FF2B5EF4-FFF2-40B4-BE49-F238E27FC236}">
+                <a16:creationId xmlns:a16="http://schemas.microsoft.com/office/drawing/2014/main" id="{1A1172B4-FA61-474D-8F75-056F3FF4B5F3}"/>
+              </a:ext>
+            </a:extLst>
+          </p:cNvPr>
+          <p:cNvSpPr>
+            <a:spLocks noGrp="1"/>
+          </p:cNvSpPr>
+          <p:nvPr>
+            <p:ph type="dt" sz="half" idx="10"/>
+          </p:nvPr>
+        </p:nvSpPr>
+        <p:spPr/>
+        <p:txBody>
+          <a:bodyPr/>
+          <a:lstStyle/>
+          <a:p>
+            <a:fld id="{15823E3B-1737-485A-86DF-0B869A61C16A}" type="datetime1">
+              <a:rPr lang="de-DE" smtClean="0"/>
+              <a:t>20.11.2019</a:t>
+            </a:fld>
+            <a:endParaRPr lang="de-DE"/>
+          </a:p>
+        </p:txBody>
+      </p:sp>
+      <p:sp>
+        <p:nvSpPr>
+          <p:cNvPr id="8" name="Fußzeilenplatzhalter 7">
+            <a:extLst>
+              <a:ext uri="{FF2B5EF4-FFF2-40B4-BE49-F238E27FC236}">
+                <a16:creationId xmlns:a16="http://schemas.microsoft.com/office/drawing/2014/main" id="{51791503-CA14-49F5-8E41-474C1270A6D3}"/>
+              </a:ext>
+            </a:extLst>
+          </p:cNvPr>
+          <p:cNvSpPr>
+            <a:spLocks noGrp="1"/>
+          </p:cNvSpPr>
+          <p:nvPr>
+            <p:ph type="ftr" sz="quarter" idx="11"/>
+          </p:nvPr>
+        </p:nvSpPr>
+        <p:spPr/>
+        <p:txBody>
+          <a:bodyPr/>
+          <a:lstStyle/>
+          <a:p>
+            <a:r>
+              <a:rPr lang="de-DE"/>
+              <a:t>Mark Broderius, Christoph Schmitz, Jan</a:t>
+            </a:r>
+          </a:p>
+        </p:txBody>
+      </p:sp>
     </p:spTree>
     <p:extLst>
       <p:ext uri="{BB962C8B-B14F-4D97-AF65-F5344CB8AC3E}">
@@ -6873,7 +7591,7 @@
                   <a:schemeClr val="bg1"/>
                 </a:solidFill>
               </a:rPr>
-              <a:t>Fazit</a:t>
+              <a:t>Button Darstellung</a:t>
             </a:r>
           </a:p>
         </p:txBody>
@@ -6933,7 +7651,7 @@
           <a:lstStyle/>
           <a:p>
             <a:pPr algn="ctr"/>
-            <a:endParaRPr lang="de-DE"/>
+            <a:endParaRPr lang="de-DE" dirty="0"/>
           </a:p>
         </p:txBody>
       </p:sp>
@@ -6993,6 +7711,717 @@
                 <a:schemeClr val="bg1"/>
               </a:solidFill>
             </a:endParaRPr>
+          </a:p>
+        </p:txBody>
+      </p:sp>
+      <p:pic>
+        <p:nvPicPr>
+          <p:cNvPr id="10" name="Inhaltsplatzhalter 6">
+            <a:extLst>
+              <a:ext uri="{FF2B5EF4-FFF2-40B4-BE49-F238E27FC236}">
+                <a16:creationId xmlns:a16="http://schemas.microsoft.com/office/drawing/2014/main" id="{47F8187D-6A40-43BA-91A5-0FF6E94956D3}"/>
+              </a:ext>
+            </a:extLst>
+          </p:cNvPr>
+          <p:cNvPicPr>
+            <a:picLocks noChangeAspect="1"/>
+          </p:cNvPicPr>
+          <p:nvPr/>
+        </p:nvPicPr>
+        <p:blipFill>
+          <a:blip r:embed="rId3">
+            <a:extLst>
+              <a:ext uri="{28A0092B-C50C-407E-A947-70E740481C1C}">
+                <a14:useLocalDpi xmlns:a14="http://schemas.microsoft.com/office/drawing/2010/main" val="0"/>
+              </a:ext>
+            </a:extLst>
+          </a:blip>
+          <a:stretch>
+            <a:fillRect/>
+          </a:stretch>
+        </p:blipFill>
+        <p:spPr>
+          <a:xfrm>
+            <a:off x="3685343" y="1825625"/>
+            <a:ext cx="4821314" cy="4351338"/>
+          </a:xfrm>
+          <a:prstGeom prst="rect">
+            <a:avLst/>
+          </a:prstGeom>
+        </p:spPr>
+      </p:pic>
+      <p:sp>
+        <p:nvSpPr>
+          <p:cNvPr id="3" name="Datumsplatzhalter 2">
+            <a:extLst>
+              <a:ext uri="{FF2B5EF4-FFF2-40B4-BE49-F238E27FC236}">
+                <a16:creationId xmlns:a16="http://schemas.microsoft.com/office/drawing/2014/main" id="{D945C9A5-492F-4991-8311-8C15FCAE3814}"/>
+              </a:ext>
+            </a:extLst>
+          </p:cNvPr>
+          <p:cNvSpPr>
+            <a:spLocks noGrp="1"/>
+          </p:cNvSpPr>
+          <p:nvPr>
+            <p:ph type="dt" sz="half" idx="10"/>
+          </p:nvPr>
+        </p:nvSpPr>
+        <p:spPr/>
+        <p:txBody>
+          <a:bodyPr/>
+          <a:lstStyle/>
+          <a:p>
+            <a:fld id="{2787AD28-65B2-49BA-BC82-07FA41080DFC}" type="datetime1">
+              <a:rPr lang="de-DE" smtClean="0"/>
+              <a:t>20.11.2019</a:t>
+            </a:fld>
+            <a:endParaRPr lang="de-DE"/>
+          </a:p>
+        </p:txBody>
+      </p:sp>
+      <p:sp>
+        <p:nvSpPr>
+          <p:cNvPr id="5" name="Fußzeilenplatzhalter 4">
+            <a:extLst>
+              <a:ext uri="{FF2B5EF4-FFF2-40B4-BE49-F238E27FC236}">
+                <a16:creationId xmlns:a16="http://schemas.microsoft.com/office/drawing/2014/main" id="{D220AC3D-0129-4323-9F8E-9D8505194C80}"/>
+              </a:ext>
+            </a:extLst>
+          </p:cNvPr>
+          <p:cNvSpPr>
+            <a:spLocks noGrp="1"/>
+          </p:cNvSpPr>
+          <p:nvPr>
+            <p:ph type="ftr" sz="quarter" idx="11"/>
+          </p:nvPr>
+        </p:nvSpPr>
+        <p:spPr/>
+        <p:txBody>
+          <a:bodyPr/>
+          <a:lstStyle/>
+          <a:p>
+            <a:r>
+              <a:rPr lang="de-DE"/>
+              <a:t>Mark Broderius, Christoph Schmitz, Jan</a:t>
+            </a:r>
+          </a:p>
+        </p:txBody>
+      </p:sp>
+    </p:spTree>
+    <p:extLst>
+      <p:ext uri="{BB962C8B-B14F-4D97-AF65-F5344CB8AC3E}">
+        <p14:creationId xmlns:p14="http://schemas.microsoft.com/office/powerpoint/2010/main" val="3478410120"/>
+      </p:ext>
+    </p:extLst>
+  </p:cSld>
+  <p:clrMapOvr>
+    <a:masterClrMapping/>
+  </p:clrMapOvr>
+</p:sld>
+</file>
+
+<file path=ppt/slides/slide21.xml><?xml version="1.0" encoding="utf-8"?>
+<p:sld xmlns:a="http://schemas.openxmlformats.org/drawingml/2006/main" xmlns:r="http://schemas.openxmlformats.org/officeDocument/2006/relationships" xmlns:p="http://schemas.openxmlformats.org/presentationml/2006/main">
+  <p:cSld>
+    <p:spTree>
+      <p:nvGrpSpPr>
+        <p:cNvPr id="1" name=""/>
+        <p:cNvGrpSpPr/>
+        <p:nvPr/>
+      </p:nvGrpSpPr>
+      <p:grpSpPr>
+        <a:xfrm>
+          <a:off x="0" y="0"/>
+          <a:ext cx="0" cy="0"/>
+          <a:chOff x="0" y="0"/>
+          <a:chExt cx="0" cy="0"/>
+        </a:xfrm>
+      </p:grpSpPr>
+      <p:pic>
+        <p:nvPicPr>
+          <p:cNvPr id="7" name="Grafik 6" descr="Ein Bild, das Tier, Licht, Vorhang enthält.&#10;&#10;Automatisch generierte Beschreibung">
+            <a:extLst>
+              <a:ext uri="{FF2B5EF4-FFF2-40B4-BE49-F238E27FC236}">
+                <a16:creationId xmlns:a16="http://schemas.microsoft.com/office/drawing/2014/main" id="{47D5A1BE-BE67-40D5-B101-68BFC3D58051}"/>
+              </a:ext>
+            </a:extLst>
+          </p:cNvPr>
+          <p:cNvPicPr>
+            <a:picLocks noChangeAspect="1"/>
+          </p:cNvPicPr>
+          <p:nvPr/>
+        </p:nvPicPr>
+        <p:blipFill>
+          <a:blip r:embed="rId2">
+            <a:extLst>
+              <a:ext uri="{28A0092B-C50C-407E-A947-70E740481C1C}">
+                <a14:useLocalDpi xmlns:a14="http://schemas.microsoft.com/office/drawing/2010/main" val="0"/>
+              </a:ext>
+            </a:extLst>
+          </a:blip>
+          <a:stretch>
+            <a:fillRect/>
+          </a:stretch>
+        </p:blipFill>
+        <p:spPr>
+          <a:xfrm rot="5400000">
+            <a:off x="-366191" y="-2926080"/>
+            <a:ext cx="12924382" cy="12192000"/>
+          </a:xfrm>
+          <a:prstGeom prst="rect">
+            <a:avLst/>
+          </a:prstGeom>
+        </p:spPr>
+      </p:pic>
+      <p:sp>
+        <p:nvSpPr>
+          <p:cNvPr id="2" name="Titel 1"/>
+          <p:cNvSpPr>
+            <a:spLocks noGrp="1"/>
+          </p:cNvSpPr>
+          <p:nvPr>
+            <p:ph type="title"/>
+          </p:nvPr>
+        </p:nvSpPr>
+        <p:spPr/>
+        <p:txBody>
+          <a:bodyPr/>
+          <a:lstStyle/>
+          <a:p>
+            <a:r>
+              <a:rPr lang="de-DE" dirty="0">
+                <a:solidFill>
+                  <a:schemeClr val="bg1"/>
+                </a:solidFill>
+              </a:rPr>
+              <a:t>Ausblick View</a:t>
+            </a:r>
+          </a:p>
+        </p:txBody>
+      </p:sp>
+      <p:sp>
+        <p:nvSpPr>
+          <p:cNvPr id="8" name="Rechteck 7">
+            <a:extLst>
+              <a:ext uri="{FF2B5EF4-FFF2-40B4-BE49-F238E27FC236}">
+                <a16:creationId xmlns:a16="http://schemas.microsoft.com/office/drawing/2014/main" id="{39782BD2-6844-406D-B26A-BB2AEDE27F01}"/>
+              </a:ext>
+            </a:extLst>
+          </p:cNvPr>
+          <p:cNvSpPr/>
+          <p:nvPr/>
+        </p:nvSpPr>
+        <p:spPr>
+          <a:xfrm>
+            <a:off x="10778400" y="6101080"/>
+            <a:ext cx="670560" cy="2123440"/>
+          </a:xfrm>
+          <a:prstGeom prst="rect">
+            <a:avLst/>
+          </a:prstGeom>
+          <a:solidFill>
+            <a:srgbClr val="C00000"/>
+          </a:solidFill>
+          <a:ln>
+            <a:noFill/>
+          </a:ln>
+          <a:effectLst>
+            <a:outerShdw blurRad="50800" dist="38100" dir="2700000" algn="tl" rotWithShape="0">
+              <a:prstClr val="black">
+                <a:alpha val="40000"/>
+              </a:prstClr>
+            </a:outerShdw>
+          </a:effectLst>
+        </p:spPr>
+        <p:style>
+          <a:lnRef idx="2">
+            <a:schemeClr val="accent1">
+              <a:shade val="50000"/>
+            </a:schemeClr>
+          </a:lnRef>
+          <a:fillRef idx="1">
+            <a:schemeClr val="accent1"/>
+          </a:fillRef>
+          <a:effectRef idx="0">
+            <a:schemeClr val="accent1"/>
+          </a:effectRef>
+          <a:fontRef idx="minor">
+            <a:schemeClr val="lt1"/>
+          </a:fontRef>
+        </p:style>
+        <p:txBody>
+          <a:bodyPr rtlCol="0" anchor="ctr"/>
+          <a:lstStyle/>
+          <a:p>
+            <a:pPr algn="ctr"/>
+            <a:endParaRPr lang="de-DE"/>
+          </a:p>
+        </p:txBody>
+      </p:sp>
+      <p:sp>
+        <p:nvSpPr>
+          <p:cNvPr id="6" name="Foliennummernplatzhalter 5"/>
+          <p:cNvSpPr>
+            <a:spLocks noGrp="1"/>
+          </p:cNvSpPr>
+          <p:nvPr>
+            <p:ph type="sldNum" sz="quarter" idx="12"/>
+          </p:nvPr>
+        </p:nvSpPr>
+        <p:spPr/>
+        <p:txBody>
+          <a:bodyPr/>
+          <a:lstStyle/>
+          <a:p>
+            <a:fld id="{57D8F98F-9146-4D48-BD84-43508DAD44DB}" type="slidenum">
+              <a:rPr lang="de-DE" smtClean="0"/>
+              <a:t>20</a:t>
+            </a:fld>
+            <a:endParaRPr lang="de-DE"/>
+          </a:p>
+        </p:txBody>
+      </p:sp>
+      <p:sp>
+        <p:nvSpPr>
+          <p:cNvPr id="4" name="Inhaltsplatzhalter 3">
+            <a:extLst>
+              <a:ext uri="{FF2B5EF4-FFF2-40B4-BE49-F238E27FC236}">
+                <a16:creationId xmlns:a16="http://schemas.microsoft.com/office/drawing/2014/main" id="{5FE1F516-DAF8-4943-B263-D1A733BE3523}"/>
+              </a:ext>
+            </a:extLst>
+          </p:cNvPr>
+          <p:cNvSpPr>
+            <a:spLocks noGrp="1"/>
+          </p:cNvSpPr>
+          <p:nvPr>
+            <p:ph idx="1"/>
+          </p:nvPr>
+        </p:nvSpPr>
+        <p:spPr>
+          <a:xfrm>
+            <a:off x="838200" y="1825625"/>
+            <a:ext cx="8844280" cy="4351338"/>
+          </a:xfrm>
+        </p:spPr>
+        <p:txBody>
+          <a:bodyPr>
+            <a:normAutofit/>
+          </a:bodyPr>
+          <a:lstStyle/>
+          <a:p>
+            <a:r>
+              <a:rPr lang="de-DE" sz="3600" dirty="0">
+                <a:solidFill>
+                  <a:schemeClr val="bg1"/>
+                </a:solidFill>
+              </a:rPr>
+              <a:t>Natives Erlebnis:</a:t>
+            </a:r>
+          </a:p>
+          <a:p>
+            <a:pPr marL="0" indent="0">
+              <a:buNone/>
+            </a:pPr>
+            <a:r>
+              <a:rPr lang="de-DE" sz="3600" dirty="0">
+                <a:solidFill>
+                  <a:schemeClr val="bg1"/>
+                </a:solidFill>
+                <a:sym typeface="Wingdings" panose="05000000000000000000" pitchFamily="2" charset="2"/>
+              </a:rPr>
+              <a:t>	</a:t>
+            </a:r>
+            <a:r>
+              <a:rPr lang="de-DE" sz="3600" dirty="0">
+                <a:solidFill>
+                  <a:schemeClr val="bg1"/>
+                </a:solidFill>
+              </a:rPr>
+              <a:t>Volle Skalierbarkeit</a:t>
+            </a:r>
+          </a:p>
+          <a:p>
+            <a:pPr marL="0" indent="0">
+              <a:buNone/>
+            </a:pPr>
+            <a:r>
+              <a:rPr lang="de-DE" sz="3600" dirty="0">
+                <a:solidFill>
+                  <a:schemeClr val="bg1"/>
+                </a:solidFill>
+                <a:sym typeface="Wingdings" panose="05000000000000000000" pitchFamily="2" charset="2"/>
+              </a:rPr>
+              <a:t>	</a:t>
+            </a:r>
+            <a:r>
+              <a:rPr lang="de-DE" sz="3600" dirty="0">
+                <a:solidFill>
+                  <a:schemeClr val="bg1"/>
+                </a:solidFill>
+              </a:rPr>
+              <a:t>Button Skaliert mit Fenstergröße</a:t>
+            </a:r>
+          </a:p>
+          <a:p>
+            <a:pPr marL="0" indent="0">
+              <a:buNone/>
+            </a:pPr>
+            <a:r>
+              <a:rPr lang="de-DE" sz="3600" dirty="0">
+                <a:solidFill>
+                  <a:schemeClr val="bg1"/>
+                </a:solidFill>
+                <a:sym typeface="Wingdings" panose="05000000000000000000" pitchFamily="2" charset="2"/>
+              </a:rPr>
+              <a:t>	</a:t>
+            </a:r>
+            <a:r>
+              <a:rPr lang="de-DE" sz="3600" dirty="0" err="1">
+                <a:solidFill>
+                  <a:schemeClr val="bg1"/>
+                </a:solidFill>
+              </a:rPr>
+              <a:t>Hover</a:t>
+            </a:r>
+            <a:r>
+              <a:rPr lang="de-DE" sz="3600" dirty="0">
+                <a:solidFill>
+                  <a:schemeClr val="bg1"/>
+                </a:solidFill>
+              </a:rPr>
+              <a:t> Events </a:t>
+            </a:r>
+          </a:p>
+          <a:p>
+            <a:endParaRPr lang="de-DE" dirty="0">
+              <a:solidFill>
+                <a:schemeClr val="bg1"/>
+              </a:solidFill>
+            </a:endParaRPr>
+          </a:p>
+        </p:txBody>
+      </p:sp>
+      <p:sp>
+        <p:nvSpPr>
+          <p:cNvPr id="3" name="Datumsplatzhalter 2">
+            <a:extLst>
+              <a:ext uri="{FF2B5EF4-FFF2-40B4-BE49-F238E27FC236}">
+                <a16:creationId xmlns:a16="http://schemas.microsoft.com/office/drawing/2014/main" id="{049E495D-F461-44CB-901F-9473DCC88EAE}"/>
+              </a:ext>
+            </a:extLst>
+          </p:cNvPr>
+          <p:cNvSpPr>
+            <a:spLocks noGrp="1"/>
+          </p:cNvSpPr>
+          <p:nvPr>
+            <p:ph type="dt" sz="half" idx="10"/>
+          </p:nvPr>
+        </p:nvSpPr>
+        <p:spPr/>
+        <p:txBody>
+          <a:bodyPr/>
+          <a:lstStyle/>
+          <a:p>
+            <a:fld id="{43B114EF-EBD4-418A-929A-6858217C79BF}" type="datetime1">
+              <a:rPr lang="de-DE" smtClean="0"/>
+              <a:t>20.11.2019</a:t>
+            </a:fld>
+            <a:endParaRPr lang="de-DE"/>
+          </a:p>
+        </p:txBody>
+      </p:sp>
+      <p:sp>
+        <p:nvSpPr>
+          <p:cNvPr id="5" name="Fußzeilenplatzhalter 4">
+            <a:extLst>
+              <a:ext uri="{FF2B5EF4-FFF2-40B4-BE49-F238E27FC236}">
+                <a16:creationId xmlns:a16="http://schemas.microsoft.com/office/drawing/2014/main" id="{3A796541-92C9-44B7-81F5-2A0EADBAD5D5}"/>
+              </a:ext>
+            </a:extLst>
+          </p:cNvPr>
+          <p:cNvSpPr>
+            <a:spLocks noGrp="1"/>
+          </p:cNvSpPr>
+          <p:nvPr>
+            <p:ph type="ftr" sz="quarter" idx="11"/>
+          </p:nvPr>
+        </p:nvSpPr>
+        <p:spPr/>
+        <p:txBody>
+          <a:bodyPr/>
+          <a:lstStyle/>
+          <a:p>
+            <a:r>
+              <a:rPr lang="de-DE"/>
+              <a:t>Mark Broderius, Christoph Schmitz, Jan</a:t>
+            </a:r>
+          </a:p>
+        </p:txBody>
+      </p:sp>
+    </p:spTree>
+    <p:extLst>
+      <p:ext uri="{BB962C8B-B14F-4D97-AF65-F5344CB8AC3E}">
+        <p14:creationId xmlns:p14="http://schemas.microsoft.com/office/powerpoint/2010/main" val="3822694312"/>
+      </p:ext>
+    </p:extLst>
+  </p:cSld>
+  <p:clrMapOvr>
+    <a:masterClrMapping/>
+  </p:clrMapOvr>
+</p:sld>
+</file>
+
+<file path=ppt/slides/slide22.xml><?xml version="1.0" encoding="utf-8"?>
+<p:sld xmlns:a="http://schemas.openxmlformats.org/drawingml/2006/main" xmlns:r="http://schemas.openxmlformats.org/officeDocument/2006/relationships" xmlns:p="http://schemas.openxmlformats.org/presentationml/2006/main">
+  <p:cSld>
+    <p:spTree>
+      <p:nvGrpSpPr>
+        <p:cNvPr id="1" name=""/>
+        <p:cNvGrpSpPr/>
+        <p:nvPr/>
+      </p:nvGrpSpPr>
+      <p:grpSpPr>
+        <a:xfrm>
+          <a:off x="0" y="0"/>
+          <a:ext cx="0" cy="0"/>
+          <a:chOff x="0" y="0"/>
+          <a:chExt cx="0" cy="0"/>
+        </a:xfrm>
+      </p:grpSpPr>
+      <p:pic>
+        <p:nvPicPr>
+          <p:cNvPr id="7" name="Grafik 6" descr="Ein Bild, das Tier, Licht, Vorhang enthält.&#10;&#10;Automatisch generierte Beschreibung">
+            <a:extLst>
+              <a:ext uri="{FF2B5EF4-FFF2-40B4-BE49-F238E27FC236}">
+                <a16:creationId xmlns:a16="http://schemas.microsoft.com/office/drawing/2014/main" id="{47D5A1BE-BE67-40D5-B101-68BFC3D58051}"/>
+              </a:ext>
+            </a:extLst>
+          </p:cNvPr>
+          <p:cNvPicPr>
+            <a:picLocks noChangeAspect="1"/>
+          </p:cNvPicPr>
+          <p:nvPr/>
+        </p:nvPicPr>
+        <p:blipFill>
+          <a:blip r:embed="rId2">
+            <a:extLst>
+              <a:ext uri="{28A0092B-C50C-407E-A947-70E740481C1C}">
+                <a14:useLocalDpi xmlns:a14="http://schemas.microsoft.com/office/drawing/2010/main" val="0"/>
+              </a:ext>
+            </a:extLst>
+          </a:blip>
+          <a:stretch>
+            <a:fillRect/>
+          </a:stretch>
+        </p:blipFill>
+        <p:spPr>
+          <a:xfrm rot="5400000">
+            <a:off x="-366191" y="-2926080"/>
+            <a:ext cx="12924382" cy="12192000"/>
+          </a:xfrm>
+          <a:prstGeom prst="rect">
+            <a:avLst/>
+          </a:prstGeom>
+        </p:spPr>
+      </p:pic>
+      <p:sp>
+        <p:nvSpPr>
+          <p:cNvPr id="2" name="Titel 1"/>
+          <p:cNvSpPr>
+            <a:spLocks noGrp="1"/>
+          </p:cNvSpPr>
+          <p:nvPr>
+            <p:ph type="title"/>
+          </p:nvPr>
+        </p:nvSpPr>
+        <p:spPr/>
+        <p:txBody>
+          <a:bodyPr/>
+          <a:lstStyle/>
+          <a:p>
+            <a:r>
+              <a:rPr lang="de-DE" dirty="0">
+                <a:solidFill>
+                  <a:schemeClr val="bg1"/>
+                </a:solidFill>
+              </a:rPr>
+              <a:t>Fazit</a:t>
+            </a:r>
+          </a:p>
+        </p:txBody>
+      </p:sp>
+      <p:sp>
+        <p:nvSpPr>
+          <p:cNvPr id="8" name="Rechteck 7">
+            <a:extLst>
+              <a:ext uri="{FF2B5EF4-FFF2-40B4-BE49-F238E27FC236}">
+                <a16:creationId xmlns:a16="http://schemas.microsoft.com/office/drawing/2014/main" id="{39782BD2-6844-406D-B26A-BB2AEDE27F01}"/>
+              </a:ext>
+            </a:extLst>
+          </p:cNvPr>
+          <p:cNvSpPr/>
+          <p:nvPr/>
+        </p:nvSpPr>
+        <p:spPr>
+          <a:xfrm>
+            <a:off x="10778400" y="6101080"/>
+            <a:ext cx="670560" cy="2123440"/>
+          </a:xfrm>
+          <a:prstGeom prst="rect">
+            <a:avLst/>
+          </a:prstGeom>
+          <a:solidFill>
+            <a:srgbClr val="C00000"/>
+          </a:solidFill>
+          <a:ln>
+            <a:noFill/>
+          </a:ln>
+          <a:effectLst>
+            <a:outerShdw blurRad="50800" dist="38100" dir="2700000" algn="tl" rotWithShape="0">
+              <a:prstClr val="black">
+                <a:alpha val="40000"/>
+              </a:prstClr>
+            </a:outerShdw>
+          </a:effectLst>
+        </p:spPr>
+        <p:style>
+          <a:lnRef idx="2">
+            <a:schemeClr val="accent1">
+              <a:shade val="50000"/>
+            </a:schemeClr>
+          </a:lnRef>
+          <a:fillRef idx="1">
+            <a:schemeClr val="accent1"/>
+          </a:fillRef>
+          <a:effectRef idx="0">
+            <a:schemeClr val="accent1"/>
+          </a:effectRef>
+          <a:fontRef idx="minor">
+            <a:schemeClr val="lt1"/>
+          </a:fontRef>
+        </p:style>
+        <p:txBody>
+          <a:bodyPr rtlCol="0" anchor="ctr"/>
+          <a:lstStyle/>
+          <a:p>
+            <a:pPr algn="ctr"/>
+            <a:endParaRPr lang="de-DE"/>
+          </a:p>
+        </p:txBody>
+      </p:sp>
+      <p:sp>
+        <p:nvSpPr>
+          <p:cNvPr id="6" name="Foliennummernplatzhalter 5"/>
+          <p:cNvSpPr>
+            <a:spLocks noGrp="1"/>
+          </p:cNvSpPr>
+          <p:nvPr>
+            <p:ph type="sldNum" sz="quarter" idx="12"/>
+          </p:nvPr>
+        </p:nvSpPr>
+        <p:spPr/>
+        <p:txBody>
+          <a:bodyPr/>
+          <a:lstStyle/>
+          <a:p>
+            <a:fld id="{57D8F98F-9146-4D48-BD84-43508DAD44DB}" type="slidenum">
+              <a:rPr lang="de-DE" smtClean="0"/>
+              <a:t>21</a:t>
+            </a:fld>
+            <a:endParaRPr lang="de-DE"/>
+          </a:p>
+        </p:txBody>
+      </p:sp>
+      <p:sp>
+        <p:nvSpPr>
+          <p:cNvPr id="4" name="Inhaltsplatzhalter 3">
+            <a:extLst>
+              <a:ext uri="{FF2B5EF4-FFF2-40B4-BE49-F238E27FC236}">
+                <a16:creationId xmlns:a16="http://schemas.microsoft.com/office/drawing/2014/main" id="{5FE1F516-DAF8-4943-B263-D1A733BE3523}"/>
+              </a:ext>
+            </a:extLst>
+          </p:cNvPr>
+          <p:cNvSpPr>
+            <a:spLocks noGrp="1"/>
+          </p:cNvSpPr>
+          <p:nvPr>
+            <p:ph idx="1"/>
+          </p:nvPr>
+        </p:nvSpPr>
+        <p:spPr>
+          <a:xfrm>
+            <a:off x="838200" y="1825625"/>
+            <a:ext cx="8844280" cy="4351338"/>
+          </a:xfrm>
+        </p:spPr>
+        <p:txBody>
+          <a:bodyPr>
+            <a:normAutofit/>
+          </a:bodyPr>
+          <a:lstStyle/>
+          <a:p>
+            <a:endParaRPr lang="de-DE" dirty="0">
+              <a:solidFill>
+                <a:schemeClr val="bg1"/>
+              </a:solidFill>
+            </a:endParaRPr>
+          </a:p>
+        </p:txBody>
+      </p:sp>
+      <p:sp>
+        <p:nvSpPr>
+          <p:cNvPr id="3" name="Datumsplatzhalter 2">
+            <a:extLst>
+              <a:ext uri="{FF2B5EF4-FFF2-40B4-BE49-F238E27FC236}">
+                <a16:creationId xmlns:a16="http://schemas.microsoft.com/office/drawing/2014/main" id="{B56B092F-2912-4F7C-B645-E67DF5CDB89A}"/>
+              </a:ext>
+            </a:extLst>
+          </p:cNvPr>
+          <p:cNvSpPr>
+            <a:spLocks noGrp="1"/>
+          </p:cNvSpPr>
+          <p:nvPr>
+            <p:ph type="dt" sz="half" idx="10"/>
+          </p:nvPr>
+        </p:nvSpPr>
+        <p:spPr/>
+        <p:txBody>
+          <a:bodyPr/>
+          <a:lstStyle/>
+          <a:p>
+            <a:fld id="{2AD86B03-7CF5-41F3-96EF-CF2079F75F9E}" type="datetime1">
+              <a:rPr lang="de-DE" smtClean="0"/>
+              <a:t>20.11.2019</a:t>
+            </a:fld>
+            <a:endParaRPr lang="de-DE"/>
+          </a:p>
+        </p:txBody>
+      </p:sp>
+      <p:sp>
+        <p:nvSpPr>
+          <p:cNvPr id="5" name="Fußzeilenplatzhalter 4">
+            <a:extLst>
+              <a:ext uri="{FF2B5EF4-FFF2-40B4-BE49-F238E27FC236}">
+                <a16:creationId xmlns:a16="http://schemas.microsoft.com/office/drawing/2014/main" id="{606938EE-7485-4B79-8994-4F19E71A8415}"/>
+              </a:ext>
+            </a:extLst>
+          </p:cNvPr>
+          <p:cNvSpPr>
+            <a:spLocks noGrp="1"/>
+          </p:cNvSpPr>
+          <p:nvPr>
+            <p:ph type="ftr" sz="quarter" idx="11"/>
+          </p:nvPr>
+        </p:nvSpPr>
+        <p:spPr/>
+        <p:txBody>
+          <a:bodyPr/>
+          <a:lstStyle/>
+          <a:p>
+            <a:r>
+              <a:rPr lang="de-DE"/>
+              <a:t>Mark Broderius, Christoph Schmitz, Jan</a:t>
+            </a:r>
           </a:p>
         </p:txBody>
       </p:sp>
@@ -7277,6 +8706,63 @@
               <a:t>2</a:t>
             </a:fld>
             <a:endParaRPr lang="de-DE"/>
+          </a:p>
+        </p:txBody>
+      </p:sp>
+      <p:sp>
+        <p:nvSpPr>
+          <p:cNvPr id="4" name="Datumsplatzhalter 3">
+            <a:extLst>
+              <a:ext uri="{FF2B5EF4-FFF2-40B4-BE49-F238E27FC236}">
+                <a16:creationId xmlns:a16="http://schemas.microsoft.com/office/drawing/2014/main" id="{FFE7B4B2-3BB3-4900-8043-117ABE87353A}"/>
+              </a:ext>
+            </a:extLst>
+          </p:cNvPr>
+          <p:cNvSpPr>
+            <a:spLocks noGrp="1"/>
+          </p:cNvSpPr>
+          <p:nvPr>
+            <p:ph type="dt" sz="half" idx="10"/>
+          </p:nvPr>
+        </p:nvSpPr>
+        <p:spPr/>
+        <p:txBody>
+          <a:bodyPr/>
+          <a:lstStyle/>
+          <a:p>
+            <a:fld id="{AE2DD662-C92F-430A-B001-57A8C53ABDC6}" type="datetime1">
+              <a:rPr lang="de-DE" smtClean="0"/>
+              <a:t>20.11.2019</a:t>
+            </a:fld>
+            <a:endParaRPr lang="de-DE"/>
+          </a:p>
+        </p:txBody>
+      </p:sp>
+      <p:sp>
+        <p:nvSpPr>
+          <p:cNvPr id="8" name="Fußzeilenplatzhalter 7">
+            <a:extLst>
+              <a:ext uri="{FF2B5EF4-FFF2-40B4-BE49-F238E27FC236}">
+                <a16:creationId xmlns:a16="http://schemas.microsoft.com/office/drawing/2014/main" id="{386D0B66-D351-45CE-B861-98F3F9904F9F}"/>
+              </a:ext>
+            </a:extLst>
+          </p:cNvPr>
+          <p:cNvSpPr>
+            <a:spLocks noGrp="1"/>
+          </p:cNvSpPr>
+          <p:nvPr>
+            <p:ph type="ftr" sz="quarter" idx="11"/>
+          </p:nvPr>
+        </p:nvSpPr>
+        <p:spPr/>
+        <p:txBody>
+          <a:bodyPr/>
+          <a:lstStyle/>
+          <a:p>
+            <a:r>
+              <a:rPr lang="de-DE"/>
+              <a:t>Mark Broderius, Christoph Schmitz, Jan</a:t>
+            </a:r>
           </a:p>
         </p:txBody>
       </p:sp>
@@ -8001,6 +9487,63 @@
           </a:graphicData>
         </a:graphic>
       </p:graphicFrame>
+      <p:sp>
+        <p:nvSpPr>
+          <p:cNvPr id="3" name="Datumsplatzhalter 2">
+            <a:extLst>
+              <a:ext uri="{FF2B5EF4-FFF2-40B4-BE49-F238E27FC236}">
+                <a16:creationId xmlns:a16="http://schemas.microsoft.com/office/drawing/2014/main" id="{9836F2E7-0BEA-4071-A05F-CB959F46CDB0}"/>
+              </a:ext>
+            </a:extLst>
+          </p:cNvPr>
+          <p:cNvSpPr>
+            <a:spLocks noGrp="1"/>
+          </p:cNvSpPr>
+          <p:nvPr>
+            <p:ph type="dt" sz="half" idx="10"/>
+          </p:nvPr>
+        </p:nvSpPr>
+        <p:spPr/>
+        <p:txBody>
+          <a:bodyPr/>
+          <a:lstStyle/>
+          <a:p>
+            <a:fld id="{FC961FD3-0F69-47A3-A186-D7C32F3801DA}" type="datetime1">
+              <a:rPr lang="de-DE" smtClean="0"/>
+              <a:t>20.11.2019</a:t>
+            </a:fld>
+            <a:endParaRPr lang="de-DE"/>
+          </a:p>
+        </p:txBody>
+      </p:sp>
+      <p:sp>
+        <p:nvSpPr>
+          <p:cNvPr id="4" name="Fußzeilenplatzhalter 3">
+            <a:extLst>
+              <a:ext uri="{FF2B5EF4-FFF2-40B4-BE49-F238E27FC236}">
+                <a16:creationId xmlns:a16="http://schemas.microsoft.com/office/drawing/2014/main" id="{6F4B888B-B66A-4099-B644-1212EFAAC0D5}"/>
+              </a:ext>
+            </a:extLst>
+          </p:cNvPr>
+          <p:cNvSpPr>
+            <a:spLocks noGrp="1"/>
+          </p:cNvSpPr>
+          <p:nvPr>
+            <p:ph type="ftr" sz="quarter" idx="11"/>
+          </p:nvPr>
+        </p:nvSpPr>
+        <p:spPr/>
+        <p:txBody>
+          <a:bodyPr/>
+          <a:lstStyle/>
+          <a:p>
+            <a:r>
+              <a:rPr lang="de-DE"/>
+              <a:t>Mark Broderius, Christoph Schmitz, Jan</a:t>
+            </a:r>
+          </a:p>
+        </p:txBody>
+      </p:sp>
     </p:spTree>
     <p:extLst>
       <p:ext uri="{BB962C8B-B14F-4D97-AF65-F5344CB8AC3E}">
@@ -8036,7 +9579,7 @@
           <p:cNvPr id="5" name="Grafik 4" descr="Ein Bild, das Tier, Licht, Vorhang enthält.&#10;&#10;Automatisch generierte Beschreibung">
             <a:extLst>
               <a:ext uri="{FF2B5EF4-FFF2-40B4-BE49-F238E27FC236}">
-                <a16:creationId xmlns:a16="http://schemas.microsoft.com/office/drawing/2014/main" id="{4D840CEB-FFB1-4E73-AEE0-56EF99E23D48}"/>
+                <a16:creationId xmlns:a16="http://schemas.microsoft.com/office/drawing/2014/main" id="{681DCCE5-5EA0-4B5D-B67E-29F7AABD4FBC}"/>
               </a:ext>
             </a:extLst>
           </p:cNvPr>
@@ -8088,7 +9631,7 @@
                   <a:schemeClr val="bg1"/>
                 </a:solidFill>
               </a:rPr>
-              <a:t>MVC (Techn. Plan)</a:t>
+              <a:t>Demonstration</a:t>
             </a:r>
           </a:p>
         </p:txBody>
@@ -8121,7 +9664,7 @@
           <p:cNvPr id="7" name="Rechteck 6">
             <a:extLst>
               <a:ext uri="{FF2B5EF4-FFF2-40B4-BE49-F238E27FC236}">
-                <a16:creationId xmlns:a16="http://schemas.microsoft.com/office/drawing/2014/main" id="{4A2CAD32-8EDC-4FA3-B1D4-326D82DF2F13}"/>
+                <a16:creationId xmlns:a16="http://schemas.microsoft.com/office/drawing/2014/main" id="{3E228AF7-EA5A-493B-9FCC-D00DFBEBC71D}"/>
               </a:ext>
             </a:extLst>
           </p:cNvPr>
@@ -8198,10 +9741,67 @@
           </a:p>
         </p:txBody>
       </p:sp>
+      <p:sp>
+        <p:nvSpPr>
+          <p:cNvPr id="4" name="Datumsplatzhalter 3">
+            <a:extLst>
+              <a:ext uri="{FF2B5EF4-FFF2-40B4-BE49-F238E27FC236}">
+                <a16:creationId xmlns:a16="http://schemas.microsoft.com/office/drawing/2014/main" id="{7C8BA6AF-038C-4DFF-A861-F49A81DBC2FE}"/>
+              </a:ext>
+            </a:extLst>
+          </p:cNvPr>
+          <p:cNvSpPr>
+            <a:spLocks noGrp="1"/>
+          </p:cNvSpPr>
+          <p:nvPr>
+            <p:ph type="dt" sz="half" idx="10"/>
+          </p:nvPr>
+        </p:nvSpPr>
+        <p:spPr/>
+        <p:txBody>
+          <a:bodyPr/>
+          <a:lstStyle/>
+          <a:p>
+            <a:fld id="{446721C6-4A85-41B4-AD27-D37DE6A58C9E}" type="datetime1">
+              <a:rPr lang="de-DE" smtClean="0"/>
+              <a:t>20.11.2019</a:t>
+            </a:fld>
+            <a:endParaRPr lang="de-DE"/>
+          </a:p>
+        </p:txBody>
+      </p:sp>
+      <p:sp>
+        <p:nvSpPr>
+          <p:cNvPr id="8" name="Fußzeilenplatzhalter 7">
+            <a:extLst>
+              <a:ext uri="{FF2B5EF4-FFF2-40B4-BE49-F238E27FC236}">
+                <a16:creationId xmlns:a16="http://schemas.microsoft.com/office/drawing/2014/main" id="{737803CE-55C0-4E9D-8E65-651888F31655}"/>
+              </a:ext>
+            </a:extLst>
+          </p:cNvPr>
+          <p:cNvSpPr>
+            <a:spLocks noGrp="1"/>
+          </p:cNvSpPr>
+          <p:nvPr>
+            <p:ph type="ftr" sz="quarter" idx="11"/>
+          </p:nvPr>
+        </p:nvSpPr>
+        <p:spPr/>
+        <p:txBody>
+          <a:bodyPr/>
+          <a:lstStyle/>
+          <a:p>
+            <a:r>
+              <a:rPr lang="de-DE"/>
+              <a:t>Mark Broderius, Christoph Schmitz, Jan</a:t>
+            </a:r>
+          </a:p>
+        </p:txBody>
+      </p:sp>
     </p:spTree>
     <p:extLst>
       <p:ext uri="{BB962C8B-B14F-4D97-AF65-F5344CB8AC3E}">
-        <p14:creationId xmlns:p14="http://schemas.microsoft.com/office/powerpoint/2010/main" val="2169756706"/>
+        <p14:creationId xmlns:p14="http://schemas.microsoft.com/office/powerpoint/2010/main" val="4256634670"/>
       </p:ext>
     </p:extLst>
   </p:cSld>
@@ -8233,7 +9833,7 @@
           <p:cNvPr id="5" name="Grafik 4" descr="Ein Bild, das Tier, Licht, Vorhang enthält.&#10;&#10;Automatisch generierte Beschreibung">
             <a:extLst>
               <a:ext uri="{FF2B5EF4-FFF2-40B4-BE49-F238E27FC236}">
-                <a16:creationId xmlns:a16="http://schemas.microsoft.com/office/drawing/2014/main" id="{CA799B19-8F53-4837-9C64-A3E6A7207367}"/>
+                <a16:creationId xmlns:a16="http://schemas.microsoft.com/office/drawing/2014/main" id="{4D840CEB-FFB1-4E73-AEE0-56EF99E23D48}"/>
               </a:ext>
             </a:extLst>
           </p:cNvPr>
@@ -8256,7 +9856,7 @@
         </p:blipFill>
         <p:spPr>
           <a:xfrm rot="5400000">
-            <a:off x="-406831" y="-2910840"/>
+            <a:off x="-366191" y="-2926080"/>
             <a:ext cx="12924382" cy="12192000"/>
           </a:xfrm>
           <a:prstGeom prst="rect">
@@ -8285,91 +9885,7 @@
                   <a:schemeClr val="bg1"/>
                 </a:solidFill>
               </a:rPr>
-              <a:t>Lösungsansatz</a:t>
-            </a:r>
-            <a:br>
-              <a:rPr lang="de-DE" dirty="0">
-                <a:solidFill>
-                  <a:schemeClr val="bg1"/>
-                </a:solidFill>
-              </a:rPr>
-            </a:br>
-            <a:r>
-              <a:rPr lang="de-DE" dirty="0">
-                <a:solidFill>
-                  <a:schemeClr val="bg1"/>
-                </a:solidFill>
-              </a:rPr>
-              <a:t>Ist Zustand</a:t>
-            </a:r>
-          </a:p>
-        </p:txBody>
-      </p:sp>
-      <p:sp>
-        <p:nvSpPr>
-          <p:cNvPr id="3" name="Inhaltsplatzhalter 2"/>
-          <p:cNvSpPr>
-            <a:spLocks noGrp="1"/>
-          </p:cNvSpPr>
-          <p:nvPr>
-            <p:ph idx="1"/>
-          </p:nvPr>
-        </p:nvSpPr>
-        <p:spPr/>
-        <p:txBody>
-          <a:bodyPr/>
-          <a:lstStyle/>
-          <a:p>
-            <a:r>
-              <a:rPr lang="de-DE" dirty="0">
-                <a:solidFill>
-                  <a:schemeClr val="bg1"/>
-                </a:solidFill>
-              </a:rPr>
-              <a:t>Umsetzung des MVS-Patterns</a:t>
-            </a:r>
-          </a:p>
-          <a:p>
-            <a:r>
-              <a:rPr lang="de-DE" dirty="0">
-                <a:solidFill>
-                  <a:schemeClr val="bg1"/>
-                </a:solidFill>
-              </a:rPr>
-              <a:t>Model hält Spielstand</a:t>
-            </a:r>
-          </a:p>
-          <a:p>
-            <a:r>
-              <a:rPr lang="de-DE" dirty="0">
-                <a:solidFill>
-                  <a:schemeClr val="bg1"/>
-                </a:solidFill>
-              </a:rPr>
-              <a:t>Controller </a:t>
-            </a:r>
-            <a:r>
-              <a:rPr lang="de-DE" dirty="0" err="1">
-                <a:solidFill>
-                  <a:schemeClr val="bg1"/>
-                </a:solidFill>
-              </a:rPr>
-              <a:t>kk</a:t>
-            </a:r>
-            <a:endParaRPr lang="de-DE" dirty="0">
-              <a:solidFill>
-                <a:schemeClr val="bg1"/>
-              </a:solidFill>
-            </a:endParaRPr>
-          </a:p>
-          <a:p>
-            <a:r>
-              <a:rPr lang="de-DE" dirty="0">
-                <a:solidFill>
-                  <a:schemeClr val="bg1"/>
-                </a:solidFill>
-              </a:rPr>
-              <a:t>GUI soll skalierbar sein</a:t>
+              <a:t>Model View Controller</a:t>
             </a:r>
           </a:p>
         </p:txBody>
@@ -8379,7 +9895,7 @@
           <p:cNvPr id="7" name="Rechteck 6">
             <a:extLst>
               <a:ext uri="{FF2B5EF4-FFF2-40B4-BE49-F238E27FC236}">
-                <a16:creationId xmlns:a16="http://schemas.microsoft.com/office/drawing/2014/main" id="{79AF67F2-F582-4093-B501-FD8175DA3856}"/>
+                <a16:creationId xmlns:a16="http://schemas.microsoft.com/office/drawing/2014/main" id="{4A2CAD32-8EDC-4FA3-B1D4-326D82DF2F13}"/>
               </a:ext>
             </a:extLst>
           </p:cNvPr>
@@ -8458,71 +9974,100 @@
       </p:sp>
       <p:sp>
         <p:nvSpPr>
-          <p:cNvPr id="8" name="Rechteck 7">
+          <p:cNvPr id="4" name="Datumsplatzhalter 3">
             <a:extLst>
               <a:ext uri="{FF2B5EF4-FFF2-40B4-BE49-F238E27FC236}">
-                <a16:creationId xmlns:a16="http://schemas.microsoft.com/office/drawing/2014/main" id="{9B34F028-2575-4B65-AB61-1746762F174E}"/>
+                <a16:creationId xmlns:a16="http://schemas.microsoft.com/office/drawing/2014/main" id="{A4DD6FD2-7F06-4F4E-9570-916256905411}"/>
               </a:ext>
             </a:extLst>
           </p:cNvPr>
-          <p:cNvSpPr/>
-          <p:nvPr/>
-        </p:nvSpPr>
+          <p:cNvSpPr>
+            <a:spLocks noGrp="1"/>
+          </p:cNvSpPr>
+          <p:nvPr>
+            <p:ph type="dt" sz="half" idx="10"/>
+          </p:nvPr>
+        </p:nvSpPr>
+        <p:spPr/>
+        <p:txBody>
+          <a:bodyPr/>
+          <a:lstStyle/>
+          <a:p>
+            <a:fld id="{F5B5B52D-D415-4A02-A7EB-4D928AF2783F}" type="datetime1">
+              <a:rPr lang="de-DE" smtClean="0"/>
+              <a:t>20.11.2019</a:t>
+            </a:fld>
+            <a:endParaRPr lang="de-DE"/>
+          </a:p>
+        </p:txBody>
+      </p:sp>
+      <p:sp>
+        <p:nvSpPr>
+          <p:cNvPr id="8" name="Fußzeilenplatzhalter 7">
+            <a:extLst>
+              <a:ext uri="{FF2B5EF4-FFF2-40B4-BE49-F238E27FC236}">
+                <a16:creationId xmlns:a16="http://schemas.microsoft.com/office/drawing/2014/main" id="{F00B9203-4ED3-49FA-844F-7170701A5425}"/>
+              </a:ext>
+            </a:extLst>
+          </p:cNvPr>
+          <p:cNvSpPr>
+            <a:spLocks noGrp="1"/>
+          </p:cNvSpPr>
+          <p:nvPr>
+            <p:ph type="ftr" sz="quarter" idx="11"/>
+          </p:nvPr>
+        </p:nvSpPr>
+        <p:spPr/>
+        <p:txBody>
+          <a:bodyPr/>
+          <a:lstStyle/>
+          <a:p>
+            <a:r>
+              <a:rPr lang="de-DE"/>
+              <a:t>Mark Broderius, Christoph Schmitz, Jan</a:t>
+            </a:r>
+          </a:p>
+        </p:txBody>
+      </p:sp>
+      <p:pic>
+        <p:nvPicPr>
+          <p:cNvPr id="14" name="Inhaltsplatzhalter 13">
+            <a:extLst>
+              <a:ext uri="{FF2B5EF4-FFF2-40B4-BE49-F238E27FC236}">
+                <a16:creationId xmlns:a16="http://schemas.microsoft.com/office/drawing/2014/main" id="{4A4483C9-8432-4257-AC99-E354C9629765}"/>
+              </a:ext>
+            </a:extLst>
+          </p:cNvPr>
+          <p:cNvPicPr>
+            <a:picLocks noGrp="1" noChangeAspect="1"/>
+          </p:cNvPicPr>
+          <p:nvPr>
+            <p:ph idx="1"/>
+          </p:nvPr>
+        </p:nvPicPr>
+        <p:blipFill>
+          <a:blip r:embed="rId3">
+            <a:extLst>
+              <a:ext uri="{28A0092B-C50C-407E-A947-70E740481C1C}">
+                <a14:useLocalDpi xmlns:a14="http://schemas.microsoft.com/office/drawing/2010/main" val="0"/>
+              </a:ext>
+            </a:extLst>
+          </a:blip>
+          <a:stretch>
+            <a:fillRect/>
+          </a:stretch>
+        </p:blipFill>
         <p:spPr>
-          <a:xfrm rot="20441032">
-            <a:off x="1444501" y="1421946"/>
-            <a:ext cx="9221718" cy="2406015"/>
+          <a:xfrm>
+            <a:off x="1335562" y="1825625"/>
+            <a:ext cx="9520876" cy="4351338"/>
           </a:xfrm>
-          <a:prstGeom prst="rect">
-            <a:avLst/>
-          </a:prstGeom>
-          <a:solidFill>
-            <a:srgbClr val="FF0000"/>
-          </a:solidFill>
-          <a:ln>
-            <a:noFill/>
-          </a:ln>
         </p:spPr>
-        <p:style>
-          <a:lnRef idx="2">
-            <a:schemeClr val="accent1">
-              <a:shade val="50000"/>
-            </a:schemeClr>
-          </a:lnRef>
-          <a:fillRef idx="1">
-            <a:schemeClr val="accent1"/>
-          </a:fillRef>
-          <a:effectRef idx="0">
-            <a:schemeClr val="accent1"/>
-          </a:effectRef>
-          <a:fontRef idx="minor">
-            <a:schemeClr val="lt1"/>
-          </a:fontRef>
-        </p:style>
-        <p:txBody>
-          <a:bodyPr rtlCol="0" anchor="ctr"/>
-          <a:lstStyle/>
-          <a:p>
-            <a:pPr algn="ctr"/>
-            <a:r>
-              <a:rPr lang="de-DE" sz="4400" dirty="0"/>
-              <a:t>Keine Ahnung was hier rein soll, entweder hat jemand noch </a:t>
-            </a:r>
-            <a:r>
-              <a:rPr lang="de-DE" sz="4400" dirty="0" err="1"/>
-              <a:t>nen</a:t>
-            </a:r>
-            <a:r>
-              <a:rPr lang="de-DE" sz="4400" dirty="0"/>
-              <a:t> Plan oder die Folie kommt raus </a:t>
-            </a:r>
-          </a:p>
-        </p:txBody>
-      </p:sp>
+      </p:pic>
     </p:spTree>
     <p:extLst>
       <p:ext uri="{BB962C8B-B14F-4D97-AF65-F5344CB8AC3E}">
-        <p14:creationId xmlns:p14="http://schemas.microsoft.com/office/powerpoint/2010/main" val="3653537902"/>
+        <p14:creationId xmlns:p14="http://schemas.microsoft.com/office/powerpoint/2010/main" val="2169756706"/>
       </p:ext>
     </p:extLst>
   </p:cSld>
@@ -8554,7 +10099,7 @@
           <p:cNvPr id="5" name="Grafik 4" descr="Ein Bild, das Tier, Licht, Vorhang enthält.&#10;&#10;Automatisch generierte Beschreibung">
             <a:extLst>
               <a:ext uri="{FF2B5EF4-FFF2-40B4-BE49-F238E27FC236}">
-                <a16:creationId xmlns:a16="http://schemas.microsoft.com/office/drawing/2014/main" id="{681DCCE5-5EA0-4B5D-B67E-29F7AABD4FBC}"/>
+                <a16:creationId xmlns:a16="http://schemas.microsoft.com/office/drawing/2014/main" id="{4D840CEB-FFB1-4E73-AEE0-56EF99E23D48}"/>
               </a:ext>
             </a:extLst>
           </p:cNvPr>
@@ -8606,31 +10151,8 @@
                   <a:schemeClr val="bg1"/>
                 </a:solidFill>
               </a:rPr>
-              <a:t>Demonstration</a:t>
-            </a:r>
-          </a:p>
-        </p:txBody>
-      </p:sp>
-      <p:sp>
-        <p:nvSpPr>
-          <p:cNvPr id="3" name="Inhaltsplatzhalter 2"/>
-          <p:cNvSpPr>
-            <a:spLocks noGrp="1"/>
-          </p:cNvSpPr>
-          <p:nvPr>
-            <p:ph idx="1"/>
-          </p:nvPr>
-        </p:nvSpPr>
-        <p:spPr/>
-        <p:txBody>
-          <a:bodyPr/>
-          <a:lstStyle/>
-          <a:p>
-            <a:endParaRPr lang="de-DE" dirty="0">
-              <a:solidFill>
-                <a:schemeClr val="bg1"/>
-              </a:solidFill>
-            </a:endParaRPr>
+              <a:t>Model View Controller</a:t>
+            </a:r>
           </a:p>
         </p:txBody>
       </p:sp>
@@ -8639,7 +10161,7 @@
           <p:cNvPr id="7" name="Rechteck 6">
             <a:extLst>
               <a:ext uri="{FF2B5EF4-FFF2-40B4-BE49-F238E27FC236}">
-                <a16:creationId xmlns:a16="http://schemas.microsoft.com/office/drawing/2014/main" id="{3E228AF7-EA5A-493B-9FCC-D00DFBEBC71D}"/>
+                <a16:creationId xmlns:a16="http://schemas.microsoft.com/office/drawing/2014/main" id="{4A2CAD32-8EDC-4FA3-B1D4-326D82DF2F13}"/>
               </a:ext>
             </a:extLst>
           </p:cNvPr>
@@ -8716,10 +10238,151 @@
           </a:p>
         </p:txBody>
       </p:sp>
+      <p:sp>
+        <p:nvSpPr>
+          <p:cNvPr id="4" name="Datumsplatzhalter 3">
+            <a:extLst>
+              <a:ext uri="{FF2B5EF4-FFF2-40B4-BE49-F238E27FC236}">
+                <a16:creationId xmlns:a16="http://schemas.microsoft.com/office/drawing/2014/main" id="{A4DD6FD2-7F06-4F4E-9570-916256905411}"/>
+              </a:ext>
+            </a:extLst>
+          </p:cNvPr>
+          <p:cNvSpPr>
+            <a:spLocks noGrp="1"/>
+          </p:cNvSpPr>
+          <p:nvPr>
+            <p:ph type="dt" sz="half" idx="10"/>
+          </p:nvPr>
+        </p:nvSpPr>
+        <p:spPr/>
+        <p:txBody>
+          <a:bodyPr/>
+          <a:lstStyle/>
+          <a:p>
+            <a:fld id="{F5B5B52D-D415-4A02-A7EB-4D928AF2783F}" type="datetime1">
+              <a:rPr lang="de-DE" smtClean="0"/>
+              <a:t>20.11.2019</a:t>
+            </a:fld>
+            <a:endParaRPr lang="de-DE"/>
+          </a:p>
+        </p:txBody>
+      </p:sp>
+      <p:sp>
+        <p:nvSpPr>
+          <p:cNvPr id="8" name="Fußzeilenplatzhalter 7">
+            <a:extLst>
+              <a:ext uri="{FF2B5EF4-FFF2-40B4-BE49-F238E27FC236}">
+                <a16:creationId xmlns:a16="http://schemas.microsoft.com/office/drawing/2014/main" id="{F00B9203-4ED3-49FA-844F-7170701A5425}"/>
+              </a:ext>
+            </a:extLst>
+          </p:cNvPr>
+          <p:cNvSpPr>
+            <a:spLocks noGrp="1"/>
+          </p:cNvSpPr>
+          <p:nvPr>
+            <p:ph type="ftr" sz="quarter" idx="11"/>
+          </p:nvPr>
+        </p:nvSpPr>
+        <p:spPr/>
+        <p:txBody>
+          <a:bodyPr/>
+          <a:lstStyle/>
+          <a:p>
+            <a:r>
+              <a:rPr lang="de-DE"/>
+              <a:t>Mark Broderius, Christoph Schmitz, Jan</a:t>
+            </a:r>
+          </a:p>
+        </p:txBody>
+      </p:sp>
+      <p:pic>
+        <p:nvPicPr>
+          <p:cNvPr id="14" name="Inhaltsplatzhalter 13">
+            <a:extLst>
+              <a:ext uri="{FF2B5EF4-FFF2-40B4-BE49-F238E27FC236}">
+                <a16:creationId xmlns:a16="http://schemas.microsoft.com/office/drawing/2014/main" id="{4A4483C9-8432-4257-AC99-E354C9629765}"/>
+              </a:ext>
+            </a:extLst>
+          </p:cNvPr>
+          <p:cNvPicPr>
+            <a:picLocks noGrp="1" noChangeAspect="1"/>
+          </p:cNvPicPr>
+          <p:nvPr>
+            <p:ph idx="1"/>
+          </p:nvPr>
+        </p:nvPicPr>
+        <p:blipFill>
+          <a:blip r:embed="rId3">
+            <a:extLst>
+              <a:ext uri="{28A0092B-C50C-407E-A947-70E740481C1C}">
+                <a14:useLocalDpi xmlns:a14="http://schemas.microsoft.com/office/drawing/2010/main" val="0"/>
+              </a:ext>
+            </a:extLst>
+          </a:blip>
+          <a:stretch>
+            <a:fillRect/>
+          </a:stretch>
+        </p:blipFill>
+        <p:spPr>
+          <a:xfrm>
+            <a:off x="1335562" y="1825625"/>
+            <a:ext cx="9520876" cy="4351338"/>
+          </a:xfrm>
+        </p:spPr>
+      </p:pic>
+      <p:sp>
+        <p:nvSpPr>
+          <p:cNvPr id="3" name="Multiplikationszeichen 2">
+            <a:extLst>
+              <a:ext uri="{FF2B5EF4-FFF2-40B4-BE49-F238E27FC236}">
+                <a16:creationId xmlns:a16="http://schemas.microsoft.com/office/drawing/2014/main" id="{2DC12FF6-4325-4960-A550-CEDC47223E1A}"/>
+              </a:ext>
+            </a:extLst>
+          </p:cNvPr>
+          <p:cNvSpPr/>
+          <p:nvPr/>
+        </p:nvSpPr>
+        <p:spPr>
+          <a:xfrm rot="2201019">
+            <a:off x="3733169" y="3261322"/>
+            <a:ext cx="1337441" cy="1269124"/>
+          </a:xfrm>
+          <a:prstGeom prst="mathMultiply">
+            <a:avLst/>
+          </a:prstGeom>
+          <a:solidFill>
+            <a:srgbClr val="FF0000"/>
+          </a:solidFill>
+        </p:spPr>
+        <p:style>
+          <a:lnRef idx="2">
+            <a:schemeClr val="accent1">
+              <a:shade val="50000"/>
+            </a:schemeClr>
+          </a:lnRef>
+          <a:fillRef idx="1">
+            <a:schemeClr val="accent1"/>
+          </a:fillRef>
+          <a:effectRef idx="0">
+            <a:schemeClr val="accent1"/>
+          </a:effectRef>
+          <a:fontRef idx="minor">
+            <a:schemeClr val="lt1"/>
+          </a:fontRef>
+        </p:style>
+        <p:txBody>
+          <a:bodyPr rtlCol="0" anchor="ctr"/>
+          <a:lstStyle/>
+          <a:p>
+            <a:pPr algn="ctr"/>
+            <a:endParaRPr lang="de-DE"/>
+          </a:p>
+        </p:txBody>
+      </p:sp>
     </p:spTree>
     <p:extLst>
       <p:ext uri="{BB962C8B-B14F-4D97-AF65-F5344CB8AC3E}">
-        <p14:creationId xmlns:p14="http://schemas.microsoft.com/office/powerpoint/2010/main" val="4256634670"/>
+        <p14:creationId xmlns:p14="http://schemas.microsoft.com/office/powerpoint/2010/main" val="3938416433"/>
       </p:ext>
     </p:extLst>
   </p:cSld>
@@ -8751,7 +10414,7 @@
           <p:cNvPr id="5" name="Grafik 4" descr="Ein Bild, das Tier, Licht, Vorhang enthält.&#10;&#10;Automatisch generierte Beschreibung">
             <a:extLst>
               <a:ext uri="{FF2B5EF4-FFF2-40B4-BE49-F238E27FC236}">
-                <a16:creationId xmlns:a16="http://schemas.microsoft.com/office/drawing/2014/main" id="{06299C24-479F-4F3A-9E85-604C8EF6288E}"/>
+                <a16:creationId xmlns:a16="http://schemas.microsoft.com/office/drawing/2014/main" id="{4D840CEB-FFB1-4E73-AEE0-56EF99E23D48}"/>
               </a:ext>
             </a:extLst>
           </p:cNvPr>
@@ -8792,35 +10455,60 @@
             <p:ph type="title"/>
           </p:nvPr>
         </p:nvSpPr>
+        <p:spPr/>
+        <p:txBody>
+          <a:bodyPr/>
+          <a:lstStyle/>
+          <a:p>
+            <a:endParaRPr lang="de-DE" dirty="0">
+              <a:solidFill>
+                <a:schemeClr val="bg1"/>
+              </a:solidFill>
+            </a:endParaRPr>
+          </a:p>
+        </p:txBody>
+      </p:sp>
+      <p:pic>
+        <p:nvPicPr>
+          <p:cNvPr id="10" name="Inhaltsplatzhalter 9" descr="Ein Bild, das Screenshot enthält.&#10;&#10;Automatisch generierte Beschreibung">
+            <a:extLst>
+              <a:ext uri="{FF2B5EF4-FFF2-40B4-BE49-F238E27FC236}">
+                <a16:creationId xmlns:a16="http://schemas.microsoft.com/office/drawing/2014/main" id="{5D708D60-E91C-439A-97CD-026C20F985BA}"/>
+              </a:ext>
+            </a:extLst>
+          </p:cNvPr>
+          <p:cNvPicPr>
+            <a:picLocks noGrp="1" noChangeAspect="1"/>
+          </p:cNvPicPr>
+          <p:nvPr>
+            <p:ph idx="1"/>
+          </p:nvPr>
+        </p:nvPicPr>
+        <p:blipFill>
+          <a:blip r:embed="rId3">
+            <a:extLst>
+              <a:ext uri="{28A0092B-C50C-407E-A947-70E740481C1C}">
+                <a14:useLocalDpi xmlns:a14="http://schemas.microsoft.com/office/drawing/2010/main" val="0"/>
+              </a:ext>
+            </a:extLst>
+          </a:blip>
+          <a:stretch>
+            <a:fillRect/>
+          </a:stretch>
+        </p:blipFill>
         <p:spPr>
           <a:xfrm>
-            <a:off x="353008" y="579729"/>
-            <a:ext cx="1867678" cy="1325563"/>
+            <a:off x="1524001" y="365125"/>
+            <a:ext cx="9254399" cy="5890335"/>
           </a:xfrm>
         </p:spPr>
-        <p:txBody>
-          <a:bodyPr>
-            <a:normAutofit/>
-          </a:bodyPr>
-          <a:lstStyle/>
-          <a:p>
-            <a:r>
-              <a:rPr lang="de-DE" dirty="0">
-                <a:solidFill>
-                  <a:schemeClr val="bg1"/>
-                </a:solidFill>
-              </a:rPr>
-              <a:t>Model</a:t>
-            </a:r>
-          </a:p>
-        </p:txBody>
-      </p:sp>
+      </p:pic>
       <p:sp>
         <p:nvSpPr>
           <p:cNvPr id="7" name="Rechteck 6">
             <a:extLst>
               <a:ext uri="{FF2B5EF4-FFF2-40B4-BE49-F238E27FC236}">
-                <a16:creationId xmlns:a16="http://schemas.microsoft.com/office/drawing/2014/main" id="{35E66D3B-7396-41F3-924D-E0ACFDA47E9F}"/>
+                <a16:creationId xmlns:a16="http://schemas.microsoft.com/office/drawing/2014/main" id="{4A2CAD32-8EDC-4FA3-B1D4-326D82DF2F13}"/>
               </a:ext>
             </a:extLst>
           </p:cNvPr>
@@ -8897,39 +10585,67 @@
           </a:p>
         </p:txBody>
       </p:sp>
-      <p:pic>
-        <p:nvPicPr>
-          <p:cNvPr id="3" name="Inhaltsplatzhalter 2"/>
-          <p:cNvPicPr>
-            <a:picLocks noGrp="1" noChangeAspect="1"/>
-          </p:cNvPicPr>
-          <p:nvPr>
-            <p:ph idx="1"/>
-          </p:nvPr>
-        </p:nvPicPr>
-        <p:blipFill>
-          <a:blip r:embed="rId3">
-            <a:extLst>
-              <a:ext uri="{28A0092B-C50C-407E-A947-70E740481C1C}">
-                <a14:useLocalDpi xmlns:a14="http://schemas.microsoft.com/office/drawing/2010/main" val="0"/>
-              </a:ext>
-            </a:extLst>
-          </a:blip>
-          <a:stretch>
-            <a:fillRect/>
-          </a:stretch>
-        </p:blipFill>
-        <p:spPr>
-          <a:xfrm>
-            <a:off x="2539092" y="579730"/>
-            <a:ext cx="8504828" cy="5494455"/>
-          </a:xfrm>
-        </p:spPr>
-      </p:pic>
+      <p:sp>
+        <p:nvSpPr>
+          <p:cNvPr id="4" name="Datumsplatzhalter 3">
+            <a:extLst>
+              <a:ext uri="{FF2B5EF4-FFF2-40B4-BE49-F238E27FC236}">
+                <a16:creationId xmlns:a16="http://schemas.microsoft.com/office/drawing/2014/main" id="{A4DD6FD2-7F06-4F4E-9570-916256905411}"/>
+              </a:ext>
+            </a:extLst>
+          </p:cNvPr>
+          <p:cNvSpPr>
+            <a:spLocks noGrp="1"/>
+          </p:cNvSpPr>
+          <p:nvPr>
+            <p:ph type="dt" sz="half" idx="10"/>
+          </p:nvPr>
+        </p:nvSpPr>
+        <p:spPr/>
+        <p:txBody>
+          <a:bodyPr/>
+          <a:lstStyle/>
+          <a:p>
+            <a:fld id="{F5B5B52D-D415-4A02-A7EB-4D928AF2783F}" type="datetime1">
+              <a:rPr lang="de-DE" smtClean="0"/>
+              <a:t>20.11.2019</a:t>
+            </a:fld>
+            <a:endParaRPr lang="de-DE"/>
+          </a:p>
+        </p:txBody>
+      </p:sp>
+      <p:sp>
+        <p:nvSpPr>
+          <p:cNvPr id="8" name="Fußzeilenplatzhalter 7">
+            <a:extLst>
+              <a:ext uri="{FF2B5EF4-FFF2-40B4-BE49-F238E27FC236}">
+                <a16:creationId xmlns:a16="http://schemas.microsoft.com/office/drawing/2014/main" id="{F00B9203-4ED3-49FA-844F-7170701A5425}"/>
+              </a:ext>
+            </a:extLst>
+          </p:cNvPr>
+          <p:cNvSpPr>
+            <a:spLocks noGrp="1"/>
+          </p:cNvSpPr>
+          <p:nvPr>
+            <p:ph type="ftr" sz="quarter" idx="11"/>
+          </p:nvPr>
+        </p:nvSpPr>
+        <p:spPr/>
+        <p:txBody>
+          <a:bodyPr/>
+          <a:lstStyle/>
+          <a:p>
+            <a:r>
+              <a:rPr lang="de-DE"/>
+              <a:t>Mark Broderius, Christoph Schmitz, Jan</a:t>
+            </a:r>
+          </a:p>
+        </p:txBody>
+      </p:sp>
     </p:spTree>
     <p:extLst>
       <p:ext uri="{BB962C8B-B14F-4D97-AF65-F5344CB8AC3E}">
-        <p14:creationId xmlns:p14="http://schemas.microsoft.com/office/powerpoint/2010/main" val="3169300945"/>
+        <p14:creationId xmlns:p14="http://schemas.microsoft.com/office/powerpoint/2010/main" val="1885942727"/>
       </p:ext>
     </p:extLst>
   </p:cSld>
@@ -8961,7 +10677,7 @@
           <p:cNvPr id="5" name="Grafik 4" descr="Ein Bild, das Tier, Licht, Vorhang enthält.&#10;&#10;Automatisch generierte Beschreibung">
             <a:extLst>
               <a:ext uri="{FF2B5EF4-FFF2-40B4-BE49-F238E27FC236}">
-                <a16:creationId xmlns:a16="http://schemas.microsoft.com/office/drawing/2014/main" id="{91D94200-96FA-4EAC-9335-EF93A886005E}"/>
+                <a16:creationId xmlns:a16="http://schemas.microsoft.com/office/drawing/2014/main" id="{4D840CEB-FFB1-4E73-AEE0-56EF99E23D48}"/>
               </a:ext>
             </a:extLst>
           </p:cNvPr>
@@ -8984,7 +10700,7 @@
         </p:blipFill>
         <p:spPr>
           <a:xfrm rot="5400000">
-            <a:off x="-366191" y="-2926080"/>
+            <a:off x="-366191" y="-2889504"/>
             <a:ext cx="12924382" cy="12192000"/>
           </a:xfrm>
           <a:prstGeom prst="rect">
@@ -9013,7 +10729,7 @@
                   <a:schemeClr val="bg1"/>
                 </a:solidFill>
               </a:rPr>
-              <a:t>Model</a:t>
+              <a:t>Controller</a:t>
             </a:r>
           </a:p>
         </p:txBody>
@@ -9023,7 +10739,7 @@
           <p:cNvPr id="7" name="Rechteck 6">
             <a:extLst>
               <a:ext uri="{FF2B5EF4-FFF2-40B4-BE49-F238E27FC236}">
-                <a16:creationId xmlns:a16="http://schemas.microsoft.com/office/drawing/2014/main" id="{F40B081E-7EDF-43D0-82D2-2412BE762E81}"/>
+                <a16:creationId xmlns:a16="http://schemas.microsoft.com/office/drawing/2014/main" id="{4A2CAD32-8EDC-4FA3-B1D4-326D82DF2F13}"/>
               </a:ext>
             </a:extLst>
           </p:cNvPr>
@@ -9102,7 +10818,70 @@
       </p:sp>
       <p:sp>
         <p:nvSpPr>
-          <p:cNvPr id="3" name="Inhaltsplatzhalter 2"/>
+          <p:cNvPr id="4" name="Datumsplatzhalter 3">
+            <a:extLst>
+              <a:ext uri="{FF2B5EF4-FFF2-40B4-BE49-F238E27FC236}">
+                <a16:creationId xmlns:a16="http://schemas.microsoft.com/office/drawing/2014/main" id="{A4DD6FD2-7F06-4F4E-9570-916256905411}"/>
+              </a:ext>
+            </a:extLst>
+          </p:cNvPr>
+          <p:cNvSpPr>
+            <a:spLocks noGrp="1"/>
+          </p:cNvSpPr>
+          <p:nvPr>
+            <p:ph type="dt" sz="half" idx="10"/>
+          </p:nvPr>
+        </p:nvSpPr>
+        <p:spPr/>
+        <p:txBody>
+          <a:bodyPr/>
+          <a:lstStyle/>
+          <a:p>
+            <a:fld id="{F5B5B52D-D415-4A02-A7EB-4D928AF2783F}" type="datetime1">
+              <a:rPr lang="de-DE" smtClean="0"/>
+              <a:t>20.11.2019</a:t>
+            </a:fld>
+            <a:endParaRPr lang="de-DE"/>
+          </a:p>
+        </p:txBody>
+      </p:sp>
+      <p:sp>
+        <p:nvSpPr>
+          <p:cNvPr id="8" name="Fußzeilenplatzhalter 7">
+            <a:extLst>
+              <a:ext uri="{FF2B5EF4-FFF2-40B4-BE49-F238E27FC236}">
+                <a16:creationId xmlns:a16="http://schemas.microsoft.com/office/drawing/2014/main" id="{F00B9203-4ED3-49FA-844F-7170701A5425}"/>
+              </a:ext>
+            </a:extLst>
+          </p:cNvPr>
+          <p:cNvSpPr>
+            <a:spLocks noGrp="1"/>
+          </p:cNvSpPr>
+          <p:nvPr>
+            <p:ph type="ftr" sz="quarter" idx="11"/>
+          </p:nvPr>
+        </p:nvSpPr>
+        <p:spPr/>
+        <p:txBody>
+          <a:bodyPr/>
+          <a:lstStyle/>
+          <a:p>
+            <a:r>
+              <a:rPr lang="de-DE"/>
+              <a:t>Mark Broderius, Christoph Schmitz, Jan</a:t>
+            </a:r>
+          </a:p>
+        </p:txBody>
+      </p:sp>
+      <p:sp>
+        <p:nvSpPr>
+          <p:cNvPr id="9" name="Inhaltsplatzhalter 8">
+            <a:extLst>
+              <a:ext uri="{FF2B5EF4-FFF2-40B4-BE49-F238E27FC236}">
+                <a16:creationId xmlns:a16="http://schemas.microsoft.com/office/drawing/2014/main" id="{56DB43D4-F33B-40BF-B9CA-507EBE20C9CB}"/>
+              </a:ext>
+            </a:extLst>
+          </p:cNvPr>
           <p:cNvSpPr>
             <a:spLocks noGrp="1"/>
           </p:cNvSpPr>
@@ -9118,182 +10897,22 @@
           <a:lstStyle/>
           <a:p>
             <a:r>
-              <a:rPr lang="de-DE" sz="3600" dirty="0">
-                <a:solidFill>
-                  <a:schemeClr val="bg1"/>
-                </a:solidFill>
-              </a:rPr>
-              <a:t>Attribut: </a:t>
-            </a:r>
-          </a:p>
-          <a:p>
-            <a:pPr marL="457200" lvl="1" indent="0">
-              <a:buNone/>
-            </a:pPr>
-            <a:r>
-              <a:rPr lang="de-DE" sz="3600" dirty="0">
-                <a:solidFill>
-                  <a:schemeClr val="bg1"/>
-                </a:solidFill>
-                <a:sym typeface="Wingdings" panose="05000000000000000000" pitchFamily="2" charset="2"/>
-              </a:rPr>
-              <a:t></a:t>
-            </a:r>
-            <a:r>
-              <a:rPr lang="de-DE" sz="3600" dirty="0" err="1">
-                <a:solidFill>
-                  <a:schemeClr val="bg1"/>
-                </a:solidFill>
-              </a:rPr>
-              <a:t>activeGame</a:t>
-            </a:r>
-            <a:r>
-              <a:rPr lang="de-DE" sz="3600" dirty="0">
-                <a:solidFill>
-                  <a:schemeClr val="bg1"/>
-                </a:solidFill>
-              </a:rPr>
-              <a:t>: Game*</a:t>
-            </a:r>
-          </a:p>
-          <a:p>
-            <a:r>
-              <a:rPr lang="de-DE" sz="3600" dirty="0">
-                <a:solidFill>
-                  <a:schemeClr val="bg1"/>
-                </a:solidFill>
-              </a:rPr>
-              <a:t>Methoden:</a:t>
-            </a:r>
-          </a:p>
-          <a:p>
-            <a:pPr marL="457200" lvl="1" indent="0">
-              <a:buNone/>
-            </a:pPr>
-            <a:r>
-              <a:rPr lang="de-DE" sz="3600" dirty="0">
-                <a:solidFill>
-                  <a:schemeClr val="bg1"/>
-                </a:solidFill>
-                <a:sym typeface="Wingdings" panose="05000000000000000000" pitchFamily="2" charset="2"/>
-              </a:rPr>
-              <a:t></a:t>
-            </a:r>
-            <a:r>
-              <a:rPr lang="de-DE" sz="3600" dirty="0" err="1">
-                <a:solidFill>
-                  <a:schemeClr val="bg1"/>
-                </a:solidFill>
-                <a:sym typeface="Wingdings" panose="05000000000000000000" pitchFamily="2" charset="2"/>
-              </a:rPr>
-              <a:t>quitGame</a:t>
-            </a:r>
-            <a:r>
-              <a:rPr lang="de-DE" sz="3600" dirty="0">
-                <a:solidFill>
-                  <a:schemeClr val="bg1"/>
-                </a:solidFill>
-                <a:sym typeface="Wingdings" panose="05000000000000000000" pitchFamily="2" charset="2"/>
-              </a:rPr>
-              <a:t>()</a:t>
-            </a:r>
-          </a:p>
-          <a:p>
-            <a:pPr marL="457200" lvl="1" indent="0">
-              <a:buNone/>
-            </a:pPr>
-            <a:r>
-              <a:rPr lang="de-DE" sz="3600" dirty="0">
-                <a:solidFill>
-                  <a:schemeClr val="bg1"/>
-                </a:solidFill>
-                <a:sym typeface="Wingdings" panose="05000000000000000000" pitchFamily="2" charset="2"/>
-              </a:rPr>
-              <a:t></a:t>
-            </a:r>
-            <a:r>
-              <a:rPr lang="de-DE" sz="3600" dirty="0" err="1">
-                <a:solidFill>
-                  <a:schemeClr val="bg1"/>
-                </a:solidFill>
-                <a:sym typeface="Wingdings" panose="05000000000000000000" pitchFamily="2" charset="2"/>
-              </a:rPr>
-              <a:t>startNewGame</a:t>
-            </a:r>
-            <a:r>
-              <a:rPr lang="de-DE" sz="3600" dirty="0">
-                <a:solidFill>
-                  <a:schemeClr val="bg1"/>
-                </a:solidFill>
-                <a:sym typeface="Wingdings" panose="05000000000000000000" pitchFamily="2" charset="2"/>
-              </a:rPr>
-              <a:t>()</a:t>
-            </a:r>
-          </a:p>
-          <a:p>
-            <a:pPr marL="457200" lvl="1" indent="0">
-              <a:buNone/>
-            </a:pPr>
-            <a:r>
-              <a:rPr lang="de-DE" sz="3600" dirty="0">
-                <a:solidFill>
-                  <a:schemeClr val="bg1"/>
-                </a:solidFill>
-                <a:sym typeface="Wingdings" panose="05000000000000000000" pitchFamily="2" charset="2"/>
-              </a:rPr>
-              <a:t></a:t>
-            </a:r>
-            <a:r>
-              <a:rPr lang="de-DE" sz="3600" dirty="0" err="1">
-                <a:solidFill>
-                  <a:schemeClr val="bg1"/>
-                </a:solidFill>
-                <a:sym typeface="Wingdings" panose="05000000000000000000" pitchFamily="2" charset="2"/>
-              </a:rPr>
-              <a:t>isProgrammrunning</a:t>
-            </a:r>
-            <a:r>
-              <a:rPr lang="de-DE" sz="3600" dirty="0">
-                <a:solidFill>
-                  <a:schemeClr val="bg1"/>
-                </a:solidFill>
-                <a:sym typeface="Wingdings" panose="05000000000000000000" pitchFamily="2" charset="2"/>
-              </a:rPr>
-              <a:t>() </a:t>
-            </a:r>
-          </a:p>
-          <a:p>
-            <a:pPr marL="457200" lvl="1" indent="0">
-              <a:buNone/>
-            </a:pPr>
-            <a:r>
-              <a:rPr lang="de-DE" sz="3600" dirty="0">
-                <a:solidFill>
-                  <a:schemeClr val="bg1"/>
-                </a:solidFill>
-                <a:sym typeface="Wingdings" panose="05000000000000000000" pitchFamily="2" charset="2"/>
-              </a:rPr>
-              <a:t></a:t>
-            </a:r>
-            <a:r>
-              <a:rPr lang="de-DE" sz="3600" dirty="0" err="1">
-                <a:solidFill>
-                  <a:schemeClr val="bg1"/>
-                </a:solidFill>
-                <a:sym typeface="Wingdings" panose="05000000000000000000" pitchFamily="2" charset="2"/>
-              </a:rPr>
-              <a:t>terminateProgramm</a:t>
-            </a:r>
-            <a:r>
-              <a:rPr lang="de-DE" sz="3600" dirty="0">
-                <a:solidFill>
-                  <a:schemeClr val="bg1"/>
-                </a:solidFill>
-                <a:sym typeface="Wingdings" panose="05000000000000000000" pitchFamily="2" charset="2"/>
-              </a:rPr>
-              <a:t>()</a:t>
-            </a:r>
-            <a:endParaRPr lang="de-DE" sz="3600" dirty="0">
+              <a:rPr lang="de-DE" dirty="0">
+                <a:solidFill>
+                  <a:schemeClr val="bg1"/>
+                </a:solidFill>
+              </a:rPr>
+              <a:t>Ist </a:t>
+            </a:r>
+            <a:r>
+              <a:rPr lang="de-DE" dirty="0" err="1">
+                <a:solidFill>
+                  <a:schemeClr val="bg1"/>
+                </a:solidFill>
+              </a:rPr>
+              <a:t>ViewObserver</a:t>
+            </a:r>
+            <a:endParaRPr lang="de-DE" dirty="0">
               <a:solidFill>
                 <a:schemeClr val="bg1"/>
               </a:solidFill>
@@ -9301,18 +10920,233 @@
           </a:p>
           <a:p>
             <a:pPr lvl="1"/>
-            <a:endParaRPr lang="de-DE" sz="3600" dirty="0">
+            <a:r>
+              <a:rPr lang="de-DE" dirty="0">
+                <a:solidFill>
+                  <a:schemeClr val="bg1"/>
+                </a:solidFill>
+                <a:sym typeface="Wingdings" panose="05000000000000000000" pitchFamily="2" charset="2"/>
+              </a:rPr>
+              <a:t> muss Views hinzugefügt werden</a:t>
+            </a:r>
+            <a:endParaRPr lang="de-DE" dirty="0">
               <a:solidFill>
                 <a:schemeClr val="bg1"/>
               </a:solidFill>
             </a:endParaRPr>
           </a:p>
+          <a:p>
+            <a:pPr lvl="1"/>
+            <a:r>
+              <a:rPr lang="de-DE" dirty="0">
+                <a:solidFill>
+                  <a:schemeClr val="bg1"/>
+                </a:solidFill>
+                <a:sym typeface="Wingdings" panose="05000000000000000000" pitchFamily="2" charset="2"/>
+              </a:rPr>
+              <a:t> bekommt </a:t>
+            </a:r>
+            <a:r>
+              <a:rPr lang="de-DE" dirty="0" err="1">
+                <a:solidFill>
+                  <a:schemeClr val="bg1"/>
+                </a:solidFill>
+                <a:sym typeface="Wingdings" panose="05000000000000000000" pitchFamily="2" charset="2"/>
+              </a:rPr>
+              <a:t>std</a:t>
+            </a:r>
+            <a:r>
+              <a:rPr lang="de-DE" dirty="0">
+                <a:solidFill>
+                  <a:schemeClr val="bg1"/>
+                </a:solidFill>
+                <a:sym typeface="Wingdings" panose="05000000000000000000" pitchFamily="2" charset="2"/>
+              </a:rPr>
+              <a:t>::</a:t>
+            </a:r>
+            <a:r>
+              <a:rPr lang="de-DE" dirty="0" err="1">
+                <a:solidFill>
+                  <a:schemeClr val="bg1"/>
+                </a:solidFill>
+                <a:sym typeface="Wingdings" panose="05000000000000000000" pitchFamily="2" charset="2"/>
+              </a:rPr>
+              <a:t>string</a:t>
+            </a:r>
+            <a:r>
+              <a:rPr lang="de-DE" dirty="0">
+                <a:solidFill>
+                  <a:schemeClr val="bg1"/>
+                </a:solidFill>
+                <a:sym typeface="Wingdings" panose="05000000000000000000" pitchFamily="2" charset="2"/>
+              </a:rPr>
+              <a:t> Statements über Funktionsaufruf</a:t>
+            </a:r>
+          </a:p>
+          <a:p>
+            <a:pPr lvl="1"/>
+            <a:r>
+              <a:rPr lang="de-DE" dirty="0">
+                <a:solidFill>
+                  <a:schemeClr val="bg1"/>
+                </a:solidFill>
+                <a:sym typeface="Wingdings" panose="05000000000000000000" pitchFamily="2" charset="2"/>
+              </a:rPr>
+              <a:t> gültige Statements sind im Model definiert</a:t>
+            </a:r>
+          </a:p>
+          <a:p>
+            <a:r>
+              <a:rPr lang="de-DE" dirty="0">
+                <a:solidFill>
+                  <a:schemeClr val="bg1"/>
+                </a:solidFill>
+                <a:sym typeface="Wingdings" panose="05000000000000000000" pitchFamily="2" charset="2"/>
+              </a:rPr>
+              <a:t>Läuft auf eigenem Thread</a:t>
+            </a:r>
+          </a:p>
+          <a:p>
+            <a:r>
+              <a:rPr lang="de-DE" dirty="0">
+                <a:solidFill>
+                  <a:schemeClr val="bg1"/>
+                </a:solidFill>
+                <a:sym typeface="Wingdings" panose="05000000000000000000" pitchFamily="2" charset="2"/>
+              </a:rPr>
+              <a:t>Nutzt </a:t>
+            </a:r>
+            <a:r>
+              <a:rPr lang="de-DE" dirty="0" err="1">
+                <a:solidFill>
+                  <a:schemeClr val="bg1"/>
+                </a:solidFill>
+                <a:sym typeface="Wingdings" panose="05000000000000000000" pitchFamily="2" charset="2"/>
+              </a:rPr>
+              <a:t>std</a:t>
+            </a:r>
+            <a:r>
+              <a:rPr lang="de-DE" dirty="0">
+                <a:solidFill>
+                  <a:schemeClr val="bg1"/>
+                </a:solidFill>
+                <a:sym typeface="Wingdings" panose="05000000000000000000" pitchFamily="2" charset="2"/>
+              </a:rPr>
+              <a:t>::</a:t>
+            </a:r>
+            <a:r>
+              <a:rPr lang="de-DE" dirty="0" err="1">
+                <a:solidFill>
+                  <a:schemeClr val="bg1"/>
+                </a:solidFill>
+                <a:sym typeface="Wingdings" panose="05000000000000000000" pitchFamily="2" charset="2"/>
+              </a:rPr>
+              <a:t>mutex</a:t>
+            </a:r>
+            <a:r>
+              <a:rPr lang="de-DE" dirty="0">
+                <a:solidFill>
+                  <a:schemeClr val="bg1"/>
+                </a:solidFill>
+                <a:sym typeface="Wingdings" panose="05000000000000000000" pitchFamily="2" charset="2"/>
+              </a:rPr>
+              <a:t>, wenn notwendig</a:t>
+            </a:r>
+          </a:p>
+          <a:p>
+            <a:r>
+              <a:rPr lang="de-DE" dirty="0">
+                <a:solidFill>
+                  <a:schemeClr val="bg1"/>
+                </a:solidFill>
+                <a:sym typeface="Wingdings" panose="05000000000000000000" pitchFamily="2" charset="2"/>
+              </a:rPr>
+              <a:t>Statements werden stapelweise verarbeitet</a:t>
+            </a:r>
+          </a:p>
+          <a:p>
+            <a:pPr lvl="1"/>
+            <a:r>
+              <a:rPr lang="de-DE" dirty="0">
+                <a:solidFill>
+                  <a:schemeClr val="bg1"/>
+                </a:solidFill>
+                <a:sym typeface="Wingdings" panose="05000000000000000000" pitchFamily="2" charset="2"/>
+              </a:rPr>
+              <a:t> Implementation </a:t>
+            </a:r>
+            <a:r>
+              <a:rPr lang="de-DE" dirty="0" err="1">
+                <a:solidFill>
+                  <a:schemeClr val="bg1"/>
+                </a:solidFill>
+                <a:sym typeface="Wingdings" panose="05000000000000000000" pitchFamily="2" charset="2"/>
+              </a:rPr>
+              <a:t>SharedQueue</a:t>
+            </a:r>
+            <a:r>
+              <a:rPr lang="de-DE" dirty="0">
+                <a:solidFill>
+                  <a:schemeClr val="bg1"/>
+                </a:solidFill>
+                <a:sym typeface="Wingdings" panose="05000000000000000000" pitchFamily="2" charset="2"/>
+              </a:rPr>
+              <a:t> (Wrapper für </a:t>
+            </a:r>
+            <a:r>
+              <a:rPr lang="de-DE" dirty="0" err="1">
+                <a:solidFill>
+                  <a:schemeClr val="bg1"/>
+                </a:solidFill>
+                <a:sym typeface="Wingdings" panose="05000000000000000000" pitchFamily="2" charset="2"/>
+              </a:rPr>
+              <a:t>std</a:t>
+            </a:r>
+            <a:r>
+              <a:rPr lang="de-DE" dirty="0">
+                <a:solidFill>
+                  <a:schemeClr val="bg1"/>
+                </a:solidFill>
+                <a:sym typeface="Wingdings" panose="05000000000000000000" pitchFamily="2" charset="2"/>
+              </a:rPr>
+              <a:t>::</a:t>
+            </a:r>
+            <a:r>
+              <a:rPr lang="de-DE" dirty="0" err="1">
+                <a:solidFill>
+                  <a:schemeClr val="bg1"/>
+                </a:solidFill>
+                <a:sym typeface="Wingdings" panose="05000000000000000000" pitchFamily="2" charset="2"/>
+              </a:rPr>
+              <a:t>queue</a:t>
+            </a:r>
+            <a:r>
+              <a:rPr lang="de-DE" dirty="0">
+                <a:solidFill>
+                  <a:schemeClr val="bg1"/>
+                </a:solidFill>
+                <a:sym typeface="Wingdings" panose="05000000000000000000" pitchFamily="2" charset="2"/>
+              </a:rPr>
+              <a:t>)</a:t>
+            </a:r>
+          </a:p>
+          <a:p>
+            <a:r>
+              <a:rPr lang="de-DE" dirty="0">
+                <a:solidFill>
+                  <a:schemeClr val="bg1"/>
+                </a:solidFill>
+                <a:sym typeface="Wingdings" panose="05000000000000000000" pitchFamily="2" charset="2"/>
+              </a:rPr>
+              <a:t>Ändert den Status des Model indirekt</a:t>
+            </a:r>
+          </a:p>
         </p:txBody>
       </p:sp>
     </p:spTree>
     <p:extLst>
       <p:ext uri="{BB962C8B-B14F-4D97-AF65-F5344CB8AC3E}">
-        <p14:creationId xmlns:p14="http://schemas.microsoft.com/office/powerpoint/2010/main" val="344540055"/>
+        <p14:creationId xmlns:p14="http://schemas.microsoft.com/office/powerpoint/2010/main" val="1900566469"/>
       </p:ext>
     </p:extLst>
   </p:cSld>

--- a/documentation/wwmp.pptx
+++ b/documentation/wwmp.pptx
@@ -5,7 +5,7 @@
     <p:sldMasterId id="2147483648" r:id="rId1"/>
   </p:sldMasterIdLst>
   <p:notesMasterIdLst>
-    <p:notesMasterId r:id="rId24"/>
+    <p:notesMasterId r:id="rId25"/>
   </p:notesMasterIdLst>
   <p:sldIdLst>
     <p:sldId id="256" r:id="rId2"/>
@@ -23,13 +23,14 @@
     <p:sldId id="282" r:id="rId14"/>
     <p:sldId id="283" r:id="rId15"/>
     <p:sldId id="284" r:id="rId16"/>
-    <p:sldId id="285" r:id="rId17"/>
-    <p:sldId id="286" r:id="rId18"/>
-    <p:sldId id="287" r:id="rId19"/>
-    <p:sldId id="288" r:id="rId20"/>
-    <p:sldId id="289" r:id="rId21"/>
-    <p:sldId id="290" r:id="rId22"/>
+    <p:sldId id="290" r:id="rId17"/>
+    <p:sldId id="285" r:id="rId18"/>
+    <p:sldId id="286" r:id="rId19"/>
+    <p:sldId id="287" r:id="rId20"/>
+    <p:sldId id="288" r:id="rId21"/>
+    <p:sldId id="289" r:id="rId22"/>
     <p:sldId id="291" r:id="rId23"/>
+    <p:sldId id="295" r:id="rId24"/>
   </p:sldIdLst>
   <p:sldSz cx="12192000" cy="6858000"/>
   <p:notesSz cx="6858000" cy="9144000"/>
@@ -3750,8 +3751,16 @@
           <a:lstStyle/>
           <a:p>
             <a:r>
-              <a:rPr lang="de-DE"/>
-              <a:t>Mark Broderius, Christoph Schmitz, Jan</a:t>
+              <a:rPr lang="de-DE" dirty="0"/>
+              <a:t>Mark </a:t>
+            </a:r>
+            <a:r>
+              <a:rPr lang="de-DE" dirty="0" err="1"/>
+              <a:t>Broderius</a:t>
+            </a:r>
+            <a:r>
+              <a:rPr lang="de-DE" dirty="0"/>
+              <a:t>, Christoph Schmitz, Jan Kühling</a:t>
             </a:r>
           </a:p>
         </p:txBody>
@@ -4190,8 +4199,16 @@
           <a:lstStyle/>
           <a:p>
             <a:r>
-              <a:rPr lang="de-DE"/>
-              <a:t>Mark Broderius, Christoph Schmitz, Jan</a:t>
+              <a:rPr lang="de-DE" dirty="0"/>
+              <a:t>Mark </a:t>
+            </a:r>
+            <a:r>
+              <a:rPr lang="de-DE" dirty="0" err="1"/>
+              <a:t>Broderius</a:t>
+            </a:r>
+            <a:r>
+              <a:rPr lang="de-DE" dirty="0"/>
+              <a:t>, Christoph Schmitz, Jan Kühling</a:t>
             </a:r>
           </a:p>
         </p:txBody>
@@ -4674,8 +4691,16 @@
           <a:lstStyle/>
           <a:p>
             <a:r>
-              <a:rPr lang="de-DE"/>
-              <a:t>Mark Broderius, Christoph Schmitz, Jan</a:t>
+              <a:rPr lang="de-DE" dirty="0"/>
+              <a:t>Mark </a:t>
+            </a:r>
+            <a:r>
+              <a:rPr lang="de-DE" dirty="0" err="1"/>
+              <a:t>Broderius</a:t>
+            </a:r>
+            <a:r>
+              <a:rPr lang="de-DE" dirty="0"/>
+              <a:t>, Christoph Schmitz, Jan Kühling</a:t>
             </a:r>
           </a:p>
         </p:txBody>
@@ -5163,8 +5188,16 @@
           <a:lstStyle/>
           <a:p>
             <a:r>
-              <a:rPr lang="de-DE"/>
-              <a:t>Mark Broderius, Christoph Schmitz, Jan</a:t>
+              <a:rPr lang="de-DE" dirty="0"/>
+              <a:t>Mark </a:t>
+            </a:r>
+            <a:r>
+              <a:rPr lang="de-DE" dirty="0" err="1"/>
+              <a:t>Broderius</a:t>
+            </a:r>
+            <a:r>
+              <a:rPr lang="de-DE" dirty="0"/>
+              <a:t>, Christoph Schmitz, Jan Kühling</a:t>
             </a:r>
           </a:p>
         </p:txBody>
@@ -5620,8 +5653,16 @@
           <a:lstStyle/>
           <a:p>
             <a:r>
-              <a:rPr lang="de-DE"/>
-              <a:t>Mark Broderius, Christoph Schmitz, Jan</a:t>
+              <a:rPr lang="de-DE" dirty="0"/>
+              <a:t>Mark </a:t>
+            </a:r>
+            <a:r>
+              <a:rPr lang="de-DE" dirty="0" err="1"/>
+              <a:t>Broderius</a:t>
+            </a:r>
+            <a:r>
+              <a:rPr lang="de-DE" dirty="0"/>
+              <a:t>, Christoph Schmitz, Jan Kühling</a:t>
             </a:r>
           </a:p>
         </p:txBody>
@@ -5956,8 +5997,16 @@
           <a:lstStyle/>
           <a:p>
             <a:r>
-              <a:rPr lang="de-DE"/>
-              <a:t>Mark Broderius, Christoph Schmitz, Jan</a:t>
+              <a:rPr lang="de-DE" dirty="0"/>
+              <a:t>Mark </a:t>
+            </a:r>
+            <a:r>
+              <a:rPr lang="de-DE" dirty="0" err="1"/>
+              <a:t>Broderius</a:t>
+            </a:r>
+            <a:r>
+              <a:rPr lang="de-DE" dirty="0"/>
+              <a:t>, Christoph Schmitz, Jan Kühling</a:t>
             </a:r>
           </a:p>
         </p:txBody>
@@ -6043,11 +6092,14 @@
           <a:bodyPr/>
           <a:lstStyle/>
           <a:p>
-            <a:endParaRPr lang="de-DE" dirty="0">
-              <a:solidFill>
-                <a:schemeClr val="bg1"/>
-              </a:solidFill>
-            </a:endParaRPr>
+            <a:r>
+              <a:rPr lang="de-DE" dirty="0">
+                <a:solidFill>
+                  <a:schemeClr val="bg1"/>
+                </a:solidFill>
+              </a:rPr>
+              <a:t>Ausblick View</a:t>
+            </a:r>
           </a:p>
         </p:txBody>
       </p:sp>
@@ -6161,6 +6213,90 @@
           </a:bodyPr>
           <a:lstStyle/>
           <a:p>
+            <a:r>
+              <a:rPr lang="de-DE" sz="3600" dirty="0">
+                <a:solidFill>
+                  <a:schemeClr val="bg1"/>
+                </a:solidFill>
+              </a:rPr>
+              <a:t>„Natives“ Erlebnis:</a:t>
+            </a:r>
+          </a:p>
+          <a:p>
+            <a:pPr marL="0" indent="0">
+              <a:buNone/>
+            </a:pPr>
+            <a:r>
+              <a:rPr lang="de-DE" sz="3600" dirty="0">
+                <a:solidFill>
+                  <a:schemeClr val="bg1"/>
+                </a:solidFill>
+                <a:sym typeface="Wingdings" panose="05000000000000000000" pitchFamily="2" charset="2"/>
+              </a:rPr>
+              <a:t>	</a:t>
+            </a:r>
+            <a:r>
+              <a:rPr lang="de-DE" sz="3600" dirty="0">
+                <a:solidFill>
+                  <a:schemeClr val="bg1"/>
+                </a:solidFill>
+              </a:rPr>
+              <a:t>Volle Skalierbarkeit</a:t>
+            </a:r>
+          </a:p>
+          <a:p>
+            <a:pPr marL="0" indent="0">
+              <a:buNone/>
+            </a:pPr>
+            <a:r>
+              <a:rPr lang="de-DE" sz="3600" dirty="0">
+                <a:solidFill>
+                  <a:schemeClr val="bg1"/>
+                </a:solidFill>
+                <a:sym typeface="Wingdings" panose="05000000000000000000" pitchFamily="2" charset="2"/>
+              </a:rPr>
+              <a:t>	</a:t>
+            </a:r>
+            <a:r>
+              <a:rPr lang="de-DE" sz="3600" dirty="0">
+                <a:solidFill>
+                  <a:schemeClr val="bg1"/>
+                </a:solidFill>
+              </a:rPr>
+              <a:t>Button Skaliert mit Fenstergröße</a:t>
+            </a:r>
+          </a:p>
+          <a:p>
+            <a:pPr marL="0" indent="0">
+              <a:buNone/>
+            </a:pPr>
+            <a:r>
+              <a:rPr lang="de-DE" sz="3600" dirty="0">
+                <a:solidFill>
+                  <a:schemeClr val="bg1"/>
+                </a:solidFill>
+                <a:sym typeface="Wingdings" panose="05000000000000000000" pitchFamily="2" charset="2"/>
+              </a:rPr>
+              <a:t>	</a:t>
+            </a:r>
+            <a:r>
+              <a:rPr lang="de-DE" sz="3600" dirty="0" err="1">
+                <a:solidFill>
+                  <a:schemeClr val="bg1"/>
+                </a:solidFill>
+              </a:rPr>
+              <a:t>Hover</a:t>
+            </a:r>
+            <a:r>
+              <a:rPr lang="de-DE" sz="3600" dirty="0">
+                <a:solidFill>
+                  <a:schemeClr val="bg1"/>
+                </a:solidFill>
+              </a:rPr>
+              <a:t> Events </a:t>
+            </a:r>
+          </a:p>
+          <a:p>
             <a:endParaRPr lang="de-DE" dirty="0">
               <a:solidFill>
                 <a:schemeClr val="bg1"/>
@@ -6169,51 +6305,15 @@
           </a:p>
         </p:txBody>
       </p:sp>
-      <p:pic>
-        <p:nvPicPr>
-          <p:cNvPr id="10" name="Inhaltsplatzhalter 6">
+      <p:sp>
+        <p:nvSpPr>
+          <p:cNvPr id="3" name="Datumsplatzhalter 2">
             <a:extLst>
               <a:ext uri="{FF2B5EF4-FFF2-40B4-BE49-F238E27FC236}">
-                <a16:creationId xmlns:a16="http://schemas.microsoft.com/office/drawing/2014/main" id="{C18A15EB-59F9-4166-993F-E86986A921B7}"/>
+                <a16:creationId xmlns:a16="http://schemas.microsoft.com/office/drawing/2014/main" id="{049E495D-F461-44CB-901F-9473DCC88EAE}"/>
               </a:ext>
             </a:extLst>
           </p:cNvPr>
-          <p:cNvPicPr>
-            <a:picLocks noChangeAspect="1"/>
-          </p:cNvPicPr>
-          <p:nvPr/>
-        </p:nvPicPr>
-        <p:blipFill>
-          <a:blip r:embed="rId3">
-            <a:extLst>
-              <a:ext uri="{28A0092B-C50C-407E-A947-70E740481C1C}">
-                <a14:useLocalDpi xmlns:a14="http://schemas.microsoft.com/office/drawing/2010/main" val="0"/>
-              </a:ext>
-            </a:extLst>
-          </a:blip>
-          <a:stretch>
-            <a:fillRect/>
-          </a:stretch>
-        </p:blipFill>
-        <p:spPr>
-          <a:xfrm>
-            <a:off x="1512957" y="-501650"/>
-            <a:ext cx="9166086" cy="6858000"/>
-          </a:xfrm>
-          <a:prstGeom prst="rect">
-            <a:avLst/>
-          </a:prstGeom>
-        </p:spPr>
-      </p:pic>
-      <p:sp>
-        <p:nvSpPr>
-          <p:cNvPr id="3" name="Datumsplatzhalter 2">
-            <a:extLst>
-              <a:ext uri="{FF2B5EF4-FFF2-40B4-BE49-F238E27FC236}">
-                <a16:creationId xmlns:a16="http://schemas.microsoft.com/office/drawing/2014/main" id="{1915E77F-055F-4A34-A6A9-2069CBAF82AA}"/>
-              </a:ext>
-            </a:extLst>
-          </p:cNvPr>
           <p:cNvSpPr>
             <a:spLocks noGrp="1"/>
           </p:cNvSpPr>
@@ -6226,7 +6326,7 @@
           <a:bodyPr/>
           <a:lstStyle/>
           <a:p>
-            <a:fld id="{594B9E81-DBB7-462C-89B3-5086E28AA347}" type="datetime1">
+            <a:fld id="{43B114EF-EBD4-418A-929A-6858217C79BF}" type="datetime1">
               <a:rPr lang="de-DE" smtClean="0"/>
               <a:t>20.11.2019</a:t>
             </a:fld>
@@ -6239,7 +6339,7 @@
           <p:cNvPr id="5" name="Fußzeilenplatzhalter 4">
             <a:extLst>
               <a:ext uri="{FF2B5EF4-FFF2-40B4-BE49-F238E27FC236}">
-                <a16:creationId xmlns:a16="http://schemas.microsoft.com/office/drawing/2014/main" id="{BAA9AEBD-6D91-4176-9A4A-C2CE4CAFD8FD}"/>
+                <a16:creationId xmlns:a16="http://schemas.microsoft.com/office/drawing/2014/main" id="{3A796541-92C9-44B7-81F5-2A0EADBAD5D5}"/>
               </a:ext>
             </a:extLst>
           </p:cNvPr>
@@ -6256,8 +6356,16 @@
           <a:lstStyle/>
           <a:p>
             <a:r>
-              <a:rPr lang="de-DE"/>
-              <a:t>Mark Broderius, Christoph Schmitz, Jan</a:t>
+              <a:rPr lang="de-DE" dirty="0"/>
+              <a:t>Mark </a:t>
+            </a:r>
+            <a:r>
+              <a:rPr lang="de-DE" dirty="0" err="1"/>
+              <a:t>Broderius</a:t>
+            </a:r>
+            <a:r>
+              <a:rPr lang="de-DE" dirty="0"/>
+              <a:t>, Christoph Schmitz, Jan Kühling</a:t>
             </a:r>
           </a:p>
         </p:txBody>
@@ -6265,7 +6373,7 @@
     </p:spTree>
     <p:extLst>
       <p:ext uri="{BB962C8B-B14F-4D97-AF65-F5344CB8AC3E}">
-        <p14:creationId xmlns:p14="http://schemas.microsoft.com/office/powerpoint/2010/main" val="1802687124"/>
+        <p14:creationId xmlns:p14="http://schemas.microsoft.com/office/powerpoint/2010/main" val="3822694312"/>
       </p:ext>
     </p:extLst>
   </p:cSld>
@@ -6471,10 +6579,10 @@
       </p:sp>
       <p:pic>
         <p:nvPicPr>
-          <p:cNvPr id="9" name="Inhaltsplatzhalter 9">
+          <p:cNvPr id="10" name="Inhaltsplatzhalter 6">
             <a:extLst>
               <a:ext uri="{FF2B5EF4-FFF2-40B4-BE49-F238E27FC236}">
-                <a16:creationId xmlns:a16="http://schemas.microsoft.com/office/drawing/2014/main" id="{71F7245E-DFB1-4545-8C8C-9B385713ACB0}"/>
+                <a16:creationId xmlns:a16="http://schemas.microsoft.com/office/drawing/2014/main" id="{C18A15EB-59F9-4166-993F-E86986A921B7}"/>
               </a:ext>
             </a:extLst>
           </p:cNvPr>
@@ -6497,8 +6605,8 @@
         </p:blipFill>
         <p:spPr>
           <a:xfrm>
-            <a:off x="1517374" y="-505880"/>
-            <a:ext cx="9157251" cy="6862230"/>
+            <a:off x="1512957" y="-501650"/>
+            <a:ext cx="9166086" cy="6858000"/>
           </a:xfrm>
           <a:prstGeom prst="rect">
             <a:avLst/>
@@ -6510,7 +6618,7 @@
           <p:cNvPr id="3" name="Datumsplatzhalter 2">
             <a:extLst>
               <a:ext uri="{FF2B5EF4-FFF2-40B4-BE49-F238E27FC236}">
-                <a16:creationId xmlns:a16="http://schemas.microsoft.com/office/drawing/2014/main" id="{EA3FA61A-8D78-4A39-AA92-17B5698641DF}"/>
+                <a16:creationId xmlns:a16="http://schemas.microsoft.com/office/drawing/2014/main" id="{1915E77F-055F-4A34-A6A9-2069CBAF82AA}"/>
               </a:ext>
             </a:extLst>
           </p:cNvPr>
@@ -6526,7 +6634,7 @@
           <a:bodyPr/>
           <a:lstStyle/>
           <a:p>
-            <a:fld id="{3AD663A9-1A6B-49B3-994B-3DA735F11338}" type="datetime1">
+            <a:fld id="{594B9E81-DBB7-462C-89B3-5086E28AA347}" type="datetime1">
               <a:rPr lang="de-DE" smtClean="0"/>
               <a:t>20.11.2019</a:t>
             </a:fld>
@@ -6539,7 +6647,7 @@
           <p:cNvPr id="5" name="Fußzeilenplatzhalter 4">
             <a:extLst>
               <a:ext uri="{FF2B5EF4-FFF2-40B4-BE49-F238E27FC236}">
-                <a16:creationId xmlns:a16="http://schemas.microsoft.com/office/drawing/2014/main" id="{3D9BCA1C-A17F-4F27-B66F-3A425EBBD843}"/>
+                <a16:creationId xmlns:a16="http://schemas.microsoft.com/office/drawing/2014/main" id="{BAA9AEBD-6D91-4176-9A4A-C2CE4CAFD8FD}"/>
               </a:ext>
             </a:extLst>
           </p:cNvPr>
@@ -6556,8 +6664,16 @@
           <a:lstStyle/>
           <a:p>
             <a:r>
-              <a:rPr lang="de-DE"/>
-              <a:t>Mark Broderius, Christoph Schmitz, Jan</a:t>
+              <a:rPr lang="de-DE" dirty="0"/>
+              <a:t>Mark </a:t>
+            </a:r>
+            <a:r>
+              <a:rPr lang="de-DE" dirty="0" err="1"/>
+              <a:t>Broderius</a:t>
+            </a:r>
+            <a:r>
+              <a:rPr lang="de-DE" dirty="0"/>
+              <a:t>, Christoph Schmitz, Jan Kühling</a:t>
             </a:r>
           </a:p>
         </p:txBody>
@@ -6565,7 +6681,7 @@
     </p:spTree>
     <p:extLst>
       <p:ext uri="{BB962C8B-B14F-4D97-AF65-F5344CB8AC3E}">
-        <p14:creationId xmlns:p14="http://schemas.microsoft.com/office/powerpoint/2010/main" val="2282028923"/>
+        <p14:creationId xmlns:p14="http://schemas.microsoft.com/office/powerpoint/2010/main" val="1802687124"/>
       </p:ext>
     </p:extLst>
   </p:cSld>
@@ -6771,10 +6887,10 @@
       </p:sp>
       <p:pic>
         <p:nvPicPr>
-          <p:cNvPr id="10" name="Inhaltsplatzhalter 19">
+          <p:cNvPr id="9" name="Inhaltsplatzhalter 9">
             <a:extLst>
               <a:ext uri="{FF2B5EF4-FFF2-40B4-BE49-F238E27FC236}">
-                <a16:creationId xmlns:a16="http://schemas.microsoft.com/office/drawing/2014/main" id="{9D9E14FC-DA19-4BC7-B850-0922CEC8341F}"/>
+                <a16:creationId xmlns:a16="http://schemas.microsoft.com/office/drawing/2014/main" id="{71F7245E-DFB1-4545-8C8C-9B385713ACB0}"/>
               </a:ext>
             </a:extLst>
           </p:cNvPr>
@@ -6797,8 +6913,8 @@
         </p:blipFill>
         <p:spPr>
           <a:xfrm>
-            <a:off x="1521791" y="-542290"/>
-            <a:ext cx="9148417" cy="6898640"/>
+            <a:off x="1517374" y="-505880"/>
+            <a:ext cx="9157251" cy="6862230"/>
           </a:xfrm>
           <a:prstGeom prst="rect">
             <a:avLst/>
@@ -6810,7 +6926,7 @@
           <p:cNvPr id="3" name="Datumsplatzhalter 2">
             <a:extLst>
               <a:ext uri="{FF2B5EF4-FFF2-40B4-BE49-F238E27FC236}">
-                <a16:creationId xmlns:a16="http://schemas.microsoft.com/office/drawing/2014/main" id="{6679DA6E-0BDD-4510-BC10-2E98C3EAC0E5}"/>
+                <a16:creationId xmlns:a16="http://schemas.microsoft.com/office/drawing/2014/main" id="{EA3FA61A-8D78-4A39-AA92-17B5698641DF}"/>
               </a:ext>
             </a:extLst>
           </p:cNvPr>
@@ -6826,7 +6942,7 @@
           <a:bodyPr/>
           <a:lstStyle/>
           <a:p>
-            <a:fld id="{53F9EB7F-89EA-4D61-8B93-98EF2141B7D8}" type="datetime1">
+            <a:fld id="{3AD663A9-1A6B-49B3-994B-3DA735F11338}" type="datetime1">
               <a:rPr lang="de-DE" smtClean="0"/>
               <a:t>20.11.2019</a:t>
             </a:fld>
@@ -6839,7 +6955,7 @@
           <p:cNvPr id="5" name="Fußzeilenplatzhalter 4">
             <a:extLst>
               <a:ext uri="{FF2B5EF4-FFF2-40B4-BE49-F238E27FC236}">
-                <a16:creationId xmlns:a16="http://schemas.microsoft.com/office/drawing/2014/main" id="{5DD06862-C136-4BD5-946A-E2996B3A0A5D}"/>
+                <a16:creationId xmlns:a16="http://schemas.microsoft.com/office/drawing/2014/main" id="{3D9BCA1C-A17F-4F27-B66F-3A425EBBD843}"/>
               </a:ext>
             </a:extLst>
           </p:cNvPr>
@@ -6856,8 +6972,16 @@
           <a:lstStyle/>
           <a:p>
             <a:r>
-              <a:rPr lang="de-DE"/>
-              <a:t>Mark Broderius, Christoph Schmitz, Jan</a:t>
+              <a:rPr lang="de-DE" dirty="0"/>
+              <a:t>Mark </a:t>
+            </a:r>
+            <a:r>
+              <a:rPr lang="de-DE" dirty="0" err="1"/>
+              <a:t>Broderius</a:t>
+            </a:r>
+            <a:r>
+              <a:rPr lang="de-DE" dirty="0"/>
+              <a:t>, Christoph Schmitz, Jan Kühling</a:t>
             </a:r>
           </a:p>
         </p:txBody>
@@ -6865,7 +6989,7 @@
     </p:spTree>
     <p:extLst>
       <p:ext uri="{BB962C8B-B14F-4D97-AF65-F5344CB8AC3E}">
-        <p14:creationId xmlns:p14="http://schemas.microsoft.com/office/powerpoint/2010/main" val="2524037241"/>
+        <p14:creationId xmlns:p14="http://schemas.microsoft.com/office/powerpoint/2010/main" val="2282028923"/>
       </p:ext>
     </p:extLst>
   </p:cSld>
@@ -6943,14 +7067,11 @@
           <a:bodyPr/>
           <a:lstStyle/>
           <a:p>
-            <a:r>
-              <a:rPr lang="de-DE" dirty="0">
-                <a:solidFill>
-                  <a:schemeClr val="bg1"/>
-                </a:solidFill>
-              </a:rPr>
-              <a:t>Button Darstellung</a:t>
-            </a:r>
+            <a:endParaRPr lang="de-DE" dirty="0">
+              <a:solidFill>
+                <a:schemeClr val="bg1"/>
+              </a:solidFill>
+            </a:endParaRPr>
           </a:p>
         </p:txBody>
       </p:sp>
@@ -7074,10 +7195,10 @@
       </p:sp>
       <p:pic>
         <p:nvPicPr>
-          <p:cNvPr id="9" name="Inhaltsplatzhalter 8">
+          <p:cNvPr id="10" name="Inhaltsplatzhalter 19">
             <a:extLst>
               <a:ext uri="{FF2B5EF4-FFF2-40B4-BE49-F238E27FC236}">
-                <a16:creationId xmlns:a16="http://schemas.microsoft.com/office/drawing/2014/main" id="{B57FCB14-8D5C-4F2B-BE03-9F8796EE3DC0}"/>
+                <a16:creationId xmlns:a16="http://schemas.microsoft.com/office/drawing/2014/main" id="{9D9E14FC-DA19-4BC7-B850-0922CEC8341F}"/>
               </a:ext>
             </a:extLst>
           </p:cNvPr>
@@ -7100,8 +7221,8 @@
         </p:blipFill>
         <p:spPr>
           <a:xfrm>
-            <a:off x="838201" y="1824037"/>
-            <a:ext cx="9805416" cy="4249902"/>
+            <a:off x="1521791" y="-542290"/>
+            <a:ext cx="9148417" cy="6898640"/>
           </a:xfrm>
           <a:prstGeom prst="rect">
             <a:avLst/>
@@ -7113,7 +7234,7 @@
           <p:cNvPr id="3" name="Datumsplatzhalter 2">
             <a:extLst>
               <a:ext uri="{FF2B5EF4-FFF2-40B4-BE49-F238E27FC236}">
-                <a16:creationId xmlns:a16="http://schemas.microsoft.com/office/drawing/2014/main" id="{C91C7652-28D8-426A-AC54-FB083FCED6CC}"/>
+                <a16:creationId xmlns:a16="http://schemas.microsoft.com/office/drawing/2014/main" id="{6679DA6E-0BDD-4510-BC10-2E98C3EAC0E5}"/>
               </a:ext>
             </a:extLst>
           </p:cNvPr>
@@ -7129,7 +7250,7 @@
           <a:bodyPr/>
           <a:lstStyle/>
           <a:p>
-            <a:fld id="{C461C617-D591-478C-965A-BC5AC732F788}" type="datetime1">
+            <a:fld id="{53F9EB7F-89EA-4D61-8B93-98EF2141B7D8}" type="datetime1">
               <a:rPr lang="de-DE" smtClean="0"/>
               <a:t>20.11.2019</a:t>
             </a:fld>
@@ -7142,7 +7263,7 @@
           <p:cNvPr id="5" name="Fußzeilenplatzhalter 4">
             <a:extLst>
               <a:ext uri="{FF2B5EF4-FFF2-40B4-BE49-F238E27FC236}">
-                <a16:creationId xmlns:a16="http://schemas.microsoft.com/office/drawing/2014/main" id="{446F25EB-410D-4A62-8EA2-AF0CF84BDF7A}"/>
+                <a16:creationId xmlns:a16="http://schemas.microsoft.com/office/drawing/2014/main" id="{5DD06862-C136-4BD5-946A-E2996B3A0A5D}"/>
               </a:ext>
             </a:extLst>
           </p:cNvPr>
@@ -7159,8 +7280,16 @@
           <a:lstStyle/>
           <a:p>
             <a:r>
-              <a:rPr lang="de-DE"/>
-              <a:t>Mark Broderius, Christoph Schmitz, Jan</a:t>
+              <a:rPr lang="de-DE" dirty="0"/>
+              <a:t>Mark </a:t>
+            </a:r>
+            <a:r>
+              <a:rPr lang="de-DE" dirty="0" err="1"/>
+              <a:t>Broderius</a:t>
+            </a:r>
+            <a:r>
+              <a:rPr lang="de-DE" dirty="0"/>
+              <a:t>, Christoph Schmitz, Jan Kühling</a:t>
             </a:r>
           </a:p>
         </p:txBody>
@@ -7168,7 +7297,7 @@
     </p:spTree>
     <p:extLst>
       <p:ext uri="{BB962C8B-B14F-4D97-AF65-F5344CB8AC3E}">
-        <p14:creationId xmlns:p14="http://schemas.microsoft.com/office/powerpoint/2010/main" val="3880874081"/>
+        <p14:creationId xmlns:p14="http://schemas.microsoft.com/office/powerpoint/2010/main" val="2524037241"/>
       </p:ext>
     </p:extLst>
   </p:cSld>
@@ -7498,8 +7627,16 @@
           <a:lstStyle/>
           <a:p>
             <a:r>
-              <a:rPr lang="de-DE"/>
-              <a:t>Mark Broderius, Christoph Schmitz, Jan</a:t>
+              <a:rPr lang="de-DE" dirty="0"/>
+              <a:t>Mark </a:t>
+            </a:r>
+            <a:r>
+              <a:rPr lang="de-DE" dirty="0" err="1"/>
+              <a:t>Broderius</a:t>
+            </a:r>
+            <a:r>
+              <a:rPr lang="de-DE" dirty="0"/>
+              <a:t>, Christoph Schmitz, Jan Kühling</a:t>
             </a:r>
           </a:p>
         </p:txBody>
@@ -7651,7 +7788,7 @@
           <a:lstStyle/>
           <a:p>
             <a:pPr algn="ctr"/>
-            <a:endParaRPr lang="de-DE" dirty="0"/>
+            <a:endParaRPr lang="de-DE"/>
           </a:p>
         </p:txBody>
       </p:sp>
@@ -7716,10 +7853,10 @@
       </p:sp>
       <p:pic>
         <p:nvPicPr>
-          <p:cNvPr id="10" name="Inhaltsplatzhalter 6">
+          <p:cNvPr id="9" name="Inhaltsplatzhalter 8">
             <a:extLst>
               <a:ext uri="{FF2B5EF4-FFF2-40B4-BE49-F238E27FC236}">
-                <a16:creationId xmlns:a16="http://schemas.microsoft.com/office/drawing/2014/main" id="{47F8187D-6A40-43BA-91A5-0FF6E94956D3}"/>
+                <a16:creationId xmlns:a16="http://schemas.microsoft.com/office/drawing/2014/main" id="{B57FCB14-8D5C-4F2B-BE03-9F8796EE3DC0}"/>
               </a:ext>
             </a:extLst>
           </p:cNvPr>
@@ -7742,8 +7879,8 @@
         </p:blipFill>
         <p:spPr>
           <a:xfrm>
-            <a:off x="3685343" y="1825625"/>
-            <a:ext cx="4821314" cy="4351338"/>
+            <a:off x="838201" y="1824037"/>
+            <a:ext cx="9805416" cy="4249902"/>
           </a:xfrm>
           <a:prstGeom prst="rect">
             <a:avLst/>
@@ -7755,7 +7892,7 @@
           <p:cNvPr id="3" name="Datumsplatzhalter 2">
             <a:extLst>
               <a:ext uri="{FF2B5EF4-FFF2-40B4-BE49-F238E27FC236}">
-                <a16:creationId xmlns:a16="http://schemas.microsoft.com/office/drawing/2014/main" id="{D945C9A5-492F-4991-8311-8C15FCAE3814}"/>
+                <a16:creationId xmlns:a16="http://schemas.microsoft.com/office/drawing/2014/main" id="{C91C7652-28D8-426A-AC54-FB083FCED6CC}"/>
               </a:ext>
             </a:extLst>
           </p:cNvPr>
@@ -7771,7 +7908,7 @@
           <a:bodyPr/>
           <a:lstStyle/>
           <a:p>
-            <a:fld id="{2787AD28-65B2-49BA-BC82-07FA41080DFC}" type="datetime1">
+            <a:fld id="{C461C617-D591-478C-965A-BC5AC732F788}" type="datetime1">
               <a:rPr lang="de-DE" smtClean="0"/>
               <a:t>20.11.2019</a:t>
             </a:fld>
@@ -7784,7 +7921,7 @@
           <p:cNvPr id="5" name="Fußzeilenplatzhalter 4">
             <a:extLst>
               <a:ext uri="{FF2B5EF4-FFF2-40B4-BE49-F238E27FC236}">
-                <a16:creationId xmlns:a16="http://schemas.microsoft.com/office/drawing/2014/main" id="{D220AC3D-0129-4323-9F8E-9D8505194C80}"/>
+                <a16:creationId xmlns:a16="http://schemas.microsoft.com/office/drawing/2014/main" id="{446F25EB-410D-4A62-8EA2-AF0CF84BDF7A}"/>
               </a:ext>
             </a:extLst>
           </p:cNvPr>
@@ -7801,8 +7938,16 @@
           <a:lstStyle/>
           <a:p>
             <a:r>
-              <a:rPr lang="de-DE"/>
-              <a:t>Mark Broderius, Christoph Schmitz, Jan</a:t>
+              <a:rPr lang="de-DE" dirty="0"/>
+              <a:t>Mark </a:t>
+            </a:r>
+            <a:r>
+              <a:rPr lang="de-DE" dirty="0" err="1"/>
+              <a:t>Broderius</a:t>
+            </a:r>
+            <a:r>
+              <a:rPr lang="de-DE" dirty="0"/>
+              <a:t>, Christoph Schmitz, Jan Kühling</a:t>
             </a:r>
           </a:p>
         </p:txBody>
@@ -7810,7 +7955,7 @@
     </p:spTree>
     <p:extLst>
       <p:ext uri="{BB962C8B-B14F-4D97-AF65-F5344CB8AC3E}">
-        <p14:creationId xmlns:p14="http://schemas.microsoft.com/office/powerpoint/2010/main" val="3478410120"/>
+        <p14:creationId xmlns:p14="http://schemas.microsoft.com/office/powerpoint/2010/main" val="3880874081"/>
       </p:ext>
     </p:extLst>
   </p:cSld>
@@ -7894,7 +8039,7 @@
                   <a:schemeClr val="bg1"/>
                 </a:solidFill>
               </a:rPr>
-              <a:t>Ausblick View</a:t>
+              <a:t>Button Darstellung</a:t>
             </a:r>
           </a:p>
         </p:txBody>
@@ -7954,7 +8099,7 @@
           <a:lstStyle/>
           <a:p>
             <a:pPr algn="ctr"/>
-            <a:endParaRPr lang="de-DE"/>
+            <a:endParaRPr lang="de-DE" dirty="0"/>
           </a:p>
         </p:txBody>
       </p:sp>
@@ -8009,90 +8154,6 @@
           </a:bodyPr>
           <a:lstStyle/>
           <a:p>
-            <a:r>
-              <a:rPr lang="de-DE" sz="3600" dirty="0">
-                <a:solidFill>
-                  <a:schemeClr val="bg1"/>
-                </a:solidFill>
-              </a:rPr>
-              <a:t>Natives Erlebnis:</a:t>
-            </a:r>
-          </a:p>
-          <a:p>
-            <a:pPr marL="0" indent="0">
-              <a:buNone/>
-            </a:pPr>
-            <a:r>
-              <a:rPr lang="de-DE" sz="3600" dirty="0">
-                <a:solidFill>
-                  <a:schemeClr val="bg1"/>
-                </a:solidFill>
-                <a:sym typeface="Wingdings" panose="05000000000000000000" pitchFamily="2" charset="2"/>
-              </a:rPr>
-              <a:t>	</a:t>
-            </a:r>
-            <a:r>
-              <a:rPr lang="de-DE" sz="3600" dirty="0">
-                <a:solidFill>
-                  <a:schemeClr val="bg1"/>
-                </a:solidFill>
-              </a:rPr>
-              <a:t>Volle Skalierbarkeit</a:t>
-            </a:r>
-          </a:p>
-          <a:p>
-            <a:pPr marL="0" indent="0">
-              <a:buNone/>
-            </a:pPr>
-            <a:r>
-              <a:rPr lang="de-DE" sz="3600" dirty="0">
-                <a:solidFill>
-                  <a:schemeClr val="bg1"/>
-                </a:solidFill>
-                <a:sym typeface="Wingdings" panose="05000000000000000000" pitchFamily="2" charset="2"/>
-              </a:rPr>
-              <a:t>	</a:t>
-            </a:r>
-            <a:r>
-              <a:rPr lang="de-DE" sz="3600" dirty="0">
-                <a:solidFill>
-                  <a:schemeClr val="bg1"/>
-                </a:solidFill>
-              </a:rPr>
-              <a:t>Button Skaliert mit Fenstergröße</a:t>
-            </a:r>
-          </a:p>
-          <a:p>
-            <a:pPr marL="0" indent="0">
-              <a:buNone/>
-            </a:pPr>
-            <a:r>
-              <a:rPr lang="de-DE" sz="3600" dirty="0">
-                <a:solidFill>
-                  <a:schemeClr val="bg1"/>
-                </a:solidFill>
-                <a:sym typeface="Wingdings" panose="05000000000000000000" pitchFamily="2" charset="2"/>
-              </a:rPr>
-              <a:t>	</a:t>
-            </a:r>
-            <a:r>
-              <a:rPr lang="de-DE" sz="3600" dirty="0" err="1">
-                <a:solidFill>
-                  <a:schemeClr val="bg1"/>
-                </a:solidFill>
-              </a:rPr>
-              <a:t>Hover</a:t>
-            </a:r>
-            <a:r>
-              <a:rPr lang="de-DE" sz="3600" dirty="0">
-                <a:solidFill>
-                  <a:schemeClr val="bg1"/>
-                </a:solidFill>
-              </a:rPr>
-              <a:t> Events </a:t>
-            </a:r>
-          </a:p>
-          <a:p>
             <a:endParaRPr lang="de-DE" dirty="0">
               <a:solidFill>
                 <a:schemeClr val="bg1"/>
@@ -8101,12 +8162,48 @@
           </a:p>
         </p:txBody>
       </p:sp>
+      <p:pic>
+        <p:nvPicPr>
+          <p:cNvPr id="10" name="Inhaltsplatzhalter 6">
+            <a:extLst>
+              <a:ext uri="{FF2B5EF4-FFF2-40B4-BE49-F238E27FC236}">
+                <a16:creationId xmlns:a16="http://schemas.microsoft.com/office/drawing/2014/main" id="{47F8187D-6A40-43BA-91A5-0FF6E94956D3}"/>
+              </a:ext>
+            </a:extLst>
+          </p:cNvPr>
+          <p:cNvPicPr>
+            <a:picLocks noChangeAspect="1"/>
+          </p:cNvPicPr>
+          <p:nvPr/>
+        </p:nvPicPr>
+        <p:blipFill>
+          <a:blip r:embed="rId3">
+            <a:extLst>
+              <a:ext uri="{28A0092B-C50C-407E-A947-70E740481C1C}">
+                <a14:useLocalDpi xmlns:a14="http://schemas.microsoft.com/office/drawing/2010/main" val="0"/>
+              </a:ext>
+            </a:extLst>
+          </a:blip>
+          <a:stretch>
+            <a:fillRect/>
+          </a:stretch>
+        </p:blipFill>
+        <p:spPr>
+          <a:xfrm>
+            <a:off x="3685343" y="1825625"/>
+            <a:ext cx="4821314" cy="4351338"/>
+          </a:xfrm>
+          <a:prstGeom prst="rect">
+            <a:avLst/>
+          </a:prstGeom>
+        </p:spPr>
+      </p:pic>
       <p:sp>
         <p:nvSpPr>
           <p:cNvPr id="3" name="Datumsplatzhalter 2">
             <a:extLst>
               <a:ext uri="{FF2B5EF4-FFF2-40B4-BE49-F238E27FC236}">
-                <a16:creationId xmlns:a16="http://schemas.microsoft.com/office/drawing/2014/main" id="{049E495D-F461-44CB-901F-9473DCC88EAE}"/>
+                <a16:creationId xmlns:a16="http://schemas.microsoft.com/office/drawing/2014/main" id="{D945C9A5-492F-4991-8311-8C15FCAE3814}"/>
               </a:ext>
             </a:extLst>
           </p:cNvPr>
@@ -8122,7 +8219,7 @@
           <a:bodyPr/>
           <a:lstStyle/>
           <a:p>
-            <a:fld id="{43B114EF-EBD4-418A-929A-6858217C79BF}" type="datetime1">
+            <a:fld id="{2787AD28-65B2-49BA-BC82-07FA41080DFC}" type="datetime1">
               <a:rPr lang="de-DE" smtClean="0"/>
               <a:t>20.11.2019</a:t>
             </a:fld>
@@ -8135,7 +8232,7 @@
           <p:cNvPr id="5" name="Fußzeilenplatzhalter 4">
             <a:extLst>
               <a:ext uri="{FF2B5EF4-FFF2-40B4-BE49-F238E27FC236}">
-                <a16:creationId xmlns:a16="http://schemas.microsoft.com/office/drawing/2014/main" id="{3A796541-92C9-44B7-81F5-2A0EADBAD5D5}"/>
+                <a16:creationId xmlns:a16="http://schemas.microsoft.com/office/drawing/2014/main" id="{D220AC3D-0129-4323-9F8E-9D8505194C80}"/>
               </a:ext>
             </a:extLst>
           </p:cNvPr>
@@ -8152,8 +8249,16 @@
           <a:lstStyle/>
           <a:p>
             <a:r>
-              <a:rPr lang="de-DE"/>
-              <a:t>Mark Broderius, Christoph Schmitz, Jan</a:t>
+              <a:rPr lang="de-DE" dirty="0"/>
+              <a:t>Mark </a:t>
+            </a:r>
+            <a:r>
+              <a:rPr lang="de-DE" dirty="0" err="1"/>
+              <a:t>Broderius</a:t>
+            </a:r>
+            <a:r>
+              <a:rPr lang="de-DE" dirty="0"/>
+              <a:t>, Christoph Schmitz, Jan Kühling</a:t>
             </a:r>
           </a:p>
         </p:txBody>
@@ -8161,7 +8266,7 @@
     </p:spTree>
     <p:extLst>
       <p:ext uri="{BB962C8B-B14F-4D97-AF65-F5344CB8AC3E}">
-        <p14:creationId xmlns:p14="http://schemas.microsoft.com/office/powerpoint/2010/main" val="3822694312"/>
+        <p14:creationId xmlns:p14="http://schemas.microsoft.com/office/powerpoint/2010/main" val="3478410120"/>
       </p:ext>
     </p:extLst>
   </p:cSld>
@@ -8351,7 +8456,7 @@
         <p:spPr>
           <a:xfrm>
             <a:off x="838200" y="1825625"/>
-            <a:ext cx="8844280" cy="4351338"/>
+            <a:ext cx="4698534" cy="4351338"/>
           </a:xfrm>
         </p:spPr>
         <p:txBody>
@@ -8359,6 +8464,46 @@
             <a:normAutofit/>
           </a:bodyPr>
           <a:lstStyle/>
+          <a:p>
+            <a:pPr marL="571500" indent="-571500"/>
+            <a:r>
+              <a:rPr lang="de-DE" dirty="0">
+                <a:solidFill>
+                  <a:schemeClr val="bg1"/>
+                </a:solidFill>
+              </a:rPr>
+              <a:t>Team:</a:t>
+            </a:r>
+          </a:p>
+          <a:p>
+            <a:pPr marL="571500" indent="-571500">
+              <a:buFont typeface="Wingdings" panose="05000000000000000000" pitchFamily="2" charset="2"/>
+              <a:buChar char="à"/>
+            </a:pPr>
+            <a:r>
+              <a:rPr lang="de-DE" dirty="0">
+                <a:solidFill>
+                  <a:schemeClr val="bg1"/>
+                </a:solidFill>
+                <a:sym typeface="Wingdings" panose="05000000000000000000" pitchFamily="2" charset="2"/>
+              </a:rPr>
+              <a:t>Gute Kommunikation</a:t>
+            </a:r>
+          </a:p>
+          <a:p>
+            <a:pPr marL="571500" indent="-571500">
+              <a:buFont typeface="Wingdings" panose="05000000000000000000" pitchFamily="2" charset="2"/>
+              <a:buChar char="à"/>
+            </a:pPr>
+            <a:r>
+              <a:rPr lang="de-DE" dirty="0">
+                <a:solidFill>
+                  <a:schemeClr val="bg1"/>
+                </a:solidFill>
+              </a:rPr>
+              <a:t>Sehr viel gelernt</a:t>
+            </a:r>
+          </a:p>
           <a:p>
             <a:endParaRPr lang="de-DE" dirty="0">
               <a:solidFill>
@@ -8366,6 +8511,78 @@
               </a:solidFill>
             </a:endParaRPr>
           </a:p>
+          <a:p>
+            <a:pPr marL="571500" indent="-571500"/>
+            <a:r>
+              <a:rPr lang="de-DE" dirty="0">
+                <a:solidFill>
+                  <a:schemeClr val="bg1"/>
+                </a:solidFill>
+              </a:rPr>
+              <a:t>Spiel:</a:t>
+            </a:r>
+          </a:p>
+          <a:p>
+            <a:r>
+              <a:rPr lang="de-DE" dirty="0">
+                <a:solidFill>
+                  <a:schemeClr val="bg1"/>
+                </a:solidFill>
+                <a:sym typeface="Wingdings" panose="05000000000000000000" pitchFamily="2" charset="2"/>
+              </a:rPr>
+              <a:t></a:t>
+            </a:r>
+            <a:r>
+              <a:rPr lang="de-DE" dirty="0">
+                <a:solidFill>
+                  <a:schemeClr val="bg1"/>
+                </a:solidFill>
+              </a:rPr>
+              <a:t>Modular</a:t>
+            </a:r>
+          </a:p>
+          <a:p>
+            <a:r>
+              <a:rPr lang="de-DE" dirty="0">
+                <a:solidFill>
+                  <a:schemeClr val="bg1"/>
+                </a:solidFill>
+                <a:sym typeface="Wingdings" panose="05000000000000000000" pitchFamily="2" charset="2"/>
+              </a:rPr>
+              <a:t></a:t>
+            </a:r>
+            <a:r>
+              <a:rPr lang="de-DE" dirty="0">
+                <a:solidFill>
+                  <a:schemeClr val="bg1"/>
+                </a:solidFill>
+              </a:rPr>
+              <a:t>Entwicklerfreundlich</a:t>
+            </a:r>
+          </a:p>
+          <a:p>
+            <a:r>
+              <a:rPr lang="de-DE" dirty="0">
+                <a:solidFill>
+                  <a:schemeClr val="bg1"/>
+                </a:solidFill>
+                <a:sym typeface="Wingdings" panose="05000000000000000000" pitchFamily="2" charset="2"/>
+              </a:rPr>
+              <a:t>Benutzerfreundlichkeit</a:t>
+            </a:r>
+            <a:endParaRPr lang="de-DE" dirty="0">
+              <a:solidFill>
+                <a:schemeClr val="bg1"/>
+              </a:solidFill>
+            </a:endParaRPr>
+          </a:p>
+          <a:p>
+            <a:endParaRPr lang="de-DE" dirty="0">
+              <a:solidFill>
+                <a:schemeClr val="bg1"/>
+              </a:solidFill>
+            </a:endParaRPr>
+          </a:p>
         </p:txBody>
       </p:sp>
       <p:sp>
@@ -8419,8 +8636,87 @@
           <a:lstStyle/>
           <a:p>
             <a:r>
-              <a:rPr lang="de-DE"/>
-              <a:t>Mark Broderius, Christoph Schmitz, Jan</a:t>
+              <a:rPr lang="de-DE" dirty="0"/>
+              <a:t>Mark </a:t>
+            </a:r>
+            <a:r>
+              <a:rPr lang="de-DE" dirty="0" err="1"/>
+              <a:t>Broderius</a:t>
+            </a:r>
+            <a:r>
+              <a:rPr lang="de-DE" dirty="0"/>
+              <a:t>, Christoph Schmitz, Jan Kühling</a:t>
+            </a:r>
+          </a:p>
+        </p:txBody>
+      </p:sp>
+      <p:pic>
+        <p:nvPicPr>
+          <p:cNvPr id="9" name="Inhaltsplatzhalter 4">
+            <a:extLst>
+              <a:ext uri="{FF2B5EF4-FFF2-40B4-BE49-F238E27FC236}">
+                <a16:creationId xmlns:a16="http://schemas.microsoft.com/office/drawing/2014/main" id="{DCD106D6-0C3E-4912-84D8-6926D8FD6FB9}"/>
+              </a:ext>
+            </a:extLst>
+          </p:cNvPr>
+          <p:cNvPicPr>
+            <a:picLocks noChangeAspect="1"/>
+          </p:cNvPicPr>
+          <p:nvPr/>
+        </p:nvPicPr>
+        <p:blipFill>
+          <a:blip r:embed="rId3">
+            <a:extLst>
+              <a:ext uri="{28A0092B-C50C-407E-A947-70E740481C1C}">
+                <a14:useLocalDpi xmlns:a14="http://schemas.microsoft.com/office/drawing/2010/main" val="0"/>
+              </a:ext>
+            </a:extLst>
+          </a:blip>
+          <a:stretch>
+            <a:fillRect/>
+          </a:stretch>
+        </p:blipFill>
+        <p:spPr>
+          <a:xfrm>
+            <a:off x="6343911" y="2549794"/>
+            <a:ext cx="5040912" cy="640650"/>
+          </a:xfrm>
+          <a:prstGeom prst="rect">
+            <a:avLst/>
+          </a:prstGeom>
+        </p:spPr>
+      </p:pic>
+      <p:sp>
+        <p:nvSpPr>
+          <p:cNvPr id="10" name="Textfeld 9">
+            <a:extLst>
+              <a:ext uri="{FF2B5EF4-FFF2-40B4-BE49-F238E27FC236}">
+                <a16:creationId xmlns:a16="http://schemas.microsoft.com/office/drawing/2014/main" id="{E0B42385-6AF3-4070-809E-1AE33B0A2AB5}"/>
+              </a:ext>
+            </a:extLst>
+          </p:cNvPr>
+          <p:cNvSpPr txBox="1"/>
+          <p:nvPr/>
+        </p:nvSpPr>
+        <p:spPr>
+          <a:xfrm>
+            <a:off x="7555685" y="3667557"/>
+            <a:ext cx="2617364" cy="1569660"/>
+          </a:xfrm>
+          <a:prstGeom prst="rect">
+            <a:avLst/>
+          </a:prstGeom>
+          <a:noFill/>
+        </p:spPr>
+        <p:txBody>
+          <a:bodyPr wrap="square" rtlCol="0">
+            <a:spAutoFit/>
+          </a:bodyPr>
+          <a:lstStyle/>
+          <a:p>
+            <a:r>
+              <a:rPr lang="de-DE" sz="9600" b="1" dirty="0"/>
+              <a:t>98%</a:t>
             </a:r>
           </a:p>
         </p:txBody>
@@ -8429,6 +8725,161 @@
     <p:extLst>
       <p:ext uri="{BB962C8B-B14F-4D97-AF65-F5344CB8AC3E}">
         <p14:creationId xmlns:p14="http://schemas.microsoft.com/office/powerpoint/2010/main" val="2745025092"/>
+      </p:ext>
+    </p:extLst>
+  </p:cSld>
+  <p:clrMapOvr>
+    <a:masterClrMapping/>
+  </p:clrMapOvr>
+</p:sld>
+</file>
+
+<file path=ppt/slides/slide23.xml><?xml version="1.0" encoding="utf-8"?>
+<p:sld xmlns:a="http://schemas.openxmlformats.org/drawingml/2006/main" xmlns:r="http://schemas.openxmlformats.org/officeDocument/2006/relationships" xmlns:p="http://schemas.openxmlformats.org/presentationml/2006/main">
+  <p:cSld>
+    <p:bg>
+      <p:bgPr>
+        <a:solidFill>
+          <a:schemeClr val="tx1"/>
+        </a:solidFill>
+        <a:effectLst/>
+      </p:bgPr>
+    </p:bg>
+    <p:spTree>
+      <p:nvGrpSpPr>
+        <p:cNvPr id="1" name=""/>
+        <p:cNvGrpSpPr/>
+        <p:nvPr/>
+      </p:nvGrpSpPr>
+      <p:grpSpPr>
+        <a:xfrm>
+          <a:off x="0" y="0"/>
+          <a:ext cx="0" cy="0"/>
+          <a:chOff x="0" y="0"/>
+          <a:chExt cx="0" cy="0"/>
+        </a:xfrm>
+      </p:grpSpPr>
+      <p:sp>
+        <p:nvSpPr>
+          <p:cNvPr id="8" name="Rechteck 7">
+            <a:extLst>
+              <a:ext uri="{FF2B5EF4-FFF2-40B4-BE49-F238E27FC236}">
+                <a16:creationId xmlns:a16="http://schemas.microsoft.com/office/drawing/2014/main" id="{39782BD2-6844-406D-B26A-BB2AEDE27F01}"/>
+              </a:ext>
+            </a:extLst>
+          </p:cNvPr>
+          <p:cNvSpPr/>
+          <p:nvPr/>
+        </p:nvSpPr>
+        <p:spPr>
+          <a:xfrm>
+            <a:off x="10778400" y="6101080"/>
+            <a:ext cx="670560" cy="2123440"/>
+          </a:xfrm>
+          <a:prstGeom prst="rect">
+            <a:avLst/>
+          </a:prstGeom>
+          <a:solidFill>
+            <a:srgbClr val="C00000"/>
+          </a:solidFill>
+          <a:ln>
+            <a:noFill/>
+          </a:ln>
+          <a:effectLst>
+            <a:outerShdw blurRad="50800" dist="38100" dir="2700000" algn="tl" rotWithShape="0">
+              <a:prstClr val="black">
+                <a:alpha val="40000"/>
+              </a:prstClr>
+            </a:outerShdw>
+          </a:effectLst>
+        </p:spPr>
+        <p:style>
+          <a:lnRef idx="2">
+            <a:schemeClr val="accent1">
+              <a:shade val="50000"/>
+            </a:schemeClr>
+          </a:lnRef>
+          <a:fillRef idx="1">
+            <a:schemeClr val="accent1"/>
+          </a:fillRef>
+          <a:effectRef idx="0">
+            <a:schemeClr val="accent1"/>
+          </a:effectRef>
+          <a:fontRef idx="minor">
+            <a:schemeClr val="lt1"/>
+          </a:fontRef>
+        </p:style>
+        <p:txBody>
+          <a:bodyPr rtlCol="0" anchor="ctr"/>
+          <a:lstStyle/>
+          <a:p>
+            <a:pPr algn="ctr"/>
+            <a:endParaRPr lang="de-DE" dirty="0"/>
+          </a:p>
+        </p:txBody>
+      </p:sp>
+      <p:sp>
+        <p:nvSpPr>
+          <p:cNvPr id="6" name="Foliennummernplatzhalter 5"/>
+          <p:cNvSpPr>
+            <a:spLocks noGrp="1"/>
+          </p:cNvSpPr>
+          <p:nvPr>
+            <p:ph type="sldNum" sz="quarter" idx="12"/>
+          </p:nvPr>
+        </p:nvSpPr>
+        <p:spPr/>
+        <p:txBody>
+          <a:bodyPr/>
+          <a:lstStyle/>
+          <a:p>
+            <a:fld id="{57D8F98F-9146-4D48-BD84-43508DAD44DB}" type="slidenum">
+              <a:rPr lang="de-DE" smtClean="0"/>
+              <a:t>22</a:t>
+            </a:fld>
+            <a:endParaRPr lang="de-DE"/>
+          </a:p>
+        </p:txBody>
+      </p:sp>
+      <p:pic>
+        <p:nvPicPr>
+          <p:cNvPr id="11" name="Inhaltsplatzhalter 10">
+            <a:extLst>
+              <a:ext uri="{FF2B5EF4-FFF2-40B4-BE49-F238E27FC236}">
+                <a16:creationId xmlns:a16="http://schemas.microsoft.com/office/drawing/2014/main" id="{0EEFA0D7-0966-4B4E-BB92-CDAC1C9FD140}"/>
+              </a:ext>
+            </a:extLst>
+          </p:cNvPr>
+          <p:cNvPicPr>
+            <a:picLocks noGrp="1" noChangeAspect="1"/>
+          </p:cNvPicPr>
+          <p:nvPr>
+            <p:ph idx="1"/>
+          </p:nvPr>
+        </p:nvPicPr>
+        <p:blipFill>
+          <a:blip r:embed="rId2" cstate="print">
+            <a:extLst>
+              <a:ext uri="{28A0092B-C50C-407E-A947-70E740481C1C}">
+                <a14:useLocalDpi xmlns:a14="http://schemas.microsoft.com/office/drawing/2010/main" val="0"/>
+              </a:ext>
+            </a:extLst>
+          </a:blip>
+          <a:stretch>
+            <a:fillRect/>
+          </a:stretch>
+        </p:blipFill>
+        <p:spPr>
+          <a:xfrm>
+            <a:off x="3998833" y="158989"/>
+            <a:ext cx="4194334" cy="6540022"/>
+          </a:xfrm>
+        </p:spPr>
+      </p:pic>
+    </p:spTree>
+    <p:extLst>
+      <p:ext uri="{BB962C8B-B14F-4D97-AF65-F5344CB8AC3E}">
+        <p14:creationId xmlns:p14="http://schemas.microsoft.com/office/powerpoint/2010/main" val="1233355097"/>
       </p:ext>
     </p:extLst>
   </p:cSld>
@@ -8760,8 +9211,16 @@
           <a:lstStyle/>
           <a:p>
             <a:r>
-              <a:rPr lang="de-DE"/>
-              <a:t>Mark Broderius, Christoph Schmitz, Jan</a:t>
+              <a:rPr lang="de-DE" dirty="0"/>
+              <a:t>Mark </a:t>
+            </a:r>
+            <a:r>
+              <a:rPr lang="de-DE" dirty="0" err="1"/>
+              <a:t>Broderius</a:t>
+            </a:r>
+            <a:r>
+              <a:rPr lang="de-DE" dirty="0"/>
+              <a:t>, Christoph Schmitz, Jan Kühling</a:t>
             </a:r>
           </a:p>
         </p:txBody>
@@ -9538,8 +9997,16 @@
           <a:lstStyle/>
           <a:p>
             <a:r>
-              <a:rPr lang="de-DE"/>
-              <a:t>Mark Broderius, Christoph Schmitz, Jan</a:t>
+              <a:rPr lang="de-DE" dirty="0"/>
+              <a:t>Mark </a:t>
+            </a:r>
+            <a:r>
+              <a:rPr lang="de-DE" dirty="0" err="1"/>
+              <a:t>Broderius</a:t>
+            </a:r>
+            <a:r>
+              <a:rPr lang="de-DE" dirty="0"/>
+              <a:t>, Christoph Schmitz, Jan Kühling</a:t>
             </a:r>
           </a:p>
         </p:txBody>
@@ -9792,8 +10259,16 @@
           <a:lstStyle/>
           <a:p>
             <a:r>
-              <a:rPr lang="de-DE"/>
-              <a:t>Mark Broderius, Christoph Schmitz, Jan</a:t>
+              <a:rPr lang="de-DE" dirty="0"/>
+              <a:t>Mark </a:t>
+            </a:r>
+            <a:r>
+              <a:rPr lang="de-DE" dirty="0" err="1"/>
+              <a:t>Broderius</a:t>
+            </a:r>
+            <a:r>
+              <a:rPr lang="de-DE" dirty="0"/>
+              <a:t>, Christoph Schmitz, Jan Kühling</a:t>
             </a:r>
           </a:p>
         </p:txBody>
@@ -10023,8 +10498,16 @@
           <a:lstStyle/>
           <a:p>
             <a:r>
-              <a:rPr lang="de-DE"/>
-              <a:t>Mark Broderius, Christoph Schmitz, Jan</a:t>
+              <a:rPr lang="de-DE" dirty="0"/>
+              <a:t>Mark </a:t>
+            </a:r>
+            <a:r>
+              <a:rPr lang="de-DE" dirty="0" err="1"/>
+              <a:t>Broderius</a:t>
+            </a:r>
+            <a:r>
+              <a:rPr lang="de-DE" dirty="0"/>
+              <a:t>, Christoph Schmitz, Jan Kühling</a:t>
             </a:r>
           </a:p>
         </p:txBody>
@@ -10289,8 +10772,16 @@
           <a:lstStyle/>
           <a:p>
             <a:r>
-              <a:rPr lang="de-DE"/>
-              <a:t>Mark Broderius, Christoph Schmitz, Jan</a:t>
+              <a:rPr lang="de-DE" dirty="0"/>
+              <a:t>Mark </a:t>
+            </a:r>
+            <a:r>
+              <a:rPr lang="de-DE" dirty="0" err="1"/>
+              <a:t>Broderius</a:t>
+            </a:r>
+            <a:r>
+              <a:rPr lang="de-DE" dirty="0"/>
+              <a:t>, Christoph Schmitz, Jan Kühling</a:t>
             </a:r>
           </a:p>
         </p:txBody>
@@ -10636,8 +11127,16 @@
           <a:lstStyle/>
           <a:p>
             <a:r>
-              <a:rPr lang="de-DE"/>
-              <a:t>Mark Broderius, Christoph Schmitz, Jan</a:t>
+              <a:rPr lang="de-DE" dirty="0"/>
+              <a:t>Mark </a:t>
+            </a:r>
+            <a:r>
+              <a:rPr lang="de-DE" dirty="0" err="1"/>
+              <a:t>Broderius</a:t>
+            </a:r>
+            <a:r>
+              <a:rPr lang="de-DE" dirty="0"/>
+              <a:t>, Christoph Schmitz, Jan Kühling</a:t>
             </a:r>
           </a:p>
         </p:txBody>
@@ -10867,8 +11366,16 @@
           <a:lstStyle/>
           <a:p>
             <a:r>
-              <a:rPr lang="de-DE"/>
-              <a:t>Mark Broderius, Christoph Schmitz, Jan</a:t>
+              <a:rPr lang="de-DE" dirty="0"/>
+              <a:t>Mark </a:t>
+            </a:r>
+            <a:r>
+              <a:rPr lang="de-DE" dirty="0" err="1"/>
+              <a:t>Broderius</a:t>
+            </a:r>
+            <a:r>
+              <a:rPr lang="de-DE" dirty="0"/>
+              <a:t>, Christoph Schmitz, Jan Kühling</a:t>
             </a:r>
           </a:p>
         </p:txBody>
